--- a/slides/06 - E6 - MongoDB Find.pptx
+++ b/slides/06 - E6 - MongoDB Find.pptx
@@ -5,7 +5,7 @@
     <p:sldMasterId id="2147483793" r:id="rId1"/>
   </p:sldMasterIdLst>
   <p:notesMasterIdLst>
-    <p:notesMasterId r:id="rId25"/>
+    <p:notesMasterId r:id="rId26"/>
   </p:notesMasterIdLst>
   <p:sldIdLst>
     <p:sldId id="256" r:id="rId2"/>
@@ -20,17 +20,18 @@
     <p:sldId id="281" r:id="rId11"/>
     <p:sldId id="279" r:id="rId12"/>
     <p:sldId id="280" r:id="rId13"/>
-    <p:sldId id="282" r:id="rId14"/>
-    <p:sldId id="284" r:id="rId15"/>
-    <p:sldId id="283" r:id="rId16"/>
-    <p:sldId id="285" r:id="rId17"/>
-    <p:sldId id="286" r:id="rId18"/>
-    <p:sldId id="287" r:id="rId19"/>
-    <p:sldId id="296" r:id="rId20"/>
-    <p:sldId id="289" r:id="rId21"/>
-    <p:sldId id="290" r:id="rId22"/>
-    <p:sldId id="312" r:id="rId23"/>
-    <p:sldId id="309" r:id="rId24"/>
+    <p:sldId id="313" r:id="rId14"/>
+    <p:sldId id="282" r:id="rId15"/>
+    <p:sldId id="284" r:id="rId16"/>
+    <p:sldId id="283" r:id="rId17"/>
+    <p:sldId id="285" r:id="rId18"/>
+    <p:sldId id="286" r:id="rId19"/>
+    <p:sldId id="287" r:id="rId20"/>
+    <p:sldId id="296" r:id="rId21"/>
+    <p:sldId id="289" r:id="rId22"/>
+    <p:sldId id="290" r:id="rId23"/>
+    <p:sldId id="312" r:id="rId24"/>
+    <p:sldId id="309" r:id="rId25"/>
   </p:sldIdLst>
   <p:sldSz cx="9144000" cy="6858000" type="screen4x3"/>
   <p:notesSz cx="6858000" cy="9144000"/>
@@ -234,7 +235,7 @@
           <a:p>
             <a:fld id="{8C81D565-392B-4AB9-9647-420EF17AA3FC}" type="datetimeFigureOut">
               <a:rPr lang="it-IT" smtClean="0"/>
-              <a:t>05/02/2020</a:t>
+              <a:t>22/12/2021</a:t>
             </a:fld>
             <a:endParaRPr lang="it-IT" dirty="0"/>
           </a:p>
@@ -298,38 +299,37 @@
           <a:p>
             <a:pPr lvl="0"/>
             <a:r>
-              <a:rPr lang="it-IT" smtClean="0"/>
+              <a:rPr lang="it-IT"/>
               <a:t>Fare clic per modificare stili del testo dello schema</a:t>
             </a:r>
           </a:p>
           <a:p>
             <a:pPr lvl="1"/>
             <a:r>
-              <a:rPr lang="it-IT" smtClean="0"/>
+              <a:rPr lang="it-IT"/>
               <a:t>Secondo livello</a:t>
             </a:r>
           </a:p>
           <a:p>
             <a:pPr lvl="2"/>
             <a:r>
-              <a:rPr lang="it-IT" smtClean="0"/>
+              <a:rPr lang="it-IT"/>
               <a:t>Terzo livello</a:t>
             </a:r>
           </a:p>
           <a:p>
             <a:pPr lvl="3"/>
             <a:r>
-              <a:rPr lang="it-IT" smtClean="0"/>
+              <a:rPr lang="it-IT"/>
               <a:t>Quarto livello</a:t>
             </a:r>
           </a:p>
           <a:p>
             <a:pPr lvl="4"/>
             <a:r>
-              <a:rPr lang="it-IT" smtClean="0"/>
+              <a:rPr lang="it-IT"/>
               <a:t>Quinto livello</a:t>
             </a:r>
-            <a:endParaRPr lang="it-IT"/>
           </a:p>
         </p:txBody>
       </p:sp>
@@ -555,7 +555,7 @@
               <a:buFont typeface="Arial" panose="020B0604020202020204" pitchFamily="34" charset="0"/>
               <a:buNone/>
             </a:pPr>
-            <a:endParaRPr lang="it-IT" baseline="0" dirty="0" smtClean="0"/>
+            <a:endParaRPr lang="it-IT" baseline="0" dirty="0"/>
           </a:p>
         </p:txBody>
       </p:sp>
@@ -640,10 +640,9 @@
           <a:lstStyle/>
           <a:p>
             <a:r>
-              <a:rPr lang="it-IT" dirty="0" smtClean="0"/>
+              <a:rPr lang="it-IT" dirty="0"/>
               <a:t>NOR = nessuno dei criteri indicati</a:t>
             </a:r>
-            <a:endParaRPr lang="it-IT" dirty="0"/>
           </a:p>
         </p:txBody>
       </p:sp>
@@ -728,10 +727,9 @@
           <a:lstStyle/>
           <a:p>
             <a:r>
-              <a:rPr lang="it-IT" dirty="0" smtClean="0"/>
+              <a:rPr lang="it-IT" dirty="0"/>
               <a:t>NOR = nessuno dei criteri indicati</a:t>
             </a:r>
-            <a:endParaRPr lang="it-IT" dirty="0"/>
           </a:p>
         </p:txBody>
       </p:sp>
@@ -901,7 +899,7 @@
           </a:lstStyle>
           <a:p>
             <a:r>
-              <a:rPr lang="it-IT" smtClean="0"/>
+              <a:rPr lang="it-IT"/>
               <a:t>Fare clic per modificare lo stile del titolo</a:t>
             </a:r>
             <a:endParaRPr lang="en-US" dirty="0"/>
@@ -973,7 +971,7 @@
           </a:lstStyle>
           <a:p>
             <a:r>
-              <a:rPr lang="it-IT" smtClean="0"/>
+              <a:rPr lang="it-IT"/>
               <a:t>Fare clic per modificare lo stile del sottotitolo dello schema</a:t>
             </a:r>
             <a:endParaRPr lang="en-US" dirty="0"/>
@@ -997,7 +995,7 @@
           <a:p>
             <a:fld id="{65061730-2F0F-4B55-83F4-33856D80FFD7}" type="datetime1">
               <a:rPr lang="en-US" smtClean="0"/>
-              <a:t>2/5/2020</a:t>
+              <a:t>12/22/2021</a:t>
             </a:fld>
             <a:endParaRPr lang="en-US" dirty="0"/>
           </a:p>
@@ -1129,7 +1127,7 @@
           <a:lstStyle/>
           <a:p>
             <a:r>
-              <a:rPr lang="it-IT" smtClean="0"/>
+              <a:rPr lang="it-IT"/>
               <a:t>Fare clic per modificare lo stile del titolo</a:t>
             </a:r>
             <a:endParaRPr lang="en-US" dirty="0"/>
@@ -1153,35 +1151,35 @@
           <a:p>
             <a:pPr lvl="0"/>
             <a:r>
-              <a:rPr lang="it-IT" smtClean="0"/>
+              <a:rPr lang="it-IT"/>
               <a:t>Fare clic per modificare stili del testo dello schema</a:t>
             </a:r>
           </a:p>
           <a:p>
             <a:pPr lvl="1"/>
             <a:r>
-              <a:rPr lang="it-IT" smtClean="0"/>
+              <a:rPr lang="it-IT"/>
               <a:t>Secondo livello</a:t>
             </a:r>
           </a:p>
           <a:p>
             <a:pPr lvl="2"/>
             <a:r>
-              <a:rPr lang="it-IT" smtClean="0"/>
+              <a:rPr lang="it-IT"/>
               <a:t>Terzo livello</a:t>
             </a:r>
           </a:p>
           <a:p>
             <a:pPr lvl="3"/>
             <a:r>
-              <a:rPr lang="it-IT" smtClean="0"/>
+              <a:rPr lang="it-IT"/>
               <a:t>Quarto livello</a:t>
             </a:r>
           </a:p>
           <a:p>
             <a:pPr lvl="4"/>
             <a:r>
-              <a:rPr lang="it-IT" smtClean="0"/>
+              <a:rPr lang="it-IT"/>
               <a:t>Quinto livello</a:t>
             </a:r>
             <a:endParaRPr lang="en-US" dirty="0"/>
@@ -1205,7 +1203,7 @@
           <a:p>
             <a:fld id="{BE1035D6-F845-4530-B289-DD4EC9CAE501}" type="datetime1">
               <a:rPr lang="en-US" smtClean="0"/>
-              <a:t>2/5/2020</a:t>
+              <a:t>12/22/2021</a:t>
             </a:fld>
             <a:endParaRPr lang="en-US" dirty="0"/>
           </a:p>
@@ -1380,7 +1378,7 @@
           <a:lstStyle/>
           <a:p>
             <a:r>
-              <a:rPr lang="it-IT" smtClean="0"/>
+              <a:rPr lang="it-IT"/>
               <a:t>Fare clic per modificare lo stile del titolo</a:t>
             </a:r>
             <a:endParaRPr lang="en-US" dirty="0"/>
@@ -1409,35 +1407,35 @@
           <a:p>
             <a:pPr lvl="0"/>
             <a:r>
-              <a:rPr lang="it-IT" smtClean="0"/>
+              <a:rPr lang="it-IT"/>
               <a:t>Fare clic per modificare stili del testo dello schema</a:t>
             </a:r>
           </a:p>
           <a:p>
             <a:pPr lvl="1"/>
             <a:r>
-              <a:rPr lang="it-IT" smtClean="0"/>
+              <a:rPr lang="it-IT"/>
               <a:t>Secondo livello</a:t>
             </a:r>
           </a:p>
           <a:p>
             <a:pPr lvl="2"/>
             <a:r>
-              <a:rPr lang="it-IT" smtClean="0"/>
+              <a:rPr lang="it-IT"/>
               <a:t>Terzo livello</a:t>
             </a:r>
           </a:p>
           <a:p>
             <a:pPr lvl="3"/>
             <a:r>
-              <a:rPr lang="it-IT" smtClean="0"/>
+              <a:rPr lang="it-IT"/>
               <a:t>Quarto livello</a:t>
             </a:r>
           </a:p>
           <a:p>
             <a:pPr lvl="4"/>
             <a:r>
-              <a:rPr lang="it-IT" smtClean="0"/>
+              <a:rPr lang="it-IT"/>
               <a:t>Quinto livello</a:t>
             </a:r>
             <a:endParaRPr lang="en-US" dirty="0"/>
@@ -1461,7 +1459,7 @@
           <a:p>
             <a:fld id="{EDD3DE46-844C-40F1-AAA7-78AD6518D44C}" type="datetime1">
               <a:rPr lang="en-US" smtClean="0"/>
-              <a:t>2/5/2020</a:t>
+              <a:t>12/22/2021</a:t>
             </a:fld>
             <a:endParaRPr lang="en-US" dirty="0"/>
           </a:p>
@@ -1557,7 +1555,7 @@
           <a:lstStyle/>
           <a:p>
             <a:r>
-              <a:rPr lang="it-IT" smtClean="0"/>
+              <a:rPr lang="it-IT"/>
               <a:t>Fare clic per modificare lo stile del titolo</a:t>
             </a:r>
             <a:endParaRPr lang="en-US" dirty="0"/>
@@ -1581,35 +1579,35 @@
           <a:p>
             <a:pPr lvl="0"/>
             <a:r>
-              <a:rPr lang="it-IT" smtClean="0"/>
+              <a:rPr lang="it-IT"/>
               <a:t>Fare clic per modificare stili del testo dello schema</a:t>
             </a:r>
           </a:p>
           <a:p>
             <a:pPr lvl="1"/>
             <a:r>
-              <a:rPr lang="it-IT" smtClean="0"/>
+              <a:rPr lang="it-IT"/>
               <a:t>Secondo livello</a:t>
             </a:r>
           </a:p>
           <a:p>
             <a:pPr lvl="2"/>
             <a:r>
-              <a:rPr lang="it-IT" smtClean="0"/>
+              <a:rPr lang="it-IT"/>
               <a:t>Terzo livello</a:t>
             </a:r>
           </a:p>
           <a:p>
             <a:pPr lvl="3"/>
             <a:r>
-              <a:rPr lang="it-IT" smtClean="0"/>
+              <a:rPr lang="it-IT"/>
               <a:t>Quarto livello</a:t>
             </a:r>
           </a:p>
           <a:p>
             <a:pPr lvl="4"/>
             <a:r>
-              <a:rPr lang="it-IT" smtClean="0"/>
+              <a:rPr lang="it-IT"/>
               <a:t>Quinto livello</a:t>
             </a:r>
             <a:endParaRPr lang="en-US" dirty="0"/>
@@ -1633,7 +1631,7 @@
           <a:p>
             <a:fld id="{1FCF7768-7A83-43C9-9C3D-95CD5F68D7E2}" type="datetime1">
               <a:rPr lang="en-US" smtClean="0"/>
-              <a:t>2/5/2020</a:t>
+              <a:t>12/22/2021</a:t>
             </a:fld>
             <a:endParaRPr lang="en-US" dirty="0"/>
           </a:p>
@@ -1832,7 +1830,7 @@
           </a:lstStyle>
           <a:p>
             <a:r>
-              <a:rPr lang="it-IT" smtClean="0"/>
+              <a:rPr lang="it-IT"/>
               <a:t>Fare clic per modificare lo stile del titolo</a:t>
             </a:r>
             <a:endParaRPr lang="en-US" dirty="0"/>
@@ -1953,7 +1951,7 @@
           <a:p>
             <a:pPr lvl="0"/>
             <a:r>
-              <a:rPr lang="it-IT" smtClean="0"/>
+              <a:rPr lang="it-IT"/>
               <a:t>Fare clic per modificare stili del testo dello schema</a:t>
             </a:r>
           </a:p>
@@ -1976,7 +1974,7 @@
           <a:p>
             <a:fld id="{58DD30C4-1715-4BC2-976F-EF7BA4DC70B4}" type="datetime1">
               <a:rPr lang="en-US" smtClean="0"/>
-              <a:t>2/5/2020</a:t>
+              <a:t>12/22/2021</a:t>
             </a:fld>
             <a:endParaRPr lang="en-US" dirty="0"/>
           </a:p>
@@ -2113,7 +2111,7 @@
           <a:lstStyle/>
           <a:p>
             <a:r>
-              <a:rPr lang="it-IT" smtClean="0"/>
+              <a:rPr lang="it-IT"/>
               <a:t>Fare clic per modificare lo stile del titolo</a:t>
             </a:r>
             <a:endParaRPr lang="en-US" dirty="0"/>
@@ -2142,35 +2140,35 @@
           <a:p>
             <a:pPr lvl="0"/>
             <a:r>
-              <a:rPr lang="it-IT" smtClean="0"/>
+              <a:rPr lang="it-IT"/>
               <a:t>Fare clic per modificare stili del testo dello schema</a:t>
             </a:r>
           </a:p>
           <a:p>
             <a:pPr lvl="1"/>
             <a:r>
-              <a:rPr lang="it-IT" smtClean="0"/>
+              <a:rPr lang="it-IT"/>
               <a:t>Secondo livello</a:t>
             </a:r>
           </a:p>
           <a:p>
             <a:pPr lvl="2"/>
             <a:r>
-              <a:rPr lang="it-IT" smtClean="0"/>
+              <a:rPr lang="it-IT"/>
               <a:t>Terzo livello</a:t>
             </a:r>
           </a:p>
           <a:p>
             <a:pPr lvl="3"/>
             <a:r>
-              <a:rPr lang="it-IT" smtClean="0"/>
+              <a:rPr lang="it-IT"/>
               <a:t>Quarto livello</a:t>
             </a:r>
           </a:p>
           <a:p>
             <a:pPr lvl="4"/>
             <a:r>
-              <a:rPr lang="it-IT" smtClean="0"/>
+              <a:rPr lang="it-IT"/>
               <a:t>Quinto livello</a:t>
             </a:r>
             <a:endParaRPr lang="en-US" dirty="0"/>
@@ -2199,35 +2197,35 @@
           <a:p>
             <a:pPr lvl="0"/>
             <a:r>
-              <a:rPr lang="it-IT" smtClean="0"/>
+              <a:rPr lang="it-IT"/>
               <a:t>Fare clic per modificare stili del testo dello schema</a:t>
             </a:r>
           </a:p>
           <a:p>
             <a:pPr lvl="1"/>
             <a:r>
-              <a:rPr lang="it-IT" smtClean="0"/>
+              <a:rPr lang="it-IT"/>
               <a:t>Secondo livello</a:t>
             </a:r>
           </a:p>
           <a:p>
             <a:pPr lvl="2"/>
             <a:r>
-              <a:rPr lang="it-IT" smtClean="0"/>
+              <a:rPr lang="it-IT"/>
               <a:t>Terzo livello</a:t>
             </a:r>
           </a:p>
           <a:p>
             <a:pPr lvl="3"/>
             <a:r>
-              <a:rPr lang="it-IT" smtClean="0"/>
+              <a:rPr lang="it-IT"/>
               <a:t>Quarto livello</a:t>
             </a:r>
           </a:p>
           <a:p>
             <a:pPr lvl="4"/>
             <a:r>
-              <a:rPr lang="it-IT" smtClean="0"/>
+              <a:rPr lang="it-IT"/>
               <a:t>Quinto livello</a:t>
             </a:r>
             <a:endParaRPr lang="en-US" dirty="0"/>
@@ -2251,7 +2249,7 @@
           <a:p>
             <a:fld id="{E92CF10C-564E-48D4-BE3A-05BB93A7F107}" type="datetime1">
               <a:rPr lang="en-US" smtClean="0"/>
-              <a:t>2/5/2020</a:t>
+              <a:t>12/22/2021</a:t>
             </a:fld>
             <a:endParaRPr lang="en-US" dirty="0"/>
           </a:p>
@@ -2350,7 +2348,7 @@
           <a:lstStyle/>
           <a:p>
             <a:r>
-              <a:rPr lang="it-IT" smtClean="0"/>
+              <a:rPr lang="it-IT"/>
               <a:t>Fare clic per modificare lo stile del titolo</a:t>
             </a:r>
             <a:endParaRPr lang="en-US" dirty="0"/>
@@ -2422,7 +2420,7 @@
           <a:p>
             <a:pPr lvl="0"/>
             <a:r>
-              <a:rPr lang="it-IT" smtClean="0"/>
+              <a:rPr lang="it-IT"/>
               <a:t>Fare clic per modificare stili del testo dello schema</a:t>
             </a:r>
           </a:p>
@@ -2450,35 +2448,35 @@
           <a:p>
             <a:pPr lvl="0"/>
             <a:r>
-              <a:rPr lang="it-IT" smtClean="0"/>
+              <a:rPr lang="it-IT"/>
               <a:t>Fare clic per modificare stili del testo dello schema</a:t>
             </a:r>
           </a:p>
           <a:p>
             <a:pPr lvl="1"/>
             <a:r>
-              <a:rPr lang="it-IT" smtClean="0"/>
+              <a:rPr lang="it-IT"/>
               <a:t>Secondo livello</a:t>
             </a:r>
           </a:p>
           <a:p>
             <a:pPr lvl="2"/>
             <a:r>
-              <a:rPr lang="it-IT" smtClean="0"/>
+              <a:rPr lang="it-IT"/>
               <a:t>Terzo livello</a:t>
             </a:r>
           </a:p>
           <a:p>
             <a:pPr lvl="3"/>
             <a:r>
-              <a:rPr lang="it-IT" smtClean="0"/>
+              <a:rPr lang="it-IT"/>
               <a:t>Quarto livello</a:t>
             </a:r>
           </a:p>
           <a:p>
             <a:pPr lvl="4"/>
             <a:r>
-              <a:rPr lang="it-IT" smtClean="0"/>
+              <a:rPr lang="it-IT"/>
               <a:t>Quinto livello</a:t>
             </a:r>
             <a:endParaRPr lang="en-US" dirty="0"/>
@@ -2550,7 +2548,7 @@
           <a:p>
             <a:pPr lvl="0"/>
             <a:r>
-              <a:rPr lang="it-IT" smtClean="0"/>
+              <a:rPr lang="it-IT"/>
               <a:t>Fare clic per modificare stili del testo dello schema</a:t>
             </a:r>
           </a:p>
@@ -2578,35 +2576,35 @@
           <a:p>
             <a:pPr lvl="0"/>
             <a:r>
-              <a:rPr lang="it-IT" smtClean="0"/>
+              <a:rPr lang="it-IT"/>
               <a:t>Fare clic per modificare stili del testo dello schema</a:t>
             </a:r>
           </a:p>
           <a:p>
             <a:pPr lvl="1"/>
             <a:r>
-              <a:rPr lang="it-IT" smtClean="0"/>
+              <a:rPr lang="it-IT"/>
               <a:t>Secondo livello</a:t>
             </a:r>
           </a:p>
           <a:p>
             <a:pPr lvl="2"/>
             <a:r>
-              <a:rPr lang="it-IT" smtClean="0"/>
+              <a:rPr lang="it-IT"/>
               <a:t>Terzo livello</a:t>
             </a:r>
           </a:p>
           <a:p>
             <a:pPr lvl="3"/>
             <a:r>
-              <a:rPr lang="it-IT" smtClean="0"/>
+              <a:rPr lang="it-IT"/>
               <a:t>Quarto livello</a:t>
             </a:r>
           </a:p>
           <a:p>
             <a:pPr lvl="4"/>
             <a:r>
-              <a:rPr lang="it-IT" smtClean="0"/>
+              <a:rPr lang="it-IT"/>
               <a:t>Quinto livello</a:t>
             </a:r>
             <a:endParaRPr lang="en-US" dirty="0"/>
@@ -2630,7 +2628,7 @@
           <a:p>
             <a:fld id="{CEF5B9DB-33AD-46E7-ADFD-C52815BFEA09}" type="datetime1">
               <a:rPr lang="en-US" smtClean="0"/>
-              <a:t>2/5/2020</a:t>
+              <a:t>12/22/2021</a:t>
             </a:fld>
             <a:endParaRPr lang="en-US" dirty="0"/>
           </a:p>
@@ -2724,7 +2722,7 @@
           <a:lstStyle/>
           <a:p>
             <a:r>
-              <a:rPr lang="it-IT" smtClean="0"/>
+              <a:rPr lang="it-IT"/>
               <a:t>Fare clic per modificare lo stile del titolo</a:t>
             </a:r>
             <a:endParaRPr lang="en-US" dirty="0"/>
@@ -2748,7 +2746,7 @@
           <a:p>
             <a:fld id="{EFC02824-932F-46A1-8D0D-D52979BEE663}" type="datetime1">
               <a:rPr lang="en-US" smtClean="0"/>
-              <a:t>2/5/2020</a:t>
+              <a:t>12/22/2021</a:t>
             </a:fld>
             <a:endParaRPr lang="en-US" dirty="0"/>
           </a:p>
@@ -2919,7 +2917,7 @@
           <a:p>
             <a:fld id="{36233CB2-1968-4F08-9AB4-83693145DE18}" type="datetime1">
               <a:rPr lang="en-US" smtClean="0"/>
-              <a:t>2/5/2020</a:t>
+              <a:t>12/22/2021</a:t>
             </a:fld>
             <a:endParaRPr lang="en-US" dirty="0"/>
           </a:p>
@@ -3113,7 +3111,7 @@
           </a:lstStyle>
           <a:p>
             <a:r>
-              <a:rPr lang="it-IT" smtClean="0"/>
+              <a:rPr lang="it-IT"/>
               <a:t>Fare clic per modificare lo stile del titolo</a:t>
             </a:r>
             <a:endParaRPr lang="en-US" dirty="0"/>
@@ -3142,35 +3140,35 @@
           <a:p>
             <a:pPr lvl="0"/>
             <a:r>
-              <a:rPr lang="it-IT" smtClean="0"/>
+              <a:rPr lang="it-IT"/>
               <a:t>Fare clic per modificare stili del testo dello schema</a:t>
             </a:r>
           </a:p>
           <a:p>
             <a:pPr lvl="1"/>
             <a:r>
-              <a:rPr lang="it-IT" smtClean="0"/>
+              <a:rPr lang="it-IT"/>
               <a:t>Secondo livello</a:t>
             </a:r>
           </a:p>
           <a:p>
             <a:pPr lvl="2"/>
             <a:r>
-              <a:rPr lang="it-IT" smtClean="0"/>
+              <a:rPr lang="it-IT"/>
               <a:t>Terzo livello</a:t>
             </a:r>
           </a:p>
           <a:p>
             <a:pPr lvl="3"/>
             <a:r>
-              <a:rPr lang="it-IT" smtClean="0"/>
+              <a:rPr lang="it-IT"/>
               <a:t>Quarto livello</a:t>
             </a:r>
           </a:p>
           <a:p>
             <a:pPr lvl="4"/>
             <a:r>
-              <a:rPr lang="it-IT" smtClean="0"/>
+              <a:rPr lang="it-IT"/>
               <a:t>Quinto livello</a:t>
             </a:r>
             <a:endParaRPr lang="en-US" dirty="0"/>
@@ -3242,7 +3240,7 @@
           <a:p>
             <a:pPr lvl="0"/>
             <a:r>
-              <a:rPr lang="it-IT" smtClean="0"/>
+              <a:rPr lang="it-IT"/>
               <a:t>Fare clic per modificare stili del testo dello schema</a:t>
             </a:r>
           </a:p>
@@ -3274,7 +3272,7 @@
           <a:p>
             <a:fld id="{F8F6D7E5-1322-4764-A2E4-7B71FFFDE726}" type="datetime1">
               <a:rPr lang="en-US" smtClean="0"/>
-              <a:t>2/5/2020</a:t>
+              <a:t>12/22/2021</a:t>
             </a:fld>
             <a:endParaRPr lang="en-US" dirty="0"/>
           </a:p>
@@ -3481,7 +3479,7 @@
           </a:lstStyle>
           <a:p>
             <a:r>
-              <a:rPr lang="it-IT" smtClean="0"/>
+              <a:rPr lang="it-IT"/>
               <a:t>Fare clic per modificare lo stile del titolo</a:t>
             </a:r>
             <a:endParaRPr lang="en-US" dirty="0"/>
@@ -3551,7 +3549,7 @@
           </a:lstStyle>
           <a:p>
             <a:r>
-              <a:rPr lang="it-IT" dirty="0" smtClean="0"/>
+              <a:rPr lang="it-IT" dirty="0"/>
               <a:t>Fare clic sull'icona per inserire un'immagine</a:t>
             </a:r>
             <a:endParaRPr lang="en-US" dirty="0"/>
@@ -3629,7 +3627,7 @@
           <a:p>
             <a:pPr lvl="0"/>
             <a:r>
-              <a:rPr lang="it-IT" smtClean="0"/>
+              <a:rPr lang="it-IT"/>
               <a:t>Fare clic per modificare stili del testo dello schema</a:t>
             </a:r>
           </a:p>
@@ -3652,7 +3650,7 @@
           <a:p>
             <a:fld id="{E26D0A1A-929F-4DC6-9A8A-74A15252C912}" type="datetime1">
               <a:rPr lang="en-US" smtClean="0"/>
-              <a:t>2/5/2020</a:t>
+              <a:t>12/22/2021</a:t>
             </a:fld>
             <a:endParaRPr lang="en-US" dirty="0"/>
           </a:p>
@@ -3837,7 +3835,7 @@
           <a:lstStyle/>
           <a:p>
             <a:r>
-              <a:rPr lang="it-IT" smtClean="0"/>
+              <a:rPr lang="it-IT"/>
               <a:t>Fare clic per modificare lo stile del titolo</a:t>
             </a:r>
             <a:endParaRPr lang="en-US" dirty="0"/>
@@ -3871,35 +3869,35 @@
           <a:p>
             <a:pPr lvl="0"/>
             <a:r>
-              <a:rPr lang="it-IT" smtClean="0"/>
+              <a:rPr lang="it-IT"/>
               <a:t>Fare clic per modificare stili del testo dello schema</a:t>
             </a:r>
           </a:p>
           <a:p>
             <a:pPr lvl="1"/>
             <a:r>
-              <a:rPr lang="it-IT" smtClean="0"/>
+              <a:rPr lang="it-IT"/>
               <a:t>Secondo livello</a:t>
             </a:r>
           </a:p>
           <a:p>
             <a:pPr lvl="2"/>
             <a:r>
-              <a:rPr lang="it-IT" smtClean="0"/>
+              <a:rPr lang="it-IT"/>
               <a:t>Terzo livello</a:t>
             </a:r>
           </a:p>
           <a:p>
             <a:pPr lvl="3"/>
             <a:r>
-              <a:rPr lang="it-IT" smtClean="0"/>
+              <a:rPr lang="it-IT"/>
               <a:t>Quarto livello</a:t>
             </a:r>
           </a:p>
           <a:p>
             <a:pPr lvl="4"/>
             <a:r>
-              <a:rPr lang="it-IT" smtClean="0"/>
+              <a:rPr lang="it-IT"/>
               <a:t>Quinto livello</a:t>
             </a:r>
             <a:endParaRPr lang="en-US" dirty="0"/>
@@ -3939,7 +3937,7 @@
           <a:p>
             <a:fld id="{EDD3DE46-844C-40F1-AAA7-78AD6518D44C}" type="datetime1">
               <a:rPr lang="en-US" smtClean="0"/>
-              <a:t>2/5/2020</a:t>
+              <a:t>12/22/2021</a:t>
             </a:fld>
             <a:endParaRPr lang="en-US" dirty="0"/>
           </a:p>
@@ -4489,7 +4487,7 @@
           <a:p>
             <a:pPr algn="ctr"/>
             <a:r>
-              <a:rPr lang="it-IT" noProof="0" dirty="0" err="1" smtClean="0"/>
+              <a:rPr lang="it-IT" noProof="0" dirty="0" err="1"/>
               <a:t>MongoDB</a:t>
             </a:r>
             <a:endParaRPr lang="it-IT" noProof="0" dirty="0"/>
@@ -4514,23 +4512,22 @@
         </p:spPr>
         <p:txBody>
           <a:bodyPr>
-            <a:normAutofit fontScale="77500" lnSpcReduction="20000"/>
+            <a:normAutofit fontScale="70000" lnSpcReduction="20000"/>
           </a:bodyPr>
           <a:lstStyle/>
           <a:p>
             <a:r>
-              <a:rPr lang="it-IT" noProof="0" dirty="0" smtClean="0"/>
+              <a:rPr lang="it-IT" noProof="0" dirty="0"/>
               <a:t>A </a:t>
             </a:r>
             <a:r>
-              <a:rPr lang="it-IT" noProof="0" dirty="0" err="1" smtClean="0"/>
+              <a:rPr lang="it-IT" noProof="0" dirty="0" err="1"/>
               <a:t>document-oriented</a:t>
             </a:r>
             <a:r>
-              <a:rPr lang="it-IT" noProof="0" dirty="0" smtClean="0"/>
+              <a:rPr lang="it-IT" noProof="0" dirty="0"/>
               <a:t> database</a:t>
             </a:r>
-            <a:endParaRPr lang="it-IT" noProof="0" dirty="0"/>
           </a:p>
         </p:txBody>
       </p:sp>
@@ -4815,13 +4812,6 @@
   <p:clrMapOvr>
     <a:masterClrMapping/>
   </p:clrMapOvr>
-  <p:timing>
-    <p:tnLst>
-      <p:par>
-        <p:cTn id="1" dur="indefinite" restart="never" nodeType="tmRoot"/>
-      </p:par>
-    </p:tnLst>
-  </p:timing>
 </p:sld>
 </file>
 
@@ -4858,14 +4848,13 @@
           <a:lstStyle/>
           <a:p>
             <a:r>
-              <a:rPr lang="it-IT" dirty="0" err="1" smtClean="0"/>
+              <a:rPr lang="it-IT" dirty="0" err="1"/>
               <a:t>Find</a:t>
             </a:r>
             <a:r>
-              <a:rPr lang="it-IT" dirty="0" smtClean="0"/>
+              <a:rPr lang="it-IT" dirty="0"/>
               <a:t> – condizioni multiple</a:t>
             </a:r>
-            <a:endParaRPr lang="it-IT" dirty="0"/>
           </a:p>
         </p:txBody>
       </p:sp>
@@ -4887,13 +4876,13 @@
           <a:lstStyle/>
           <a:p>
             <a:r>
-              <a:rPr lang="it-IT" dirty="0" smtClean="0"/>
+              <a:rPr lang="it-IT" dirty="0"/>
               <a:t>Possono esserci modi diversi per esprimere lo stesso criterio, più o meno ottimizzati</a:t>
             </a:r>
           </a:p>
           <a:p>
             <a:r>
-              <a:rPr lang="it-IT" dirty="0" smtClean="0"/>
+              <a:rPr lang="it-IT" dirty="0"/>
               <a:t>Esempi</a:t>
             </a:r>
           </a:p>
@@ -4911,7 +4900,7 @@
                 <a:latin typeface="+mj-lt"/>
                 <a:cs typeface="Courier New" panose="02070309020205020404" pitchFamily="49" charset="0"/>
               </a:rPr>
-              <a:t>({"$and" : [{"x" : {"$lt" : 5}}, {"x" : 1}]})</a:t>
+              <a:t>({"$and": [{"x": {"$lt": 5}}, {"x": 1}]})</a:t>
             </a:r>
           </a:p>
           <a:p>
@@ -4928,12 +4917,12 @@
                 <a:latin typeface="+mj-lt"/>
                 <a:cs typeface="Courier New" panose="02070309020205020404" pitchFamily="49" charset="0"/>
               </a:rPr>
-              <a:t>({"x" : {"$lt" : 5, "$in" : [1]}})</a:t>
-            </a:r>
-          </a:p>
-          <a:p>
-            <a:r>
-              <a:rPr lang="it-IT" dirty="0" smtClean="0">
+              <a:t>({"x": {"$lt": 5, "$in": [1]}})</a:t>
+            </a:r>
+          </a:p>
+          <a:p>
+            <a:r>
+              <a:rPr lang="it-IT" dirty="0">
                 <a:cs typeface="Courier New" panose="02070309020205020404" pitchFamily="49" charset="0"/>
               </a:rPr>
               <a:t>L’ottimizzatore fa più fatica in presenza di operatori $and e $or; se possibile, è meglio evitare di usarli</a:t>
@@ -4974,13 +4963,6 @@
   <p:clrMapOvr>
     <a:masterClrMapping/>
   </p:clrMapOvr>
-  <p:timing>
-    <p:tnLst>
-      <p:par>
-        <p:cTn id="1" dur="indefinite" restart="never" nodeType="tmRoot"/>
-      </p:par>
-    </p:tnLst>
-  </p:timing>
 </p:sld>
 </file>
 
@@ -5017,14 +4999,13 @@
           <a:lstStyle/>
           <a:p>
             <a:r>
-              <a:rPr lang="it-IT" dirty="0" err="1" smtClean="0"/>
+              <a:rPr lang="it-IT" dirty="0" err="1"/>
               <a:t>Find</a:t>
             </a:r>
             <a:r>
-              <a:rPr lang="it-IT" dirty="0" smtClean="0"/>
+              <a:rPr lang="it-IT" dirty="0"/>
               <a:t> – negazione</a:t>
             </a:r>
-            <a:endParaRPr lang="it-IT" dirty="0"/>
           </a:p>
         </p:txBody>
       </p:sp>
@@ -5044,7 +5025,7 @@
           <a:lstStyle/>
           <a:p>
             <a:r>
-              <a:rPr lang="it-IT" dirty="0" smtClean="0"/>
+              <a:rPr lang="it-IT" dirty="0"/>
               <a:t>Quali sono gli operatori</a:t>
             </a:r>
           </a:p>
@@ -5072,13 +5053,13 @@
               <a:t> </a:t>
             </a:r>
             <a:r>
-              <a:rPr lang="it-IT" dirty="0" smtClean="0"/>
+              <a:rPr lang="it-IT" dirty="0"/>
               <a:t>– permette di negare un determinato criterio</a:t>
             </a:r>
           </a:p>
           <a:p>
             <a:r>
-              <a:rPr lang="it-IT" dirty="0" smtClean="0"/>
+              <a:rPr lang="it-IT" dirty="0"/>
               <a:t>Esempi</a:t>
             </a:r>
           </a:p>
@@ -5110,7 +5091,7 @@
                 <a:latin typeface="+mj-lt"/>
                 <a:cs typeface="Courier New" panose="02070309020205020404" pitchFamily="49" charset="0"/>
               </a:rPr>
-              <a:t>" : {"$</a:t>
+              <a:t>": {"$</a:t>
             </a:r>
             <a:r>
               <a:rPr lang="it-IT" dirty="0" err="1">
@@ -5124,7 +5105,7 @@
                 <a:latin typeface="+mj-lt"/>
                 <a:cs typeface="Courier New" panose="02070309020205020404" pitchFamily="49" charset="0"/>
               </a:rPr>
-              <a:t>" : {"$</a:t>
+              <a:t>": {"$</a:t>
             </a:r>
             <a:r>
               <a:rPr lang="it-IT" dirty="0" err="1">
@@ -5138,7 +5119,7 @@
                 <a:latin typeface="+mj-lt"/>
                 <a:cs typeface="Courier New" panose="02070309020205020404" pitchFamily="49" charset="0"/>
               </a:rPr>
-              <a:t>" : [5, 1]}}})</a:t>
+              <a:t>": [5, 1]}}})</a:t>
             </a:r>
           </a:p>
         </p:txBody>
@@ -5176,13 +5157,6 @@
   <p:clrMapOvr>
     <a:masterClrMapping/>
   </p:clrMapOvr>
-  <p:timing>
-    <p:tnLst>
-      <p:par>
-        <p:cTn id="1" dur="indefinite" restart="never" nodeType="tmRoot"/>
-      </p:par>
-    </p:tnLst>
-  </p:timing>
 </p:sld>
 </file>
 
@@ -5219,14 +5193,13 @@
           <a:lstStyle/>
           <a:p>
             <a:r>
-              <a:rPr lang="it-IT" dirty="0" err="1" smtClean="0"/>
+              <a:rPr lang="it-IT" dirty="0" err="1"/>
               <a:t>Find</a:t>
             </a:r>
             <a:r>
-              <a:rPr lang="it-IT" dirty="0" smtClean="0"/>
+              <a:rPr lang="it-IT" dirty="0"/>
               <a:t> – esistenza e campi nulli</a:t>
             </a:r>
-            <a:endParaRPr lang="it-IT" dirty="0"/>
           </a:p>
         </p:txBody>
       </p:sp>
@@ -5246,7 +5219,7 @@
           <a:lstStyle/>
           <a:p>
             <a:r>
-              <a:rPr lang="it-IT" dirty="0" smtClean="0"/>
+              <a:rPr lang="it-IT" dirty="0"/>
               <a:t>Alcuni attributi possono avere </a:t>
             </a:r>
             <a:r>
@@ -5257,17 +5230,17 @@
               <a:t>null</a:t>
             </a:r>
             <a:r>
-              <a:rPr lang="it-IT" sz="1800" dirty="0" smtClean="0"/>
+              <a:rPr lang="it-IT" sz="1800" dirty="0"/>
               <a:t> </a:t>
             </a:r>
             <a:r>
-              <a:rPr lang="it-IT" dirty="0" smtClean="0"/>
+              <a:rPr lang="it-IT" dirty="0"/>
               <a:t>come valore.</a:t>
             </a:r>
           </a:p>
           <a:p>
             <a:r>
-              <a:rPr lang="it-IT" dirty="0" smtClean="0"/>
+              <a:rPr lang="it-IT" dirty="0"/>
               <a:t>Il comando</a:t>
             </a:r>
           </a:p>
@@ -5285,7 +5258,7 @@
                 <a:latin typeface="+mj-lt"/>
                 <a:cs typeface="Courier New" panose="02070309020205020404" pitchFamily="49" charset="0"/>
               </a:rPr>
-              <a:t>({"y" : </a:t>
+              <a:t>({"y": </a:t>
             </a:r>
             <a:r>
               <a:rPr lang="it-IT" dirty="0" err="1">
@@ -5304,33 +5277,29 @@
           </a:p>
           <a:p>
             <a:r>
-              <a:rPr lang="it-IT" dirty="0" smtClean="0"/>
+              <a:rPr lang="it-IT" dirty="0"/>
               <a:t>restituisce sia i documenti in cui la chiave y esiste ed è valorizzata a </a:t>
-            </a:r>
-            <a:r>
-              <a:rPr lang="it-IT" dirty="0" err="1" smtClean="0"/>
-              <a:t>null</a:t>
-            </a:r>
-            <a:r>
-              <a:rPr lang="it-IT" dirty="0" smtClean="0"/>
-              <a:t>, sia i documenti in cui la chiave y non esiste.</a:t>
-            </a:r>
-          </a:p>
-          <a:p>
-            <a:r>
-              <a:rPr lang="it-IT" dirty="0" smtClean="0"/>
-              <a:t>Per avere </a:t>
-            </a:r>
-            <a:r>
-              <a:rPr lang="it-IT" dirty="0"/>
-              <a:t>solo i documenti in cui la chiave y esiste ed è valorizzata a </a:t>
             </a:r>
             <a:r>
               <a:rPr lang="it-IT" dirty="0" err="1"/>
               <a:t>null</a:t>
             </a:r>
             <a:r>
-              <a:rPr lang="it-IT" dirty="0" smtClean="0"/>
+              <a:rPr lang="it-IT" dirty="0"/>
+              <a:t>, sia i documenti in cui la chiave y non esiste.</a:t>
+            </a:r>
+          </a:p>
+          <a:p>
+            <a:r>
+              <a:rPr lang="it-IT" dirty="0"/>
+              <a:t>Per avere solo i documenti in cui la chiave y esiste ed è valorizzata a </a:t>
+            </a:r>
+            <a:r>
+              <a:rPr lang="it-IT" dirty="0" err="1"/>
+              <a:t>null</a:t>
+            </a:r>
+            <a:r>
+              <a:rPr lang="it-IT" dirty="0"/>
               <a:t>, bisogna verificare anche l’esistenza della chiave stessa:</a:t>
             </a:r>
           </a:p>
@@ -5348,21 +5317,7 @@
                 <a:latin typeface="+mj-lt"/>
                 <a:cs typeface="Courier New" panose="02070309020205020404" pitchFamily="49" charset="0"/>
               </a:rPr>
-              <a:t>({"y" : {"$in" : [null], "$exists" : </a:t>
-            </a:r>
-            <a:r>
-              <a:rPr lang="en-US">
-                <a:latin typeface="+mj-lt"/>
-                <a:cs typeface="Courier New" panose="02070309020205020404" pitchFamily="49" charset="0"/>
-              </a:rPr>
-              <a:t>true</a:t>
-            </a:r>
-            <a:r>
-              <a:rPr lang="en-US" smtClean="0">
-                <a:latin typeface="+mj-lt"/>
-                <a:cs typeface="Courier New" panose="02070309020205020404" pitchFamily="49" charset="0"/>
-              </a:rPr>
-              <a:t>}})	</a:t>
+              <a:t>({"y": {"$in": [null], "$exists": true}})	</a:t>
             </a:r>
             <a:endParaRPr lang="it-IT" dirty="0">
               <a:latin typeface="+mj-lt"/>
@@ -5404,13 +5359,6 @@
   <p:clrMapOvr>
     <a:masterClrMapping/>
   </p:clrMapOvr>
-  <p:timing>
-    <p:tnLst>
-      <p:par>
-        <p:cTn id="1" dur="indefinite" restart="never" nodeType="tmRoot"/>
-      </p:par>
-    </p:tnLst>
-  </p:timing>
 </p:sld>
 </file>
 
@@ -5433,12 +5381,18 @@
       </p:grpSpPr>
       <p:sp>
         <p:nvSpPr>
-          <p:cNvPr id="2" name="Titolo 1"/>
-          <p:cNvSpPr>
-            <a:spLocks noGrp="1"/>
-          </p:cNvSpPr>
-          <p:nvPr>
-            <p:ph type="title"/>
+          <p:cNvPr id="5" name="Titolo 4">
+            <a:extLst>
+              <a:ext uri="{FF2B5EF4-FFF2-40B4-BE49-F238E27FC236}">
+                <a16:creationId xmlns:a16="http://schemas.microsoft.com/office/drawing/2014/main" id="{17F877BD-5496-4106-ACC5-198F55A7E973}"/>
+              </a:ext>
+            </a:extLst>
+          </p:cNvPr>
+          <p:cNvSpPr>
+            <a:spLocks noGrp="1"/>
+          </p:cNvSpPr>
+          <p:nvPr>
+            <p:ph type="ctrTitle"/>
           </p:nvPr>
         </p:nvSpPr>
         <p:spPr/>
@@ -5447,398 +5401,47 @@
           <a:lstStyle/>
           <a:p>
             <a:r>
-              <a:rPr lang="it-IT" dirty="0" err="1" smtClean="0"/>
-              <a:t>Find</a:t>
-            </a:r>
-            <a:r>
-              <a:rPr lang="it-IT" dirty="0" smtClean="0"/>
-              <a:t> – interrogare array</a:t>
-            </a:r>
-            <a:endParaRPr lang="it-IT" dirty="0"/>
-          </a:p>
-        </p:txBody>
-      </p:sp>
-      <p:sp>
-        <p:nvSpPr>
-          <p:cNvPr id="3" name="Segnaposto contenuto 2"/>
-          <p:cNvSpPr>
-            <a:spLocks noGrp="1"/>
-          </p:cNvSpPr>
-          <p:nvPr>
-            <p:ph idx="1"/>
+              <a:rPr lang="it-IT" dirty="0"/>
+              <a:t>Lab time!</a:t>
+            </a:r>
+            <a:endParaRPr lang="en-US" dirty="0"/>
+          </a:p>
+        </p:txBody>
+      </p:sp>
+      <p:sp>
+        <p:nvSpPr>
+          <p:cNvPr id="6" name="Sottotitolo 5">
+            <a:extLst>
+              <a:ext uri="{FF2B5EF4-FFF2-40B4-BE49-F238E27FC236}">
+                <a16:creationId xmlns:a16="http://schemas.microsoft.com/office/drawing/2014/main" id="{AB9C6330-E6B9-4741-B9F6-AD54453100DD}"/>
+              </a:ext>
+            </a:extLst>
+          </p:cNvPr>
+          <p:cNvSpPr>
+            <a:spLocks noGrp="1"/>
+          </p:cNvSpPr>
+          <p:nvPr>
+            <p:ph type="subTitle" idx="1"/>
           </p:nvPr>
         </p:nvSpPr>
         <p:spPr/>
         <p:txBody>
-          <a:bodyPr>
-            <a:normAutofit/>
-          </a:bodyPr>
+          <a:bodyPr/>
           <a:lstStyle/>
           <a:p>
-            <a:r>
-              <a:rPr lang="it-IT" dirty="0" smtClean="0"/>
-              <a:t>Contesto: collezione </a:t>
-            </a:r>
-            <a:r>
-              <a:rPr lang="it-IT" dirty="0" err="1" smtClean="0"/>
-              <a:t>food</a:t>
-            </a:r>
-            <a:r>
-              <a:rPr lang="it-IT" dirty="0" smtClean="0"/>
-              <a:t> con 3 documenti:</a:t>
-            </a:r>
-          </a:p>
-          <a:p>
-            <a:pPr lvl="1"/>
-            <a:r>
-              <a:rPr lang="it-IT" dirty="0">
-                <a:latin typeface="+mj-lt"/>
-                <a:cs typeface="Courier New" panose="02070309020205020404" pitchFamily="49" charset="0"/>
-              </a:rPr>
-              <a:t>{"_id" : 1, "</a:t>
-            </a:r>
-            <a:r>
-              <a:rPr lang="it-IT" dirty="0" err="1">
-                <a:latin typeface="+mj-lt"/>
-                <a:cs typeface="Courier New" panose="02070309020205020404" pitchFamily="49" charset="0"/>
-              </a:rPr>
-              <a:t>fruit</a:t>
-            </a:r>
-            <a:r>
-              <a:rPr lang="it-IT" dirty="0">
-                <a:latin typeface="+mj-lt"/>
-                <a:cs typeface="Courier New" panose="02070309020205020404" pitchFamily="49" charset="0"/>
-              </a:rPr>
-              <a:t>" : ["</a:t>
-            </a:r>
-            <a:r>
-              <a:rPr lang="it-IT" dirty="0" err="1">
-                <a:latin typeface="+mj-lt"/>
-                <a:cs typeface="Courier New" panose="02070309020205020404" pitchFamily="49" charset="0"/>
-              </a:rPr>
-              <a:t>apple</a:t>
-            </a:r>
-            <a:r>
-              <a:rPr lang="it-IT" dirty="0">
-                <a:latin typeface="+mj-lt"/>
-                <a:cs typeface="Courier New" panose="02070309020205020404" pitchFamily="49" charset="0"/>
-              </a:rPr>
-              <a:t>", "banana", "</a:t>
-            </a:r>
-            <a:r>
-              <a:rPr lang="it-IT" dirty="0" err="1">
-                <a:latin typeface="+mj-lt"/>
-                <a:cs typeface="Courier New" panose="02070309020205020404" pitchFamily="49" charset="0"/>
-              </a:rPr>
-              <a:t>peach</a:t>
-            </a:r>
-            <a:r>
-              <a:rPr lang="it-IT" dirty="0">
-                <a:latin typeface="+mj-lt"/>
-                <a:cs typeface="Courier New" panose="02070309020205020404" pitchFamily="49" charset="0"/>
-              </a:rPr>
-              <a:t>"]}</a:t>
-            </a:r>
-          </a:p>
-          <a:p>
-            <a:pPr lvl="1"/>
-            <a:r>
-              <a:rPr lang="it-IT" dirty="0">
-                <a:latin typeface="+mj-lt"/>
-                <a:cs typeface="Courier New" panose="02070309020205020404" pitchFamily="49" charset="0"/>
-              </a:rPr>
-              <a:t>{"_id" : 2, "</a:t>
-            </a:r>
-            <a:r>
-              <a:rPr lang="it-IT" dirty="0" err="1">
-                <a:latin typeface="+mj-lt"/>
-                <a:cs typeface="Courier New" panose="02070309020205020404" pitchFamily="49" charset="0"/>
-              </a:rPr>
-              <a:t>fruit</a:t>
-            </a:r>
-            <a:r>
-              <a:rPr lang="it-IT" dirty="0">
-                <a:latin typeface="+mj-lt"/>
-                <a:cs typeface="Courier New" panose="02070309020205020404" pitchFamily="49" charset="0"/>
-              </a:rPr>
-              <a:t>" : ["</a:t>
-            </a:r>
-            <a:r>
-              <a:rPr lang="it-IT" dirty="0" err="1">
-                <a:latin typeface="+mj-lt"/>
-                <a:cs typeface="Courier New" panose="02070309020205020404" pitchFamily="49" charset="0"/>
-              </a:rPr>
-              <a:t>apple</a:t>
-            </a:r>
-            <a:r>
-              <a:rPr lang="it-IT" dirty="0">
-                <a:latin typeface="+mj-lt"/>
-                <a:cs typeface="Courier New" panose="02070309020205020404" pitchFamily="49" charset="0"/>
-              </a:rPr>
-              <a:t>", "kumquat", "</a:t>
-            </a:r>
-            <a:r>
-              <a:rPr lang="it-IT" dirty="0" err="1">
-                <a:latin typeface="+mj-lt"/>
-                <a:cs typeface="Courier New" panose="02070309020205020404" pitchFamily="49" charset="0"/>
-              </a:rPr>
-              <a:t>orange</a:t>
-            </a:r>
-            <a:r>
-              <a:rPr lang="it-IT" dirty="0">
-                <a:latin typeface="+mj-lt"/>
-                <a:cs typeface="Courier New" panose="02070309020205020404" pitchFamily="49" charset="0"/>
-              </a:rPr>
-              <a:t>"]}</a:t>
-            </a:r>
-          </a:p>
-          <a:p>
-            <a:pPr lvl="1"/>
-            <a:r>
-              <a:rPr lang="it-IT" dirty="0">
-                <a:latin typeface="+mj-lt"/>
-                <a:cs typeface="Courier New" panose="02070309020205020404" pitchFamily="49" charset="0"/>
-              </a:rPr>
-              <a:t>{"_id" : 3, "</a:t>
-            </a:r>
-            <a:r>
-              <a:rPr lang="it-IT" dirty="0" err="1">
-                <a:latin typeface="+mj-lt"/>
-                <a:cs typeface="Courier New" panose="02070309020205020404" pitchFamily="49" charset="0"/>
-              </a:rPr>
-              <a:t>fruit</a:t>
-            </a:r>
-            <a:r>
-              <a:rPr lang="it-IT" dirty="0">
-                <a:latin typeface="+mj-lt"/>
-                <a:cs typeface="Courier New" panose="02070309020205020404" pitchFamily="49" charset="0"/>
-              </a:rPr>
-              <a:t>" : ["cherry", "banana", "</a:t>
-            </a:r>
-            <a:r>
-              <a:rPr lang="it-IT" dirty="0" err="1">
-                <a:latin typeface="+mj-lt"/>
-                <a:cs typeface="Courier New" panose="02070309020205020404" pitchFamily="49" charset="0"/>
-              </a:rPr>
-              <a:t>apple</a:t>
-            </a:r>
-            <a:r>
-              <a:rPr lang="it-IT" dirty="0">
-                <a:latin typeface="+mj-lt"/>
-                <a:cs typeface="Courier New" panose="02070309020205020404" pitchFamily="49" charset="0"/>
-              </a:rPr>
-              <a:t>"]}</a:t>
-            </a:r>
-          </a:p>
-          <a:p>
-            <a:r>
-              <a:rPr lang="it-IT" dirty="0" smtClean="0"/>
-              <a:t>Comandi</a:t>
-            </a:r>
-          </a:p>
-          <a:p>
-            <a:pPr lvl="1"/>
-            <a:r>
-              <a:rPr lang="it-IT" dirty="0" err="1">
-                <a:latin typeface="+mj-lt"/>
-                <a:cs typeface="Courier New" panose="02070309020205020404" pitchFamily="49" charset="0"/>
-              </a:rPr>
-              <a:t>db.food.find</a:t>
-            </a:r>
-            <a:r>
-              <a:rPr lang="it-IT" dirty="0">
-                <a:latin typeface="+mj-lt"/>
-                <a:cs typeface="Courier New" panose="02070309020205020404" pitchFamily="49" charset="0"/>
-              </a:rPr>
-              <a:t>({"</a:t>
-            </a:r>
-            <a:r>
-              <a:rPr lang="it-IT" dirty="0" err="1">
-                <a:latin typeface="+mj-lt"/>
-                <a:cs typeface="Courier New" panose="02070309020205020404" pitchFamily="49" charset="0"/>
-              </a:rPr>
-              <a:t>fruit</a:t>
-            </a:r>
-            <a:r>
-              <a:rPr lang="it-IT" dirty="0">
-                <a:latin typeface="+mj-lt"/>
-                <a:cs typeface="Courier New" panose="02070309020205020404" pitchFamily="49" charset="0"/>
-              </a:rPr>
-              <a:t>" : "banana"})</a:t>
-            </a:r>
-            <a:br>
-              <a:rPr lang="it-IT" dirty="0">
-                <a:latin typeface="+mj-lt"/>
-                <a:cs typeface="Courier New" panose="02070309020205020404" pitchFamily="49" charset="0"/>
-              </a:rPr>
-            </a:br>
-            <a:r>
-              <a:rPr lang="it-IT" dirty="0" smtClean="0"/>
-              <a:t>match se l’array contiene banana (restituisce: 1 e 3)</a:t>
-            </a:r>
-          </a:p>
-          <a:p>
-            <a:pPr lvl="1"/>
-            <a:r>
-              <a:rPr lang="it-IT" dirty="0" err="1">
-                <a:latin typeface="+mj-lt"/>
-                <a:cs typeface="Courier New" panose="02070309020205020404" pitchFamily="49" charset="0"/>
-              </a:rPr>
-              <a:t>db.food.find</a:t>
-            </a:r>
-            <a:r>
-              <a:rPr lang="it-IT" dirty="0">
-                <a:latin typeface="+mj-lt"/>
-                <a:cs typeface="Courier New" panose="02070309020205020404" pitchFamily="49" charset="0"/>
-              </a:rPr>
-              <a:t>({</a:t>
-            </a:r>
-            <a:r>
-              <a:rPr lang="it-IT" dirty="0" err="1">
-                <a:latin typeface="+mj-lt"/>
-                <a:cs typeface="Courier New" panose="02070309020205020404" pitchFamily="49" charset="0"/>
-              </a:rPr>
-              <a:t>fruit</a:t>
-            </a:r>
-            <a:r>
-              <a:rPr lang="it-IT" dirty="0">
-                <a:latin typeface="+mj-lt"/>
-                <a:cs typeface="Courier New" panose="02070309020205020404" pitchFamily="49" charset="0"/>
-              </a:rPr>
-              <a:t> : {$</a:t>
-            </a:r>
-            <a:r>
-              <a:rPr lang="it-IT" dirty="0" err="1">
-                <a:latin typeface="+mj-lt"/>
-                <a:cs typeface="Courier New" panose="02070309020205020404" pitchFamily="49" charset="0"/>
-              </a:rPr>
-              <a:t>all</a:t>
-            </a:r>
-            <a:r>
-              <a:rPr lang="it-IT" dirty="0">
-                <a:latin typeface="+mj-lt"/>
-                <a:cs typeface="Courier New" panose="02070309020205020404" pitchFamily="49" charset="0"/>
-              </a:rPr>
-              <a:t> : ["</a:t>
-            </a:r>
-            <a:r>
-              <a:rPr lang="it-IT" dirty="0" err="1">
-                <a:latin typeface="+mj-lt"/>
-                <a:cs typeface="Courier New" panose="02070309020205020404" pitchFamily="49" charset="0"/>
-              </a:rPr>
-              <a:t>apple</a:t>
-            </a:r>
-            <a:r>
-              <a:rPr lang="it-IT" dirty="0">
-                <a:latin typeface="+mj-lt"/>
-                <a:cs typeface="Courier New" panose="02070309020205020404" pitchFamily="49" charset="0"/>
-              </a:rPr>
-              <a:t>", "banana"]}})</a:t>
-            </a:r>
-            <a:br>
-              <a:rPr lang="it-IT" dirty="0">
-                <a:latin typeface="+mj-lt"/>
-                <a:cs typeface="Courier New" panose="02070309020205020404" pitchFamily="49" charset="0"/>
-              </a:rPr>
-            </a:br>
-            <a:r>
-              <a:rPr lang="it-IT" dirty="0" smtClean="0"/>
-              <a:t>match se l’array contiene sia </a:t>
-            </a:r>
-            <a:r>
-              <a:rPr lang="it-IT" dirty="0" err="1" smtClean="0"/>
-              <a:t>apple</a:t>
-            </a:r>
-            <a:r>
-              <a:rPr lang="it-IT" dirty="0" smtClean="0"/>
-              <a:t> che banana (restituisce: 1 e 3)</a:t>
-            </a:r>
-          </a:p>
-          <a:p>
-            <a:pPr lvl="1"/>
-            <a:r>
-              <a:rPr lang="it-IT" dirty="0" err="1">
-                <a:latin typeface="+mj-lt"/>
-                <a:cs typeface="Courier New" panose="02070309020205020404" pitchFamily="49" charset="0"/>
-              </a:rPr>
-              <a:t>db.food.find</a:t>
-            </a:r>
-            <a:r>
-              <a:rPr lang="it-IT" dirty="0">
-                <a:latin typeface="+mj-lt"/>
-                <a:cs typeface="Courier New" panose="02070309020205020404" pitchFamily="49" charset="0"/>
-              </a:rPr>
-              <a:t>({</a:t>
-            </a:r>
-            <a:r>
-              <a:rPr lang="it-IT" dirty="0" err="1">
-                <a:latin typeface="+mj-lt"/>
-                <a:cs typeface="Courier New" panose="02070309020205020404" pitchFamily="49" charset="0"/>
-              </a:rPr>
-              <a:t>fruit</a:t>
-            </a:r>
-            <a:r>
-              <a:rPr lang="it-IT" dirty="0">
-                <a:latin typeface="+mj-lt"/>
-                <a:cs typeface="Courier New" panose="02070309020205020404" pitchFamily="49" charset="0"/>
-              </a:rPr>
-              <a:t> : {$in : ["</a:t>
-            </a:r>
-            <a:r>
-              <a:rPr lang="it-IT" dirty="0" err="1">
-                <a:latin typeface="+mj-lt"/>
-                <a:cs typeface="Courier New" panose="02070309020205020404" pitchFamily="49" charset="0"/>
-              </a:rPr>
-              <a:t>apple</a:t>
-            </a:r>
-            <a:r>
-              <a:rPr lang="it-IT" dirty="0">
-                <a:latin typeface="+mj-lt"/>
-                <a:cs typeface="Courier New" panose="02070309020205020404" pitchFamily="49" charset="0"/>
-              </a:rPr>
-              <a:t>", "banana"]}})</a:t>
-            </a:r>
-            <a:br>
-              <a:rPr lang="it-IT" dirty="0">
-                <a:latin typeface="+mj-lt"/>
-                <a:cs typeface="Courier New" panose="02070309020205020404" pitchFamily="49" charset="0"/>
-              </a:rPr>
-            </a:br>
-            <a:r>
-              <a:rPr lang="it-IT" dirty="0"/>
-              <a:t>match se l’array contiene </a:t>
-            </a:r>
-            <a:r>
-              <a:rPr lang="it-IT" dirty="0" err="1" smtClean="0"/>
-              <a:t>apple</a:t>
-            </a:r>
-            <a:r>
-              <a:rPr lang="it-IT" dirty="0" smtClean="0"/>
-              <a:t> o </a:t>
-            </a:r>
-            <a:r>
-              <a:rPr lang="it-IT" dirty="0"/>
-              <a:t>banana (restituisce: </a:t>
-            </a:r>
-            <a:r>
-              <a:rPr lang="it-IT" dirty="0" smtClean="0"/>
-              <a:t>1, 2 </a:t>
-            </a:r>
-            <a:r>
-              <a:rPr lang="it-IT" dirty="0"/>
-              <a:t>e 3</a:t>
-            </a:r>
-            <a:r>
-              <a:rPr lang="it-IT" dirty="0" smtClean="0"/>
-              <a:t>)</a:t>
-            </a:r>
-            <a:endParaRPr lang="it-IT" dirty="0"/>
-          </a:p>
-        </p:txBody>
-      </p:sp>
-      <p:sp>
-        <p:nvSpPr>
-          <p:cNvPr id="4" name="Segnaposto numero diapositiva 3"/>
+            <a:endParaRPr lang="en-US" dirty="0"/>
+          </a:p>
+        </p:txBody>
+      </p:sp>
+      <p:sp>
+        <p:nvSpPr>
+          <p:cNvPr id="4" name="Segnaposto numero diapositiva 3">
+            <a:extLst>
+              <a:ext uri="{FF2B5EF4-FFF2-40B4-BE49-F238E27FC236}">
+                <a16:creationId xmlns:a16="http://schemas.microsoft.com/office/drawing/2014/main" id="{A7E7AA60-A6C3-4850-A49C-D6A0C2C1C700}"/>
+              </a:ext>
+            </a:extLst>
+          </p:cNvPr>
           <p:cNvSpPr>
             <a:spLocks noGrp="1"/>
           </p:cNvSpPr>
@@ -5862,20 +5465,13 @@
     </p:spTree>
     <p:extLst>
       <p:ext uri="{BB962C8B-B14F-4D97-AF65-F5344CB8AC3E}">
-        <p14:creationId xmlns:p14="http://schemas.microsoft.com/office/powerpoint/2010/main" val="3053881605"/>
+        <p14:creationId xmlns:p14="http://schemas.microsoft.com/office/powerpoint/2010/main" val="2993557771"/>
       </p:ext>
     </p:extLst>
   </p:cSld>
   <p:clrMapOvr>
     <a:masterClrMapping/>
   </p:clrMapOvr>
-  <p:timing>
-    <p:tnLst>
-      <p:par>
-        <p:cTn id="1" dur="indefinite" restart="never" nodeType="tmRoot"/>
-      </p:par>
-    </p:tnLst>
-  </p:timing>
 </p:sld>
 </file>
 
@@ -5912,14 +5508,13 @@
           <a:lstStyle/>
           <a:p>
             <a:r>
-              <a:rPr lang="it-IT" dirty="0" err="1" smtClean="0"/>
+              <a:rPr lang="it-IT" dirty="0" err="1"/>
               <a:t>Find</a:t>
             </a:r>
             <a:r>
-              <a:rPr lang="it-IT" dirty="0" smtClean="0"/>
+              <a:rPr lang="it-IT" dirty="0"/>
               <a:t> – interrogare array</a:t>
             </a:r>
-            <a:endParaRPr lang="it-IT" dirty="0"/>
           </a:p>
         </p:txBody>
       </p:sp>
@@ -5941,15 +5536,15 @@
           <a:lstStyle/>
           <a:p>
             <a:r>
-              <a:rPr lang="it-IT" dirty="0" smtClean="0"/>
+              <a:rPr lang="it-IT" dirty="0"/>
               <a:t>Contesto: collezione </a:t>
             </a:r>
             <a:r>
-              <a:rPr lang="it-IT" dirty="0" err="1" smtClean="0"/>
+              <a:rPr lang="it-IT" dirty="0" err="1"/>
               <a:t>food</a:t>
             </a:r>
             <a:r>
-              <a:rPr lang="it-IT" dirty="0" smtClean="0"/>
+              <a:rPr lang="it-IT" dirty="0"/>
               <a:t> con 3 documenti:</a:t>
             </a:r>
           </a:p>
@@ -5960,7 +5555,7 @@
                 <a:latin typeface="+mj-lt"/>
                 <a:cs typeface="Courier New" panose="02070309020205020404" pitchFamily="49" charset="0"/>
               </a:rPr>
-              <a:t>{"_id" : 1, "</a:t>
+              <a:t>{"_id": 1, "</a:t>
             </a:r>
             <a:r>
               <a:rPr lang="it-IT" dirty="0" err="1">
@@ -5974,7 +5569,7 @@
                 <a:latin typeface="+mj-lt"/>
                 <a:cs typeface="Courier New" panose="02070309020205020404" pitchFamily="49" charset="0"/>
               </a:rPr>
-              <a:t>" : ["</a:t>
+              <a:t>": ["</a:t>
             </a:r>
             <a:r>
               <a:rPr lang="it-IT" dirty="0" err="1">
@@ -6012,7 +5607,7 @@
                 <a:latin typeface="+mj-lt"/>
                 <a:cs typeface="Courier New" panose="02070309020205020404" pitchFamily="49" charset="0"/>
               </a:rPr>
-              <a:t>{"_id" : 2, "</a:t>
+              <a:t>{"_id": 2, "</a:t>
             </a:r>
             <a:r>
               <a:rPr lang="it-IT" dirty="0" err="1">
@@ -6026,7 +5621,7 @@
                 <a:latin typeface="+mj-lt"/>
                 <a:cs typeface="Courier New" panose="02070309020205020404" pitchFamily="49" charset="0"/>
               </a:rPr>
-              <a:t>" : ["</a:t>
+              <a:t>": ["</a:t>
             </a:r>
             <a:r>
               <a:rPr lang="it-IT" dirty="0" err="1">
@@ -6064,7 +5659,7 @@
                 <a:latin typeface="+mj-lt"/>
                 <a:cs typeface="Courier New" panose="02070309020205020404" pitchFamily="49" charset="0"/>
               </a:rPr>
-              <a:t>{"_id" : 3, "</a:t>
+              <a:t>{"_id": 3, "</a:t>
             </a:r>
             <a:r>
               <a:rPr lang="it-IT" dirty="0" err="1">
@@ -6078,7 +5673,7 @@
                 <a:latin typeface="+mj-lt"/>
                 <a:cs typeface="Courier New" panose="02070309020205020404" pitchFamily="49" charset="0"/>
               </a:rPr>
-              <a:t>" : ["cherry", "banana", "</a:t>
+              <a:t>": ["cherry", "banana", "</a:t>
             </a:r>
             <a:r>
               <a:rPr lang="it-IT" dirty="0" err="1">
@@ -6097,7 +5692,7 @@
           </a:p>
           <a:p>
             <a:r>
-              <a:rPr lang="it-IT" dirty="0" smtClean="0"/>
+              <a:rPr lang="it-IT" dirty="0"/>
               <a:t>Comandi</a:t>
             </a:r>
           </a:p>
@@ -6129,7 +5724,62 @@
                 <a:latin typeface="+mj-lt"/>
                 <a:cs typeface="Courier New" panose="02070309020205020404" pitchFamily="49" charset="0"/>
               </a:rPr>
-              <a:t>" : ["banana", "</a:t>
+              <a:t>": "banana"})</a:t>
+            </a:r>
+            <a:br>
+              <a:rPr lang="it-IT" dirty="0">
+                <a:latin typeface="+mj-lt"/>
+                <a:cs typeface="Courier New" panose="02070309020205020404" pitchFamily="49" charset="0"/>
+              </a:rPr>
+            </a:br>
+            <a:r>
+              <a:rPr lang="it-IT" dirty="0"/>
+              <a:t>match se l’array contiene banana (restituisce: 1 e 3)</a:t>
+            </a:r>
+          </a:p>
+          <a:p>
+            <a:pPr lvl="1"/>
+            <a:r>
+              <a:rPr lang="it-IT" dirty="0" err="1">
+                <a:latin typeface="+mj-lt"/>
+                <a:cs typeface="Courier New" panose="02070309020205020404" pitchFamily="49" charset="0"/>
+              </a:rPr>
+              <a:t>db.food.find</a:t>
+            </a:r>
+            <a:r>
+              <a:rPr lang="it-IT" dirty="0">
+                <a:latin typeface="+mj-lt"/>
+                <a:cs typeface="Courier New" panose="02070309020205020404" pitchFamily="49" charset="0"/>
+              </a:rPr>
+              <a:t>({</a:t>
+            </a:r>
+            <a:r>
+              <a:rPr lang="it-IT" dirty="0" err="1">
+                <a:latin typeface="+mj-lt"/>
+                <a:cs typeface="Courier New" panose="02070309020205020404" pitchFamily="49" charset="0"/>
+              </a:rPr>
+              <a:t>fruit</a:t>
+            </a:r>
+            <a:r>
+              <a:rPr lang="it-IT" dirty="0">
+                <a:latin typeface="+mj-lt"/>
+                <a:cs typeface="Courier New" panose="02070309020205020404" pitchFamily="49" charset="0"/>
+              </a:rPr>
+              <a:t>: {$</a:t>
+            </a:r>
+            <a:r>
+              <a:rPr lang="it-IT" dirty="0" err="1">
+                <a:latin typeface="+mj-lt"/>
+                <a:cs typeface="Courier New" panose="02070309020205020404" pitchFamily="49" charset="0"/>
+              </a:rPr>
+              <a:t>all</a:t>
+            </a:r>
+            <a:r>
+              <a:rPr lang="it-IT" dirty="0">
+                <a:latin typeface="+mj-lt"/>
+                <a:cs typeface="Courier New" panose="02070309020205020404" pitchFamily="49" charset="0"/>
+              </a:rPr>
+              <a:t>: ["</a:t>
             </a:r>
             <a:r>
               <a:rPr lang="it-IT" dirty="0" err="1">
@@ -6143,21 +5793,7 @@
                 <a:latin typeface="+mj-lt"/>
                 <a:cs typeface="Courier New" panose="02070309020205020404" pitchFamily="49" charset="0"/>
               </a:rPr>
-              <a:t>", "</a:t>
-            </a:r>
-            <a:r>
-              <a:rPr lang="it-IT" dirty="0" err="1">
-                <a:latin typeface="+mj-lt"/>
-                <a:cs typeface="Courier New" panose="02070309020205020404" pitchFamily="49" charset="0"/>
-              </a:rPr>
-              <a:t>peach</a:t>
-            </a:r>
-            <a:r>
-              <a:rPr lang="it-IT" dirty="0">
-                <a:latin typeface="+mj-lt"/>
-                <a:cs typeface="Courier New" panose="02070309020205020404" pitchFamily="49" charset="0"/>
-              </a:rPr>
-              <a:t>"]})</a:t>
+              <a:t>", "banana"]}})</a:t>
             </a:r>
             <a:br>
               <a:rPr lang="it-IT" dirty="0">
@@ -6167,7 +5803,15 @@
             </a:br>
             <a:r>
               <a:rPr lang="it-IT" dirty="0"/>
-              <a:t>match se l’array corrisponde esattamente a quello indicato (restituisce: nulla)</a:t>
+              <a:t>match se l’array contiene sia </a:t>
+            </a:r>
+            <a:r>
+              <a:rPr lang="it-IT" dirty="0" err="1"/>
+              <a:t>apple</a:t>
+            </a:r>
+            <a:r>
+              <a:rPr lang="it-IT" dirty="0"/>
+              <a:t> che banana (restituisce: 1 e 3)</a:t>
             </a:r>
           </a:p>
           <a:p>
@@ -6184,21 +5828,35 @@
                 <a:latin typeface="+mj-lt"/>
                 <a:cs typeface="Courier New" panose="02070309020205020404" pitchFamily="49" charset="0"/>
               </a:rPr>
-              <a:t>({"fruit.2" : "</a:t>
-            </a:r>
-            <a:r>
-              <a:rPr lang="it-IT" dirty="0" err="1">
-                <a:latin typeface="+mj-lt"/>
-                <a:cs typeface="Courier New" panose="02070309020205020404" pitchFamily="49" charset="0"/>
-              </a:rPr>
-              <a:t>peach</a:t>
-            </a:r>
-            <a:r>
-              <a:rPr lang="it-IT" dirty="0">
-                <a:latin typeface="+mj-lt"/>
-                <a:cs typeface="Courier New" panose="02070309020205020404" pitchFamily="49" charset="0"/>
-              </a:rPr>
-              <a:t>"})</a:t>
+              <a:t>({</a:t>
+            </a:r>
+            <a:r>
+              <a:rPr lang="it-IT" dirty="0" err="1">
+                <a:latin typeface="+mj-lt"/>
+                <a:cs typeface="Courier New" panose="02070309020205020404" pitchFamily="49" charset="0"/>
+              </a:rPr>
+              <a:t>fruit</a:t>
+            </a:r>
+            <a:r>
+              <a:rPr lang="it-IT" dirty="0">
+                <a:latin typeface="+mj-lt"/>
+                <a:cs typeface="Courier New" panose="02070309020205020404" pitchFamily="49" charset="0"/>
+              </a:rPr>
+              <a:t>: {$in: ["</a:t>
+            </a:r>
+            <a:r>
+              <a:rPr lang="it-IT" dirty="0" err="1">
+                <a:latin typeface="+mj-lt"/>
+                <a:cs typeface="Courier New" panose="02070309020205020404" pitchFamily="49" charset="0"/>
+              </a:rPr>
+              <a:t>apple</a:t>
+            </a:r>
+            <a:r>
+              <a:rPr lang="it-IT" dirty="0">
+                <a:latin typeface="+mj-lt"/>
+                <a:cs typeface="Courier New" panose="02070309020205020404" pitchFamily="49" charset="0"/>
+              </a:rPr>
+              <a:t>", "banana"]}})</a:t>
             </a:r>
             <a:br>
               <a:rPr lang="it-IT" dirty="0">
@@ -6207,72 +5865,16 @@
               </a:rPr>
             </a:br>
             <a:r>
-              <a:rPr lang="it-IT" dirty="0" smtClean="0"/>
+              <a:rPr lang="it-IT" dirty="0"/>
               <a:t>match se l’array contiene </a:t>
             </a:r>
             <a:r>
-              <a:rPr lang="it-IT" dirty="0" err="1" smtClean="0"/>
-              <a:t>peach</a:t>
-            </a:r>
-            <a:r>
-              <a:rPr lang="it-IT" dirty="0" smtClean="0"/>
-              <a:t> in posizione 2 0-based (restituisce: 1)</a:t>
-            </a:r>
-          </a:p>
-          <a:p>
-            <a:pPr lvl="1"/>
-            <a:r>
-              <a:rPr lang="it-IT" dirty="0" err="1">
-                <a:latin typeface="+mj-lt"/>
-                <a:cs typeface="Courier New" panose="02070309020205020404" pitchFamily="49" charset="0"/>
-              </a:rPr>
-              <a:t>db.food.find</a:t>
-            </a:r>
-            <a:r>
-              <a:rPr lang="it-IT" dirty="0">
-                <a:latin typeface="+mj-lt"/>
-                <a:cs typeface="Courier New" panose="02070309020205020404" pitchFamily="49" charset="0"/>
-              </a:rPr>
-              <a:t>({"</a:t>
-            </a:r>
-            <a:r>
-              <a:rPr lang="it-IT" dirty="0" err="1">
-                <a:latin typeface="+mj-lt"/>
-                <a:cs typeface="Courier New" panose="02070309020205020404" pitchFamily="49" charset="0"/>
-              </a:rPr>
-              <a:t>fruit</a:t>
-            </a:r>
-            <a:r>
-              <a:rPr lang="it-IT" dirty="0">
-                <a:latin typeface="+mj-lt"/>
-                <a:cs typeface="Courier New" panose="02070309020205020404" pitchFamily="49" charset="0"/>
-              </a:rPr>
-              <a:t>" : {"$</a:t>
-            </a:r>
-            <a:r>
-              <a:rPr lang="it-IT" dirty="0" err="1">
-                <a:latin typeface="+mj-lt"/>
-                <a:cs typeface="Courier New" panose="02070309020205020404" pitchFamily="49" charset="0"/>
-              </a:rPr>
-              <a:t>size</a:t>
-            </a:r>
-            <a:r>
-              <a:rPr lang="it-IT" dirty="0">
-                <a:latin typeface="+mj-lt"/>
-                <a:cs typeface="Courier New" panose="02070309020205020404" pitchFamily="49" charset="0"/>
-              </a:rPr>
-              <a:t>" : 3}})</a:t>
-            </a:r>
-            <a:r>
-              <a:rPr lang="it-IT" dirty="0" smtClean="0"/>
-              <a:t/>
-            </a:r>
-            <a:br>
-              <a:rPr lang="it-IT" dirty="0" smtClean="0"/>
-            </a:br>
-            <a:r>
-              <a:rPr lang="it-IT" dirty="0" smtClean="0"/>
-              <a:t>match se l’array contiene 3 elementi (restituisce: 1, 2 e 3)</a:t>
+              <a:rPr lang="it-IT" dirty="0" err="1"/>
+              <a:t>apple</a:t>
+            </a:r>
+            <a:r>
+              <a:rPr lang="it-IT" dirty="0"/>
+              <a:t> o banana (restituisce: 1, 2 e 3)</a:t>
             </a:r>
           </a:p>
         </p:txBody>
@@ -6303,7 +5905,7 @@
     </p:spTree>
     <p:extLst>
       <p:ext uri="{BB962C8B-B14F-4D97-AF65-F5344CB8AC3E}">
-        <p14:creationId xmlns:p14="http://schemas.microsoft.com/office/powerpoint/2010/main" val="136882790"/>
+        <p14:creationId xmlns:p14="http://schemas.microsoft.com/office/powerpoint/2010/main" val="3053881605"/>
       </p:ext>
     </p:extLst>
   </p:cSld>
@@ -6346,14 +5948,13 @@
           <a:lstStyle/>
           <a:p>
             <a:r>
-              <a:rPr lang="it-IT" dirty="0" err="1" smtClean="0"/>
+              <a:rPr lang="it-IT" dirty="0" err="1"/>
               <a:t>Find</a:t>
             </a:r>
             <a:r>
-              <a:rPr lang="it-IT" dirty="0" smtClean="0"/>
+              <a:rPr lang="it-IT" dirty="0"/>
               <a:t> – interrogare array</a:t>
             </a:r>
-            <a:endParaRPr lang="it-IT" dirty="0"/>
           </a:p>
         </p:txBody>
       </p:sp>
@@ -6367,12 +5968,7 @@
             <p:ph idx="1"/>
           </p:nvPr>
         </p:nvSpPr>
-        <p:spPr>
-          <a:xfrm>
-            <a:off x="822959" y="1845733"/>
-            <a:ext cx="7543801" cy="4118339"/>
-          </a:xfrm>
-        </p:spPr>
+        <p:spPr/>
         <p:txBody>
           <a:bodyPr>
             <a:normAutofit/>
@@ -6380,95 +5976,233 @@
           <a:lstStyle/>
           <a:p>
             <a:r>
-              <a:rPr lang="it-IT" dirty="0" smtClean="0"/>
-              <a:t>In fase di proiezione è possibile limitare il numero di elementi dell’array che vengono restituiti dalla </a:t>
-            </a:r>
-            <a:r>
-              <a:rPr lang="it-IT" dirty="0" err="1" smtClean="0"/>
-              <a:t>query</a:t>
-            </a:r>
-            <a:endParaRPr lang="it-IT" dirty="0" smtClean="0"/>
-          </a:p>
-          <a:p>
-            <a:r>
-              <a:rPr lang="it-IT" dirty="0" smtClean="0"/>
-              <a:t>Contesto: un doc che contiene il post di un blog ed i relativi commenti</a:t>
+              <a:rPr lang="it-IT" dirty="0"/>
+              <a:t>Contesto: collezione </a:t>
+            </a:r>
+            <a:r>
+              <a:rPr lang="it-IT" dirty="0" err="1"/>
+              <a:t>food</a:t>
+            </a:r>
+            <a:r>
+              <a:rPr lang="it-IT" dirty="0"/>
+              <a:t> con 3 documenti:</a:t>
             </a:r>
           </a:p>
           <a:p>
             <a:pPr lvl="1"/>
             <a:r>
-              <a:rPr lang="it-IT" dirty="0" err="1">
-                <a:latin typeface="+mj-lt"/>
-                <a:cs typeface="Courier New" panose="02070309020205020404" pitchFamily="49" charset="0"/>
-              </a:rPr>
-              <a:t>db.blog.posts.find</a:t>
-            </a:r>
-            <a:r>
-              <a:rPr lang="it-IT" dirty="0">
-                <a:latin typeface="+mj-lt"/>
-                <a:cs typeface="Courier New" panose="02070309020205020404" pitchFamily="49" charset="0"/>
-              </a:rPr>
-              <a:t>(</a:t>
-            </a:r>
-            <a:r>
-              <a:rPr lang="it-IT" dirty="0" err="1">
-                <a:latin typeface="+mj-lt"/>
-                <a:cs typeface="Courier New" panose="02070309020205020404" pitchFamily="49" charset="0"/>
-              </a:rPr>
-              <a:t>criteria</a:t>
-            </a:r>
-            <a:r>
-              <a:rPr lang="it-IT" dirty="0">
-                <a:latin typeface="+mj-lt"/>
-                <a:cs typeface="Courier New" panose="02070309020205020404" pitchFamily="49" charset="0"/>
-              </a:rPr>
-              <a:t>, {"</a:t>
-            </a:r>
-            <a:r>
-              <a:rPr lang="it-IT" dirty="0" err="1">
-                <a:latin typeface="+mj-lt"/>
-                <a:cs typeface="Courier New" panose="02070309020205020404" pitchFamily="49" charset="0"/>
-              </a:rPr>
-              <a:t>comments</a:t>
-            </a:r>
-            <a:r>
-              <a:rPr lang="it-IT" dirty="0">
-                <a:latin typeface="+mj-lt"/>
-                <a:cs typeface="Courier New" panose="02070309020205020404" pitchFamily="49" charset="0"/>
-              </a:rPr>
-              <a:t>": {"$</a:t>
-            </a:r>
-            <a:r>
-              <a:rPr lang="it-IT" dirty="0" err="1">
-                <a:latin typeface="+mj-lt"/>
-                <a:cs typeface="Courier New" panose="02070309020205020404" pitchFamily="49" charset="0"/>
-              </a:rPr>
-              <a:t>slice</a:t>
-            </a:r>
-            <a:r>
-              <a:rPr lang="it-IT" dirty="0">
-                <a:latin typeface="+mj-lt"/>
-                <a:cs typeface="Courier New" panose="02070309020205020404" pitchFamily="49" charset="0"/>
-              </a:rPr>
-              <a:t>": 10}})</a:t>
-            </a:r>
-            <a:r>
-              <a:rPr lang="it-IT" sz="1600" dirty="0">
-                <a:latin typeface="Courier New" panose="02070309020205020404" pitchFamily="49" charset="0"/>
-                <a:cs typeface="Courier New" panose="02070309020205020404" pitchFamily="49" charset="0"/>
-              </a:rPr>
-              <a:t/>
+              <a:rPr lang="it-IT" dirty="0">
+                <a:latin typeface="+mj-lt"/>
+                <a:cs typeface="Courier New" panose="02070309020205020404" pitchFamily="49" charset="0"/>
+              </a:rPr>
+              <a:t>{"_id": 1, "</a:t>
+            </a:r>
+            <a:r>
+              <a:rPr lang="it-IT" dirty="0" err="1">
+                <a:latin typeface="+mj-lt"/>
+                <a:cs typeface="Courier New" panose="02070309020205020404" pitchFamily="49" charset="0"/>
+              </a:rPr>
+              <a:t>fruit</a:t>
+            </a:r>
+            <a:r>
+              <a:rPr lang="it-IT" dirty="0">
+                <a:latin typeface="+mj-lt"/>
+                <a:cs typeface="Courier New" panose="02070309020205020404" pitchFamily="49" charset="0"/>
+              </a:rPr>
+              <a:t>": ["</a:t>
+            </a:r>
+            <a:r>
+              <a:rPr lang="it-IT" dirty="0" err="1">
+                <a:latin typeface="+mj-lt"/>
+                <a:cs typeface="Courier New" panose="02070309020205020404" pitchFamily="49" charset="0"/>
+              </a:rPr>
+              <a:t>apple</a:t>
+            </a:r>
+            <a:r>
+              <a:rPr lang="it-IT" dirty="0">
+                <a:latin typeface="+mj-lt"/>
+                <a:cs typeface="Courier New" panose="02070309020205020404" pitchFamily="49" charset="0"/>
+              </a:rPr>
+              <a:t>", "banana", "</a:t>
+            </a:r>
+            <a:r>
+              <a:rPr lang="it-IT" dirty="0" err="1">
+                <a:latin typeface="+mj-lt"/>
+                <a:cs typeface="Courier New" panose="02070309020205020404" pitchFamily="49" charset="0"/>
+              </a:rPr>
+              <a:t>peach</a:t>
+            </a:r>
+            <a:r>
+              <a:rPr lang="it-IT" dirty="0">
+                <a:latin typeface="+mj-lt"/>
+                <a:cs typeface="Courier New" panose="02070309020205020404" pitchFamily="49" charset="0"/>
+              </a:rPr>
+              <a:t>"]}</a:t>
+            </a:r>
+          </a:p>
+          <a:p>
+            <a:pPr lvl="1"/>
+            <a:r>
+              <a:rPr lang="it-IT" dirty="0">
+                <a:latin typeface="+mj-lt"/>
+                <a:cs typeface="Courier New" panose="02070309020205020404" pitchFamily="49" charset="0"/>
+              </a:rPr>
+              <a:t>{"_id": 2, "</a:t>
+            </a:r>
+            <a:r>
+              <a:rPr lang="it-IT" dirty="0" err="1">
+                <a:latin typeface="+mj-lt"/>
+                <a:cs typeface="Courier New" panose="02070309020205020404" pitchFamily="49" charset="0"/>
+              </a:rPr>
+              <a:t>fruit</a:t>
+            </a:r>
+            <a:r>
+              <a:rPr lang="it-IT" dirty="0">
+                <a:latin typeface="+mj-lt"/>
+                <a:cs typeface="Courier New" panose="02070309020205020404" pitchFamily="49" charset="0"/>
+              </a:rPr>
+              <a:t>": ["</a:t>
+            </a:r>
+            <a:r>
+              <a:rPr lang="it-IT" dirty="0" err="1">
+                <a:latin typeface="+mj-lt"/>
+                <a:cs typeface="Courier New" panose="02070309020205020404" pitchFamily="49" charset="0"/>
+              </a:rPr>
+              <a:t>apple</a:t>
+            </a:r>
+            <a:r>
+              <a:rPr lang="it-IT" dirty="0">
+                <a:latin typeface="+mj-lt"/>
+                <a:cs typeface="Courier New" panose="02070309020205020404" pitchFamily="49" charset="0"/>
+              </a:rPr>
+              <a:t>", "kumquat", "</a:t>
+            </a:r>
+            <a:r>
+              <a:rPr lang="it-IT" dirty="0" err="1">
+                <a:latin typeface="+mj-lt"/>
+                <a:cs typeface="Courier New" panose="02070309020205020404" pitchFamily="49" charset="0"/>
+              </a:rPr>
+              <a:t>orange</a:t>
+            </a:r>
+            <a:r>
+              <a:rPr lang="it-IT" dirty="0">
+                <a:latin typeface="+mj-lt"/>
+                <a:cs typeface="Courier New" panose="02070309020205020404" pitchFamily="49" charset="0"/>
+              </a:rPr>
+              <a:t>"]}</a:t>
+            </a:r>
+          </a:p>
+          <a:p>
+            <a:pPr lvl="1"/>
+            <a:r>
+              <a:rPr lang="it-IT" dirty="0">
+                <a:latin typeface="+mj-lt"/>
+                <a:cs typeface="Courier New" panose="02070309020205020404" pitchFamily="49" charset="0"/>
+              </a:rPr>
+              <a:t>{"_id": 3, "</a:t>
+            </a:r>
+            <a:r>
+              <a:rPr lang="it-IT" dirty="0" err="1">
+                <a:latin typeface="+mj-lt"/>
+                <a:cs typeface="Courier New" panose="02070309020205020404" pitchFamily="49" charset="0"/>
+              </a:rPr>
+              <a:t>fruit</a:t>
+            </a:r>
+            <a:r>
+              <a:rPr lang="it-IT" dirty="0">
+                <a:latin typeface="+mj-lt"/>
+                <a:cs typeface="Courier New" panose="02070309020205020404" pitchFamily="49" charset="0"/>
+              </a:rPr>
+              <a:t>": ["cherry", "banana", "</a:t>
+            </a:r>
+            <a:r>
+              <a:rPr lang="it-IT" dirty="0" err="1">
+                <a:latin typeface="+mj-lt"/>
+                <a:cs typeface="Courier New" panose="02070309020205020404" pitchFamily="49" charset="0"/>
+              </a:rPr>
+              <a:t>apple</a:t>
+            </a:r>
+            <a:r>
+              <a:rPr lang="it-IT" dirty="0">
+                <a:latin typeface="+mj-lt"/>
+                <a:cs typeface="Courier New" panose="02070309020205020404" pitchFamily="49" charset="0"/>
+              </a:rPr>
+              <a:t>"]}</a:t>
+            </a:r>
+          </a:p>
+          <a:p>
+            <a:r>
+              <a:rPr lang="it-IT" dirty="0"/>
+              <a:t>Comandi</a:t>
+            </a:r>
+          </a:p>
+          <a:p>
+            <a:pPr lvl="1"/>
+            <a:r>
+              <a:rPr lang="it-IT" dirty="0" err="1">
+                <a:latin typeface="+mj-lt"/>
+                <a:cs typeface="Courier New" panose="02070309020205020404" pitchFamily="49" charset="0"/>
+              </a:rPr>
+              <a:t>db.food.find</a:t>
+            </a:r>
+            <a:r>
+              <a:rPr lang="it-IT" dirty="0">
+                <a:latin typeface="+mj-lt"/>
+                <a:cs typeface="Courier New" panose="02070309020205020404" pitchFamily="49" charset="0"/>
+              </a:rPr>
+              <a:t>({"</a:t>
+            </a:r>
+            <a:r>
+              <a:rPr lang="it-IT" dirty="0" err="1">
+                <a:latin typeface="+mj-lt"/>
+                <a:cs typeface="Courier New" panose="02070309020205020404" pitchFamily="49" charset="0"/>
+              </a:rPr>
+              <a:t>fruit</a:t>
+            </a:r>
+            <a:r>
+              <a:rPr lang="it-IT" dirty="0">
+                <a:latin typeface="+mj-lt"/>
+                <a:cs typeface="Courier New" panose="02070309020205020404" pitchFamily="49" charset="0"/>
+              </a:rPr>
+              <a:t>": ["banana", "</a:t>
+            </a:r>
+            <a:r>
+              <a:rPr lang="it-IT" dirty="0" err="1">
+                <a:latin typeface="+mj-lt"/>
+                <a:cs typeface="Courier New" panose="02070309020205020404" pitchFamily="49" charset="0"/>
+              </a:rPr>
+              <a:t>apple</a:t>
+            </a:r>
+            <a:r>
+              <a:rPr lang="it-IT" dirty="0">
+                <a:latin typeface="+mj-lt"/>
+                <a:cs typeface="Courier New" panose="02070309020205020404" pitchFamily="49" charset="0"/>
+              </a:rPr>
+              <a:t>", "</a:t>
+            </a:r>
+            <a:r>
+              <a:rPr lang="it-IT" dirty="0" err="1">
+                <a:latin typeface="+mj-lt"/>
+                <a:cs typeface="Courier New" panose="02070309020205020404" pitchFamily="49" charset="0"/>
+              </a:rPr>
+              <a:t>peach</a:t>
+            </a:r>
+            <a:r>
+              <a:rPr lang="it-IT" dirty="0">
+                <a:latin typeface="+mj-lt"/>
+                <a:cs typeface="Courier New" panose="02070309020205020404" pitchFamily="49" charset="0"/>
+              </a:rPr>
+              <a:t>"]})</a:t>
             </a:r>
             <a:br>
-              <a:rPr lang="it-IT" sz="1600" dirty="0">
-                <a:latin typeface="Courier New" panose="02070309020205020404" pitchFamily="49" charset="0"/>
+              <a:rPr lang="it-IT" dirty="0">
+                <a:latin typeface="+mj-lt"/>
                 <a:cs typeface="Courier New" panose="02070309020205020404" pitchFamily="49" charset="0"/>
               </a:rPr>
             </a:br>
             <a:r>
-              <a:rPr lang="it-IT" dirty="0" smtClean="0"/>
-              <a:t>restituisce i primi 10 commenti</a:t>
+              <a:rPr lang="it-IT" dirty="0"/>
+              <a:t>match se l’array corrisponde esattamente a quello indicato (restituisce: nulla)</a:t>
             </a:r>
           </a:p>
           <a:p>
@@ -6478,56 +6212,28 @@
                 <a:latin typeface="+mj-lt"/>
                 <a:cs typeface="Courier New" panose="02070309020205020404" pitchFamily="49" charset="0"/>
               </a:rPr>
-              <a:t>db.blog.posts.find</a:t>
-            </a:r>
-            <a:r>
-              <a:rPr lang="it-IT" dirty="0">
-                <a:latin typeface="+mj-lt"/>
-                <a:cs typeface="Courier New" panose="02070309020205020404" pitchFamily="49" charset="0"/>
-              </a:rPr>
-              <a:t>(</a:t>
-            </a:r>
-            <a:r>
-              <a:rPr lang="it-IT" dirty="0" err="1">
-                <a:latin typeface="+mj-lt"/>
-                <a:cs typeface="Courier New" panose="02070309020205020404" pitchFamily="49" charset="0"/>
-              </a:rPr>
-              <a:t>criteria</a:t>
-            </a:r>
-            <a:r>
-              <a:rPr lang="it-IT" dirty="0">
-                <a:latin typeface="+mj-lt"/>
-                <a:cs typeface="Courier New" panose="02070309020205020404" pitchFamily="49" charset="0"/>
-              </a:rPr>
-              <a:t>, {"</a:t>
-            </a:r>
-            <a:r>
-              <a:rPr lang="it-IT" dirty="0" err="1">
-                <a:latin typeface="+mj-lt"/>
-                <a:cs typeface="Courier New" panose="02070309020205020404" pitchFamily="49" charset="0"/>
-              </a:rPr>
-              <a:t>comments</a:t>
-            </a:r>
-            <a:r>
-              <a:rPr lang="it-IT" dirty="0">
-                <a:latin typeface="+mj-lt"/>
-                <a:cs typeface="Courier New" panose="02070309020205020404" pitchFamily="49" charset="0"/>
-              </a:rPr>
-              <a:t>": {"$</a:t>
-            </a:r>
-            <a:r>
-              <a:rPr lang="it-IT" dirty="0" err="1">
-                <a:latin typeface="+mj-lt"/>
-                <a:cs typeface="Courier New" panose="02070309020205020404" pitchFamily="49" charset="0"/>
-              </a:rPr>
-              <a:t>slice</a:t>
-            </a:r>
-            <a:r>
-              <a:rPr lang="it-IT" dirty="0">
-                <a:latin typeface="+mj-lt"/>
-                <a:cs typeface="Courier New" panose="02070309020205020404" pitchFamily="49" charset="0"/>
-              </a:rPr>
-              <a:t>": -10}})</a:t>
+              <a:t>db.food.find</a:t>
+            </a:r>
+            <a:r>
+              <a:rPr lang="it-IT" dirty="0">
+                <a:latin typeface="+mj-lt"/>
+                <a:cs typeface="Courier New" panose="02070309020205020404" pitchFamily="49" charset="0"/>
+              </a:rPr>
+              <a:t>({"fruit.2": "</a:t>
+            </a:r>
+            <a:r>
+              <a:rPr lang="it-IT" dirty="0" err="1">
+                <a:latin typeface="+mj-lt"/>
+                <a:cs typeface="Courier New" panose="02070309020205020404" pitchFamily="49" charset="0"/>
+              </a:rPr>
+              <a:t>peach</a:t>
+            </a:r>
+            <a:r>
+              <a:rPr lang="it-IT" dirty="0">
+                <a:latin typeface="+mj-lt"/>
+                <a:cs typeface="Courier New" panose="02070309020205020404" pitchFamily="49" charset="0"/>
+              </a:rPr>
+              <a:t>"})</a:t>
             </a:r>
             <a:br>
               <a:rPr lang="it-IT" dirty="0">
@@ -6537,15 +6243,15 @@
             </a:br>
             <a:r>
               <a:rPr lang="it-IT" dirty="0"/>
-              <a:t>restituisce </a:t>
-            </a:r>
-            <a:r>
-              <a:rPr lang="it-IT" dirty="0" smtClean="0"/>
-              <a:t>gli ultimi 10 </a:t>
-            </a:r>
-            <a:r>
-              <a:rPr lang="it-IT" dirty="0"/>
-              <a:t>commenti</a:t>
+              <a:t>match se l’array contiene </a:t>
+            </a:r>
+            <a:r>
+              <a:rPr lang="it-IT" dirty="0" err="1"/>
+              <a:t>peach</a:t>
+            </a:r>
+            <a:r>
+              <a:rPr lang="it-IT" dirty="0"/>
+              <a:t> in posizione 2 0-based (restituisce: 1)</a:t>
             </a:r>
           </a:p>
           <a:p>
@@ -6555,117 +6261,36 @@
                 <a:latin typeface="+mj-lt"/>
                 <a:cs typeface="Courier New" panose="02070309020205020404" pitchFamily="49" charset="0"/>
               </a:rPr>
-              <a:t>db.blog.posts.find</a:t>
-            </a:r>
-            <a:r>
-              <a:rPr lang="it-IT" dirty="0">
-                <a:latin typeface="+mj-lt"/>
-                <a:cs typeface="Courier New" panose="02070309020205020404" pitchFamily="49" charset="0"/>
-              </a:rPr>
-              <a:t>(</a:t>
-            </a:r>
-            <a:r>
-              <a:rPr lang="it-IT" dirty="0" err="1">
-                <a:latin typeface="+mj-lt"/>
-                <a:cs typeface="Courier New" panose="02070309020205020404" pitchFamily="49" charset="0"/>
-              </a:rPr>
-              <a:t>criteria</a:t>
-            </a:r>
-            <a:r>
-              <a:rPr lang="it-IT" dirty="0">
-                <a:latin typeface="+mj-lt"/>
-                <a:cs typeface="Courier New" panose="02070309020205020404" pitchFamily="49" charset="0"/>
-              </a:rPr>
-              <a:t>, {"</a:t>
-            </a:r>
-            <a:r>
-              <a:rPr lang="it-IT" dirty="0" err="1">
-                <a:latin typeface="+mj-lt"/>
-                <a:cs typeface="Courier New" panose="02070309020205020404" pitchFamily="49" charset="0"/>
-              </a:rPr>
-              <a:t>comments</a:t>
-            </a:r>
-            <a:r>
-              <a:rPr lang="it-IT" dirty="0">
-                <a:latin typeface="+mj-lt"/>
-                <a:cs typeface="Courier New" panose="02070309020205020404" pitchFamily="49" charset="0"/>
-              </a:rPr>
-              <a:t>": {"$</a:t>
-            </a:r>
-            <a:r>
-              <a:rPr lang="it-IT" dirty="0" err="1">
-                <a:latin typeface="+mj-lt"/>
-                <a:cs typeface="Courier New" panose="02070309020205020404" pitchFamily="49" charset="0"/>
-              </a:rPr>
-              <a:t>slice</a:t>
-            </a:r>
-            <a:r>
-              <a:rPr lang="it-IT" dirty="0">
-                <a:latin typeface="+mj-lt"/>
-                <a:cs typeface="Courier New" panose="02070309020205020404" pitchFamily="49" charset="0"/>
-              </a:rPr>
-              <a:t>": [23,10]}})</a:t>
+              <a:t>db.food.find</a:t>
+            </a:r>
+            <a:r>
+              <a:rPr lang="it-IT" dirty="0">
+                <a:latin typeface="+mj-lt"/>
+                <a:cs typeface="Courier New" panose="02070309020205020404" pitchFamily="49" charset="0"/>
+              </a:rPr>
+              <a:t>({"</a:t>
+            </a:r>
+            <a:r>
+              <a:rPr lang="it-IT" dirty="0" err="1">
+                <a:latin typeface="+mj-lt"/>
+                <a:cs typeface="Courier New" panose="02070309020205020404" pitchFamily="49" charset="0"/>
+              </a:rPr>
+              <a:t>fruit</a:t>
+            </a:r>
+            <a:r>
+              <a:rPr lang="it-IT" dirty="0">
+                <a:latin typeface="+mj-lt"/>
+                <a:cs typeface="Courier New" panose="02070309020205020404" pitchFamily="49" charset="0"/>
+              </a:rPr>
+              <a:t>": {"$size": 3}})</a:t>
             </a:r>
             <a:br>
-              <a:rPr lang="it-IT" dirty="0">
-                <a:latin typeface="+mj-lt"/>
-                <a:cs typeface="Courier New" panose="02070309020205020404" pitchFamily="49" charset="0"/>
-              </a:rPr>
+              <a:rPr lang="it-IT" dirty="0"/>
             </a:br>
             <a:r>
               <a:rPr lang="it-IT" dirty="0"/>
-              <a:t>salta i primi 23 documenti e restituisce i 10 successivi (dal 24° al 33°)</a:t>
-            </a:r>
-          </a:p>
-          <a:p>
-            <a:pPr lvl="1"/>
-            <a:r>
-              <a:rPr lang="en-US" dirty="0" err="1">
-                <a:latin typeface="+mj-lt"/>
-                <a:cs typeface="Courier New" panose="02070309020205020404" pitchFamily="49" charset="0"/>
-              </a:rPr>
-              <a:t>db.blog.posts.find</a:t>
-            </a:r>
-            <a:r>
-              <a:rPr lang="en-US" dirty="0">
-                <a:latin typeface="+mj-lt"/>
-                <a:cs typeface="Courier New" panose="02070309020205020404" pitchFamily="49" charset="0"/>
-              </a:rPr>
-              <a:t>(criteria, {"comments.$": 1})</a:t>
-            </a:r>
-            <a:r>
-              <a:rPr lang="it-IT" dirty="0">
-                <a:latin typeface="+mj-lt"/>
-                <a:cs typeface="Courier New" panose="02070309020205020404" pitchFamily="49" charset="0"/>
-              </a:rPr>
-              <a:t/>
-            </a:r>
-            <a:br>
-              <a:rPr lang="it-IT" dirty="0">
-                <a:latin typeface="+mj-lt"/>
-                <a:cs typeface="Courier New" panose="02070309020205020404" pitchFamily="49" charset="0"/>
-              </a:rPr>
-            </a:br>
-            <a:r>
-              <a:rPr lang="it-IT" dirty="0" smtClean="0"/>
-              <a:t>restituisce i commenti che rispondo ai criteri di selezione indicati </a:t>
-            </a:r>
-            <a:endParaRPr lang="it-IT" dirty="0"/>
-          </a:p>
-          <a:p>
-            <a:r>
-              <a:rPr lang="it-IT" dirty="0" smtClean="0"/>
-              <a:t>Attenzione: se $</a:t>
-            </a:r>
-            <a:r>
-              <a:rPr lang="it-IT" dirty="0" err="1" smtClean="0"/>
-              <a:t>slice</a:t>
-            </a:r>
-            <a:r>
-              <a:rPr lang="it-IT" dirty="0" smtClean="0"/>
-              <a:t> è l’unico operatore utilizzato nella proiezione, tutti i campi dei documenti vengono restituiti</a:t>
-            </a:r>
-            <a:endParaRPr lang="it-IT" dirty="0"/>
+              <a:t>match se l’array contiene 3 elementi (restituisce: 1, 2 e 3)</a:t>
+            </a:r>
           </a:p>
         </p:txBody>
       </p:sp>
@@ -6695,7 +6320,7 @@
     </p:spTree>
     <p:extLst>
       <p:ext uri="{BB962C8B-B14F-4D97-AF65-F5344CB8AC3E}">
-        <p14:creationId xmlns:p14="http://schemas.microsoft.com/office/powerpoint/2010/main" val="719743278"/>
+        <p14:creationId xmlns:p14="http://schemas.microsoft.com/office/powerpoint/2010/main" val="136882790"/>
       </p:ext>
     </p:extLst>
   </p:cSld>
@@ -6738,55 +6363,52 @@
           <a:lstStyle/>
           <a:p>
             <a:r>
-              <a:rPr lang="it-IT" dirty="0" err="1" smtClean="0"/>
+              <a:rPr lang="it-IT" dirty="0" err="1"/>
               <a:t>Find</a:t>
             </a:r>
             <a:r>
-              <a:rPr lang="it-IT" dirty="0" smtClean="0"/>
+              <a:rPr lang="it-IT" dirty="0"/>
               <a:t> – interrogare array</a:t>
             </a:r>
+          </a:p>
+        </p:txBody>
+      </p:sp>
+      <p:sp>
+        <p:nvSpPr>
+          <p:cNvPr id="3" name="Segnaposto contenuto 2"/>
+          <p:cNvSpPr>
+            <a:spLocks noGrp="1"/>
+          </p:cNvSpPr>
+          <p:nvPr>
+            <p:ph idx="1"/>
+          </p:nvPr>
+        </p:nvSpPr>
+        <p:spPr>
+          <a:xfrm>
+            <a:off x="822959" y="1845733"/>
+            <a:ext cx="7543801" cy="4118339"/>
+          </a:xfrm>
+        </p:spPr>
+        <p:txBody>
+          <a:bodyPr>
+            <a:normAutofit/>
+          </a:bodyPr>
+          <a:lstStyle/>
+          <a:p>
+            <a:r>
+              <a:rPr lang="it-IT" dirty="0"/>
+              <a:t>In fase di proiezione è possibile limitare il numero di elementi dell’array che vengono restituiti dalla </a:t>
+            </a:r>
+            <a:r>
+              <a:rPr lang="it-IT" dirty="0" err="1"/>
+              <a:t>query</a:t>
+            </a:r>
             <a:endParaRPr lang="it-IT" dirty="0"/>
           </a:p>
-        </p:txBody>
-      </p:sp>
-      <p:sp>
-        <p:nvSpPr>
-          <p:cNvPr id="3" name="Segnaposto contenuto 2"/>
-          <p:cNvSpPr>
-            <a:spLocks noGrp="1"/>
-          </p:cNvSpPr>
-          <p:nvPr>
-            <p:ph idx="1"/>
-          </p:nvPr>
-        </p:nvSpPr>
-        <p:spPr/>
-        <p:txBody>
-          <a:bodyPr/>
-          <a:lstStyle/>
-          <a:p>
-            <a:r>
-              <a:rPr lang="it-IT" dirty="0" smtClean="0"/>
-              <a:t>Quando si pone una selezione con più criteri su un </a:t>
-            </a:r>
-            <a:r>
-              <a:rPr lang="it-IT" dirty="0" smtClean="0">
-                <a:solidFill>
-                  <a:srgbClr val="FF0000"/>
-                </a:solidFill>
-              </a:rPr>
-              <a:t>attributo con valore semplice</a:t>
-            </a:r>
-            <a:r>
-              <a:rPr lang="it-IT" dirty="0" smtClean="0"/>
-              <a:t> (e.g., una stringa o un numero), i criteri sono valutati in </a:t>
-            </a:r>
-            <a:r>
-              <a:rPr lang="it-IT" dirty="0" smtClean="0">
-                <a:solidFill>
-                  <a:srgbClr val="FF0000"/>
-                </a:solidFill>
-              </a:rPr>
-              <a:t>AND</a:t>
+          <a:p>
+            <a:r>
+              <a:rPr lang="it-IT" dirty="0"/>
+              <a:t>Contesto: un doc che contiene il post di un blog ed i relativi commenti</a:t>
             </a:r>
           </a:p>
           <a:p>
@@ -6796,54 +6418,66 @@
                 <a:latin typeface="+mj-lt"/>
                 <a:cs typeface="Courier New" panose="02070309020205020404" pitchFamily="49" charset="0"/>
               </a:rPr>
-              <a:t>db.test.find</a:t>
-            </a:r>
-            <a:r>
-              <a:rPr lang="it-IT" dirty="0">
-                <a:latin typeface="+mj-lt"/>
-                <a:cs typeface="Courier New" panose="02070309020205020404" pitchFamily="49" charset="0"/>
-              </a:rPr>
-              <a:t>({"x": {"$gt":10, "$lt":20}})</a:t>
+              <a:t>db.blog.posts.find</a:t>
+            </a:r>
+            <a:r>
+              <a:rPr lang="it-IT" dirty="0">
+                <a:latin typeface="+mj-lt"/>
+                <a:cs typeface="Courier New" panose="02070309020205020404" pitchFamily="49" charset="0"/>
+              </a:rPr>
+              <a:t>(</a:t>
+            </a:r>
+            <a:r>
+              <a:rPr lang="it-IT" dirty="0" err="1">
+                <a:latin typeface="+mj-lt"/>
+                <a:cs typeface="Courier New" panose="02070309020205020404" pitchFamily="49" charset="0"/>
+              </a:rPr>
+              <a:t>criteria</a:t>
+            </a:r>
+            <a:r>
+              <a:rPr lang="it-IT" dirty="0">
+                <a:latin typeface="+mj-lt"/>
+                <a:cs typeface="Courier New" panose="02070309020205020404" pitchFamily="49" charset="0"/>
+              </a:rPr>
+              <a:t>, {"</a:t>
+            </a:r>
+            <a:r>
+              <a:rPr lang="it-IT" dirty="0" err="1">
+                <a:latin typeface="+mj-lt"/>
+                <a:cs typeface="Courier New" panose="02070309020205020404" pitchFamily="49" charset="0"/>
+              </a:rPr>
+              <a:t>comments</a:t>
+            </a:r>
+            <a:r>
+              <a:rPr lang="it-IT" dirty="0">
+                <a:latin typeface="+mj-lt"/>
+                <a:cs typeface="Courier New" panose="02070309020205020404" pitchFamily="49" charset="0"/>
+              </a:rPr>
+              <a:t>": {"$</a:t>
+            </a:r>
+            <a:r>
+              <a:rPr lang="it-IT" dirty="0" err="1">
+                <a:latin typeface="+mj-lt"/>
+                <a:cs typeface="Courier New" panose="02070309020205020404" pitchFamily="49" charset="0"/>
+              </a:rPr>
+              <a:t>slice</a:t>
+            </a:r>
+            <a:r>
+              <a:rPr lang="it-IT" dirty="0">
+                <a:latin typeface="+mj-lt"/>
+                <a:cs typeface="Courier New" panose="02070309020205020404" pitchFamily="49" charset="0"/>
+              </a:rPr>
+              <a:t>": 10}})</a:t>
             </a:r>
             <a:br>
-              <a:rPr lang="it-IT" dirty="0">
-                <a:latin typeface="+mj-lt"/>
+              <a:rPr lang="it-IT" sz="1600" dirty="0">
+                <a:latin typeface="Courier New" panose="02070309020205020404" pitchFamily="49" charset="0"/>
                 <a:cs typeface="Courier New" panose="02070309020205020404" pitchFamily="49" charset="0"/>
               </a:rPr>
             </a:br>
             <a:r>
-              <a:rPr lang="it-IT" b="1" dirty="0" smtClean="0"/>
-              <a:t>Il valore di x deve essere maggiore di 10 e minore di 20</a:t>
-            </a:r>
-          </a:p>
-          <a:p>
-            <a:r>
-              <a:rPr lang="it-IT" dirty="0" smtClean="0"/>
-              <a:t>Se l’</a:t>
-            </a:r>
-            <a:r>
-              <a:rPr lang="it-IT" dirty="0" smtClean="0">
-                <a:solidFill>
-                  <a:srgbClr val="FF0000"/>
-                </a:solidFill>
-              </a:rPr>
-              <a:t>attributo è un array</a:t>
-            </a:r>
-            <a:r>
-              <a:rPr lang="it-IT" dirty="0" smtClean="0"/>
-              <a:t>, i criteri sono valutati in </a:t>
-            </a:r>
-            <a:r>
-              <a:rPr lang="it-IT" dirty="0" smtClean="0">
-                <a:solidFill>
-                  <a:srgbClr val="FF0000"/>
-                </a:solidFill>
-              </a:rPr>
-              <a:t>OR</a:t>
-            </a:r>
-            <a:r>
-              <a:rPr lang="it-IT" dirty="0" smtClean="0"/>
-              <a:t> per ogni elemento: se ce n’è almeno uno che corrisponde, il documento viene restituito</a:t>
+              <a:rPr lang="it-IT" dirty="0"/>
+              <a:t>restituisce i primi 10 commenti</a:t>
             </a:r>
           </a:p>
           <a:p>
@@ -6853,14 +6487,56 @@
                 <a:latin typeface="+mj-lt"/>
                 <a:cs typeface="Courier New" panose="02070309020205020404" pitchFamily="49" charset="0"/>
               </a:rPr>
-              <a:t>db.test.find</a:t>
-            </a:r>
-            <a:r>
-              <a:rPr lang="it-IT" dirty="0">
-                <a:latin typeface="+mj-lt"/>
-                <a:cs typeface="Courier New" panose="02070309020205020404" pitchFamily="49" charset="0"/>
-              </a:rPr>
-              <a:t>({"x": {"$gt":10, "$lt":20}}) </a:t>
+              <a:t>db.blog.posts.find</a:t>
+            </a:r>
+            <a:r>
+              <a:rPr lang="it-IT" dirty="0">
+                <a:latin typeface="+mj-lt"/>
+                <a:cs typeface="Courier New" panose="02070309020205020404" pitchFamily="49" charset="0"/>
+              </a:rPr>
+              <a:t>(</a:t>
+            </a:r>
+            <a:r>
+              <a:rPr lang="it-IT" dirty="0" err="1">
+                <a:latin typeface="+mj-lt"/>
+                <a:cs typeface="Courier New" panose="02070309020205020404" pitchFamily="49" charset="0"/>
+              </a:rPr>
+              <a:t>criteria</a:t>
+            </a:r>
+            <a:r>
+              <a:rPr lang="it-IT" dirty="0">
+                <a:latin typeface="+mj-lt"/>
+                <a:cs typeface="Courier New" panose="02070309020205020404" pitchFamily="49" charset="0"/>
+              </a:rPr>
+              <a:t>, {"</a:t>
+            </a:r>
+            <a:r>
+              <a:rPr lang="it-IT" dirty="0" err="1">
+                <a:latin typeface="+mj-lt"/>
+                <a:cs typeface="Courier New" panose="02070309020205020404" pitchFamily="49" charset="0"/>
+              </a:rPr>
+              <a:t>comments</a:t>
+            </a:r>
+            <a:r>
+              <a:rPr lang="it-IT" dirty="0">
+                <a:latin typeface="+mj-lt"/>
+                <a:cs typeface="Courier New" panose="02070309020205020404" pitchFamily="49" charset="0"/>
+              </a:rPr>
+              <a:t>": {"$</a:t>
+            </a:r>
+            <a:r>
+              <a:rPr lang="it-IT" dirty="0" err="1">
+                <a:latin typeface="+mj-lt"/>
+                <a:cs typeface="Courier New" panose="02070309020205020404" pitchFamily="49" charset="0"/>
+              </a:rPr>
+              <a:t>slice</a:t>
+            </a:r>
+            <a:r>
+              <a:rPr lang="it-IT" dirty="0">
+                <a:latin typeface="+mj-lt"/>
+                <a:cs typeface="Courier New" panose="02070309020205020404" pitchFamily="49" charset="0"/>
+              </a:rPr>
+              <a:t>": -10}})</a:t>
             </a:r>
             <a:br>
               <a:rPr lang="it-IT" dirty="0">
@@ -6869,56 +6545,9 @@
               </a:rPr>
             </a:br>
             <a:r>
-              <a:rPr lang="it-IT" b="1" dirty="0" smtClean="0"/>
-              <a:t>Gli elementi dell’array x devono essere o maggiori di 10, o minori di 20</a:t>
-            </a:r>
-          </a:p>
-          <a:p>
-            <a:r>
-              <a:rPr lang="it-IT" dirty="0" smtClean="0">
-                <a:solidFill>
-                  <a:srgbClr val="FF0000"/>
-                </a:solidFill>
-              </a:rPr>
-              <a:t>Per imporre i due vincoli in AND sugli elementi di </a:t>
-            </a:r>
-            <a:r>
-              <a:rPr lang="it-IT" dirty="0" err="1" smtClean="0">
-                <a:solidFill>
-                  <a:srgbClr val="FF0000"/>
-                </a:solidFill>
-              </a:rPr>
-              <a:t>un’array</a:t>
-            </a:r>
-            <a:r>
-              <a:rPr lang="it-IT" dirty="0" smtClean="0">
-                <a:solidFill>
-                  <a:srgbClr val="FF0000"/>
-                </a:solidFill>
-              </a:rPr>
-              <a:t>, bisogna utilizzare l’operatore </a:t>
-            </a:r>
-            <a:r>
-              <a:rPr lang="it-IT" b="1" dirty="0" smtClean="0">
-                <a:solidFill>
-                  <a:srgbClr val="FF0000"/>
-                </a:solidFill>
-              </a:rPr>
-              <a:t>$</a:t>
-            </a:r>
-            <a:r>
-              <a:rPr lang="it-IT" b="1" dirty="0" err="1" smtClean="0">
-                <a:solidFill>
-                  <a:srgbClr val="FF0000"/>
-                </a:solidFill>
-              </a:rPr>
-              <a:t>elemMatch</a:t>
-            </a:r>
-            <a:endParaRPr lang="it-IT" b="1" dirty="0" smtClean="0">
-              <a:solidFill>
-                <a:srgbClr val="FF0000"/>
-              </a:solidFill>
-            </a:endParaRPr>
+              <a:rPr lang="it-IT" dirty="0"/>
+              <a:t>restituisce gli ultimi 10 commenti</a:t>
+            </a:r>
           </a:p>
           <a:p>
             <a:pPr lvl="1"/>
@@ -6927,28 +6556,107 @@
                 <a:latin typeface="+mj-lt"/>
                 <a:cs typeface="Courier New" panose="02070309020205020404" pitchFamily="49" charset="0"/>
               </a:rPr>
-              <a:t>db.test.find</a:t>
-            </a:r>
-            <a:r>
-              <a:rPr lang="it-IT" dirty="0">
-                <a:latin typeface="+mj-lt"/>
-                <a:cs typeface="Courier New" panose="02070309020205020404" pitchFamily="49" charset="0"/>
-              </a:rPr>
-              <a:t>({"x": {"$</a:t>
-            </a:r>
-            <a:r>
-              <a:rPr lang="it-IT" dirty="0" err="1">
-                <a:latin typeface="+mj-lt"/>
-                <a:cs typeface="Courier New" panose="02070309020205020404" pitchFamily="49" charset="0"/>
-              </a:rPr>
-              <a:t>elemMatch</a:t>
-            </a:r>
-            <a:r>
-              <a:rPr lang="it-IT" dirty="0">
-                <a:latin typeface="+mj-lt"/>
-                <a:cs typeface="Courier New" panose="02070309020205020404" pitchFamily="49" charset="0"/>
-              </a:rPr>
-              <a:t>": {"$gt":10, "$lt":20}})</a:t>
+              <a:t>db.blog.posts.find</a:t>
+            </a:r>
+            <a:r>
+              <a:rPr lang="it-IT" dirty="0">
+                <a:latin typeface="+mj-lt"/>
+                <a:cs typeface="Courier New" panose="02070309020205020404" pitchFamily="49" charset="0"/>
+              </a:rPr>
+              <a:t>(</a:t>
+            </a:r>
+            <a:r>
+              <a:rPr lang="it-IT" dirty="0" err="1">
+                <a:latin typeface="+mj-lt"/>
+                <a:cs typeface="Courier New" panose="02070309020205020404" pitchFamily="49" charset="0"/>
+              </a:rPr>
+              <a:t>criteria</a:t>
+            </a:r>
+            <a:r>
+              <a:rPr lang="it-IT" dirty="0">
+                <a:latin typeface="+mj-lt"/>
+                <a:cs typeface="Courier New" panose="02070309020205020404" pitchFamily="49" charset="0"/>
+              </a:rPr>
+              <a:t>, {"</a:t>
+            </a:r>
+            <a:r>
+              <a:rPr lang="it-IT" dirty="0" err="1">
+                <a:latin typeface="+mj-lt"/>
+                <a:cs typeface="Courier New" panose="02070309020205020404" pitchFamily="49" charset="0"/>
+              </a:rPr>
+              <a:t>comments</a:t>
+            </a:r>
+            <a:r>
+              <a:rPr lang="it-IT" dirty="0">
+                <a:latin typeface="+mj-lt"/>
+                <a:cs typeface="Courier New" panose="02070309020205020404" pitchFamily="49" charset="0"/>
+              </a:rPr>
+              <a:t>": {"$</a:t>
+            </a:r>
+            <a:r>
+              <a:rPr lang="it-IT" dirty="0" err="1">
+                <a:latin typeface="+mj-lt"/>
+                <a:cs typeface="Courier New" panose="02070309020205020404" pitchFamily="49" charset="0"/>
+              </a:rPr>
+              <a:t>slice</a:t>
+            </a:r>
+            <a:r>
+              <a:rPr lang="it-IT" dirty="0">
+                <a:latin typeface="+mj-lt"/>
+                <a:cs typeface="Courier New" panose="02070309020205020404" pitchFamily="49" charset="0"/>
+              </a:rPr>
+              <a:t>": [23,10]}})</a:t>
+            </a:r>
+            <a:br>
+              <a:rPr lang="it-IT" dirty="0">
+                <a:latin typeface="+mj-lt"/>
+                <a:cs typeface="Courier New" panose="02070309020205020404" pitchFamily="49" charset="0"/>
+              </a:rPr>
+            </a:br>
+            <a:r>
+              <a:rPr lang="it-IT" dirty="0"/>
+              <a:t>salta i primi 23 documenti e restituisce i 10 successivi (dal 24° al 33°)</a:t>
+            </a:r>
+          </a:p>
+          <a:p>
+            <a:pPr lvl="1"/>
+            <a:r>
+              <a:rPr lang="en-US" dirty="0" err="1">
+                <a:latin typeface="+mj-lt"/>
+                <a:cs typeface="Courier New" panose="02070309020205020404" pitchFamily="49" charset="0"/>
+              </a:rPr>
+              <a:t>db.blog.posts.find</a:t>
+            </a:r>
+            <a:r>
+              <a:rPr lang="en-US" dirty="0">
+                <a:latin typeface="+mj-lt"/>
+                <a:cs typeface="Courier New" panose="02070309020205020404" pitchFamily="49" charset="0"/>
+              </a:rPr>
+              <a:t>(criteria, {"comments.$": 1})</a:t>
+            </a:r>
+            <a:br>
+              <a:rPr lang="it-IT" dirty="0">
+                <a:latin typeface="+mj-lt"/>
+                <a:cs typeface="Courier New" panose="02070309020205020404" pitchFamily="49" charset="0"/>
+              </a:rPr>
+            </a:br>
+            <a:r>
+              <a:rPr lang="it-IT" dirty="0"/>
+              <a:t>restituisce i commenti che rispondono ai criteri di selezione indicati </a:t>
+            </a:r>
+          </a:p>
+          <a:p>
+            <a:r>
+              <a:rPr lang="it-IT" dirty="0"/>
+              <a:t>Attenzione: se $</a:t>
+            </a:r>
+            <a:r>
+              <a:rPr lang="it-IT" dirty="0" err="1"/>
+              <a:t>slice</a:t>
+            </a:r>
+            <a:r>
+              <a:rPr lang="it-IT" dirty="0"/>
+              <a:t> è l’unico operatore utilizzato nella proiezione, tutti i campi dei documenti vengono restituiti</a:t>
             </a:r>
           </a:p>
         </p:txBody>
@@ -6979,7 +6687,7 @@
     </p:spTree>
     <p:extLst>
       <p:ext uri="{BB962C8B-B14F-4D97-AF65-F5344CB8AC3E}">
-        <p14:creationId xmlns:p14="http://schemas.microsoft.com/office/powerpoint/2010/main" val="3205871039"/>
+        <p14:creationId xmlns:p14="http://schemas.microsoft.com/office/powerpoint/2010/main" val="719743278"/>
       </p:ext>
     </p:extLst>
   </p:cSld>
@@ -7022,14 +6730,13 @@
           <a:lstStyle/>
           <a:p>
             <a:r>
-              <a:rPr lang="it-IT" dirty="0" err="1" smtClean="0"/>
+              <a:rPr lang="it-IT" dirty="0" err="1"/>
               <a:t>Find</a:t>
             </a:r>
             <a:r>
-              <a:rPr lang="it-IT" dirty="0" smtClean="0"/>
-              <a:t> – interrogare oggetti</a:t>
-            </a:r>
-            <a:endParaRPr lang="it-IT" dirty="0"/>
+              <a:rPr lang="it-IT" dirty="0"/>
+              <a:t> – interrogare array</a:t>
+            </a:r>
           </a:p>
         </p:txBody>
       </p:sp>
@@ -7049,80 +6756,85 @@
           <a:lstStyle/>
           <a:p>
             <a:r>
-              <a:rPr lang="it-IT" dirty="0" smtClean="0"/>
-              <a:t>Contesto</a:t>
+              <a:rPr lang="it-IT" dirty="0"/>
+              <a:t>Quando si pone una selezione con più criteri su un </a:t>
+            </a:r>
+            <a:r>
+              <a:rPr lang="it-IT" dirty="0">
+                <a:solidFill>
+                  <a:srgbClr val="FF0000"/>
+                </a:solidFill>
+              </a:rPr>
+              <a:t>attributo con valore semplice</a:t>
+            </a:r>
+            <a:r>
+              <a:rPr lang="it-IT" dirty="0"/>
+              <a:t> (e.g., una stringa o un numero), i criteri sono valutati in </a:t>
+            </a:r>
+            <a:r>
+              <a:rPr lang="it-IT" dirty="0">
+                <a:solidFill>
+                  <a:srgbClr val="FF0000"/>
+                </a:solidFill>
+              </a:rPr>
+              <a:t>AND</a:t>
             </a:r>
           </a:p>
           <a:p>
             <a:pPr lvl="1"/>
             <a:r>
-              <a:rPr lang="it-IT" dirty="0">
-                <a:latin typeface="+mj-lt"/>
-                <a:cs typeface="Courier New" panose="02070309020205020404" pitchFamily="49" charset="0"/>
-              </a:rPr>
-              <a:t>{"</a:t>
-            </a:r>
-            <a:r>
-              <a:rPr lang="it-IT" dirty="0" err="1">
-                <a:latin typeface="+mj-lt"/>
-                <a:cs typeface="Courier New" panose="02070309020205020404" pitchFamily="49" charset="0"/>
-              </a:rPr>
-              <a:t>name</a:t>
-            </a:r>
-            <a:r>
-              <a:rPr lang="it-IT" dirty="0">
-                <a:latin typeface="+mj-lt"/>
-                <a:cs typeface="Courier New" panose="02070309020205020404" pitchFamily="49" charset="0"/>
-              </a:rPr>
-              <a:t>": {"first":"</a:t>
-            </a:r>
-            <a:r>
-              <a:rPr lang="it-IT" dirty="0" err="1">
-                <a:latin typeface="+mj-lt"/>
-                <a:cs typeface="Courier New" panose="02070309020205020404" pitchFamily="49" charset="0"/>
-              </a:rPr>
-              <a:t>Joe</a:t>
-            </a:r>
-            <a:r>
-              <a:rPr lang="it-IT" dirty="0">
-                <a:latin typeface="+mj-lt"/>
-                <a:cs typeface="Courier New" panose="02070309020205020404" pitchFamily="49" charset="0"/>
-              </a:rPr>
-              <a:t>", "</a:t>
-            </a:r>
-            <a:r>
-              <a:rPr lang="it-IT" dirty="0" err="1">
-                <a:latin typeface="+mj-lt"/>
-                <a:cs typeface="Courier New" panose="02070309020205020404" pitchFamily="49" charset="0"/>
-              </a:rPr>
-              <a:t>middle":"K</a:t>
-            </a:r>
-            <a:r>
-              <a:rPr lang="it-IT" dirty="0">
-                <a:latin typeface="+mj-lt"/>
-                <a:cs typeface="Courier New" panose="02070309020205020404" pitchFamily="49" charset="0"/>
-              </a:rPr>
-              <a:t>" , "last":"</a:t>
-            </a:r>
-            <a:r>
-              <a:rPr lang="it-IT" dirty="0" err="1">
-                <a:latin typeface="+mj-lt"/>
-                <a:cs typeface="Courier New" panose="02070309020205020404" pitchFamily="49" charset="0"/>
-              </a:rPr>
-              <a:t>Schmoe</a:t>
-            </a:r>
-            <a:r>
-              <a:rPr lang="it-IT" dirty="0">
-                <a:latin typeface="+mj-lt"/>
-                <a:cs typeface="Courier New" panose="02070309020205020404" pitchFamily="49" charset="0"/>
-              </a:rPr>
-              <a:t>" }}</a:t>
-            </a:r>
-          </a:p>
-          <a:p>
-            <a:r>
-              <a:rPr lang="it-IT" dirty="0" smtClean="0"/>
-              <a:t>Esistono due modalità</a:t>
+              <a:rPr lang="it-IT" dirty="0" err="1">
+                <a:latin typeface="+mj-lt"/>
+                <a:cs typeface="Courier New" panose="02070309020205020404" pitchFamily="49" charset="0"/>
+              </a:rPr>
+              <a:t>db.test.find</a:t>
+            </a:r>
+            <a:r>
+              <a:rPr lang="it-IT" dirty="0">
+                <a:latin typeface="+mj-lt"/>
+                <a:cs typeface="Courier New" panose="02070309020205020404" pitchFamily="49" charset="0"/>
+              </a:rPr>
+              <a:t>({"x": {"$gt":10, "$lt":20}})</a:t>
+            </a:r>
+            <a:br>
+              <a:rPr lang="it-IT" dirty="0">
+                <a:latin typeface="+mj-lt"/>
+                <a:cs typeface="Courier New" panose="02070309020205020404" pitchFamily="49" charset="0"/>
+              </a:rPr>
+            </a:br>
+            <a:r>
+              <a:rPr lang="it-IT" b="1" dirty="0"/>
+              <a:t>Il valore di x deve essere maggiore di 10 e minore di 20</a:t>
+            </a:r>
+          </a:p>
+          <a:p>
+            <a:r>
+              <a:rPr lang="it-IT" dirty="0"/>
+              <a:t>Se l’</a:t>
+            </a:r>
+            <a:r>
+              <a:rPr lang="it-IT" dirty="0">
+                <a:solidFill>
+                  <a:srgbClr val="FF0000"/>
+                </a:solidFill>
+              </a:rPr>
+              <a:t>attributo è un array</a:t>
+            </a:r>
+            <a:r>
+              <a:rPr lang="it-IT" dirty="0"/>
+              <a:t>, i criteri sono valutati in </a:t>
+            </a:r>
+            <a:r>
+              <a:rPr lang="it-IT" dirty="0">
+                <a:solidFill>
+                  <a:srgbClr val="FF0000"/>
+                </a:solidFill>
+              </a:rPr>
+              <a:t>OR</a:t>
+            </a:r>
+            <a:r>
+              <a:rPr lang="it-IT" dirty="0"/>
+              <a:t> per ogni elemento: se ce n’è almeno uno che corrisponde, il documento viene restituito</a:t>
             </a:r>
           </a:p>
           <a:p>
@@ -7132,56 +6844,14 @@
                 <a:latin typeface="+mj-lt"/>
                 <a:cs typeface="Courier New" panose="02070309020205020404" pitchFamily="49" charset="0"/>
               </a:rPr>
-              <a:t>db.people.find</a:t>
-            </a:r>
-            <a:r>
-              <a:rPr lang="it-IT" dirty="0">
-                <a:latin typeface="+mj-lt"/>
-                <a:cs typeface="Courier New" panose="02070309020205020404" pitchFamily="49" charset="0"/>
-              </a:rPr>
-              <a:t>({"</a:t>
-            </a:r>
-            <a:r>
-              <a:rPr lang="it-IT" dirty="0" err="1">
-                <a:latin typeface="+mj-lt"/>
-                <a:cs typeface="Courier New" panose="02070309020205020404" pitchFamily="49" charset="0"/>
-              </a:rPr>
-              <a:t>name</a:t>
-            </a:r>
-            <a:r>
-              <a:rPr lang="it-IT" dirty="0">
-                <a:latin typeface="+mj-lt"/>
-                <a:cs typeface="Courier New" panose="02070309020205020404" pitchFamily="49" charset="0"/>
-              </a:rPr>
-              <a:t>" : {"first":"</a:t>
-            </a:r>
-            <a:r>
-              <a:rPr lang="it-IT" dirty="0" err="1">
-                <a:latin typeface="+mj-lt"/>
-                <a:cs typeface="Courier New" panose="02070309020205020404" pitchFamily="49" charset="0"/>
-              </a:rPr>
-              <a:t>Joe</a:t>
-            </a:r>
-            <a:r>
-              <a:rPr lang="it-IT" dirty="0">
-                <a:latin typeface="+mj-lt"/>
-                <a:cs typeface="Courier New" panose="02070309020205020404" pitchFamily="49" charset="0"/>
-              </a:rPr>
-              <a:t>", last":"</a:t>
-            </a:r>
-            <a:r>
-              <a:rPr lang="it-IT" dirty="0" err="1">
-                <a:latin typeface="+mj-lt"/>
-                <a:cs typeface="Courier New" panose="02070309020205020404" pitchFamily="49" charset="0"/>
-              </a:rPr>
-              <a:t>Schmoe</a:t>
-            </a:r>
-            <a:r>
-              <a:rPr lang="it-IT" dirty="0">
-                <a:latin typeface="+mj-lt"/>
-                <a:cs typeface="Courier New" panose="02070309020205020404" pitchFamily="49" charset="0"/>
-              </a:rPr>
-              <a:t>"}})</a:t>
+              <a:t>db.test.find</a:t>
+            </a:r>
+            <a:r>
+              <a:rPr lang="it-IT" dirty="0">
+                <a:latin typeface="+mj-lt"/>
+                <a:cs typeface="Courier New" panose="02070309020205020404" pitchFamily="49" charset="0"/>
+              </a:rPr>
+              <a:t>({"x": {"$gt":10, "$lt":20}}) </a:t>
             </a:r>
             <a:br>
               <a:rPr lang="it-IT" dirty="0">
@@ -7190,9 +6860,56 @@
               </a:rPr>
             </a:br>
             <a:r>
-              <a:rPr lang="it-IT" dirty="0" smtClean="0"/>
-              <a:t>Match esatto: l’oggetto cercato deve essere uguale a quello specificato (in questo caso, non restituisce nulla)</a:t>
-            </a:r>
+              <a:rPr lang="it-IT" b="1" dirty="0"/>
+              <a:t>Gli elementi dell’array x devono essere o maggiori di 10, o minori di 20</a:t>
+            </a:r>
+          </a:p>
+          <a:p>
+            <a:r>
+              <a:rPr lang="it-IT" dirty="0">
+                <a:solidFill>
+                  <a:srgbClr val="FF0000"/>
+                </a:solidFill>
+              </a:rPr>
+              <a:t>Per imporre i due vincoli in AND sugli elementi di </a:t>
+            </a:r>
+            <a:r>
+              <a:rPr lang="it-IT" dirty="0" err="1">
+                <a:solidFill>
+                  <a:srgbClr val="FF0000"/>
+                </a:solidFill>
+              </a:rPr>
+              <a:t>un’array</a:t>
+            </a:r>
+            <a:r>
+              <a:rPr lang="it-IT" dirty="0">
+                <a:solidFill>
+                  <a:srgbClr val="FF0000"/>
+                </a:solidFill>
+              </a:rPr>
+              <a:t>, bisogna utilizzare l’operatore </a:t>
+            </a:r>
+            <a:r>
+              <a:rPr lang="it-IT" b="1" dirty="0">
+                <a:solidFill>
+                  <a:srgbClr val="FF0000"/>
+                </a:solidFill>
+              </a:rPr>
+              <a:t>$</a:t>
+            </a:r>
+            <a:r>
+              <a:rPr lang="it-IT" b="1" dirty="0" err="1">
+                <a:solidFill>
+                  <a:srgbClr val="FF0000"/>
+                </a:solidFill>
+              </a:rPr>
+              <a:t>elemMatch</a:t>
+            </a:r>
+            <a:endParaRPr lang="it-IT" b="1" dirty="0">
+              <a:solidFill>
+                <a:srgbClr val="FF0000"/>
+              </a:solidFill>
+            </a:endParaRPr>
           </a:p>
           <a:p>
             <a:pPr lvl="1"/>
@@ -7201,81 +6918,29 @@
                 <a:latin typeface="+mj-lt"/>
                 <a:cs typeface="Courier New" panose="02070309020205020404" pitchFamily="49" charset="0"/>
               </a:rPr>
-              <a:t>db.people.find</a:t>
-            </a:r>
-            <a:r>
-              <a:rPr lang="it-IT" dirty="0">
-                <a:latin typeface="+mj-lt"/>
-                <a:cs typeface="Courier New" panose="02070309020205020404" pitchFamily="49" charset="0"/>
-              </a:rPr>
-              <a:t>({"name.first</a:t>
-            </a:r>
-            <a:r>
-              <a:rPr lang="it-IT" dirty="0" smtClean="0">
-                <a:latin typeface="+mj-lt"/>
-                <a:cs typeface="Courier New" panose="02070309020205020404" pitchFamily="49" charset="0"/>
-              </a:rPr>
-              <a:t>":"</a:t>
-            </a:r>
-            <a:r>
-              <a:rPr lang="it-IT" dirty="0" err="1">
-                <a:latin typeface="+mj-lt"/>
-                <a:cs typeface="Courier New" panose="02070309020205020404" pitchFamily="49" charset="0"/>
-              </a:rPr>
-              <a:t>Joe</a:t>
-            </a:r>
-            <a:r>
-              <a:rPr lang="it-IT" dirty="0">
-                <a:latin typeface="+mj-lt"/>
-                <a:cs typeface="Courier New" panose="02070309020205020404" pitchFamily="49" charset="0"/>
-              </a:rPr>
-              <a:t>", "name.last</a:t>
-            </a:r>
-            <a:r>
-              <a:rPr lang="it-IT" dirty="0" smtClean="0">
-                <a:latin typeface="+mj-lt"/>
-                <a:cs typeface="Courier New" panose="02070309020205020404" pitchFamily="49" charset="0"/>
-              </a:rPr>
-              <a:t>":"</a:t>
-            </a:r>
-            <a:r>
-              <a:rPr lang="it-IT" dirty="0" err="1">
-                <a:latin typeface="+mj-lt"/>
-                <a:cs typeface="Courier New" panose="02070309020205020404" pitchFamily="49" charset="0"/>
-              </a:rPr>
-              <a:t>Schmoe</a:t>
-            </a:r>
-            <a:r>
-              <a:rPr lang="it-IT" dirty="0">
-                <a:latin typeface="+mj-lt"/>
-                <a:cs typeface="Courier New" panose="02070309020205020404" pitchFamily="49" charset="0"/>
-              </a:rPr>
-              <a:t>"})</a:t>
-            </a:r>
-            <a:r>
-              <a:rPr lang="it-IT" sz="2000" dirty="0" smtClean="0">
-                <a:latin typeface="+mj-lt"/>
-              </a:rPr>
-              <a:t/>
-            </a:r>
-            <a:br>
-              <a:rPr lang="it-IT" sz="2000" dirty="0" smtClean="0">
-                <a:latin typeface="+mj-lt"/>
-              </a:rPr>
-            </a:br>
-            <a:r>
-              <a:rPr lang="it-IT" dirty="0" smtClean="0"/>
-              <a:t>In alternativa, si può usare la dot </a:t>
-            </a:r>
-            <a:r>
-              <a:rPr lang="it-IT" dirty="0" err="1" smtClean="0"/>
-              <a:t>notation</a:t>
-            </a:r>
-            <a:r>
-              <a:rPr lang="it-IT" dirty="0" smtClean="0"/>
-              <a:t> per referenziare i singoli campi (in questo caso, restituisce il documento)</a:t>
-            </a:r>
-            <a:endParaRPr lang="it-IT" dirty="0"/>
+              <a:t>db.test.find</a:t>
+            </a:r>
+            <a:r>
+              <a:rPr lang="it-IT" dirty="0">
+                <a:latin typeface="+mj-lt"/>
+                <a:cs typeface="Courier New" panose="02070309020205020404" pitchFamily="49" charset="0"/>
+              </a:rPr>
+              <a:t>({"x": {"$</a:t>
+            </a:r>
+            <a:r>
+              <a:rPr lang="it-IT" dirty="0" err="1">
+                <a:latin typeface="+mj-lt"/>
+                <a:cs typeface="Courier New" panose="02070309020205020404" pitchFamily="49" charset="0"/>
+              </a:rPr>
+              <a:t>elemMatch</a:t>
+            </a:r>
+            <a:r>
+              <a:rPr lang="it-IT" dirty="0">
+                <a:latin typeface="+mj-lt"/>
+                <a:cs typeface="Courier New" panose="02070309020205020404" pitchFamily="49" charset="0"/>
+              </a:rPr>
+              <a:t>": {"$gt":10, "$lt":20}})</a:t>
+            </a:r>
           </a:p>
         </p:txBody>
       </p:sp>
@@ -7305,7 +6970,7 @@
     </p:spTree>
     <p:extLst>
       <p:ext uri="{BB962C8B-B14F-4D97-AF65-F5344CB8AC3E}">
-        <p14:creationId xmlns:p14="http://schemas.microsoft.com/office/powerpoint/2010/main" val="767845803"/>
+        <p14:creationId xmlns:p14="http://schemas.microsoft.com/office/powerpoint/2010/main" val="3205871039"/>
       </p:ext>
     </p:extLst>
   </p:cSld>
@@ -7353,13 +7018,8 @@
             </a:r>
             <a:r>
               <a:rPr lang="it-IT" dirty="0"/>
-              <a:t> – interrogare </a:t>
-            </a:r>
-            <a:r>
-              <a:rPr lang="it-IT" dirty="0" smtClean="0"/>
-              <a:t>oggetti dentro ad array</a:t>
-            </a:r>
-            <a:endParaRPr lang="it-IT" dirty="0"/>
+              <a:t> – interrogare oggetti</a:t>
+            </a:r>
           </a:p>
         </p:txBody>
       </p:sp>
@@ -7375,48 +7035,124 @@
         </p:nvSpPr>
         <p:spPr/>
         <p:txBody>
-          <a:bodyPr>
-            <a:normAutofit/>
-          </a:bodyPr>
+          <a:bodyPr/>
           <a:lstStyle/>
           <a:p>
             <a:r>
-              <a:rPr lang="it-IT" dirty="0" smtClean="0"/>
-              <a:t>Obiettivo: cercare i commenti di </a:t>
-            </a:r>
-            <a:r>
-              <a:rPr lang="it-IT" dirty="0" err="1" smtClean="0"/>
+              <a:rPr lang="it-IT" dirty="0"/>
+              <a:t>Contesto</a:t>
+            </a:r>
+          </a:p>
+          <a:p>
+            <a:pPr lvl="1"/>
+            <a:r>
+              <a:rPr lang="it-IT" dirty="0">
+                <a:latin typeface="+mj-lt"/>
+                <a:cs typeface="Courier New" panose="02070309020205020404" pitchFamily="49" charset="0"/>
+              </a:rPr>
+              <a:t>{"name": {"first": "</a:t>
+            </a:r>
+            <a:r>
+              <a:rPr lang="it-IT" dirty="0" err="1">
+                <a:latin typeface="+mj-lt"/>
+                <a:cs typeface="Courier New" panose="02070309020205020404" pitchFamily="49" charset="0"/>
+              </a:rPr>
               <a:t>Joe</a:t>
             </a:r>
             <a:r>
-              <a:rPr lang="it-IT" dirty="0" smtClean="0"/>
-              <a:t> con un</a:t>
+              <a:rPr lang="it-IT" dirty="0">
+                <a:latin typeface="+mj-lt"/>
+                <a:cs typeface="Courier New" panose="02070309020205020404" pitchFamily="49" charset="0"/>
+              </a:rPr>
+              <a:t>", "middle": "K", "last": "</a:t>
+            </a:r>
+            <a:r>
+              <a:rPr lang="it-IT" dirty="0" err="1">
+                <a:latin typeface="+mj-lt"/>
+                <a:cs typeface="Courier New" panose="02070309020205020404" pitchFamily="49" charset="0"/>
+              </a:rPr>
+              <a:t>Schmoe</a:t>
+            </a:r>
+            <a:r>
+              <a:rPr lang="it-IT" dirty="0">
+                <a:latin typeface="+mj-lt"/>
+                <a:cs typeface="Courier New" panose="02070309020205020404" pitchFamily="49" charset="0"/>
+              </a:rPr>
+              <a:t>"}}</a:t>
+            </a:r>
+          </a:p>
+          <a:p>
+            <a:r>
+              <a:rPr lang="it-IT" dirty="0"/>
+              <a:t>Esistono due modalità</a:t>
+            </a:r>
+          </a:p>
+          <a:p>
+            <a:pPr lvl="1"/>
+            <a:r>
+              <a:rPr lang="it-IT" dirty="0" err="1">
+                <a:latin typeface="+mj-lt"/>
+                <a:cs typeface="Courier New" panose="02070309020205020404" pitchFamily="49" charset="0"/>
+              </a:rPr>
+              <a:t>db.people.find</a:t>
+            </a:r>
+            <a:r>
+              <a:rPr lang="it-IT" dirty="0">
+                <a:latin typeface="+mj-lt"/>
+                <a:cs typeface="Courier New" panose="02070309020205020404" pitchFamily="49" charset="0"/>
+              </a:rPr>
+              <a:t>({"name": {"first": "</a:t>
+            </a:r>
+            <a:r>
+              <a:rPr lang="it-IT" dirty="0" err="1">
+                <a:latin typeface="+mj-lt"/>
+                <a:cs typeface="Courier New" panose="02070309020205020404" pitchFamily="49" charset="0"/>
+              </a:rPr>
+              <a:t>Joe</a:t>
+            </a:r>
+            <a:r>
+              <a:rPr lang="it-IT" dirty="0">
+                <a:latin typeface="+mj-lt"/>
+                <a:cs typeface="Courier New" panose="02070309020205020404" pitchFamily="49" charset="0"/>
+              </a:rPr>
+              <a:t>", last": "</a:t>
+            </a:r>
+            <a:r>
+              <a:rPr lang="it-IT" dirty="0" err="1">
+                <a:latin typeface="+mj-lt"/>
+                <a:cs typeface="Courier New" panose="02070309020205020404" pitchFamily="49" charset="0"/>
+              </a:rPr>
+              <a:t>Schmoe</a:t>
+            </a:r>
+            <a:r>
+              <a:rPr lang="it-IT" dirty="0">
+                <a:latin typeface="+mj-lt"/>
+                <a:cs typeface="Courier New" panose="02070309020205020404" pitchFamily="49" charset="0"/>
+              </a:rPr>
+              <a:t>"}})</a:t>
             </a:r>
             <a:br>
-              <a:rPr lang="it-IT" dirty="0" smtClean="0"/>
+              <a:rPr lang="it-IT" dirty="0">
+                <a:latin typeface="+mj-lt"/>
+                <a:cs typeface="Courier New" panose="02070309020205020404" pitchFamily="49" charset="0"/>
+              </a:rPr>
             </a:br>
             <a:r>
-              <a:rPr lang="it-IT" dirty="0" smtClean="0"/>
-              <a:t>punteggio di almeno 5</a:t>
+              <a:rPr lang="it-IT" dirty="0"/>
+              <a:t>Match esatto: l’oggetto cercato deve essere uguale a quello specificato (in questo caso, non restituisce nulla)</a:t>
             </a:r>
           </a:p>
           <a:p>
             <a:pPr lvl="1"/>
             <a:r>
               <a:rPr lang="it-IT" dirty="0" err="1">
-                <a:solidFill>
-                  <a:srgbClr val="FF0000"/>
-                </a:solidFill>
-                <a:latin typeface="+mj-lt"/>
-                <a:cs typeface="Courier New" panose="02070309020205020404" pitchFamily="49" charset="0"/>
-              </a:rPr>
-              <a:t>db.blog.find</a:t>
-            </a:r>
-            <a:r>
-              <a:rPr lang="it-IT" dirty="0">
-                <a:solidFill>
-                  <a:srgbClr val="FF0000"/>
-                </a:solidFill>
+                <a:latin typeface="+mj-lt"/>
+                <a:cs typeface="Courier New" panose="02070309020205020404" pitchFamily="49" charset="0"/>
+              </a:rPr>
+              <a:t>db.people.find</a:t>
+            </a:r>
+            <a:r>
+              <a:rPr lang="it-IT" dirty="0">
                 <a:latin typeface="+mj-lt"/>
                 <a:cs typeface="Courier New" panose="02070309020205020404" pitchFamily="49" charset="0"/>
               </a:rPr>
@@ -7424,426 +7160,77 @@
             </a:r>
             <a:r>
               <a:rPr lang="it-IT" dirty="0" err="1">
-                <a:solidFill>
-                  <a:srgbClr val="FF0000"/>
-                </a:solidFill>
-                <a:latin typeface="+mj-lt"/>
-                <a:cs typeface="Courier New" panose="02070309020205020404" pitchFamily="49" charset="0"/>
-              </a:rPr>
-              <a:t>comments</a:t>
-            </a:r>
-            <a:r>
-              <a:rPr lang="it-IT" dirty="0">
-                <a:solidFill>
-                  <a:srgbClr val="FF0000"/>
-                </a:solidFill>
-                <a:latin typeface="+mj-lt"/>
-                <a:cs typeface="Courier New" panose="02070309020205020404" pitchFamily="49" charset="0"/>
-              </a:rPr>
-              <a:t>" : {"</a:t>
-            </a:r>
-            <a:r>
-              <a:rPr lang="it-IT" dirty="0" err="1">
-                <a:solidFill>
-                  <a:srgbClr val="FF0000"/>
-                </a:solidFill>
-                <a:latin typeface="+mj-lt"/>
-                <a:cs typeface="Courier New" panose="02070309020205020404" pitchFamily="49" charset="0"/>
-              </a:rPr>
-              <a:t>author</a:t>
-            </a:r>
-            <a:r>
-              <a:rPr lang="it-IT" dirty="0">
-                <a:solidFill>
-                  <a:srgbClr val="FF0000"/>
-                </a:solidFill>
-                <a:latin typeface="+mj-lt"/>
-                <a:cs typeface="Courier New" panose="02070309020205020404" pitchFamily="49" charset="0"/>
-              </a:rPr>
-              <a:t>" : "</a:t>
-            </a:r>
-            <a:r>
-              <a:rPr lang="it-IT" dirty="0" err="1">
-                <a:solidFill>
-                  <a:srgbClr val="FF0000"/>
-                </a:solidFill>
-                <a:latin typeface="+mj-lt"/>
-                <a:cs typeface="Courier New" panose="02070309020205020404" pitchFamily="49" charset="0"/>
-              </a:rPr>
-              <a:t>joe</a:t>
-            </a:r>
-            <a:r>
-              <a:rPr lang="it-IT" dirty="0">
-                <a:solidFill>
-                  <a:srgbClr val="FF0000"/>
-                </a:solidFill>
-                <a:latin typeface="+mj-lt"/>
-                <a:cs typeface="Courier New" panose="02070309020205020404" pitchFamily="49" charset="0"/>
-              </a:rPr>
-              <a:t>",</a:t>
+                <a:latin typeface="+mj-lt"/>
+                <a:cs typeface="Courier New" panose="02070309020205020404" pitchFamily="49" charset="0"/>
+              </a:rPr>
+              <a:t>name.first</a:t>
+            </a:r>
+            <a:r>
+              <a:rPr lang="it-IT" dirty="0">
+                <a:latin typeface="+mj-lt"/>
+                <a:cs typeface="Courier New" panose="02070309020205020404" pitchFamily="49" charset="0"/>
+              </a:rPr>
+              <a:t>": "</a:t>
+            </a:r>
+            <a:r>
+              <a:rPr lang="it-IT" dirty="0" err="1">
+                <a:latin typeface="+mj-lt"/>
+                <a:cs typeface="Courier New" panose="02070309020205020404" pitchFamily="49" charset="0"/>
+              </a:rPr>
+              <a:t>Joe</a:t>
+            </a:r>
+            <a:r>
+              <a:rPr lang="it-IT" dirty="0">
+                <a:latin typeface="+mj-lt"/>
+                <a:cs typeface="Courier New" panose="02070309020205020404" pitchFamily="49" charset="0"/>
+              </a:rPr>
+              <a:t>", "</a:t>
+            </a:r>
+            <a:r>
+              <a:rPr lang="it-IT" dirty="0" err="1">
+                <a:latin typeface="+mj-lt"/>
+                <a:cs typeface="Courier New" panose="02070309020205020404" pitchFamily="49" charset="0"/>
+              </a:rPr>
+              <a:t>name.last</a:t>
+            </a:r>
+            <a:r>
+              <a:rPr lang="it-IT" dirty="0">
+                <a:latin typeface="+mj-lt"/>
+                <a:cs typeface="Courier New" panose="02070309020205020404" pitchFamily="49" charset="0"/>
+              </a:rPr>
+              <a:t>": "</a:t>
+            </a:r>
+            <a:r>
+              <a:rPr lang="it-IT" dirty="0" err="1">
+                <a:latin typeface="+mj-lt"/>
+                <a:cs typeface="Courier New" panose="02070309020205020404" pitchFamily="49" charset="0"/>
+              </a:rPr>
+              <a:t>Schmoe</a:t>
+            </a:r>
+            <a:r>
+              <a:rPr lang="it-IT" dirty="0">
+                <a:latin typeface="+mj-lt"/>
+                <a:cs typeface="Courier New" panose="02070309020205020404" pitchFamily="49" charset="0"/>
+              </a:rPr>
+              <a:t>"})</a:t>
             </a:r>
             <a:br>
-              <a:rPr lang="it-IT" dirty="0">
-                <a:solidFill>
-                  <a:srgbClr val="FF0000"/>
-                </a:solidFill>
-                <a:latin typeface="+mj-lt"/>
-                <a:cs typeface="Courier New" panose="02070309020205020404" pitchFamily="49" charset="0"/>
+              <a:rPr lang="it-IT" sz="2000" dirty="0">
+                <a:latin typeface="+mj-lt"/>
               </a:rPr>
             </a:br>
             <a:r>
-              <a:rPr lang="it-IT" dirty="0">
-                <a:solidFill>
-                  <a:srgbClr val="FF0000"/>
-                </a:solidFill>
-                <a:latin typeface="+mj-lt"/>
-                <a:cs typeface="Courier New" panose="02070309020205020404" pitchFamily="49" charset="0"/>
-              </a:rPr>
-              <a:t>  "score" : {"$</a:t>
-            </a:r>
-            <a:r>
-              <a:rPr lang="it-IT" dirty="0" err="1">
-                <a:solidFill>
-                  <a:srgbClr val="FF0000"/>
-                </a:solidFill>
-                <a:latin typeface="+mj-lt"/>
-                <a:cs typeface="Courier New" panose="02070309020205020404" pitchFamily="49" charset="0"/>
-              </a:rPr>
-              <a:t>gte</a:t>
-            </a:r>
-            <a:r>
-              <a:rPr lang="it-IT" dirty="0">
-                <a:solidFill>
-                  <a:srgbClr val="FF0000"/>
-                </a:solidFill>
-                <a:latin typeface="+mj-lt"/>
-                <a:cs typeface="Courier New" panose="02070309020205020404" pitchFamily="49" charset="0"/>
-              </a:rPr>
-              <a:t>" : 5}}})</a:t>
-            </a:r>
-            <a:br>
-              <a:rPr lang="it-IT" dirty="0">
-                <a:solidFill>
-                  <a:srgbClr val="FF0000"/>
-                </a:solidFill>
-                <a:latin typeface="+mj-lt"/>
-                <a:cs typeface="Courier New" panose="02070309020205020404" pitchFamily="49" charset="0"/>
-              </a:rPr>
-            </a:br>
-            <a:r>
-              <a:rPr lang="it-IT" dirty="0" smtClean="0"/>
-              <a:t>Sbagliato: cerca il match esatto</a:t>
-            </a:r>
-          </a:p>
-          <a:p>
-            <a:pPr lvl="1"/>
-            <a:r>
-              <a:rPr lang="it-IT" dirty="0" err="1">
-                <a:solidFill>
-                  <a:srgbClr val="FF0000"/>
-                </a:solidFill>
-                <a:latin typeface="+mj-lt"/>
-                <a:cs typeface="Courier New" panose="02070309020205020404" pitchFamily="49" charset="0"/>
-              </a:rPr>
-              <a:t>db.blog.find</a:t>
-            </a:r>
-            <a:r>
-              <a:rPr lang="it-IT" dirty="0">
-                <a:solidFill>
-                  <a:srgbClr val="FF0000"/>
-                </a:solidFill>
-                <a:latin typeface="+mj-lt"/>
-                <a:cs typeface="Courier New" panose="02070309020205020404" pitchFamily="49" charset="0"/>
-              </a:rPr>
-              <a:t>({"</a:t>
-            </a:r>
-            <a:r>
-              <a:rPr lang="it-IT" dirty="0" err="1">
-                <a:solidFill>
-                  <a:srgbClr val="FF0000"/>
-                </a:solidFill>
-                <a:latin typeface="+mj-lt"/>
-                <a:cs typeface="Courier New" panose="02070309020205020404" pitchFamily="49" charset="0"/>
-              </a:rPr>
-              <a:t>comments.author</a:t>
-            </a:r>
-            <a:r>
-              <a:rPr lang="it-IT" dirty="0">
-                <a:solidFill>
-                  <a:srgbClr val="FF0000"/>
-                </a:solidFill>
-                <a:latin typeface="+mj-lt"/>
-                <a:cs typeface="Courier New" panose="02070309020205020404" pitchFamily="49" charset="0"/>
-              </a:rPr>
-              <a:t>" : "</a:t>
-            </a:r>
-            <a:r>
-              <a:rPr lang="it-IT" dirty="0" err="1">
-                <a:solidFill>
-                  <a:srgbClr val="FF0000"/>
-                </a:solidFill>
-                <a:latin typeface="+mj-lt"/>
-                <a:cs typeface="Courier New" panose="02070309020205020404" pitchFamily="49" charset="0"/>
-              </a:rPr>
-              <a:t>joe</a:t>
-            </a:r>
-            <a:r>
-              <a:rPr lang="it-IT" dirty="0">
-                <a:solidFill>
-                  <a:srgbClr val="FF0000"/>
-                </a:solidFill>
-                <a:latin typeface="+mj-lt"/>
-                <a:cs typeface="Courier New" panose="02070309020205020404" pitchFamily="49" charset="0"/>
-              </a:rPr>
-              <a:t>", </a:t>
-            </a:r>
-            <a:br>
-              <a:rPr lang="it-IT" dirty="0">
-                <a:solidFill>
-                  <a:srgbClr val="FF0000"/>
-                </a:solidFill>
-                <a:latin typeface="+mj-lt"/>
-                <a:cs typeface="Courier New" panose="02070309020205020404" pitchFamily="49" charset="0"/>
-              </a:rPr>
-            </a:br>
-            <a:r>
-              <a:rPr lang="it-IT" dirty="0">
-                <a:solidFill>
-                  <a:srgbClr val="FF0000"/>
-                </a:solidFill>
-                <a:latin typeface="+mj-lt"/>
-                <a:cs typeface="Courier New" panose="02070309020205020404" pitchFamily="49" charset="0"/>
-              </a:rPr>
-              <a:t>  "</a:t>
-            </a:r>
-            <a:r>
-              <a:rPr lang="it-IT" dirty="0" err="1">
-                <a:solidFill>
-                  <a:srgbClr val="FF0000"/>
-                </a:solidFill>
-                <a:latin typeface="+mj-lt"/>
-                <a:cs typeface="Courier New" panose="02070309020205020404" pitchFamily="49" charset="0"/>
-              </a:rPr>
-              <a:t>comments.score</a:t>
-            </a:r>
-            <a:r>
-              <a:rPr lang="it-IT" dirty="0">
-                <a:solidFill>
-                  <a:srgbClr val="FF0000"/>
-                </a:solidFill>
-                <a:latin typeface="+mj-lt"/>
-                <a:cs typeface="Courier New" panose="02070309020205020404" pitchFamily="49" charset="0"/>
-              </a:rPr>
-              <a:t>" : {"$</a:t>
-            </a:r>
-            <a:r>
-              <a:rPr lang="it-IT" dirty="0" err="1">
-                <a:solidFill>
-                  <a:srgbClr val="FF0000"/>
-                </a:solidFill>
-                <a:latin typeface="+mj-lt"/>
-                <a:cs typeface="Courier New" panose="02070309020205020404" pitchFamily="49" charset="0"/>
-              </a:rPr>
-              <a:t>gte</a:t>
-            </a:r>
-            <a:r>
-              <a:rPr lang="it-IT" dirty="0">
-                <a:solidFill>
-                  <a:srgbClr val="FF0000"/>
-                </a:solidFill>
-                <a:latin typeface="+mj-lt"/>
-                <a:cs typeface="Courier New" panose="02070309020205020404" pitchFamily="49" charset="0"/>
-              </a:rPr>
-              <a:t>" : 5}})</a:t>
-            </a:r>
-            <a:r>
-              <a:rPr lang="it-IT" dirty="0" smtClean="0">
-                <a:solidFill>
-                  <a:srgbClr val="FF0000"/>
-                </a:solidFill>
-              </a:rPr>
-              <a:t/>
-            </a:r>
-            <a:br>
-              <a:rPr lang="it-IT" dirty="0" smtClean="0">
-                <a:solidFill>
-                  <a:srgbClr val="FF0000"/>
-                </a:solidFill>
-              </a:rPr>
-            </a:br>
-            <a:r>
-              <a:rPr lang="it-IT" dirty="0" smtClean="0"/>
-              <a:t>Sbagliato: restituisce entrambi i commenti,</a:t>
-            </a:r>
-            <a:br>
-              <a:rPr lang="it-IT" dirty="0" smtClean="0"/>
-            </a:br>
-            <a:r>
-              <a:rPr lang="it-IT" dirty="0" smtClean="0"/>
-              <a:t>perché le condizioni sono valutate in OR</a:t>
-            </a:r>
-          </a:p>
-          <a:p>
-            <a:pPr lvl="1"/>
-            <a:r>
-              <a:rPr lang="it-IT" dirty="0" err="1">
-                <a:solidFill>
-                  <a:srgbClr val="00B050"/>
-                </a:solidFill>
-                <a:latin typeface="+mj-lt"/>
-                <a:cs typeface="Courier New" panose="02070309020205020404" pitchFamily="49" charset="0"/>
-              </a:rPr>
-              <a:t>db.blog.find</a:t>
-            </a:r>
-            <a:r>
-              <a:rPr lang="it-IT" dirty="0">
-                <a:solidFill>
-                  <a:srgbClr val="00B050"/>
-                </a:solidFill>
-                <a:latin typeface="+mj-lt"/>
-                <a:cs typeface="Courier New" panose="02070309020205020404" pitchFamily="49" charset="0"/>
-              </a:rPr>
-              <a:t>({"</a:t>
-            </a:r>
-            <a:r>
-              <a:rPr lang="it-IT" dirty="0" err="1">
-                <a:solidFill>
-                  <a:srgbClr val="00B050"/>
-                </a:solidFill>
-                <a:latin typeface="+mj-lt"/>
-                <a:cs typeface="Courier New" panose="02070309020205020404" pitchFamily="49" charset="0"/>
-              </a:rPr>
-              <a:t>comments</a:t>
-            </a:r>
-            <a:r>
-              <a:rPr lang="it-IT" dirty="0">
-                <a:solidFill>
-                  <a:srgbClr val="00B050"/>
-                </a:solidFill>
-                <a:latin typeface="+mj-lt"/>
-                <a:cs typeface="Courier New" panose="02070309020205020404" pitchFamily="49" charset="0"/>
-              </a:rPr>
-              <a:t>" : {"$</a:t>
-            </a:r>
-            <a:r>
-              <a:rPr lang="it-IT" dirty="0" err="1">
-                <a:solidFill>
-                  <a:srgbClr val="00B050"/>
-                </a:solidFill>
-                <a:latin typeface="+mj-lt"/>
-                <a:cs typeface="Courier New" panose="02070309020205020404" pitchFamily="49" charset="0"/>
-              </a:rPr>
-              <a:t>elemMatch</a:t>
-            </a:r>
-            <a:r>
-              <a:rPr lang="it-IT" dirty="0">
-                <a:solidFill>
-                  <a:srgbClr val="00B050"/>
-                </a:solidFill>
-                <a:latin typeface="+mj-lt"/>
-                <a:cs typeface="Courier New" panose="02070309020205020404" pitchFamily="49" charset="0"/>
-              </a:rPr>
-              <a:t>" : </a:t>
-            </a:r>
-            <a:br>
-              <a:rPr lang="it-IT" dirty="0">
-                <a:solidFill>
-                  <a:srgbClr val="00B050"/>
-                </a:solidFill>
-                <a:latin typeface="+mj-lt"/>
-                <a:cs typeface="Courier New" panose="02070309020205020404" pitchFamily="49" charset="0"/>
-              </a:rPr>
-            </a:br>
-            <a:r>
-              <a:rPr lang="it-IT" dirty="0">
-                <a:solidFill>
-                  <a:srgbClr val="00B050"/>
-                </a:solidFill>
-                <a:latin typeface="+mj-lt"/>
-                <a:cs typeface="Courier New" panose="02070309020205020404" pitchFamily="49" charset="0"/>
-              </a:rPr>
-              <a:t>  {"</a:t>
-            </a:r>
-            <a:r>
-              <a:rPr lang="it-IT" dirty="0" err="1">
-                <a:solidFill>
-                  <a:srgbClr val="00B050"/>
-                </a:solidFill>
-                <a:latin typeface="+mj-lt"/>
-                <a:cs typeface="Courier New" panose="02070309020205020404" pitchFamily="49" charset="0"/>
-              </a:rPr>
-              <a:t>author</a:t>
-            </a:r>
-            <a:r>
-              <a:rPr lang="it-IT" dirty="0">
-                <a:solidFill>
-                  <a:srgbClr val="00B050"/>
-                </a:solidFill>
-                <a:latin typeface="+mj-lt"/>
-                <a:cs typeface="Courier New" panose="02070309020205020404" pitchFamily="49" charset="0"/>
-              </a:rPr>
-              <a:t>" : "</a:t>
-            </a:r>
-            <a:r>
-              <a:rPr lang="it-IT" dirty="0" err="1">
-                <a:solidFill>
-                  <a:srgbClr val="00B050"/>
-                </a:solidFill>
-                <a:latin typeface="+mj-lt"/>
-                <a:cs typeface="Courier New" panose="02070309020205020404" pitchFamily="49" charset="0"/>
-              </a:rPr>
-              <a:t>joe</a:t>
-            </a:r>
-            <a:r>
-              <a:rPr lang="it-IT" dirty="0">
-                <a:solidFill>
-                  <a:srgbClr val="00B050"/>
-                </a:solidFill>
-                <a:latin typeface="+mj-lt"/>
-                <a:cs typeface="Courier New" panose="02070309020205020404" pitchFamily="49" charset="0"/>
-              </a:rPr>
-              <a:t>", "score" : {"$</a:t>
-            </a:r>
-            <a:r>
-              <a:rPr lang="it-IT" dirty="0" err="1">
-                <a:solidFill>
-                  <a:srgbClr val="00B050"/>
-                </a:solidFill>
-                <a:latin typeface="+mj-lt"/>
-                <a:cs typeface="Courier New" panose="02070309020205020404" pitchFamily="49" charset="0"/>
-              </a:rPr>
-              <a:t>gte</a:t>
-            </a:r>
-            <a:r>
-              <a:rPr lang="it-IT" dirty="0">
-                <a:solidFill>
-                  <a:srgbClr val="00B050"/>
-                </a:solidFill>
-                <a:latin typeface="+mj-lt"/>
-                <a:cs typeface="Courier New" panose="02070309020205020404" pitchFamily="49" charset="0"/>
-              </a:rPr>
-              <a:t>" : 5}}}})</a:t>
-            </a:r>
-            <a:r>
-              <a:rPr lang="it-IT" dirty="0" smtClean="0">
-                <a:solidFill>
-                  <a:srgbClr val="00B050"/>
-                </a:solidFill>
-              </a:rPr>
-              <a:t/>
-            </a:r>
-            <a:br>
-              <a:rPr lang="it-IT" dirty="0" smtClean="0">
-                <a:solidFill>
-                  <a:srgbClr val="00B050"/>
-                </a:solidFill>
-              </a:rPr>
-            </a:br>
-            <a:r>
-              <a:rPr lang="it-IT" dirty="0" smtClean="0"/>
-              <a:t>Corretto</a:t>
-            </a:r>
-            <a:endParaRPr lang="it-IT" dirty="0"/>
+              <a:rPr lang="it-IT" dirty="0"/>
+              <a:t>In alternativa, si può usare la dot </a:t>
+            </a:r>
+            <a:r>
+              <a:rPr lang="it-IT" dirty="0" err="1"/>
+              <a:t>notation</a:t>
+            </a:r>
+            <a:r>
+              <a:rPr lang="it-IT" dirty="0"/>
+              <a:t> per referenziare i singoli campi (in questo caso, restituisce il documento)</a:t>
+            </a:r>
           </a:p>
         </p:txBody>
       </p:sp>
@@ -7870,596 +7257,10 @@
           </a:p>
         </p:txBody>
       </p:sp>
-      <p:sp>
-        <p:nvSpPr>
-          <p:cNvPr id="5" name="CasellaDiTesto 4"/>
-          <p:cNvSpPr txBox="1"/>
-          <p:nvPr/>
-        </p:nvSpPr>
-        <p:spPr>
-          <a:xfrm>
-            <a:off x="5895834" y="1845734"/>
-            <a:ext cx="3351012" cy="3693319"/>
-          </a:xfrm>
-          <a:prstGeom prst="rect">
-            <a:avLst/>
-          </a:prstGeom>
-          <a:noFill/>
-        </p:spPr>
-        <p:txBody>
-          <a:bodyPr wrap="square" rtlCol="0">
-            <a:spAutoFit/>
-          </a:bodyPr>
-          <a:lstStyle/>
-          <a:p>
-            <a:r>
-              <a:rPr lang="it-IT" dirty="0" smtClean="0">
-                <a:solidFill>
-                  <a:schemeClr val="tx1">
-                    <a:lumMod val="75000"/>
-                    <a:lumOff val="25000"/>
-                  </a:schemeClr>
-                </a:solidFill>
-              </a:rPr>
-              <a:t>Contesto:</a:t>
-            </a:r>
-          </a:p>
-          <a:p>
-            <a:r>
-              <a:rPr lang="it-IT" dirty="0">
-                <a:solidFill>
-                  <a:schemeClr val="tx1">
-                    <a:lumMod val="75000"/>
-                    <a:lumOff val="25000"/>
-                  </a:schemeClr>
-                </a:solidFill>
-                <a:latin typeface="+mj-lt"/>
-                <a:cs typeface="Courier New" panose="02070309020205020404" pitchFamily="49" charset="0"/>
-              </a:rPr>
-              <a:t>{</a:t>
-            </a:r>
-            <a:br>
-              <a:rPr lang="it-IT" dirty="0">
-                <a:solidFill>
-                  <a:schemeClr val="tx1">
-                    <a:lumMod val="75000"/>
-                    <a:lumOff val="25000"/>
-                  </a:schemeClr>
-                </a:solidFill>
-                <a:latin typeface="+mj-lt"/>
-                <a:cs typeface="Courier New" panose="02070309020205020404" pitchFamily="49" charset="0"/>
-              </a:rPr>
-            </a:br>
-            <a:r>
-              <a:rPr lang="it-IT" dirty="0">
-                <a:solidFill>
-                  <a:schemeClr val="tx1">
-                    <a:lumMod val="75000"/>
-                    <a:lumOff val="25000"/>
-                  </a:schemeClr>
-                </a:solidFill>
-                <a:latin typeface="+mj-lt"/>
-                <a:cs typeface="Courier New" panose="02070309020205020404" pitchFamily="49" charset="0"/>
-              </a:rPr>
-              <a:t>  "</a:t>
-            </a:r>
-            <a:r>
-              <a:rPr lang="it-IT" dirty="0" err="1">
-                <a:solidFill>
-                  <a:schemeClr val="tx1">
-                    <a:lumMod val="75000"/>
-                    <a:lumOff val="25000"/>
-                  </a:schemeClr>
-                </a:solidFill>
-                <a:latin typeface="+mj-lt"/>
-                <a:cs typeface="Courier New" panose="02070309020205020404" pitchFamily="49" charset="0"/>
-              </a:rPr>
-              <a:t>content</a:t>
-            </a:r>
-            <a:r>
-              <a:rPr lang="it-IT" dirty="0">
-                <a:solidFill>
-                  <a:schemeClr val="tx1">
-                    <a:lumMod val="75000"/>
-                    <a:lumOff val="25000"/>
-                  </a:schemeClr>
-                </a:solidFill>
-                <a:latin typeface="+mj-lt"/>
-                <a:cs typeface="Courier New" panose="02070309020205020404" pitchFamily="49" charset="0"/>
-              </a:rPr>
-              <a:t>" : "...",</a:t>
-            </a:r>
-            <a:br>
-              <a:rPr lang="it-IT" dirty="0">
-                <a:solidFill>
-                  <a:schemeClr val="tx1">
-                    <a:lumMod val="75000"/>
-                    <a:lumOff val="25000"/>
-                  </a:schemeClr>
-                </a:solidFill>
-                <a:latin typeface="+mj-lt"/>
-                <a:cs typeface="Courier New" panose="02070309020205020404" pitchFamily="49" charset="0"/>
-              </a:rPr>
-            </a:br>
-            <a:r>
-              <a:rPr lang="it-IT" dirty="0">
-                <a:solidFill>
-                  <a:schemeClr val="tx1">
-                    <a:lumMod val="75000"/>
-                    <a:lumOff val="25000"/>
-                  </a:schemeClr>
-                </a:solidFill>
-                <a:latin typeface="+mj-lt"/>
-                <a:cs typeface="Courier New" panose="02070309020205020404" pitchFamily="49" charset="0"/>
-              </a:rPr>
-              <a:t>  "</a:t>
-            </a:r>
-            <a:r>
-              <a:rPr lang="it-IT" dirty="0" err="1">
-                <a:solidFill>
-                  <a:schemeClr val="tx1">
-                    <a:lumMod val="75000"/>
-                    <a:lumOff val="25000"/>
-                  </a:schemeClr>
-                </a:solidFill>
-                <a:latin typeface="+mj-lt"/>
-                <a:cs typeface="Courier New" panose="02070309020205020404" pitchFamily="49" charset="0"/>
-              </a:rPr>
-              <a:t>comments</a:t>
-            </a:r>
-            <a:r>
-              <a:rPr lang="it-IT" dirty="0">
-                <a:solidFill>
-                  <a:schemeClr val="tx1">
-                    <a:lumMod val="75000"/>
-                    <a:lumOff val="25000"/>
-                  </a:schemeClr>
-                </a:solidFill>
-                <a:latin typeface="+mj-lt"/>
-                <a:cs typeface="Courier New" panose="02070309020205020404" pitchFamily="49" charset="0"/>
-              </a:rPr>
-              <a:t>" : [{</a:t>
-            </a:r>
-            <a:br>
-              <a:rPr lang="it-IT" dirty="0">
-                <a:solidFill>
-                  <a:schemeClr val="tx1">
-                    <a:lumMod val="75000"/>
-                    <a:lumOff val="25000"/>
-                  </a:schemeClr>
-                </a:solidFill>
-                <a:latin typeface="+mj-lt"/>
-                <a:cs typeface="Courier New" panose="02070309020205020404" pitchFamily="49" charset="0"/>
-              </a:rPr>
-            </a:br>
-            <a:r>
-              <a:rPr lang="it-IT" dirty="0">
-                <a:solidFill>
-                  <a:schemeClr val="tx1">
-                    <a:lumMod val="75000"/>
-                    <a:lumOff val="25000"/>
-                  </a:schemeClr>
-                </a:solidFill>
-                <a:latin typeface="+mj-lt"/>
-                <a:cs typeface="Courier New" panose="02070309020205020404" pitchFamily="49" charset="0"/>
-              </a:rPr>
-              <a:t>    "</a:t>
-            </a:r>
-            <a:r>
-              <a:rPr lang="it-IT" dirty="0" err="1">
-                <a:solidFill>
-                  <a:schemeClr val="tx1">
-                    <a:lumMod val="75000"/>
-                    <a:lumOff val="25000"/>
-                  </a:schemeClr>
-                </a:solidFill>
-                <a:latin typeface="+mj-lt"/>
-                <a:cs typeface="Courier New" panose="02070309020205020404" pitchFamily="49" charset="0"/>
-              </a:rPr>
-              <a:t>author</a:t>
-            </a:r>
-            <a:r>
-              <a:rPr lang="it-IT" dirty="0">
-                <a:solidFill>
-                  <a:schemeClr val="tx1">
-                    <a:lumMod val="75000"/>
-                    <a:lumOff val="25000"/>
-                  </a:schemeClr>
-                </a:solidFill>
-                <a:latin typeface="+mj-lt"/>
-                <a:cs typeface="Courier New" panose="02070309020205020404" pitchFamily="49" charset="0"/>
-              </a:rPr>
-              <a:t>" : "</a:t>
-            </a:r>
-            <a:r>
-              <a:rPr lang="it-IT" dirty="0" err="1">
-                <a:solidFill>
-                  <a:schemeClr val="tx1">
-                    <a:lumMod val="75000"/>
-                    <a:lumOff val="25000"/>
-                  </a:schemeClr>
-                </a:solidFill>
-                <a:latin typeface="+mj-lt"/>
-                <a:cs typeface="Courier New" panose="02070309020205020404" pitchFamily="49" charset="0"/>
-              </a:rPr>
-              <a:t>joe</a:t>
-            </a:r>
-            <a:r>
-              <a:rPr lang="it-IT" dirty="0">
-                <a:solidFill>
-                  <a:schemeClr val="tx1">
-                    <a:lumMod val="75000"/>
-                    <a:lumOff val="25000"/>
-                  </a:schemeClr>
-                </a:solidFill>
-                <a:latin typeface="+mj-lt"/>
-                <a:cs typeface="Courier New" panose="02070309020205020404" pitchFamily="49" charset="0"/>
-              </a:rPr>
-              <a:t>",</a:t>
-            </a:r>
-            <a:br>
-              <a:rPr lang="it-IT" dirty="0">
-                <a:solidFill>
-                  <a:schemeClr val="tx1">
-                    <a:lumMod val="75000"/>
-                    <a:lumOff val="25000"/>
-                  </a:schemeClr>
-                </a:solidFill>
-                <a:latin typeface="+mj-lt"/>
-                <a:cs typeface="Courier New" panose="02070309020205020404" pitchFamily="49" charset="0"/>
-              </a:rPr>
-            </a:br>
-            <a:r>
-              <a:rPr lang="it-IT" dirty="0">
-                <a:solidFill>
-                  <a:schemeClr val="tx1">
-                    <a:lumMod val="75000"/>
-                    <a:lumOff val="25000"/>
-                  </a:schemeClr>
-                </a:solidFill>
-                <a:latin typeface="+mj-lt"/>
-                <a:cs typeface="Courier New" panose="02070309020205020404" pitchFamily="49" charset="0"/>
-              </a:rPr>
-              <a:t>    "score" : 3,</a:t>
-            </a:r>
-            <a:br>
-              <a:rPr lang="it-IT" dirty="0">
-                <a:solidFill>
-                  <a:schemeClr val="tx1">
-                    <a:lumMod val="75000"/>
-                    <a:lumOff val="25000"/>
-                  </a:schemeClr>
-                </a:solidFill>
-                <a:latin typeface="+mj-lt"/>
-                <a:cs typeface="Courier New" panose="02070309020205020404" pitchFamily="49" charset="0"/>
-              </a:rPr>
-            </a:br>
-            <a:r>
-              <a:rPr lang="it-IT" dirty="0">
-                <a:solidFill>
-                  <a:schemeClr val="tx1">
-                    <a:lumMod val="75000"/>
-                    <a:lumOff val="25000"/>
-                  </a:schemeClr>
-                </a:solidFill>
-                <a:latin typeface="+mj-lt"/>
-                <a:cs typeface="Courier New" panose="02070309020205020404" pitchFamily="49" charset="0"/>
-              </a:rPr>
-              <a:t>    "</a:t>
-            </a:r>
-            <a:r>
-              <a:rPr lang="it-IT" dirty="0" err="1">
-                <a:solidFill>
-                  <a:schemeClr val="tx1">
-                    <a:lumMod val="75000"/>
-                    <a:lumOff val="25000"/>
-                  </a:schemeClr>
-                </a:solidFill>
-                <a:latin typeface="+mj-lt"/>
-                <a:cs typeface="Courier New" panose="02070309020205020404" pitchFamily="49" charset="0"/>
-              </a:rPr>
-              <a:t>comment</a:t>
-            </a:r>
-            <a:r>
-              <a:rPr lang="it-IT" dirty="0">
-                <a:solidFill>
-                  <a:schemeClr val="tx1">
-                    <a:lumMod val="75000"/>
-                    <a:lumOff val="25000"/>
-                  </a:schemeClr>
-                </a:solidFill>
-                <a:latin typeface="+mj-lt"/>
-                <a:cs typeface="Courier New" panose="02070309020205020404" pitchFamily="49" charset="0"/>
-              </a:rPr>
-              <a:t>" : "</a:t>
-            </a:r>
-            <a:r>
-              <a:rPr lang="it-IT" dirty="0" err="1">
-                <a:solidFill>
-                  <a:schemeClr val="tx1">
-                    <a:lumMod val="75000"/>
-                    <a:lumOff val="25000"/>
-                  </a:schemeClr>
-                </a:solidFill>
-                <a:latin typeface="+mj-lt"/>
-                <a:cs typeface="Courier New" panose="02070309020205020404" pitchFamily="49" charset="0"/>
-              </a:rPr>
-              <a:t>nice</a:t>
-            </a:r>
-            <a:r>
-              <a:rPr lang="it-IT" dirty="0">
-                <a:solidFill>
-                  <a:schemeClr val="tx1">
-                    <a:lumMod val="75000"/>
-                    <a:lumOff val="25000"/>
-                  </a:schemeClr>
-                </a:solidFill>
-                <a:latin typeface="+mj-lt"/>
-                <a:cs typeface="Courier New" panose="02070309020205020404" pitchFamily="49" charset="0"/>
-              </a:rPr>
-              <a:t> post"</a:t>
-            </a:r>
-            <a:br>
-              <a:rPr lang="it-IT" dirty="0">
-                <a:solidFill>
-                  <a:schemeClr val="tx1">
-                    <a:lumMod val="75000"/>
-                    <a:lumOff val="25000"/>
-                  </a:schemeClr>
-                </a:solidFill>
-                <a:latin typeface="+mj-lt"/>
-                <a:cs typeface="Courier New" panose="02070309020205020404" pitchFamily="49" charset="0"/>
-              </a:rPr>
-            </a:br>
-            <a:r>
-              <a:rPr lang="it-IT" dirty="0">
-                <a:solidFill>
-                  <a:schemeClr val="tx1">
-                    <a:lumMod val="75000"/>
-                    <a:lumOff val="25000"/>
-                  </a:schemeClr>
-                </a:solidFill>
-                <a:latin typeface="+mj-lt"/>
-                <a:cs typeface="Courier New" panose="02070309020205020404" pitchFamily="49" charset="0"/>
-              </a:rPr>
-              <a:t>  },{</a:t>
-            </a:r>
-            <a:br>
-              <a:rPr lang="it-IT" dirty="0">
-                <a:solidFill>
-                  <a:schemeClr val="tx1">
-                    <a:lumMod val="75000"/>
-                    <a:lumOff val="25000"/>
-                  </a:schemeClr>
-                </a:solidFill>
-                <a:latin typeface="+mj-lt"/>
-                <a:cs typeface="Courier New" panose="02070309020205020404" pitchFamily="49" charset="0"/>
-              </a:rPr>
-            </a:br>
-            <a:r>
-              <a:rPr lang="it-IT" dirty="0">
-                <a:solidFill>
-                  <a:schemeClr val="tx1">
-                    <a:lumMod val="75000"/>
-                    <a:lumOff val="25000"/>
-                  </a:schemeClr>
-                </a:solidFill>
-                <a:latin typeface="+mj-lt"/>
-                <a:cs typeface="Courier New" panose="02070309020205020404" pitchFamily="49" charset="0"/>
-              </a:rPr>
-              <a:t>    "</a:t>
-            </a:r>
-            <a:r>
-              <a:rPr lang="it-IT" dirty="0" err="1">
-                <a:solidFill>
-                  <a:schemeClr val="tx1">
-                    <a:lumMod val="75000"/>
-                    <a:lumOff val="25000"/>
-                  </a:schemeClr>
-                </a:solidFill>
-                <a:latin typeface="+mj-lt"/>
-                <a:cs typeface="Courier New" panose="02070309020205020404" pitchFamily="49" charset="0"/>
-              </a:rPr>
-              <a:t>author</a:t>
-            </a:r>
-            <a:r>
-              <a:rPr lang="it-IT" dirty="0">
-                <a:solidFill>
-                  <a:schemeClr val="tx1">
-                    <a:lumMod val="75000"/>
-                    <a:lumOff val="25000"/>
-                  </a:schemeClr>
-                </a:solidFill>
-                <a:latin typeface="+mj-lt"/>
-                <a:cs typeface="Courier New" panose="02070309020205020404" pitchFamily="49" charset="0"/>
-              </a:rPr>
-              <a:t>" : "</a:t>
-            </a:r>
-            <a:r>
-              <a:rPr lang="it-IT" dirty="0" err="1">
-                <a:solidFill>
-                  <a:schemeClr val="tx1">
-                    <a:lumMod val="75000"/>
-                    <a:lumOff val="25000"/>
-                  </a:schemeClr>
-                </a:solidFill>
-                <a:latin typeface="+mj-lt"/>
-                <a:cs typeface="Courier New" panose="02070309020205020404" pitchFamily="49" charset="0"/>
-              </a:rPr>
-              <a:t>mary</a:t>
-            </a:r>
-            <a:r>
-              <a:rPr lang="it-IT" dirty="0">
-                <a:solidFill>
-                  <a:schemeClr val="tx1">
-                    <a:lumMod val="75000"/>
-                    <a:lumOff val="25000"/>
-                  </a:schemeClr>
-                </a:solidFill>
-                <a:latin typeface="+mj-lt"/>
-                <a:cs typeface="Courier New" panose="02070309020205020404" pitchFamily="49" charset="0"/>
-              </a:rPr>
-              <a:t>",</a:t>
-            </a:r>
-            <a:br>
-              <a:rPr lang="it-IT" dirty="0">
-                <a:solidFill>
-                  <a:schemeClr val="tx1">
-                    <a:lumMod val="75000"/>
-                    <a:lumOff val="25000"/>
-                  </a:schemeClr>
-                </a:solidFill>
-                <a:latin typeface="+mj-lt"/>
-                <a:cs typeface="Courier New" panose="02070309020205020404" pitchFamily="49" charset="0"/>
-              </a:rPr>
-            </a:br>
-            <a:r>
-              <a:rPr lang="it-IT" dirty="0">
-                <a:solidFill>
-                  <a:schemeClr val="tx1">
-                    <a:lumMod val="75000"/>
-                    <a:lumOff val="25000"/>
-                  </a:schemeClr>
-                </a:solidFill>
-                <a:latin typeface="+mj-lt"/>
-                <a:cs typeface="Courier New" panose="02070309020205020404" pitchFamily="49" charset="0"/>
-              </a:rPr>
-              <a:t>    "score" : 6,</a:t>
-            </a:r>
-            <a:br>
-              <a:rPr lang="it-IT" dirty="0">
-                <a:solidFill>
-                  <a:schemeClr val="tx1">
-                    <a:lumMod val="75000"/>
-                    <a:lumOff val="25000"/>
-                  </a:schemeClr>
-                </a:solidFill>
-                <a:latin typeface="+mj-lt"/>
-                <a:cs typeface="Courier New" panose="02070309020205020404" pitchFamily="49" charset="0"/>
-              </a:rPr>
-            </a:br>
-            <a:r>
-              <a:rPr lang="it-IT" dirty="0">
-                <a:solidFill>
-                  <a:schemeClr val="tx1">
-                    <a:lumMod val="75000"/>
-                    <a:lumOff val="25000"/>
-                  </a:schemeClr>
-                </a:solidFill>
-                <a:latin typeface="+mj-lt"/>
-                <a:cs typeface="Courier New" panose="02070309020205020404" pitchFamily="49" charset="0"/>
-              </a:rPr>
-              <a:t>    "</a:t>
-            </a:r>
-            <a:r>
-              <a:rPr lang="it-IT" dirty="0" err="1">
-                <a:solidFill>
-                  <a:schemeClr val="tx1">
-                    <a:lumMod val="75000"/>
-                    <a:lumOff val="25000"/>
-                  </a:schemeClr>
-                </a:solidFill>
-                <a:latin typeface="+mj-lt"/>
-                <a:cs typeface="Courier New" panose="02070309020205020404" pitchFamily="49" charset="0"/>
-              </a:rPr>
-              <a:t>comment</a:t>
-            </a:r>
-            <a:r>
-              <a:rPr lang="it-IT" dirty="0">
-                <a:solidFill>
-                  <a:schemeClr val="tx1">
-                    <a:lumMod val="75000"/>
-                    <a:lumOff val="25000"/>
-                  </a:schemeClr>
-                </a:solidFill>
-                <a:latin typeface="+mj-lt"/>
-                <a:cs typeface="Courier New" panose="02070309020205020404" pitchFamily="49" charset="0"/>
-              </a:rPr>
-              <a:t>" : "</a:t>
-            </a:r>
-            <a:r>
-              <a:rPr lang="it-IT" dirty="0" err="1">
-                <a:solidFill>
-                  <a:schemeClr val="tx1">
-                    <a:lumMod val="75000"/>
-                    <a:lumOff val="25000"/>
-                  </a:schemeClr>
-                </a:solidFill>
-                <a:latin typeface="+mj-lt"/>
-                <a:cs typeface="Courier New" panose="02070309020205020404" pitchFamily="49" charset="0"/>
-              </a:rPr>
-              <a:t>terrible</a:t>
-            </a:r>
-            <a:r>
-              <a:rPr lang="it-IT" dirty="0">
-                <a:solidFill>
-                  <a:schemeClr val="tx1">
-                    <a:lumMod val="75000"/>
-                    <a:lumOff val="25000"/>
-                  </a:schemeClr>
-                </a:solidFill>
-                <a:latin typeface="+mj-lt"/>
-                <a:cs typeface="Courier New" panose="02070309020205020404" pitchFamily="49" charset="0"/>
-              </a:rPr>
-              <a:t> post"</a:t>
-            </a:r>
-            <a:br>
-              <a:rPr lang="it-IT" dirty="0">
-                <a:solidFill>
-                  <a:schemeClr val="tx1">
-                    <a:lumMod val="75000"/>
-                    <a:lumOff val="25000"/>
-                  </a:schemeClr>
-                </a:solidFill>
-                <a:latin typeface="+mj-lt"/>
-                <a:cs typeface="Courier New" panose="02070309020205020404" pitchFamily="49" charset="0"/>
-              </a:rPr>
-            </a:br>
-            <a:r>
-              <a:rPr lang="it-IT" dirty="0">
-                <a:solidFill>
-                  <a:schemeClr val="tx1">
-                    <a:lumMod val="75000"/>
-                    <a:lumOff val="25000"/>
-                  </a:schemeClr>
-                </a:solidFill>
-                <a:latin typeface="+mj-lt"/>
-                <a:cs typeface="Courier New" panose="02070309020205020404" pitchFamily="49" charset="0"/>
-              </a:rPr>
-              <a:t>  }]</a:t>
-            </a:r>
-            <a:br>
-              <a:rPr lang="it-IT" dirty="0">
-                <a:solidFill>
-                  <a:schemeClr val="tx1">
-                    <a:lumMod val="75000"/>
-                    <a:lumOff val="25000"/>
-                  </a:schemeClr>
-                </a:solidFill>
-                <a:latin typeface="+mj-lt"/>
-                <a:cs typeface="Courier New" panose="02070309020205020404" pitchFamily="49" charset="0"/>
-              </a:rPr>
-            </a:br>
-            <a:r>
-              <a:rPr lang="it-IT" dirty="0">
-                <a:solidFill>
-                  <a:schemeClr val="tx1">
-                    <a:lumMod val="75000"/>
-                    <a:lumOff val="25000"/>
-                  </a:schemeClr>
-                </a:solidFill>
-                <a:latin typeface="+mj-lt"/>
-                <a:cs typeface="Courier New" panose="02070309020205020404" pitchFamily="49" charset="0"/>
-              </a:rPr>
-              <a:t>}</a:t>
-            </a:r>
-          </a:p>
-        </p:txBody>
-      </p:sp>
     </p:spTree>
     <p:extLst>
       <p:ext uri="{BB962C8B-B14F-4D97-AF65-F5344CB8AC3E}">
-        <p14:creationId xmlns:p14="http://schemas.microsoft.com/office/powerpoint/2010/main" val="2218756755"/>
+        <p14:creationId xmlns:p14="http://schemas.microsoft.com/office/powerpoint/2010/main" val="767845803"/>
       </p:ext>
     </p:extLst>
   </p:cSld>
@@ -8502,22 +7303,13 @@
           <a:lstStyle/>
           <a:p>
             <a:r>
-              <a:rPr lang="it-IT" dirty="0" err="1" smtClean="0"/>
+              <a:rPr lang="it-IT" dirty="0" err="1"/>
               <a:t>Find</a:t>
             </a:r>
             <a:r>
-              <a:rPr lang="it-IT" dirty="0" smtClean="0"/>
-              <a:t> – </a:t>
-            </a:r>
-            <a:r>
-              <a:rPr lang="it-IT" dirty="0" err="1" smtClean="0"/>
-              <a:t>Javascript</a:t>
-            </a:r>
-            <a:r>
-              <a:rPr lang="it-IT" dirty="0" smtClean="0"/>
-              <a:t> scripts</a:t>
-            </a:r>
-            <a:endParaRPr lang="it-IT" dirty="0"/>
+              <a:rPr lang="it-IT" dirty="0"/>
+              <a:t> – interrogare oggetti dentro ad array</a:t>
+            </a:r>
           </a:p>
         </p:txBody>
       </p:sp>
@@ -8533,169 +7325,458 @@
         </p:nvSpPr>
         <p:spPr/>
         <p:txBody>
-          <a:bodyPr/>
+          <a:bodyPr>
+            <a:normAutofit/>
+          </a:bodyPr>
           <a:lstStyle/>
           <a:p>
             <a:r>
-              <a:rPr lang="it-IT" dirty="0" smtClean="0"/>
-              <a:t>L’espressività delle </a:t>
-            </a:r>
-            <a:r>
-              <a:rPr lang="it-IT" dirty="0" err="1" smtClean="0"/>
-              <a:t>query</a:t>
-            </a:r>
-            <a:r>
-              <a:rPr lang="it-IT" dirty="0" smtClean="0"/>
-              <a:t> tramite coppie chiave-valore è limitata</a:t>
-            </a:r>
-          </a:p>
-          <a:p>
-            <a:r>
-              <a:rPr lang="it-IT" dirty="0" smtClean="0"/>
-              <a:t>Per interrogazioni particolarmente complesse è possibile utilizzare l’operatore </a:t>
-            </a:r>
-            <a:r>
-              <a:rPr lang="it-IT" dirty="0">
-                <a:latin typeface="+mj-lt"/>
-                <a:cs typeface="Courier New" panose="02070309020205020404" pitchFamily="49" charset="0"/>
-              </a:rPr>
-              <a:t>$</a:t>
-            </a:r>
-            <a:r>
-              <a:rPr lang="it-IT" dirty="0" err="1">
-                <a:latin typeface="+mj-lt"/>
-                <a:cs typeface="Courier New" panose="02070309020205020404" pitchFamily="49" charset="0"/>
-              </a:rPr>
-              <a:t>where</a:t>
-            </a:r>
-            <a:r>
-              <a:rPr lang="it-IT" dirty="0" smtClean="0"/>
-              <a:t>, che consente di eseguire uno script </a:t>
-            </a:r>
-            <a:r>
-              <a:rPr lang="it-IT" dirty="0" err="1" smtClean="0"/>
-              <a:t>Javascript</a:t>
-            </a:r>
-            <a:endParaRPr lang="it-IT" dirty="0" smtClean="0"/>
+              <a:rPr lang="it-IT" dirty="0"/>
+              <a:t>Obiettivo: cercare i commenti di </a:t>
+            </a:r>
+            <a:r>
+              <a:rPr lang="it-IT" dirty="0" err="1"/>
+              <a:t>Joe</a:t>
+            </a:r>
+            <a:r>
+              <a:rPr lang="it-IT" dirty="0"/>
+              <a:t> con un</a:t>
+            </a:r>
+            <a:br>
+              <a:rPr lang="it-IT" dirty="0"/>
+            </a:br>
+            <a:r>
+              <a:rPr lang="it-IT" dirty="0"/>
+              <a:t>punteggio di almeno 5</a:t>
+            </a:r>
           </a:p>
           <a:p>
             <a:pPr lvl="1"/>
             <a:r>
               <a:rPr lang="it-IT" dirty="0" err="1">
-                <a:latin typeface="+mj-lt"/>
-                <a:cs typeface="Courier New" panose="02070309020205020404" pitchFamily="49" charset="0"/>
-              </a:rPr>
-              <a:t>db.mycoll.find</a:t>
-            </a:r>
-            <a:r>
-              <a:rPr lang="it-IT" dirty="0">
-                <a:latin typeface="+mj-lt"/>
-                <a:cs typeface="Courier New" panose="02070309020205020404" pitchFamily="49" charset="0"/>
-              </a:rPr>
-              <a:t>({$</a:t>
-            </a:r>
-            <a:r>
-              <a:rPr lang="it-IT" dirty="0" err="1">
-                <a:latin typeface="+mj-lt"/>
-                <a:cs typeface="Courier New" panose="02070309020205020404" pitchFamily="49" charset="0"/>
-              </a:rPr>
-              <a:t>where</a:t>
-            </a:r>
-            <a:r>
-              <a:rPr lang="it-IT" dirty="0">
-                <a:latin typeface="+mj-lt"/>
-                <a:cs typeface="Courier New" panose="02070309020205020404" pitchFamily="49" charset="0"/>
-              </a:rPr>
-              <a:t> : </a:t>
-            </a:r>
-            <a:r>
-              <a:rPr lang="it-IT" dirty="0" err="1">
-                <a:latin typeface="+mj-lt"/>
-                <a:cs typeface="Courier New" panose="02070309020205020404" pitchFamily="49" charset="0"/>
-              </a:rPr>
-              <a:t>function</a:t>
-            </a:r>
-            <a:r>
-              <a:rPr lang="it-IT" dirty="0">
-                <a:latin typeface="+mj-lt"/>
-                <a:cs typeface="Courier New" panose="02070309020205020404" pitchFamily="49" charset="0"/>
-              </a:rPr>
-              <a:t>() { </a:t>
-            </a:r>
-            <a:r>
-              <a:rPr lang="it-IT" dirty="0" err="1">
-                <a:latin typeface="+mj-lt"/>
-                <a:cs typeface="Courier New" panose="02070309020205020404" pitchFamily="49" charset="0"/>
-              </a:rPr>
-              <a:t>return</a:t>
-            </a:r>
-            <a:r>
-              <a:rPr lang="it-IT" dirty="0">
-                <a:latin typeface="+mj-lt"/>
-                <a:cs typeface="Courier New" panose="02070309020205020404" pitchFamily="49" charset="0"/>
-              </a:rPr>
-              <a:t> </a:t>
-            </a:r>
-            <a:r>
-              <a:rPr lang="it-IT" dirty="0" err="1">
-                <a:latin typeface="+mj-lt"/>
-                <a:cs typeface="Courier New" panose="02070309020205020404" pitchFamily="49" charset="0"/>
-              </a:rPr>
-              <a:t>this.date.getMonth</a:t>
-            </a:r>
-            <a:r>
-              <a:rPr lang="it-IT" dirty="0">
-                <a:latin typeface="+mj-lt"/>
-                <a:cs typeface="Courier New" panose="02070309020205020404" pitchFamily="49" charset="0"/>
-              </a:rPr>
-              <a:t>() == 11} })</a:t>
+                <a:solidFill>
+                  <a:srgbClr val="FF0000"/>
+                </a:solidFill>
+                <a:latin typeface="+mj-lt"/>
+                <a:cs typeface="Courier New" panose="02070309020205020404" pitchFamily="49" charset="0"/>
+              </a:rPr>
+              <a:t>db.blog.find</a:t>
+            </a:r>
+            <a:r>
+              <a:rPr lang="it-IT" dirty="0">
+                <a:solidFill>
+                  <a:srgbClr val="FF0000"/>
+                </a:solidFill>
+                <a:latin typeface="+mj-lt"/>
+                <a:cs typeface="Courier New" panose="02070309020205020404" pitchFamily="49" charset="0"/>
+              </a:rPr>
+              <a:t>({"</a:t>
+            </a:r>
+            <a:r>
+              <a:rPr lang="it-IT" dirty="0" err="1">
+                <a:solidFill>
+                  <a:srgbClr val="FF0000"/>
+                </a:solidFill>
+                <a:latin typeface="+mj-lt"/>
+                <a:cs typeface="Courier New" panose="02070309020205020404" pitchFamily="49" charset="0"/>
+              </a:rPr>
+              <a:t>comments</a:t>
+            </a:r>
+            <a:r>
+              <a:rPr lang="it-IT" dirty="0">
+                <a:solidFill>
+                  <a:srgbClr val="FF0000"/>
+                </a:solidFill>
+                <a:latin typeface="+mj-lt"/>
+                <a:cs typeface="Courier New" panose="02070309020205020404" pitchFamily="49" charset="0"/>
+              </a:rPr>
+              <a:t>": {"</a:t>
+            </a:r>
+            <a:r>
+              <a:rPr lang="it-IT" dirty="0" err="1">
+                <a:solidFill>
+                  <a:srgbClr val="FF0000"/>
+                </a:solidFill>
+                <a:latin typeface="+mj-lt"/>
+                <a:cs typeface="Courier New" panose="02070309020205020404" pitchFamily="49" charset="0"/>
+              </a:rPr>
+              <a:t>author</a:t>
+            </a:r>
+            <a:r>
+              <a:rPr lang="it-IT" dirty="0">
+                <a:solidFill>
+                  <a:srgbClr val="FF0000"/>
+                </a:solidFill>
+                <a:latin typeface="+mj-lt"/>
+                <a:cs typeface="Courier New" panose="02070309020205020404" pitchFamily="49" charset="0"/>
+              </a:rPr>
+              <a:t>": "</a:t>
+            </a:r>
+            <a:r>
+              <a:rPr lang="it-IT" dirty="0" err="1">
+                <a:solidFill>
+                  <a:srgbClr val="FF0000"/>
+                </a:solidFill>
+                <a:latin typeface="+mj-lt"/>
+                <a:cs typeface="Courier New" panose="02070309020205020404" pitchFamily="49" charset="0"/>
+              </a:rPr>
+              <a:t>joe</a:t>
+            </a:r>
+            <a:r>
+              <a:rPr lang="it-IT" dirty="0">
+                <a:solidFill>
+                  <a:srgbClr val="FF0000"/>
+                </a:solidFill>
+                <a:latin typeface="+mj-lt"/>
+                <a:cs typeface="Courier New" panose="02070309020205020404" pitchFamily="49" charset="0"/>
+              </a:rPr>
+              <a:t>",</a:t>
+            </a:r>
+            <a:br>
+              <a:rPr lang="it-IT" dirty="0">
+                <a:solidFill>
+                  <a:srgbClr val="FF0000"/>
+                </a:solidFill>
+                <a:latin typeface="+mj-lt"/>
+                <a:cs typeface="Courier New" panose="02070309020205020404" pitchFamily="49" charset="0"/>
+              </a:rPr>
+            </a:br>
+            <a:r>
+              <a:rPr lang="it-IT" dirty="0">
+                <a:solidFill>
+                  <a:srgbClr val="FF0000"/>
+                </a:solidFill>
+                <a:latin typeface="+mj-lt"/>
+                <a:cs typeface="Courier New" panose="02070309020205020404" pitchFamily="49" charset="0"/>
+              </a:rPr>
+              <a:t>  "score": {"$</a:t>
+            </a:r>
+            <a:r>
+              <a:rPr lang="it-IT" dirty="0" err="1">
+                <a:solidFill>
+                  <a:srgbClr val="FF0000"/>
+                </a:solidFill>
+                <a:latin typeface="+mj-lt"/>
+                <a:cs typeface="Courier New" panose="02070309020205020404" pitchFamily="49" charset="0"/>
+              </a:rPr>
+              <a:t>gte</a:t>
+            </a:r>
+            <a:r>
+              <a:rPr lang="it-IT" dirty="0">
+                <a:solidFill>
+                  <a:srgbClr val="FF0000"/>
+                </a:solidFill>
+                <a:latin typeface="+mj-lt"/>
+                <a:cs typeface="Courier New" panose="02070309020205020404" pitchFamily="49" charset="0"/>
+              </a:rPr>
+              <a:t>": 5}}})</a:t>
+            </a:r>
+            <a:br>
+              <a:rPr lang="it-IT" dirty="0">
+                <a:solidFill>
+                  <a:srgbClr val="FF0000"/>
+                </a:solidFill>
+                <a:latin typeface="+mj-lt"/>
+                <a:cs typeface="Courier New" panose="02070309020205020404" pitchFamily="49" charset="0"/>
+              </a:rPr>
+            </a:br>
+            <a:r>
+              <a:rPr lang="it-IT" dirty="0"/>
+              <a:t>Sbagliato: cerca il match esatto</a:t>
             </a:r>
           </a:p>
           <a:p>
             <a:pPr lvl="1"/>
             <a:r>
-              <a:rPr lang="it-IT" dirty="0" smtClean="0"/>
-              <a:t>La complessità dello script è liberamente definita dall’utente</a:t>
-            </a:r>
-          </a:p>
-          <a:p>
-            <a:r>
-              <a:rPr lang="it-IT" dirty="0" smtClean="0"/>
-              <a:t>Tramite script è possibile fare praticamente qualunque tipo di operazione</a:t>
+              <a:rPr lang="it-IT" dirty="0" err="1">
+                <a:solidFill>
+                  <a:srgbClr val="FF0000"/>
+                </a:solidFill>
+                <a:latin typeface="+mj-lt"/>
+                <a:cs typeface="Courier New" panose="02070309020205020404" pitchFamily="49" charset="0"/>
+              </a:rPr>
+              <a:t>db.blog.find</a:t>
+            </a:r>
+            <a:r>
+              <a:rPr lang="it-IT" dirty="0">
+                <a:solidFill>
+                  <a:srgbClr val="FF0000"/>
+                </a:solidFill>
+                <a:latin typeface="+mj-lt"/>
+                <a:cs typeface="Courier New" panose="02070309020205020404" pitchFamily="49" charset="0"/>
+              </a:rPr>
+              <a:t>({"</a:t>
+            </a:r>
+            <a:r>
+              <a:rPr lang="it-IT" dirty="0" err="1">
+                <a:solidFill>
+                  <a:srgbClr val="FF0000"/>
+                </a:solidFill>
+                <a:latin typeface="+mj-lt"/>
+                <a:cs typeface="Courier New" panose="02070309020205020404" pitchFamily="49" charset="0"/>
+              </a:rPr>
+              <a:t>comments.author</a:t>
+            </a:r>
+            <a:r>
+              <a:rPr lang="it-IT" dirty="0">
+                <a:solidFill>
+                  <a:srgbClr val="FF0000"/>
+                </a:solidFill>
+                <a:latin typeface="+mj-lt"/>
+                <a:cs typeface="Courier New" panose="02070309020205020404" pitchFamily="49" charset="0"/>
+              </a:rPr>
+              <a:t>": "</a:t>
+            </a:r>
+            <a:r>
+              <a:rPr lang="it-IT" dirty="0" err="1">
+                <a:solidFill>
+                  <a:srgbClr val="FF0000"/>
+                </a:solidFill>
+                <a:latin typeface="+mj-lt"/>
+                <a:cs typeface="Courier New" panose="02070309020205020404" pitchFamily="49" charset="0"/>
+              </a:rPr>
+              <a:t>joe</a:t>
+            </a:r>
+            <a:r>
+              <a:rPr lang="it-IT" dirty="0">
+                <a:solidFill>
+                  <a:srgbClr val="FF0000"/>
+                </a:solidFill>
+                <a:latin typeface="+mj-lt"/>
+                <a:cs typeface="Courier New" panose="02070309020205020404" pitchFamily="49" charset="0"/>
+              </a:rPr>
+              <a:t>", </a:t>
+            </a:r>
+            <a:br>
+              <a:rPr lang="it-IT" dirty="0">
+                <a:solidFill>
+                  <a:srgbClr val="FF0000"/>
+                </a:solidFill>
+                <a:latin typeface="+mj-lt"/>
+                <a:cs typeface="Courier New" panose="02070309020205020404" pitchFamily="49" charset="0"/>
+              </a:rPr>
+            </a:br>
+            <a:r>
+              <a:rPr lang="it-IT" dirty="0">
+                <a:solidFill>
+                  <a:srgbClr val="FF0000"/>
+                </a:solidFill>
+                <a:latin typeface="+mj-lt"/>
+                <a:cs typeface="Courier New" panose="02070309020205020404" pitchFamily="49" charset="0"/>
+              </a:rPr>
+              <a:t>  "</a:t>
+            </a:r>
+            <a:r>
+              <a:rPr lang="it-IT" dirty="0" err="1">
+                <a:solidFill>
+                  <a:srgbClr val="FF0000"/>
+                </a:solidFill>
+                <a:latin typeface="+mj-lt"/>
+                <a:cs typeface="Courier New" panose="02070309020205020404" pitchFamily="49" charset="0"/>
+              </a:rPr>
+              <a:t>comments.score</a:t>
+            </a:r>
+            <a:r>
+              <a:rPr lang="it-IT" dirty="0">
+                <a:solidFill>
+                  <a:srgbClr val="FF0000"/>
+                </a:solidFill>
+                <a:latin typeface="+mj-lt"/>
+                <a:cs typeface="Courier New" panose="02070309020205020404" pitchFamily="49" charset="0"/>
+              </a:rPr>
+              <a:t>": {"$</a:t>
+            </a:r>
+            <a:r>
+              <a:rPr lang="it-IT" dirty="0" err="1">
+                <a:solidFill>
+                  <a:srgbClr val="FF0000"/>
+                </a:solidFill>
+                <a:latin typeface="+mj-lt"/>
+                <a:cs typeface="Courier New" panose="02070309020205020404" pitchFamily="49" charset="0"/>
+              </a:rPr>
+              <a:t>gte</a:t>
+            </a:r>
+            <a:r>
+              <a:rPr lang="it-IT" dirty="0">
+                <a:solidFill>
+                  <a:srgbClr val="FF0000"/>
+                </a:solidFill>
+                <a:latin typeface="+mj-lt"/>
+                <a:cs typeface="Courier New" panose="02070309020205020404" pitchFamily="49" charset="0"/>
+              </a:rPr>
+              <a:t>": 5}})</a:t>
+            </a:r>
+            <a:br>
+              <a:rPr lang="it-IT" dirty="0">
+                <a:solidFill>
+                  <a:srgbClr val="FF0000"/>
+                </a:solidFill>
+              </a:rPr>
+            </a:br>
+            <a:r>
+              <a:rPr lang="it-IT" dirty="0"/>
+              <a:t>Sbagliato: restituisce entrambi i commenti,</a:t>
+            </a:r>
+            <a:br>
+              <a:rPr lang="it-IT" dirty="0"/>
+            </a:br>
+            <a:r>
+              <a:rPr lang="it-IT" dirty="0"/>
+              <a:t>perché le condizioni sono valutate in OR</a:t>
             </a:r>
           </a:p>
           <a:p>
             <a:pPr lvl="1"/>
             <a:r>
-              <a:rPr lang="it-IT" dirty="0" smtClean="0"/>
-              <a:t>Per questioni di sicurezza, però, è fortemente sconsigliato l’utilizzo dell’operatore</a:t>
-            </a:r>
-            <a:r>
-              <a:rPr lang="it-IT" sz="2000" dirty="0">
-                <a:latin typeface="+mj-lt"/>
-                <a:cs typeface="Courier New" panose="02070309020205020404" pitchFamily="49" charset="0"/>
-              </a:rPr>
-              <a:t> $</a:t>
-            </a:r>
-            <a:r>
-              <a:rPr lang="it-IT" sz="2000" dirty="0" err="1">
-                <a:latin typeface="+mj-lt"/>
-                <a:cs typeface="Courier New" panose="02070309020205020404" pitchFamily="49" charset="0"/>
-              </a:rPr>
-              <a:t>where</a:t>
-            </a:r>
-            <a:endParaRPr lang="it-IT" sz="2000" dirty="0">
-              <a:latin typeface="+mj-lt"/>
-              <a:cs typeface="Courier New" panose="02070309020205020404" pitchFamily="49" charset="0"/>
-            </a:endParaRPr>
-          </a:p>
-          <a:p>
-            <a:pPr lvl="1"/>
-            <a:r>
-              <a:rPr lang="it-IT" dirty="0" smtClean="0"/>
-              <a:t>In generale, agli utenti finali non dovrebbe MAI essere concesso di eseguire questo tipo di interrogazioni</a:t>
-            </a:r>
-            <a:endParaRPr lang="it-IT" dirty="0"/>
+              <a:rPr lang="it-IT" dirty="0" err="1">
+                <a:solidFill>
+                  <a:srgbClr val="00B050"/>
+                </a:solidFill>
+                <a:latin typeface="+mj-lt"/>
+                <a:cs typeface="Courier New" panose="02070309020205020404" pitchFamily="49" charset="0"/>
+              </a:rPr>
+              <a:t>db.blog.find</a:t>
+            </a:r>
+            <a:r>
+              <a:rPr lang="it-IT" dirty="0">
+                <a:solidFill>
+                  <a:srgbClr val="00B050"/>
+                </a:solidFill>
+                <a:latin typeface="+mj-lt"/>
+                <a:cs typeface="Courier New" panose="02070309020205020404" pitchFamily="49" charset="0"/>
+              </a:rPr>
+              <a:t>({"</a:t>
+            </a:r>
+            <a:r>
+              <a:rPr lang="it-IT" dirty="0" err="1">
+                <a:solidFill>
+                  <a:srgbClr val="00B050"/>
+                </a:solidFill>
+                <a:latin typeface="+mj-lt"/>
+                <a:cs typeface="Courier New" panose="02070309020205020404" pitchFamily="49" charset="0"/>
+              </a:rPr>
+              <a:t>comments</a:t>
+            </a:r>
+            <a:r>
+              <a:rPr lang="it-IT" dirty="0">
+                <a:solidFill>
+                  <a:srgbClr val="00B050"/>
+                </a:solidFill>
+                <a:latin typeface="+mj-lt"/>
+                <a:cs typeface="Courier New" panose="02070309020205020404" pitchFamily="49" charset="0"/>
+              </a:rPr>
+              <a:t>": {"$</a:t>
+            </a:r>
+            <a:r>
+              <a:rPr lang="it-IT" dirty="0" err="1">
+                <a:solidFill>
+                  <a:srgbClr val="00B050"/>
+                </a:solidFill>
+                <a:latin typeface="+mj-lt"/>
+                <a:cs typeface="Courier New" panose="02070309020205020404" pitchFamily="49" charset="0"/>
+              </a:rPr>
+              <a:t>elemMatch</a:t>
+            </a:r>
+            <a:r>
+              <a:rPr lang="it-IT" dirty="0">
+                <a:solidFill>
+                  <a:srgbClr val="00B050"/>
+                </a:solidFill>
+                <a:latin typeface="+mj-lt"/>
+                <a:cs typeface="Courier New" panose="02070309020205020404" pitchFamily="49" charset="0"/>
+              </a:rPr>
+              <a:t>": </a:t>
+            </a:r>
+            <a:br>
+              <a:rPr lang="it-IT" dirty="0">
+                <a:solidFill>
+                  <a:srgbClr val="00B050"/>
+                </a:solidFill>
+                <a:latin typeface="+mj-lt"/>
+                <a:cs typeface="Courier New" panose="02070309020205020404" pitchFamily="49" charset="0"/>
+              </a:rPr>
+            </a:br>
+            <a:r>
+              <a:rPr lang="it-IT" dirty="0">
+                <a:solidFill>
+                  <a:srgbClr val="00B050"/>
+                </a:solidFill>
+                <a:latin typeface="+mj-lt"/>
+                <a:cs typeface="Courier New" panose="02070309020205020404" pitchFamily="49" charset="0"/>
+              </a:rPr>
+              <a:t>  {"</a:t>
+            </a:r>
+            <a:r>
+              <a:rPr lang="it-IT" dirty="0" err="1">
+                <a:solidFill>
+                  <a:srgbClr val="00B050"/>
+                </a:solidFill>
+                <a:latin typeface="+mj-lt"/>
+                <a:cs typeface="Courier New" panose="02070309020205020404" pitchFamily="49" charset="0"/>
+              </a:rPr>
+              <a:t>author</a:t>
+            </a:r>
+            <a:r>
+              <a:rPr lang="it-IT" dirty="0">
+                <a:solidFill>
+                  <a:srgbClr val="00B050"/>
+                </a:solidFill>
+                <a:latin typeface="+mj-lt"/>
+                <a:cs typeface="Courier New" panose="02070309020205020404" pitchFamily="49" charset="0"/>
+              </a:rPr>
+              <a:t>": "</a:t>
+            </a:r>
+            <a:r>
+              <a:rPr lang="it-IT" dirty="0" err="1">
+                <a:solidFill>
+                  <a:srgbClr val="00B050"/>
+                </a:solidFill>
+                <a:latin typeface="+mj-lt"/>
+                <a:cs typeface="Courier New" panose="02070309020205020404" pitchFamily="49" charset="0"/>
+              </a:rPr>
+              <a:t>joe</a:t>
+            </a:r>
+            <a:r>
+              <a:rPr lang="it-IT" dirty="0">
+                <a:solidFill>
+                  <a:srgbClr val="00B050"/>
+                </a:solidFill>
+                <a:latin typeface="+mj-lt"/>
+                <a:cs typeface="Courier New" panose="02070309020205020404" pitchFamily="49" charset="0"/>
+              </a:rPr>
+              <a:t>", "score": {"$</a:t>
+            </a:r>
+            <a:r>
+              <a:rPr lang="it-IT" dirty="0" err="1">
+                <a:solidFill>
+                  <a:srgbClr val="00B050"/>
+                </a:solidFill>
+                <a:latin typeface="+mj-lt"/>
+                <a:cs typeface="Courier New" panose="02070309020205020404" pitchFamily="49" charset="0"/>
+              </a:rPr>
+              <a:t>gte</a:t>
+            </a:r>
+            <a:r>
+              <a:rPr lang="it-IT" dirty="0">
+                <a:solidFill>
+                  <a:srgbClr val="00B050"/>
+                </a:solidFill>
+                <a:latin typeface="+mj-lt"/>
+                <a:cs typeface="Courier New" panose="02070309020205020404" pitchFamily="49" charset="0"/>
+              </a:rPr>
+              <a:t>": 5}}}})</a:t>
+            </a:r>
+            <a:br>
+              <a:rPr lang="it-IT" dirty="0">
+                <a:solidFill>
+                  <a:srgbClr val="00B050"/>
+                </a:solidFill>
+              </a:rPr>
+            </a:br>
+            <a:r>
+              <a:rPr lang="it-IT" dirty="0"/>
+              <a:t>Corretto</a:t>
+            </a:r>
           </a:p>
         </p:txBody>
       </p:sp>
@@ -8722,10 +7803,596 @@
           </a:p>
         </p:txBody>
       </p:sp>
+      <p:sp>
+        <p:nvSpPr>
+          <p:cNvPr id="5" name="CasellaDiTesto 4"/>
+          <p:cNvSpPr txBox="1"/>
+          <p:nvPr/>
+        </p:nvSpPr>
+        <p:spPr>
+          <a:xfrm>
+            <a:off x="5895834" y="1845734"/>
+            <a:ext cx="3351012" cy="3693319"/>
+          </a:xfrm>
+          <a:prstGeom prst="rect">
+            <a:avLst/>
+          </a:prstGeom>
+          <a:noFill/>
+        </p:spPr>
+        <p:txBody>
+          <a:bodyPr wrap="square" rtlCol="0">
+            <a:spAutoFit/>
+          </a:bodyPr>
+          <a:lstStyle/>
+          <a:p>
+            <a:r>
+              <a:rPr lang="it-IT" dirty="0">
+                <a:solidFill>
+                  <a:schemeClr val="tx1">
+                    <a:lumMod val="75000"/>
+                    <a:lumOff val="25000"/>
+                  </a:schemeClr>
+                </a:solidFill>
+              </a:rPr>
+              <a:t>Contesto:</a:t>
+            </a:r>
+          </a:p>
+          <a:p>
+            <a:r>
+              <a:rPr lang="it-IT" dirty="0">
+                <a:solidFill>
+                  <a:schemeClr val="tx1">
+                    <a:lumMod val="75000"/>
+                    <a:lumOff val="25000"/>
+                  </a:schemeClr>
+                </a:solidFill>
+                <a:latin typeface="+mj-lt"/>
+                <a:cs typeface="Courier New" panose="02070309020205020404" pitchFamily="49" charset="0"/>
+              </a:rPr>
+              <a:t>{</a:t>
+            </a:r>
+            <a:br>
+              <a:rPr lang="it-IT" dirty="0">
+                <a:solidFill>
+                  <a:schemeClr val="tx1">
+                    <a:lumMod val="75000"/>
+                    <a:lumOff val="25000"/>
+                  </a:schemeClr>
+                </a:solidFill>
+                <a:latin typeface="+mj-lt"/>
+                <a:cs typeface="Courier New" panose="02070309020205020404" pitchFamily="49" charset="0"/>
+              </a:rPr>
+            </a:br>
+            <a:r>
+              <a:rPr lang="it-IT" dirty="0">
+                <a:solidFill>
+                  <a:schemeClr val="tx1">
+                    <a:lumMod val="75000"/>
+                    <a:lumOff val="25000"/>
+                  </a:schemeClr>
+                </a:solidFill>
+                <a:latin typeface="+mj-lt"/>
+                <a:cs typeface="Courier New" panose="02070309020205020404" pitchFamily="49" charset="0"/>
+              </a:rPr>
+              <a:t>  "</a:t>
+            </a:r>
+            <a:r>
+              <a:rPr lang="it-IT" dirty="0" err="1">
+                <a:solidFill>
+                  <a:schemeClr val="tx1">
+                    <a:lumMod val="75000"/>
+                    <a:lumOff val="25000"/>
+                  </a:schemeClr>
+                </a:solidFill>
+                <a:latin typeface="+mj-lt"/>
+                <a:cs typeface="Courier New" panose="02070309020205020404" pitchFamily="49" charset="0"/>
+              </a:rPr>
+              <a:t>content</a:t>
+            </a:r>
+            <a:r>
+              <a:rPr lang="it-IT" dirty="0">
+                <a:solidFill>
+                  <a:schemeClr val="tx1">
+                    <a:lumMod val="75000"/>
+                    <a:lumOff val="25000"/>
+                  </a:schemeClr>
+                </a:solidFill>
+                <a:latin typeface="+mj-lt"/>
+                <a:cs typeface="Courier New" panose="02070309020205020404" pitchFamily="49" charset="0"/>
+              </a:rPr>
+              <a:t>": "...",</a:t>
+            </a:r>
+            <a:br>
+              <a:rPr lang="it-IT" dirty="0">
+                <a:solidFill>
+                  <a:schemeClr val="tx1">
+                    <a:lumMod val="75000"/>
+                    <a:lumOff val="25000"/>
+                  </a:schemeClr>
+                </a:solidFill>
+                <a:latin typeface="+mj-lt"/>
+                <a:cs typeface="Courier New" panose="02070309020205020404" pitchFamily="49" charset="0"/>
+              </a:rPr>
+            </a:br>
+            <a:r>
+              <a:rPr lang="it-IT" dirty="0">
+                <a:solidFill>
+                  <a:schemeClr val="tx1">
+                    <a:lumMod val="75000"/>
+                    <a:lumOff val="25000"/>
+                  </a:schemeClr>
+                </a:solidFill>
+                <a:latin typeface="+mj-lt"/>
+                <a:cs typeface="Courier New" panose="02070309020205020404" pitchFamily="49" charset="0"/>
+              </a:rPr>
+              <a:t>  "</a:t>
+            </a:r>
+            <a:r>
+              <a:rPr lang="it-IT" dirty="0" err="1">
+                <a:solidFill>
+                  <a:schemeClr val="tx1">
+                    <a:lumMod val="75000"/>
+                    <a:lumOff val="25000"/>
+                  </a:schemeClr>
+                </a:solidFill>
+                <a:latin typeface="+mj-lt"/>
+                <a:cs typeface="Courier New" panose="02070309020205020404" pitchFamily="49" charset="0"/>
+              </a:rPr>
+              <a:t>comments</a:t>
+            </a:r>
+            <a:r>
+              <a:rPr lang="it-IT" dirty="0">
+                <a:solidFill>
+                  <a:schemeClr val="tx1">
+                    <a:lumMod val="75000"/>
+                    <a:lumOff val="25000"/>
+                  </a:schemeClr>
+                </a:solidFill>
+                <a:latin typeface="+mj-lt"/>
+                <a:cs typeface="Courier New" panose="02070309020205020404" pitchFamily="49" charset="0"/>
+              </a:rPr>
+              <a:t>": [{</a:t>
+            </a:r>
+            <a:br>
+              <a:rPr lang="it-IT" dirty="0">
+                <a:solidFill>
+                  <a:schemeClr val="tx1">
+                    <a:lumMod val="75000"/>
+                    <a:lumOff val="25000"/>
+                  </a:schemeClr>
+                </a:solidFill>
+                <a:latin typeface="+mj-lt"/>
+                <a:cs typeface="Courier New" panose="02070309020205020404" pitchFamily="49" charset="0"/>
+              </a:rPr>
+            </a:br>
+            <a:r>
+              <a:rPr lang="it-IT" dirty="0">
+                <a:solidFill>
+                  <a:schemeClr val="tx1">
+                    <a:lumMod val="75000"/>
+                    <a:lumOff val="25000"/>
+                  </a:schemeClr>
+                </a:solidFill>
+                <a:latin typeface="+mj-lt"/>
+                <a:cs typeface="Courier New" panose="02070309020205020404" pitchFamily="49" charset="0"/>
+              </a:rPr>
+              <a:t>    "</a:t>
+            </a:r>
+            <a:r>
+              <a:rPr lang="it-IT" dirty="0" err="1">
+                <a:solidFill>
+                  <a:schemeClr val="tx1">
+                    <a:lumMod val="75000"/>
+                    <a:lumOff val="25000"/>
+                  </a:schemeClr>
+                </a:solidFill>
+                <a:latin typeface="+mj-lt"/>
+                <a:cs typeface="Courier New" panose="02070309020205020404" pitchFamily="49" charset="0"/>
+              </a:rPr>
+              <a:t>author</a:t>
+            </a:r>
+            <a:r>
+              <a:rPr lang="it-IT" dirty="0">
+                <a:solidFill>
+                  <a:schemeClr val="tx1">
+                    <a:lumMod val="75000"/>
+                    <a:lumOff val="25000"/>
+                  </a:schemeClr>
+                </a:solidFill>
+                <a:latin typeface="+mj-lt"/>
+                <a:cs typeface="Courier New" panose="02070309020205020404" pitchFamily="49" charset="0"/>
+              </a:rPr>
+              <a:t>": "</a:t>
+            </a:r>
+            <a:r>
+              <a:rPr lang="it-IT" dirty="0" err="1">
+                <a:solidFill>
+                  <a:schemeClr val="tx1">
+                    <a:lumMod val="75000"/>
+                    <a:lumOff val="25000"/>
+                  </a:schemeClr>
+                </a:solidFill>
+                <a:latin typeface="+mj-lt"/>
+                <a:cs typeface="Courier New" panose="02070309020205020404" pitchFamily="49" charset="0"/>
+              </a:rPr>
+              <a:t>joe</a:t>
+            </a:r>
+            <a:r>
+              <a:rPr lang="it-IT" dirty="0">
+                <a:solidFill>
+                  <a:schemeClr val="tx1">
+                    <a:lumMod val="75000"/>
+                    <a:lumOff val="25000"/>
+                  </a:schemeClr>
+                </a:solidFill>
+                <a:latin typeface="+mj-lt"/>
+                <a:cs typeface="Courier New" panose="02070309020205020404" pitchFamily="49" charset="0"/>
+              </a:rPr>
+              <a:t>",</a:t>
+            </a:r>
+            <a:br>
+              <a:rPr lang="it-IT" dirty="0">
+                <a:solidFill>
+                  <a:schemeClr val="tx1">
+                    <a:lumMod val="75000"/>
+                    <a:lumOff val="25000"/>
+                  </a:schemeClr>
+                </a:solidFill>
+                <a:latin typeface="+mj-lt"/>
+                <a:cs typeface="Courier New" panose="02070309020205020404" pitchFamily="49" charset="0"/>
+              </a:rPr>
+            </a:br>
+            <a:r>
+              <a:rPr lang="it-IT" dirty="0">
+                <a:solidFill>
+                  <a:schemeClr val="tx1">
+                    <a:lumMod val="75000"/>
+                    <a:lumOff val="25000"/>
+                  </a:schemeClr>
+                </a:solidFill>
+                <a:latin typeface="+mj-lt"/>
+                <a:cs typeface="Courier New" panose="02070309020205020404" pitchFamily="49" charset="0"/>
+              </a:rPr>
+              <a:t>    "score": 3,</a:t>
+            </a:r>
+            <a:br>
+              <a:rPr lang="it-IT" dirty="0">
+                <a:solidFill>
+                  <a:schemeClr val="tx1">
+                    <a:lumMod val="75000"/>
+                    <a:lumOff val="25000"/>
+                  </a:schemeClr>
+                </a:solidFill>
+                <a:latin typeface="+mj-lt"/>
+                <a:cs typeface="Courier New" panose="02070309020205020404" pitchFamily="49" charset="0"/>
+              </a:rPr>
+            </a:br>
+            <a:r>
+              <a:rPr lang="it-IT" dirty="0">
+                <a:solidFill>
+                  <a:schemeClr val="tx1">
+                    <a:lumMod val="75000"/>
+                    <a:lumOff val="25000"/>
+                  </a:schemeClr>
+                </a:solidFill>
+                <a:latin typeface="+mj-lt"/>
+                <a:cs typeface="Courier New" panose="02070309020205020404" pitchFamily="49" charset="0"/>
+              </a:rPr>
+              <a:t>    "</a:t>
+            </a:r>
+            <a:r>
+              <a:rPr lang="it-IT" dirty="0" err="1">
+                <a:solidFill>
+                  <a:schemeClr val="tx1">
+                    <a:lumMod val="75000"/>
+                    <a:lumOff val="25000"/>
+                  </a:schemeClr>
+                </a:solidFill>
+                <a:latin typeface="+mj-lt"/>
+                <a:cs typeface="Courier New" panose="02070309020205020404" pitchFamily="49" charset="0"/>
+              </a:rPr>
+              <a:t>comment</a:t>
+            </a:r>
+            <a:r>
+              <a:rPr lang="it-IT" dirty="0">
+                <a:solidFill>
+                  <a:schemeClr val="tx1">
+                    <a:lumMod val="75000"/>
+                    <a:lumOff val="25000"/>
+                  </a:schemeClr>
+                </a:solidFill>
+                <a:latin typeface="+mj-lt"/>
+                <a:cs typeface="Courier New" panose="02070309020205020404" pitchFamily="49" charset="0"/>
+              </a:rPr>
+              <a:t>": "</a:t>
+            </a:r>
+            <a:r>
+              <a:rPr lang="it-IT" dirty="0" err="1">
+                <a:solidFill>
+                  <a:schemeClr val="tx1">
+                    <a:lumMod val="75000"/>
+                    <a:lumOff val="25000"/>
+                  </a:schemeClr>
+                </a:solidFill>
+                <a:latin typeface="+mj-lt"/>
+                <a:cs typeface="Courier New" panose="02070309020205020404" pitchFamily="49" charset="0"/>
+              </a:rPr>
+              <a:t>nice</a:t>
+            </a:r>
+            <a:r>
+              <a:rPr lang="it-IT" dirty="0">
+                <a:solidFill>
+                  <a:schemeClr val="tx1">
+                    <a:lumMod val="75000"/>
+                    <a:lumOff val="25000"/>
+                  </a:schemeClr>
+                </a:solidFill>
+                <a:latin typeface="+mj-lt"/>
+                <a:cs typeface="Courier New" panose="02070309020205020404" pitchFamily="49" charset="0"/>
+              </a:rPr>
+              <a:t> post"</a:t>
+            </a:r>
+            <a:br>
+              <a:rPr lang="it-IT" dirty="0">
+                <a:solidFill>
+                  <a:schemeClr val="tx1">
+                    <a:lumMod val="75000"/>
+                    <a:lumOff val="25000"/>
+                  </a:schemeClr>
+                </a:solidFill>
+                <a:latin typeface="+mj-lt"/>
+                <a:cs typeface="Courier New" panose="02070309020205020404" pitchFamily="49" charset="0"/>
+              </a:rPr>
+            </a:br>
+            <a:r>
+              <a:rPr lang="it-IT" dirty="0">
+                <a:solidFill>
+                  <a:schemeClr val="tx1">
+                    <a:lumMod val="75000"/>
+                    <a:lumOff val="25000"/>
+                  </a:schemeClr>
+                </a:solidFill>
+                <a:latin typeface="+mj-lt"/>
+                <a:cs typeface="Courier New" panose="02070309020205020404" pitchFamily="49" charset="0"/>
+              </a:rPr>
+              <a:t>  },{</a:t>
+            </a:r>
+            <a:br>
+              <a:rPr lang="it-IT" dirty="0">
+                <a:solidFill>
+                  <a:schemeClr val="tx1">
+                    <a:lumMod val="75000"/>
+                    <a:lumOff val="25000"/>
+                  </a:schemeClr>
+                </a:solidFill>
+                <a:latin typeface="+mj-lt"/>
+                <a:cs typeface="Courier New" panose="02070309020205020404" pitchFamily="49" charset="0"/>
+              </a:rPr>
+            </a:br>
+            <a:r>
+              <a:rPr lang="it-IT" dirty="0">
+                <a:solidFill>
+                  <a:schemeClr val="tx1">
+                    <a:lumMod val="75000"/>
+                    <a:lumOff val="25000"/>
+                  </a:schemeClr>
+                </a:solidFill>
+                <a:latin typeface="+mj-lt"/>
+                <a:cs typeface="Courier New" panose="02070309020205020404" pitchFamily="49" charset="0"/>
+              </a:rPr>
+              <a:t>    "</a:t>
+            </a:r>
+            <a:r>
+              <a:rPr lang="it-IT" dirty="0" err="1">
+                <a:solidFill>
+                  <a:schemeClr val="tx1">
+                    <a:lumMod val="75000"/>
+                    <a:lumOff val="25000"/>
+                  </a:schemeClr>
+                </a:solidFill>
+                <a:latin typeface="+mj-lt"/>
+                <a:cs typeface="Courier New" panose="02070309020205020404" pitchFamily="49" charset="0"/>
+              </a:rPr>
+              <a:t>author</a:t>
+            </a:r>
+            <a:r>
+              <a:rPr lang="it-IT" dirty="0">
+                <a:solidFill>
+                  <a:schemeClr val="tx1">
+                    <a:lumMod val="75000"/>
+                    <a:lumOff val="25000"/>
+                  </a:schemeClr>
+                </a:solidFill>
+                <a:latin typeface="+mj-lt"/>
+                <a:cs typeface="Courier New" panose="02070309020205020404" pitchFamily="49" charset="0"/>
+              </a:rPr>
+              <a:t>": "</a:t>
+            </a:r>
+            <a:r>
+              <a:rPr lang="it-IT" dirty="0" err="1">
+                <a:solidFill>
+                  <a:schemeClr val="tx1">
+                    <a:lumMod val="75000"/>
+                    <a:lumOff val="25000"/>
+                  </a:schemeClr>
+                </a:solidFill>
+                <a:latin typeface="+mj-lt"/>
+                <a:cs typeface="Courier New" panose="02070309020205020404" pitchFamily="49" charset="0"/>
+              </a:rPr>
+              <a:t>mary</a:t>
+            </a:r>
+            <a:r>
+              <a:rPr lang="it-IT" dirty="0">
+                <a:solidFill>
+                  <a:schemeClr val="tx1">
+                    <a:lumMod val="75000"/>
+                    <a:lumOff val="25000"/>
+                  </a:schemeClr>
+                </a:solidFill>
+                <a:latin typeface="+mj-lt"/>
+                <a:cs typeface="Courier New" panose="02070309020205020404" pitchFamily="49" charset="0"/>
+              </a:rPr>
+              <a:t>",</a:t>
+            </a:r>
+            <a:br>
+              <a:rPr lang="it-IT" dirty="0">
+                <a:solidFill>
+                  <a:schemeClr val="tx1">
+                    <a:lumMod val="75000"/>
+                    <a:lumOff val="25000"/>
+                  </a:schemeClr>
+                </a:solidFill>
+                <a:latin typeface="+mj-lt"/>
+                <a:cs typeface="Courier New" panose="02070309020205020404" pitchFamily="49" charset="0"/>
+              </a:rPr>
+            </a:br>
+            <a:r>
+              <a:rPr lang="it-IT" dirty="0">
+                <a:solidFill>
+                  <a:schemeClr val="tx1">
+                    <a:lumMod val="75000"/>
+                    <a:lumOff val="25000"/>
+                  </a:schemeClr>
+                </a:solidFill>
+                <a:latin typeface="+mj-lt"/>
+                <a:cs typeface="Courier New" panose="02070309020205020404" pitchFamily="49" charset="0"/>
+              </a:rPr>
+              <a:t>    "score": 6,</a:t>
+            </a:r>
+            <a:br>
+              <a:rPr lang="it-IT" dirty="0">
+                <a:solidFill>
+                  <a:schemeClr val="tx1">
+                    <a:lumMod val="75000"/>
+                    <a:lumOff val="25000"/>
+                  </a:schemeClr>
+                </a:solidFill>
+                <a:latin typeface="+mj-lt"/>
+                <a:cs typeface="Courier New" panose="02070309020205020404" pitchFamily="49" charset="0"/>
+              </a:rPr>
+            </a:br>
+            <a:r>
+              <a:rPr lang="it-IT" dirty="0">
+                <a:solidFill>
+                  <a:schemeClr val="tx1">
+                    <a:lumMod val="75000"/>
+                    <a:lumOff val="25000"/>
+                  </a:schemeClr>
+                </a:solidFill>
+                <a:latin typeface="+mj-lt"/>
+                <a:cs typeface="Courier New" panose="02070309020205020404" pitchFamily="49" charset="0"/>
+              </a:rPr>
+              <a:t>    "</a:t>
+            </a:r>
+            <a:r>
+              <a:rPr lang="it-IT" dirty="0" err="1">
+                <a:solidFill>
+                  <a:schemeClr val="tx1">
+                    <a:lumMod val="75000"/>
+                    <a:lumOff val="25000"/>
+                  </a:schemeClr>
+                </a:solidFill>
+                <a:latin typeface="+mj-lt"/>
+                <a:cs typeface="Courier New" panose="02070309020205020404" pitchFamily="49" charset="0"/>
+              </a:rPr>
+              <a:t>comment</a:t>
+            </a:r>
+            <a:r>
+              <a:rPr lang="it-IT" dirty="0">
+                <a:solidFill>
+                  <a:schemeClr val="tx1">
+                    <a:lumMod val="75000"/>
+                    <a:lumOff val="25000"/>
+                  </a:schemeClr>
+                </a:solidFill>
+                <a:latin typeface="+mj-lt"/>
+                <a:cs typeface="Courier New" panose="02070309020205020404" pitchFamily="49" charset="0"/>
+              </a:rPr>
+              <a:t>": "</a:t>
+            </a:r>
+            <a:r>
+              <a:rPr lang="it-IT" dirty="0" err="1">
+                <a:solidFill>
+                  <a:schemeClr val="tx1">
+                    <a:lumMod val="75000"/>
+                    <a:lumOff val="25000"/>
+                  </a:schemeClr>
+                </a:solidFill>
+                <a:latin typeface="+mj-lt"/>
+                <a:cs typeface="Courier New" panose="02070309020205020404" pitchFamily="49" charset="0"/>
+              </a:rPr>
+              <a:t>terrible</a:t>
+            </a:r>
+            <a:r>
+              <a:rPr lang="it-IT" dirty="0">
+                <a:solidFill>
+                  <a:schemeClr val="tx1">
+                    <a:lumMod val="75000"/>
+                    <a:lumOff val="25000"/>
+                  </a:schemeClr>
+                </a:solidFill>
+                <a:latin typeface="+mj-lt"/>
+                <a:cs typeface="Courier New" panose="02070309020205020404" pitchFamily="49" charset="0"/>
+              </a:rPr>
+              <a:t> post"</a:t>
+            </a:r>
+            <a:br>
+              <a:rPr lang="it-IT" dirty="0">
+                <a:solidFill>
+                  <a:schemeClr val="tx1">
+                    <a:lumMod val="75000"/>
+                    <a:lumOff val="25000"/>
+                  </a:schemeClr>
+                </a:solidFill>
+                <a:latin typeface="+mj-lt"/>
+                <a:cs typeface="Courier New" panose="02070309020205020404" pitchFamily="49" charset="0"/>
+              </a:rPr>
+            </a:br>
+            <a:r>
+              <a:rPr lang="it-IT" dirty="0">
+                <a:solidFill>
+                  <a:schemeClr val="tx1">
+                    <a:lumMod val="75000"/>
+                    <a:lumOff val="25000"/>
+                  </a:schemeClr>
+                </a:solidFill>
+                <a:latin typeface="+mj-lt"/>
+                <a:cs typeface="Courier New" panose="02070309020205020404" pitchFamily="49" charset="0"/>
+              </a:rPr>
+              <a:t>  }]</a:t>
+            </a:r>
+            <a:br>
+              <a:rPr lang="it-IT" dirty="0">
+                <a:solidFill>
+                  <a:schemeClr val="tx1">
+                    <a:lumMod val="75000"/>
+                    <a:lumOff val="25000"/>
+                  </a:schemeClr>
+                </a:solidFill>
+                <a:latin typeface="+mj-lt"/>
+                <a:cs typeface="Courier New" panose="02070309020205020404" pitchFamily="49" charset="0"/>
+              </a:rPr>
+            </a:br>
+            <a:r>
+              <a:rPr lang="it-IT" dirty="0">
+                <a:solidFill>
+                  <a:schemeClr val="tx1">
+                    <a:lumMod val="75000"/>
+                    <a:lumOff val="25000"/>
+                  </a:schemeClr>
+                </a:solidFill>
+                <a:latin typeface="+mj-lt"/>
+                <a:cs typeface="Courier New" panose="02070309020205020404" pitchFamily="49" charset="0"/>
+              </a:rPr>
+              <a:t>}</a:t>
+            </a:r>
+          </a:p>
+        </p:txBody>
+      </p:sp>
     </p:spTree>
     <p:extLst>
       <p:ext uri="{BB962C8B-B14F-4D97-AF65-F5344CB8AC3E}">
-        <p14:creationId xmlns:p14="http://schemas.microsoft.com/office/powerpoint/2010/main" val="670835042"/>
+        <p14:creationId xmlns:p14="http://schemas.microsoft.com/office/powerpoint/2010/main" val="2218756755"/>
       </p:ext>
     </p:extLst>
   </p:cSld>
@@ -8768,10 +8435,9 @@
           <a:lstStyle/>
           <a:p>
             <a:r>
-              <a:rPr lang="it-IT" noProof="0" dirty="0" smtClean="0"/>
+              <a:rPr lang="it-IT" noProof="0" dirty="0"/>
               <a:t>Interrogazioni semplici</a:t>
             </a:r>
-            <a:endParaRPr lang="it-IT" noProof="0" dirty="0"/>
           </a:p>
         </p:txBody>
       </p:sp>
@@ -8791,31 +8457,31 @@
           <a:lstStyle/>
           <a:p>
             <a:r>
-              <a:rPr lang="it-IT" noProof="0" dirty="0" err="1" smtClean="0"/>
+              <a:rPr lang="it-IT" noProof="0" dirty="0" err="1"/>
               <a:t>Find</a:t>
             </a:r>
             <a:r>
-              <a:rPr lang="it-IT" noProof="0" dirty="0" smtClean="0"/>
+              <a:rPr lang="it-IT" noProof="0" dirty="0"/>
               <a:t>, </a:t>
             </a:r>
             <a:r>
-              <a:rPr lang="it-IT" noProof="0" dirty="0" err="1" smtClean="0"/>
+              <a:rPr lang="it-IT" noProof="0" dirty="0" err="1"/>
               <a:t>findone</a:t>
             </a:r>
             <a:r>
-              <a:rPr lang="it-IT" noProof="0" dirty="0" smtClean="0"/>
+              <a:rPr lang="it-IT" noProof="0" dirty="0"/>
               <a:t>, </a:t>
             </a:r>
             <a:r>
-              <a:rPr lang="it-IT" noProof="0" dirty="0" err="1" smtClean="0"/>
+              <a:rPr lang="it-IT" noProof="0" dirty="0" err="1"/>
               <a:t>count</a:t>
             </a:r>
             <a:r>
-              <a:rPr lang="it-IT" noProof="0" dirty="0" smtClean="0"/>
+              <a:rPr lang="it-IT" noProof="0" dirty="0"/>
               <a:t>, </a:t>
             </a:r>
             <a:r>
-              <a:rPr lang="it-IT" noProof="0" dirty="0" err="1" smtClean="0"/>
+              <a:rPr lang="it-IT" noProof="0" dirty="0" err="1"/>
               <a:t>distinct</a:t>
             </a:r>
             <a:endParaRPr lang="it-IT" noProof="0" dirty="0"/>
@@ -8855,13 +8521,6 @@
   <p:clrMapOvr>
     <a:masterClrMapping/>
   </p:clrMapOvr>
-  <p:timing>
-    <p:tnLst>
-      <p:par>
-        <p:cTn id="1" dur="indefinite" restart="never" nodeType="tmRoot"/>
-      </p:par>
-    </p:tnLst>
-  </p:timing>
 </p:sld>
 </file>
 
@@ -8898,10 +8557,21 @@
           <a:lstStyle/>
           <a:p>
             <a:r>
-              <a:rPr lang="en-US" dirty="0" smtClean="0"/>
-              <a:t>Limit, skip &amp; sort</a:t>
-            </a:r>
-            <a:endParaRPr lang="it-IT" dirty="0"/>
+              <a:rPr lang="it-IT" dirty="0" err="1"/>
+              <a:t>Find</a:t>
+            </a:r>
+            <a:r>
+              <a:rPr lang="it-IT" dirty="0"/>
+              <a:t> – </a:t>
+            </a:r>
+            <a:r>
+              <a:rPr lang="it-IT" dirty="0" err="1"/>
+              <a:t>Javascript</a:t>
+            </a:r>
+            <a:r>
+              <a:rPr lang="it-IT" dirty="0"/>
+              <a:t> scripts</a:t>
+            </a:r>
           </a:p>
         </p:txBody>
       </p:sp>
@@ -8921,23 +8591,46 @@
           <a:lstStyle/>
           <a:p>
             <a:r>
-              <a:rPr lang="it-IT" dirty="0" smtClean="0"/>
-              <a:t>Al comando </a:t>
-            </a:r>
-            <a:r>
-              <a:rPr lang="it-IT" dirty="0" err="1" smtClean="0"/>
-              <a:t>find</a:t>
-            </a:r>
-            <a:r>
-              <a:rPr lang="it-IT" dirty="0" smtClean="0"/>
-              <a:t> possono essere applicati in cascata ulteriori comandi, al fine di applicare alcune trasformazioni al risultato ottenuto</a:t>
-            </a:r>
-          </a:p>
-          <a:p>
-            <a:r>
-              <a:rPr lang="it-IT" dirty="0" smtClean="0"/>
-              <a:t>Limit: restituisce solo i primi n documenti</a:t>
-            </a:r>
+              <a:rPr lang="it-IT" dirty="0"/>
+              <a:t>L’espressività delle </a:t>
+            </a:r>
+            <a:r>
+              <a:rPr lang="it-IT" dirty="0" err="1"/>
+              <a:t>query</a:t>
+            </a:r>
+            <a:r>
+              <a:rPr lang="it-IT" dirty="0"/>
+              <a:t> tramite coppie chiave-valore è limitata</a:t>
+            </a:r>
+          </a:p>
+          <a:p>
+            <a:r>
+              <a:rPr lang="it-IT" dirty="0"/>
+              <a:t>Per interrogazioni particolarmente complesse è possibile utilizzare l’operatore </a:t>
+            </a:r>
+            <a:r>
+              <a:rPr lang="it-IT" dirty="0">
+                <a:latin typeface="+mj-lt"/>
+                <a:cs typeface="Courier New" panose="02070309020205020404" pitchFamily="49" charset="0"/>
+              </a:rPr>
+              <a:t>$</a:t>
+            </a:r>
+            <a:r>
+              <a:rPr lang="it-IT" dirty="0" err="1">
+                <a:latin typeface="+mj-lt"/>
+                <a:cs typeface="Courier New" panose="02070309020205020404" pitchFamily="49" charset="0"/>
+              </a:rPr>
+              <a:t>where</a:t>
+            </a:r>
+            <a:r>
+              <a:rPr lang="it-IT" dirty="0"/>
+              <a:t>, che consente di eseguire uno script </a:t>
+            </a:r>
+            <a:r>
+              <a:rPr lang="it-IT" dirty="0" err="1"/>
+              <a:t>Javascript</a:t>
+            </a:r>
+            <a:endParaRPr lang="it-IT" dirty="0"/>
           </a:p>
           <a:p>
             <a:pPr lvl="1"/>
@@ -8946,141 +8639,116 @@
                 <a:latin typeface="+mj-lt"/>
                 <a:cs typeface="Courier New" panose="02070309020205020404" pitchFamily="49" charset="0"/>
               </a:rPr>
-              <a:t>db.c.find</a:t>
-            </a:r>
-            <a:r>
-              <a:rPr lang="it-IT" dirty="0">
-                <a:latin typeface="+mj-lt"/>
-                <a:cs typeface="Courier New" panose="02070309020205020404" pitchFamily="49" charset="0"/>
-              </a:rPr>
-              <a:t>().</a:t>
-            </a:r>
-            <a:r>
-              <a:rPr lang="it-IT" dirty="0" err="1">
-                <a:latin typeface="+mj-lt"/>
-                <a:cs typeface="Courier New" panose="02070309020205020404" pitchFamily="49" charset="0"/>
-              </a:rPr>
-              <a:t>limit</a:t>
-            </a:r>
-            <a:r>
-              <a:rPr lang="it-IT" dirty="0">
-                <a:latin typeface="+mj-lt"/>
-                <a:cs typeface="Courier New" panose="02070309020205020404" pitchFamily="49" charset="0"/>
-              </a:rPr>
-              <a:t>(3)</a:t>
-            </a:r>
-          </a:p>
-          <a:p>
-            <a:r>
-              <a:rPr lang="it-IT" dirty="0" err="1" smtClean="0"/>
-              <a:t>Skip</a:t>
-            </a:r>
-            <a:r>
-              <a:rPr lang="it-IT" dirty="0" smtClean="0"/>
-              <a:t>: salta i primi n documenti e restituisci i successivi</a:t>
+              <a:t>db.mycoll.find</a:t>
+            </a:r>
+            <a:r>
+              <a:rPr lang="it-IT" dirty="0">
+                <a:latin typeface="+mj-lt"/>
+                <a:cs typeface="Courier New" panose="02070309020205020404" pitchFamily="49" charset="0"/>
+              </a:rPr>
+              <a:t>({$</a:t>
+            </a:r>
+            <a:r>
+              <a:rPr lang="it-IT" dirty="0" err="1">
+                <a:latin typeface="+mj-lt"/>
+                <a:cs typeface="Courier New" panose="02070309020205020404" pitchFamily="49" charset="0"/>
+              </a:rPr>
+              <a:t>where</a:t>
+            </a:r>
+            <a:r>
+              <a:rPr lang="it-IT" dirty="0">
+                <a:latin typeface="+mj-lt"/>
+                <a:cs typeface="Courier New" panose="02070309020205020404" pitchFamily="49" charset="0"/>
+              </a:rPr>
+              <a:t>: </a:t>
+            </a:r>
+            <a:r>
+              <a:rPr lang="it-IT" dirty="0" err="1">
+                <a:latin typeface="+mj-lt"/>
+                <a:cs typeface="Courier New" panose="02070309020205020404" pitchFamily="49" charset="0"/>
+              </a:rPr>
+              <a:t>function</a:t>
+            </a:r>
+            <a:r>
+              <a:rPr lang="it-IT" dirty="0">
+                <a:latin typeface="+mj-lt"/>
+                <a:cs typeface="Courier New" panose="02070309020205020404" pitchFamily="49" charset="0"/>
+              </a:rPr>
+              <a:t>() { </a:t>
+            </a:r>
+            <a:r>
+              <a:rPr lang="it-IT" dirty="0" err="1">
+                <a:latin typeface="+mj-lt"/>
+                <a:cs typeface="Courier New" panose="02070309020205020404" pitchFamily="49" charset="0"/>
+              </a:rPr>
+              <a:t>return</a:t>
+            </a:r>
+            <a:r>
+              <a:rPr lang="it-IT" dirty="0">
+                <a:latin typeface="+mj-lt"/>
+                <a:cs typeface="Courier New" panose="02070309020205020404" pitchFamily="49" charset="0"/>
+              </a:rPr>
+              <a:t> </a:t>
+            </a:r>
+            <a:r>
+              <a:rPr lang="it-IT" dirty="0" err="1">
+                <a:latin typeface="+mj-lt"/>
+                <a:cs typeface="Courier New" panose="02070309020205020404" pitchFamily="49" charset="0"/>
+              </a:rPr>
+              <a:t>this.date.getMonth</a:t>
+            </a:r>
+            <a:r>
+              <a:rPr lang="it-IT" dirty="0">
+                <a:latin typeface="+mj-lt"/>
+                <a:cs typeface="Courier New" panose="02070309020205020404" pitchFamily="49" charset="0"/>
+              </a:rPr>
+              <a:t>() == 11} })</a:t>
             </a:r>
           </a:p>
           <a:p>
             <a:pPr lvl="1"/>
             <a:r>
-              <a:rPr lang="it-IT" dirty="0" err="1">
-                <a:latin typeface="+mj-lt"/>
-                <a:cs typeface="Courier New" panose="02070309020205020404" pitchFamily="49" charset="0"/>
-              </a:rPr>
-              <a:t>db.c.find</a:t>
-            </a:r>
-            <a:r>
-              <a:rPr lang="it-IT" dirty="0">
-                <a:latin typeface="+mj-lt"/>
-                <a:cs typeface="Courier New" panose="02070309020205020404" pitchFamily="49" charset="0"/>
-              </a:rPr>
-              <a:t>().</a:t>
-            </a:r>
-            <a:r>
-              <a:rPr lang="it-IT" dirty="0" err="1">
-                <a:latin typeface="+mj-lt"/>
-                <a:cs typeface="Courier New" panose="02070309020205020404" pitchFamily="49" charset="0"/>
-              </a:rPr>
-              <a:t>skip</a:t>
-            </a:r>
-            <a:r>
-              <a:rPr lang="it-IT" dirty="0">
-                <a:latin typeface="+mj-lt"/>
-                <a:cs typeface="Courier New" panose="02070309020205020404" pitchFamily="49" charset="0"/>
-              </a:rPr>
-              <a:t>(3)</a:t>
-            </a:r>
-          </a:p>
-          <a:p>
-            <a:r>
-              <a:rPr lang="it-IT" dirty="0" err="1" smtClean="0"/>
-              <a:t>Sort</a:t>
-            </a:r>
-            <a:r>
-              <a:rPr lang="it-IT" dirty="0" smtClean="0"/>
-              <a:t>: ordina i risultati sulla base di uno o più attributi</a:t>
+              <a:rPr lang="it-IT" dirty="0"/>
+              <a:t>La complessità dello script è liberamente definita dall’utente</a:t>
+            </a:r>
+          </a:p>
+          <a:p>
+            <a:r>
+              <a:rPr lang="it-IT" dirty="0"/>
+              <a:t>Tramite script è possibile fare praticamente qualunque tipo di operazione</a:t>
             </a:r>
           </a:p>
           <a:p>
             <a:pPr lvl="1"/>
             <a:r>
-              <a:rPr lang="en-US" dirty="0" err="1">
-                <a:latin typeface="+mj-lt"/>
-                <a:cs typeface="Courier New" panose="02070309020205020404" pitchFamily="49" charset="0"/>
-              </a:rPr>
-              <a:t>db.c.find</a:t>
-            </a:r>
-            <a:r>
-              <a:rPr lang="en-US" dirty="0">
-                <a:latin typeface="+mj-lt"/>
-                <a:cs typeface="Courier New" panose="02070309020205020404" pitchFamily="49" charset="0"/>
-              </a:rPr>
-              <a:t>().sort({username : 1, age : -1})</a:t>
-            </a:r>
+              <a:rPr lang="it-IT" dirty="0"/>
+              <a:t>Per questioni di sicurezza, però, è fortemente sconsigliato l’utilizzo dell’operatore</a:t>
+            </a:r>
+            <a:r>
+              <a:rPr lang="it-IT" sz="2000" dirty="0">
+                <a:latin typeface="+mj-lt"/>
+                <a:cs typeface="Courier New" panose="02070309020205020404" pitchFamily="49" charset="0"/>
+              </a:rPr>
+              <a:t> $</a:t>
+            </a:r>
+            <a:r>
+              <a:rPr lang="it-IT" sz="2000" dirty="0" err="1">
+                <a:latin typeface="+mj-lt"/>
+                <a:cs typeface="Courier New" panose="02070309020205020404" pitchFamily="49" charset="0"/>
+              </a:rPr>
+              <a:t>where</a:t>
+            </a:r>
+            <a:endParaRPr lang="it-IT" sz="2000" dirty="0">
+              <a:latin typeface="+mj-lt"/>
+              <a:cs typeface="Courier New" panose="02070309020205020404" pitchFamily="49" charset="0"/>
+            </a:endParaRPr>
           </a:p>
           <a:p>
             <a:pPr lvl="1"/>
             <a:r>
-              <a:rPr lang="en-US" dirty="0" err="1" smtClean="0"/>
-              <a:t>L’ordinamento</a:t>
-            </a:r>
-            <a:r>
-              <a:rPr lang="en-US" dirty="0" smtClean="0"/>
-              <a:t> </a:t>
-            </a:r>
-            <a:r>
-              <a:rPr lang="en-US" dirty="0" err="1" smtClean="0"/>
-              <a:t>può</a:t>
-            </a:r>
-            <a:r>
-              <a:rPr lang="en-US" dirty="0" smtClean="0"/>
-              <a:t> </a:t>
-            </a:r>
-            <a:r>
-              <a:rPr lang="en-US" dirty="0" err="1" smtClean="0"/>
-              <a:t>essere</a:t>
-            </a:r>
-            <a:r>
-              <a:rPr lang="en-US" dirty="0" smtClean="0"/>
-              <a:t> </a:t>
-            </a:r>
-            <a:r>
-              <a:rPr lang="en-US" dirty="0" err="1" smtClean="0"/>
-              <a:t>crescente</a:t>
-            </a:r>
-            <a:r>
-              <a:rPr lang="en-US" dirty="0" smtClean="0"/>
-              <a:t> (1) o </a:t>
-            </a:r>
-            <a:r>
-              <a:rPr lang="en-US" dirty="0" err="1" smtClean="0"/>
-              <a:t>decrescente</a:t>
-            </a:r>
-            <a:r>
-              <a:rPr lang="en-US" dirty="0" smtClean="0"/>
-              <a:t> (-1)</a:t>
-            </a:r>
-            <a:endParaRPr lang="it-IT" dirty="0" smtClean="0"/>
+              <a:rPr lang="it-IT" dirty="0"/>
+              <a:t>In generale, agli utenti finali non dovrebbe MAI essere concesso di eseguire questo tipo di interrogazioni</a:t>
+            </a:r>
           </a:p>
         </p:txBody>
       </p:sp>
@@ -9110,7 +8778,7 @@
     </p:spTree>
     <p:extLst>
       <p:ext uri="{BB962C8B-B14F-4D97-AF65-F5344CB8AC3E}">
-        <p14:creationId xmlns:p14="http://schemas.microsoft.com/office/powerpoint/2010/main" val="1457678510"/>
+        <p14:creationId xmlns:p14="http://schemas.microsoft.com/office/powerpoint/2010/main" val="670835042"/>
       </p:ext>
     </p:extLst>
   </p:cSld>
@@ -9153,7 +8821,7 @@
           <a:lstStyle/>
           <a:p>
             <a:r>
-              <a:rPr lang="en-US" dirty="0" smtClean="0"/>
+              <a:rPr lang="en-US" dirty="0"/>
               <a:t>Limit, skip &amp; sort</a:t>
             </a:r>
             <a:endParaRPr lang="it-IT" dirty="0"/>
@@ -9170,257 +8838,172 @@
             <p:ph idx="1"/>
           </p:nvPr>
         </p:nvSpPr>
-        <p:spPr>
-          <a:xfrm>
-            <a:off x="822959" y="1845734"/>
-            <a:ext cx="7734187" cy="4023360"/>
-          </a:xfrm>
-        </p:spPr>
-        <p:txBody>
-          <a:bodyPr>
-            <a:normAutofit/>
-          </a:bodyPr>
+        <p:spPr/>
+        <p:txBody>
+          <a:bodyPr/>
           <a:lstStyle/>
           <a:p>
             <a:r>
-              <a:rPr lang="it-IT" dirty="0" smtClean="0"/>
-              <a:t>Questi comandi possono essere combinati</a:t>
-            </a:r>
-          </a:p>
-          <a:p>
-            <a:r>
-              <a:rPr lang="it-IT" dirty="0" smtClean="0"/>
-              <a:t>Un’applicazione spesso utilizzata è quella della paginazione dei risultati</a:t>
+              <a:rPr lang="it-IT" dirty="0"/>
+              <a:t>Al comando </a:t>
+            </a:r>
+            <a:r>
+              <a:rPr lang="it-IT" dirty="0" err="1"/>
+              <a:t>find</a:t>
+            </a:r>
+            <a:r>
+              <a:rPr lang="it-IT" dirty="0"/>
+              <a:t> possono essere applicati in cascata ulteriori comandi, al fine di applicare alcune trasformazioni al risultato ottenuto</a:t>
+            </a:r>
+          </a:p>
+          <a:p>
+            <a:r>
+              <a:rPr lang="it-IT" dirty="0"/>
+              <a:t>Limit: restituisce solo i primi n documenti</a:t>
             </a:r>
           </a:p>
           <a:p>
             <a:pPr lvl="1"/>
             <a:r>
-              <a:rPr lang="it-IT" dirty="0" smtClean="0"/>
-              <a:t>Contesto: negozio di e-commerce</a:t>
+              <a:rPr lang="it-IT" dirty="0" err="1">
+                <a:latin typeface="+mj-lt"/>
+                <a:cs typeface="Courier New" panose="02070309020205020404" pitchFamily="49" charset="0"/>
+              </a:rPr>
+              <a:t>db.c.find</a:t>
+            </a:r>
+            <a:r>
+              <a:rPr lang="it-IT" dirty="0">
+                <a:latin typeface="+mj-lt"/>
+                <a:cs typeface="Courier New" panose="02070309020205020404" pitchFamily="49" charset="0"/>
+              </a:rPr>
+              <a:t>().</a:t>
+            </a:r>
+            <a:r>
+              <a:rPr lang="it-IT" dirty="0" err="1">
+                <a:latin typeface="+mj-lt"/>
+                <a:cs typeface="Courier New" panose="02070309020205020404" pitchFamily="49" charset="0"/>
+              </a:rPr>
+              <a:t>limit</a:t>
+            </a:r>
+            <a:r>
+              <a:rPr lang="it-IT" dirty="0">
+                <a:latin typeface="+mj-lt"/>
+                <a:cs typeface="Courier New" panose="02070309020205020404" pitchFamily="49" charset="0"/>
+              </a:rPr>
+              <a:t>(3)</a:t>
+            </a:r>
+          </a:p>
+          <a:p>
+            <a:r>
+              <a:rPr lang="it-IT" dirty="0" err="1"/>
+              <a:t>Skip</a:t>
+            </a:r>
+            <a:r>
+              <a:rPr lang="it-IT" dirty="0"/>
+              <a:t>: salta i primi n documenti e restituisci i successivi</a:t>
             </a:r>
           </a:p>
           <a:p>
             <a:pPr lvl="1"/>
             <a:r>
-              <a:rPr lang="it-IT" dirty="0" smtClean="0"/>
-              <a:t>L’utente cerca i prodotti di tipo mp3 in ordine decrescente di prezzo</a:t>
+              <a:rPr lang="it-IT" dirty="0" err="1">
+                <a:latin typeface="+mj-lt"/>
+                <a:cs typeface="Courier New" panose="02070309020205020404" pitchFamily="49" charset="0"/>
+              </a:rPr>
+              <a:t>db.c.find</a:t>
+            </a:r>
+            <a:r>
+              <a:rPr lang="it-IT" dirty="0">
+                <a:latin typeface="+mj-lt"/>
+                <a:cs typeface="Courier New" panose="02070309020205020404" pitchFamily="49" charset="0"/>
+              </a:rPr>
+              <a:t>().</a:t>
+            </a:r>
+            <a:r>
+              <a:rPr lang="it-IT" dirty="0" err="1">
+                <a:latin typeface="+mj-lt"/>
+                <a:cs typeface="Courier New" panose="02070309020205020404" pitchFamily="49" charset="0"/>
+              </a:rPr>
+              <a:t>skip</a:t>
+            </a:r>
+            <a:r>
+              <a:rPr lang="it-IT" dirty="0">
+                <a:latin typeface="+mj-lt"/>
+                <a:cs typeface="Courier New" panose="02070309020205020404" pitchFamily="49" charset="0"/>
+              </a:rPr>
+              <a:t>(3)</a:t>
+            </a:r>
+          </a:p>
+          <a:p>
+            <a:r>
+              <a:rPr lang="it-IT" dirty="0" err="1"/>
+              <a:t>Sort</a:t>
+            </a:r>
+            <a:r>
+              <a:rPr lang="it-IT" dirty="0"/>
+              <a:t>: ordina i risultati sulla base di uno o più attributi</a:t>
             </a:r>
           </a:p>
           <a:p>
             <a:pPr lvl="1"/>
             <a:r>
-              <a:rPr lang="it-IT" dirty="0" err="1">
-                <a:latin typeface="+mj-lt"/>
-                <a:cs typeface="Courier New" panose="02070309020205020404" pitchFamily="49" charset="0"/>
-              </a:rPr>
-              <a:t>db.stock.find</a:t>
-            </a:r>
-            <a:r>
-              <a:rPr lang="it-IT" dirty="0">
-                <a:latin typeface="+mj-lt"/>
-                <a:cs typeface="Courier New" panose="02070309020205020404" pitchFamily="49" charset="0"/>
-              </a:rPr>
-              <a:t>({"</a:t>
-            </a:r>
-            <a:r>
-              <a:rPr lang="it-IT" dirty="0" err="1">
-                <a:latin typeface="+mj-lt"/>
-                <a:cs typeface="Courier New" panose="02070309020205020404" pitchFamily="49" charset="0"/>
-              </a:rPr>
-              <a:t>desc</a:t>
-            </a:r>
-            <a:r>
-              <a:rPr lang="it-IT" dirty="0">
-                <a:latin typeface="+mj-lt"/>
-                <a:cs typeface="Courier New" panose="02070309020205020404" pitchFamily="49" charset="0"/>
-              </a:rPr>
-              <a:t>" : "mp3"}).</a:t>
-            </a:r>
-            <a:r>
-              <a:rPr lang="it-IT" dirty="0" err="1">
-                <a:latin typeface="+mj-lt"/>
-                <a:cs typeface="Courier New" panose="02070309020205020404" pitchFamily="49" charset="0"/>
-              </a:rPr>
-              <a:t>limit</a:t>
-            </a:r>
-            <a:r>
-              <a:rPr lang="it-IT" dirty="0">
-                <a:latin typeface="+mj-lt"/>
-                <a:cs typeface="Courier New" panose="02070309020205020404" pitchFamily="49" charset="0"/>
-              </a:rPr>
-              <a:t>(50).</a:t>
-            </a:r>
-            <a:r>
-              <a:rPr lang="it-IT" dirty="0" err="1">
-                <a:latin typeface="+mj-lt"/>
-                <a:cs typeface="Courier New" panose="02070309020205020404" pitchFamily="49" charset="0"/>
-              </a:rPr>
-              <a:t>sort</a:t>
-            </a:r>
-            <a:r>
-              <a:rPr lang="it-IT" dirty="0">
-                <a:latin typeface="+mj-lt"/>
-                <a:cs typeface="Courier New" panose="02070309020205020404" pitchFamily="49" charset="0"/>
-              </a:rPr>
-              <a:t>({"</a:t>
-            </a:r>
-            <a:r>
-              <a:rPr lang="it-IT" dirty="0" err="1">
-                <a:latin typeface="+mj-lt"/>
-                <a:cs typeface="Courier New" panose="02070309020205020404" pitchFamily="49" charset="0"/>
-              </a:rPr>
-              <a:t>price</a:t>
-            </a:r>
-            <a:r>
-              <a:rPr lang="it-IT" dirty="0">
-                <a:latin typeface="+mj-lt"/>
-                <a:cs typeface="Courier New" panose="02070309020205020404" pitchFamily="49" charset="0"/>
-              </a:rPr>
-              <a:t>" : -1})</a:t>
+              <a:rPr lang="en-US" dirty="0" err="1">
+                <a:latin typeface="+mj-lt"/>
+                <a:cs typeface="Courier New" panose="02070309020205020404" pitchFamily="49" charset="0"/>
+              </a:rPr>
+              <a:t>db.c.find</a:t>
+            </a:r>
+            <a:r>
+              <a:rPr lang="en-US" dirty="0">
+                <a:latin typeface="+mj-lt"/>
+                <a:cs typeface="Courier New" panose="02070309020205020404" pitchFamily="49" charset="0"/>
+              </a:rPr>
+              <a:t>().sort({username: 1, age: -1})</a:t>
             </a:r>
           </a:p>
           <a:p>
             <a:pPr lvl="1"/>
             <a:r>
-              <a:rPr lang="it-IT" dirty="0" smtClean="0"/>
-              <a:t>L’utente vuole vedere più risultati e clicca per accedere alla pagina successiva</a:t>
-            </a:r>
-          </a:p>
-          <a:p>
-            <a:pPr lvl="1"/>
-            <a:r>
-              <a:rPr lang="it-IT" dirty="0" err="1">
-                <a:latin typeface="+mj-lt"/>
-                <a:cs typeface="Courier New" panose="02070309020205020404" pitchFamily="49" charset="0"/>
-              </a:rPr>
-              <a:t>db.stock.find</a:t>
-            </a:r>
-            <a:r>
-              <a:rPr lang="it-IT" dirty="0">
-                <a:latin typeface="+mj-lt"/>
-                <a:cs typeface="Courier New" panose="02070309020205020404" pitchFamily="49" charset="0"/>
-              </a:rPr>
-              <a:t>({"</a:t>
-            </a:r>
-            <a:r>
-              <a:rPr lang="it-IT" dirty="0" err="1">
-                <a:latin typeface="+mj-lt"/>
-                <a:cs typeface="Courier New" panose="02070309020205020404" pitchFamily="49" charset="0"/>
-              </a:rPr>
-              <a:t>desc</a:t>
-            </a:r>
-            <a:r>
-              <a:rPr lang="it-IT" dirty="0">
-                <a:latin typeface="+mj-lt"/>
-                <a:cs typeface="Courier New" panose="02070309020205020404" pitchFamily="49" charset="0"/>
-              </a:rPr>
-              <a:t>" : "mp3"}).</a:t>
-            </a:r>
-            <a:r>
-              <a:rPr lang="it-IT" dirty="0" err="1">
-                <a:latin typeface="+mj-lt"/>
-                <a:cs typeface="Courier New" panose="02070309020205020404" pitchFamily="49" charset="0"/>
-              </a:rPr>
-              <a:t>limit</a:t>
-            </a:r>
-            <a:r>
-              <a:rPr lang="it-IT" dirty="0">
-                <a:latin typeface="+mj-lt"/>
-                <a:cs typeface="Courier New" panose="02070309020205020404" pitchFamily="49" charset="0"/>
-              </a:rPr>
-              <a:t>(50).</a:t>
-            </a:r>
-            <a:r>
-              <a:rPr lang="it-IT" dirty="0" err="1">
-                <a:latin typeface="+mj-lt"/>
-                <a:cs typeface="Courier New" panose="02070309020205020404" pitchFamily="49" charset="0"/>
-              </a:rPr>
-              <a:t>skip</a:t>
-            </a:r>
-            <a:r>
-              <a:rPr lang="it-IT" dirty="0">
-                <a:latin typeface="+mj-lt"/>
-                <a:cs typeface="Courier New" panose="02070309020205020404" pitchFamily="49" charset="0"/>
-              </a:rPr>
-              <a:t>(50).</a:t>
-            </a:r>
-            <a:r>
-              <a:rPr lang="it-IT" dirty="0" err="1">
-                <a:latin typeface="+mj-lt"/>
-                <a:cs typeface="Courier New" panose="02070309020205020404" pitchFamily="49" charset="0"/>
-              </a:rPr>
-              <a:t>sort</a:t>
-            </a:r>
-            <a:r>
-              <a:rPr lang="it-IT" dirty="0">
-                <a:latin typeface="+mj-lt"/>
-                <a:cs typeface="Courier New" panose="02070309020205020404" pitchFamily="49" charset="0"/>
-              </a:rPr>
-              <a:t>({"</a:t>
-            </a:r>
-            <a:r>
-              <a:rPr lang="it-IT" dirty="0" err="1">
-                <a:latin typeface="+mj-lt"/>
-                <a:cs typeface="Courier New" panose="02070309020205020404" pitchFamily="49" charset="0"/>
-              </a:rPr>
-              <a:t>price</a:t>
-            </a:r>
-            <a:r>
-              <a:rPr lang="it-IT" dirty="0">
-                <a:latin typeface="+mj-lt"/>
-                <a:cs typeface="Courier New" panose="02070309020205020404" pitchFamily="49" charset="0"/>
-              </a:rPr>
-              <a:t>" : -1})</a:t>
-            </a:r>
-          </a:p>
-          <a:p>
-            <a:r>
-              <a:rPr lang="it-IT" dirty="0" smtClean="0"/>
-              <a:t>Il comando </a:t>
-            </a:r>
-            <a:r>
-              <a:rPr lang="it-IT" dirty="0" err="1" smtClean="0"/>
-              <a:t>sort</a:t>
-            </a:r>
-            <a:r>
-              <a:rPr lang="it-IT" dirty="0" smtClean="0"/>
-              <a:t> può essere specificato prima o dopo </a:t>
-            </a:r>
-            <a:r>
-              <a:rPr lang="it-IT" dirty="0" err="1" smtClean="0"/>
-              <a:t>limit</a:t>
-            </a:r>
-            <a:r>
-              <a:rPr lang="it-IT" dirty="0" smtClean="0"/>
-              <a:t> e </a:t>
-            </a:r>
-            <a:r>
-              <a:rPr lang="it-IT" dirty="0" err="1" smtClean="0"/>
-              <a:t>skip</a:t>
-            </a:r>
-            <a:r>
-              <a:rPr lang="it-IT" dirty="0" smtClean="0"/>
-              <a:t>, ma la sua esecuzione è sempre antecedente agli altri</a:t>
-            </a:r>
-          </a:p>
-          <a:p>
-            <a:r>
-              <a:rPr lang="it-IT" dirty="0" smtClean="0"/>
-              <a:t>Nota: a fini prestazionali, è bene evitare valori troppo elevati di </a:t>
-            </a:r>
-            <a:r>
-              <a:rPr lang="it-IT" dirty="0" err="1" smtClean="0"/>
-              <a:t>skip</a:t>
-            </a:r>
-            <a:endParaRPr lang="it-IT" dirty="0" smtClean="0"/>
-          </a:p>
-          <a:p>
-            <a:pPr lvl="1"/>
-            <a:r>
-              <a:rPr lang="it-IT" dirty="0" smtClean="0"/>
-              <a:t>In tal caso, gestire la paginazione lato applicazione può risultare più efficiente</a:t>
-            </a:r>
+              <a:rPr lang="en-US" dirty="0" err="1"/>
+              <a:t>L’ordinamento</a:t>
+            </a:r>
+            <a:r>
+              <a:rPr lang="en-US" dirty="0"/>
+              <a:t> </a:t>
+            </a:r>
+            <a:r>
+              <a:rPr lang="en-US" dirty="0" err="1"/>
+              <a:t>può</a:t>
+            </a:r>
+            <a:r>
+              <a:rPr lang="en-US" dirty="0"/>
+              <a:t> </a:t>
+            </a:r>
+            <a:r>
+              <a:rPr lang="en-US" dirty="0" err="1"/>
+              <a:t>essere</a:t>
+            </a:r>
+            <a:r>
+              <a:rPr lang="en-US" dirty="0"/>
+              <a:t> </a:t>
+            </a:r>
+            <a:r>
+              <a:rPr lang="en-US" dirty="0" err="1"/>
+              <a:t>crescente</a:t>
+            </a:r>
+            <a:r>
+              <a:rPr lang="en-US" dirty="0"/>
+              <a:t> (1) o </a:t>
+            </a:r>
+            <a:r>
+              <a:rPr lang="en-US" dirty="0" err="1"/>
+              <a:t>decrescente</a:t>
+            </a:r>
+            <a:r>
+              <a:rPr lang="en-US" dirty="0"/>
+              <a:t> (-1)</a:t>
+            </a:r>
+            <a:endParaRPr lang="it-IT" dirty="0"/>
           </a:p>
         </p:txBody>
       </p:sp>
@@ -9450,7 +9033,7 @@
     </p:spTree>
     <p:extLst>
       <p:ext uri="{BB962C8B-B14F-4D97-AF65-F5344CB8AC3E}">
-        <p14:creationId xmlns:p14="http://schemas.microsoft.com/office/powerpoint/2010/main" val="1838551031"/>
+        <p14:creationId xmlns:p14="http://schemas.microsoft.com/office/powerpoint/2010/main" val="1457678510"/>
       </p:ext>
     </p:extLst>
   </p:cSld>
@@ -9493,8 +9076,8 @@
           <a:lstStyle/>
           <a:p>
             <a:r>
-              <a:rPr lang="it-IT" dirty="0" err="1" smtClean="0"/>
-              <a:t>Count</a:t>
+              <a:rPr lang="en-US" dirty="0"/>
+              <a:t>Limit, skip &amp; sort</a:t>
             </a:r>
             <a:endParaRPr lang="it-IT" dirty="0"/>
           </a:p>
@@ -9510,89 +9093,187 @@
             <p:ph idx="1"/>
           </p:nvPr>
         </p:nvSpPr>
-        <p:spPr/>
-        <p:txBody>
-          <a:bodyPr/>
+        <p:spPr>
+          <a:xfrm>
+            <a:off x="822959" y="1845734"/>
+            <a:ext cx="7734187" cy="4023360"/>
+          </a:xfrm>
+        </p:spPr>
+        <p:txBody>
+          <a:bodyPr>
+            <a:normAutofit/>
+          </a:bodyPr>
           <a:lstStyle/>
           <a:p>
             <a:r>
-              <a:rPr lang="it-IT" dirty="0" err="1" smtClean="0"/>
-              <a:t>Count</a:t>
-            </a:r>
-            <a:r>
-              <a:rPr lang="it-IT" dirty="0" smtClean="0"/>
-              <a:t> è </a:t>
-            </a:r>
-            <a:r>
-              <a:rPr lang="it-IT" dirty="0"/>
-              <a:t>il comando per </a:t>
-            </a:r>
-            <a:r>
-              <a:rPr lang="it-IT" dirty="0" smtClean="0"/>
-              <a:t>contare il numero di documenti restituiti da una </a:t>
-            </a:r>
-            <a:r>
-              <a:rPr lang="it-IT" dirty="0" err="1" smtClean="0"/>
-              <a:t>query</a:t>
+              <a:rPr lang="it-IT" dirty="0"/>
+              <a:t>Questi comandi possono essere combinati</a:t>
+            </a:r>
+          </a:p>
+          <a:p>
+            <a:r>
+              <a:rPr lang="it-IT" dirty="0"/>
+              <a:t>Un’applicazione spesso utilizzata è quella della paginazione dei risultati</a:t>
+            </a:r>
+          </a:p>
+          <a:p>
+            <a:pPr lvl="1"/>
+            <a:r>
+              <a:rPr lang="it-IT" dirty="0"/>
+              <a:t>Contesto: negozio di e-commerce</a:t>
+            </a:r>
+          </a:p>
+          <a:p>
+            <a:pPr lvl="1"/>
+            <a:r>
+              <a:rPr lang="it-IT" dirty="0"/>
+              <a:t>L’utente cerca i prodotti di tipo mp3 in ordine decrescente di prezzo</a:t>
+            </a:r>
+          </a:p>
+          <a:p>
+            <a:pPr lvl="1"/>
+            <a:r>
+              <a:rPr lang="it-IT" dirty="0" err="1">
+                <a:latin typeface="+mj-lt"/>
+                <a:cs typeface="Courier New" panose="02070309020205020404" pitchFamily="49" charset="0"/>
+              </a:rPr>
+              <a:t>db.stock.find</a:t>
+            </a:r>
+            <a:r>
+              <a:rPr lang="it-IT" dirty="0">
+                <a:latin typeface="+mj-lt"/>
+                <a:cs typeface="Courier New" panose="02070309020205020404" pitchFamily="49" charset="0"/>
+              </a:rPr>
+              <a:t>({"</a:t>
+            </a:r>
+            <a:r>
+              <a:rPr lang="it-IT" dirty="0" err="1">
+                <a:latin typeface="+mj-lt"/>
+                <a:cs typeface="Courier New" panose="02070309020205020404" pitchFamily="49" charset="0"/>
+              </a:rPr>
+              <a:t>desc</a:t>
+            </a:r>
+            <a:r>
+              <a:rPr lang="it-IT" dirty="0">
+                <a:latin typeface="+mj-lt"/>
+                <a:cs typeface="Courier New" panose="02070309020205020404" pitchFamily="49" charset="0"/>
+              </a:rPr>
+              <a:t>": "mp3"}).</a:t>
+            </a:r>
+            <a:r>
+              <a:rPr lang="it-IT" dirty="0" err="1">
+                <a:latin typeface="+mj-lt"/>
+                <a:cs typeface="Courier New" panose="02070309020205020404" pitchFamily="49" charset="0"/>
+              </a:rPr>
+              <a:t>limit</a:t>
+            </a:r>
+            <a:r>
+              <a:rPr lang="it-IT" dirty="0">
+                <a:latin typeface="+mj-lt"/>
+                <a:cs typeface="Courier New" panose="02070309020205020404" pitchFamily="49" charset="0"/>
+              </a:rPr>
+              <a:t>(50).sort({"price": -1})</a:t>
+            </a:r>
+          </a:p>
+          <a:p>
+            <a:pPr lvl="1"/>
+            <a:r>
+              <a:rPr lang="it-IT" dirty="0"/>
+              <a:t>L’utente vuole vedere più risultati e clicca per accedere alla pagina successiva</a:t>
+            </a:r>
+          </a:p>
+          <a:p>
+            <a:pPr lvl="1"/>
+            <a:r>
+              <a:rPr lang="it-IT" dirty="0" err="1">
+                <a:latin typeface="+mj-lt"/>
+                <a:cs typeface="Courier New" panose="02070309020205020404" pitchFamily="49" charset="0"/>
+              </a:rPr>
+              <a:t>db.stock.find</a:t>
+            </a:r>
+            <a:r>
+              <a:rPr lang="it-IT" dirty="0">
+                <a:latin typeface="+mj-lt"/>
+                <a:cs typeface="Courier New" panose="02070309020205020404" pitchFamily="49" charset="0"/>
+              </a:rPr>
+              <a:t>({"</a:t>
+            </a:r>
+            <a:r>
+              <a:rPr lang="it-IT" dirty="0" err="1">
+                <a:latin typeface="+mj-lt"/>
+                <a:cs typeface="Courier New" panose="02070309020205020404" pitchFamily="49" charset="0"/>
+              </a:rPr>
+              <a:t>desc</a:t>
+            </a:r>
+            <a:r>
+              <a:rPr lang="it-IT" dirty="0">
+                <a:latin typeface="+mj-lt"/>
+                <a:cs typeface="Courier New" panose="02070309020205020404" pitchFamily="49" charset="0"/>
+              </a:rPr>
+              <a:t>": "mp3"}).</a:t>
+            </a:r>
+            <a:r>
+              <a:rPr lang="it-IT" dirty="0" err="1">
+                <a:latin typeface="+mj-lt"/>
+                <a:cs typeface="Courier New" panose="02070309020205020404" pitchFamily="49" charset="0"/>
+              </a:rPr>
+              <a:t>limit</a:t>
+            </a:r>
+            <a:r>
+              <a:rPr lang="it-IT" dirty="0">
+                <a:latin typeface="+mj-lt"/>
+                <a:cs typeface="Courier New" panose="02070309020205020404" pitchFamily="49" charset="0"/>
+              </a:rPr>
+              <a:t>(50).skip(50).sort({"price": -1})</a:t>
+            </a:r>
+          </a:p>
+          <a:p>
+            <a:r>
+              <a:rPr lang="it-IT" dirty="0"/>
+              <a:t>Il comando </a:t>
+            </a:r>
+            <a:r>
+              <a:rPr lang="it-IT" dirty="0" err="1"/>
+              <a:t>sort</a:t>
+            </a:r>
+            <a:r>
+              <a:rPr lang="it-IT" dirty="0"/>
+              <a:t> può essere specificato prima o dopo </a:t>
+            </a:r>
+            <a:r>
+              <a:rPr lang="it-IT" dirty="0" err="1"/>
+              <a:t>limit</a:t>
+            </a:r>
+            <a:r>
+              <a:rPr lang="it-IT" dirty="0"/>
+              <a:t> e </a:t>
+            </a:r>
+            <a:r>
+              <a:rPr lang="it-IT" dirty="0" err="1"/>
+              <a:t>skip</a:t>
+            </a:r>
+            <a:r>
+              <a:rPr lang="it-IT" dirty="0"/>
+              <a:t>, ma la sua esecuzione è sempre antecedente agli altri</a:t>
+            </a:r>
+          </a:p>
+          <a:p>
+            <a:r>
+              <a:rPr lang="it-IT" dirty="0"/>
+              <a:t>Nota: a fini prestazionali, è bene evitare valori troppo elevati di </a:t>
+            </a:r>
+            <a:r>
+              <a:rPr lang="it-IT" dirty="0" err="1"/>
+              <a:t>skip</a:t>
             </a:r>
             <a:endParaRPr lang="it-IT" dirty="0"/>
           </a:p>
           <a:p>
             <a:pPr lvl="1"/>
             <a:r>
-              <a:rPr lang="it-IT" dirty="0" err="1">
-                <a:latin typeface="+mj-lt"/>
-                <a:cs typeface="Courier New" panose="02070309020205020404" pitchFamily="49" charset="0"/>
-              </a:rPr>
-              <a:t>db.foo.count</a:t>
-            </a:r>
-            <a:r>
-              <a:rPr lang="it-IT" dirty="0">
-                <a:latin typeface="+mj-lt"/>
-                <a:cs typeface="Courier New" panose="02070309020205020404" pitchFamily="49" charset="0"/>
-              </a:rPr>
-              <a:t>()</a:t>
-            </a:r>
-          </a:p>
-          <a:p>
-            <a:pPr lvl="1"/>
-            <a:r>
-              <a:rPr lang="it-IT" dirty="0" err="1">
-                <a:latin typeface="+mj-lt"/>
-                <a:cs typeface="Courier New" panose="02070309020205020404" pitchFamily="49" charset="0"/>
-              </a:rPr>
-              <a:t>db.foo.count</a:t>
-            </a:r>
-            <a:r>
-              <a:rPr lang="it-IT" dirty="0">
-                <a:latin typeface="+mj-lt"/>
-                <a:cs typeface="Courier New" panose="02070309020205020404" pitchFamily="49" charset="0"/>
-              </a:rPr>
-              <a:t>({"x" : 1})</a:t>
-            </a:r>
-          </a:p>
-          <a:p>
-            <a:pPr lvl="1"/>
-            <a:r>
-              <a:rPr lang="it-IT" dirty="0" smtClean="0"/>
-              <a:t>Sostanzialmente simile al </a:t>
-            </a:r>
-            <a:r>
-              <a:rPr lang="it-IT" dirty="0" err="1" smtClean="0"/>
-              <a:t>Find</a:t>
-            </a:r>
-            <a:r>
-              <a:rPr lang="it-IT" dirty="0" smtClean="0"/>
-              <a:t>, con l’eccezione dell’assenza dell’oggetto di selezione</a:t>
-            </a:r>
-            <a:endParaRPr lang="it-IT" dirty="0"/>
-          </a:p>
-          <a:p>
-            <a:pPr lvl="1"/>
-            <a:endParaRPr lang="it-IT" dirty="0"/>
-          </a:p>
-          <a:p>
-            <a:endParaRPr lang="it-IT" dirty="0"/>
+              <a:rPr lang="it-IT" dirty="0"/>
+              <a:t>In tal caso, gestire la paginazione lato applicazione può risultare più efficiente</a:t>
+            </a:r>
           </a:p>
         </p:txBody>
       </p:sp>
@@ -9622,7 +9303,7 @@
     </p:spTree>
     <p:extLst>
       <p:ext uri="{BB962C8B-B14F-4D97-AF65-F5344CB8AC3E}">
-        <p14:creationId xmlns:p14="http://schemas.microsoft.com/office/powerpoint/2010/main" val="3132617509"/>
+        <p14:creationId xmlns:p14="http://schemas.microsoft.com/office/powerpoint/2010/main" val="1838551031"/>
       </p:ext>
     </p:extLst>
   </p:cSld>
@@ -9665,8 +9346,8 @@
           <a:lstStyle/>
           <a:p>
             <a:r>
-              <a:rPr lang="it-IT" dirty="0" err="1" smtClean="0"/>
-              <a:t>Distinct</a:t>
+              <a:rPr lang="it-IT" dirty="0" err="1"/>
+              <a:t>Count</a:t>
             </a:r>
             <a:endParaRPr lang="it-IT" dirty="0"/>
           </a:p>
@@ -9688,13 +9369,18 @@
           <a:lstStyle/>
           <a:p>
             <a:r>
-              <a:rPr lang="it-IT" dirty="0" err="1" smtClean="0"/>
-              <a:t>Distinct</a:t>
-            </a:r>
-            <a:r>
-              <a:rPr lang="it-IT" dirty="0" smtClean="0"/>
-              <a:t> è il comando per restituire i valori distinti di un campo a partire dai documenti che corrispondono ai criteri indicati</a:t>
-            </a:r>
+              <a:rPr lang="it-IT" dirty="0" err="1"/>
+              <a:t>Count</a:t>
+            </a:r>
+            <a:r>
+              <a:rPr lang="it-IT" dirty="0"/>
+              <a:t> è il comando per contare il numero di documenti restituiti da una </a:t>
+            </a:r>
+            <a:r>
+              <a:rPr lang="it-IT" dirty="0" err="1"/>
+              <a:t>query</a:t>
+            </a:r>
+            <a:endParaRPr lang="it-IT" dirty="0"/>
           </a:p>
           <a:p>
             <a:pPr lvl="1"/>
@@ -9703,89 +9389,53 @@
                 <a:latin typeface="+mj-lt"/>
                 <a:cs typeface="Courier New" panose="02070309020205020404" pitchFamily="49" charset="0"/>
               </a:rPr>
-              <a:t>db.inventory.distinct</a:t>
-            </a:r>
-            <a:r>
-              <a:rPr lang="it-IT" dirty="0">
-                <a:latin typeface="+mj-lt"/>
-                <a:cs typeface="Courier New" panose="02070309020205020404" pitchFamily="49" charset="0"/>
-              </a:rPr>
-              <a:t>( "</a:t>
-            </a:r>
-            <a:r>
-              <a:rPr lang="it-IT" dirty="0" err="1">
-                <a:latin typeface="+mj-lt"/>
-                <a:cs typeface="Courier New" panose="02070309020205020404" pitchFamily="49" charset="0"/>
-              </a:rPr>
-              <a:t>item.sku</a:t>
-            </a:r>
-            <a:r>
-              <a:rPr lang="it-IT" dirty="0">
-                <a:latin typeface="+mj-lt"/>
-                <a:cs typeface="Courier New" panose="02070309020205020404" pitchFamily="49" charset="0"/>
-              </a:rPr>
-              <a:t>", { </a:t>
-            </a:r>
-            <a:r>
-              <a:rPr lang="it-IT" dirty="0" err="1">
-                <a:latin typeface="+mj-lt"/>
-                <a:cs typeface="Courier New" panose="02070309020205020404" pitchFamily="49" charset="0"/>
-              </a:rPr>
-              <a:t>dept</a:t>
-            </a:r>
-            <a:r>
-              <a:rPr lang="it-IT" dirty="0">
-                <a:latin typeface="+mj-lt"/>
-                <a:cs typeface="Courier New" panose="02070309020205020404" pitchFamily="49" charset="0"/>
-              </a:rPr>
-              <a:t>: "A" } )</a:t>
+              <a:t>db.foo.count</a:t>
+            </a:r>
+            <a:r>
+              <a:rPr lang="it-IT" dirty="0">
+                <a:latin typeface="+mj-lt"/>
+                <a:cs typeface="Courier New" panose="02070309020205020404" pitchFamily="49" charset="0"/>
+              </a:rPr>
+              <a:t>()</a:t>
             </a:r>
           </a:p>
           <a:p>
             <a:pPr lvl="1"/>
             <a:r>
-              <a:rPr lang="it-IT" dirty="0" err="1" smtClean="0"/>
-              <a:t>Resituisce</a:t>
-            </a:r>
-            <a:r>
-              <a:rPr lang="it-IT" dirty="0" smtClean="0"/>
-              <a:t> i valori distinti del campo </a:t>
-            </a:r>
-            <a:r>
-              <a:rPr lang="it-IT" dirty="0" err="1" smtClean="0"/>
-              <a:t>item.sku</a:t>
-            </a:r>
-            <a:r>
-              <a:rPr lang="it-IT" dirty="0" smtClean="0"/>
-              <a:t> nei documenti in cui il dipartimento è A</a:t>
+              <a:rPr lang="it-IT" dirty="0" err="1">
+                <a:latin typeface="+mj-lt"/>
+                <a:cs typeface="Courier New" panose="02070309020205020404" pitchFamily="49" charset="0"/>
+              </a:rPr>
+              <a:t>db.foo.count</a:t>
+            </a:r>
+            <a:r>
+              <a:rPr lang="it-IT" dirty="0">
+                <a:latin typeface="+mj-lt"/>
+                <a:cs typeface="Courier New" panose="02070309020205020404" pitchFamily="49" charset="0"/>
+              </a:rPr>
+              <a:t>({"x": 1})</a:t>
             </a:r>
           </a:p>
           <a:p>
             <a:pPr lvl="1"/>
             <a:r>
-              <a:rPr lang="it-IT" dirty="0" smtClean="0"/>
-              <a:t>Se </a:t>
-            </a:r>
-            <a:r>
-              <a:rPr lang="it-IT" dirty="0" err="1" smtClean="0"/>
-              <a:t>item.sku</a:t>
-            </a:r>
-            <a:r>
-              <a:rPr lang="it-IT" dirty="0" smtClean="0"/>
-              <a:t> è un array, vengono </a:t>
-            </a:r>
-            <a:r>
-              <a:rPr lang="it-IT" dirty="0" err="1" smtClean="0"/>
-              <a:t>restiuiti</a:t>
-            </a:r>
-            <a:r>
-              <a:rPr lang="it-IT" dirty="0" smtClean="0"/>
-              <a:t> i valori distinti anche rispetto all’array di un singolo documento</a:t>
-            </a:r>
+              <a:rPr lang="it-IT" dirty="0"/>
+              <a:t>Sostanzialmente simile al </a:t>
+            </a:r>
+            <a:r>
+              <a:rPr lang="it-IT" dirty="0" err="1"/>
+              <a:t>Find</a:t>
+            </a:r>
+            <a:r>
+              <a:rPr lang="it-IT" dirty="0"/>
+              <a:t>, con l’eccezione dell’assenza dell’oggetto di selezione</a:t>
+            </a:r>
+          </a:p>
+          <a:p>
+            <a:pPr lvl="1"/>
             <a:endParaRPr lang="it-IT" dirty="0"/>
           </a:p>
           <a:p>
-            <a:pPr lvl="1"/>
             <a:endParaRPr lang="it-IT" dirty="0"/>
           </a:p>
         </p:txBody>
@@ -9808,6 +9458,199 @@
             <a:fld id="{629637A9-119A-49DA-BD12-AAC58B377D80}" type="slidenum">
               <a:rPr lang="en-US" smtClean="0"/>
               <a:t>23</a:t>
+            </a:fld>
+            <a:endParaRPr lang="en-US" dirty="0"/>
+          </a:p>
+        </p:txBody>
+      </p:sp>
+    </p:spTree>
+    <p:extLst>
+      <p:ext uri="{BB962C8B-B14F-4D97-AF65-F5344CB8AC3E}">
+        <p14:creationId xmlns:p14="http://schemas.microsoft.com/office/powerpoint/2010/main" val="3132617509"/>
+      </p:ext>
+    </p:extLst>
+  </p:cSld>
+  <p:clrMapOvr>
+    <a:masterClrMapping/>
+  </p:clrMapOvr>
+</p:sld>
+</file>
+
+<file path=ppt/slides/slide24.xml><?xml version="1.0" encoding="utf-8"?>
+<p:sld xmlns:a="http://schemas.openxmlformats.org/drawingml/2006/main" xmlns:r="http://schemas.openxmlformats.org/officeDocument/2006/relationships" xmlns:p="http://schemas.openxmlformats.org/presentationml/2006/main">
+  <p:cSld>
+    <p:spTree>
+      <p:nvGrpSpPr>
+        <p:cNvPr id="1" name=""/>
+        <p:cNvGrpSpPr/>
+        <p:nvPr/>
+      </p:nvGrpSpPr>
+      <p:grpSpPr>
+        <a:xfrm>
+          <a:off x="0" y="0"/>
+          <a:ext cx="0" cy="0"/>
+          <a:chOff x="0" y="0"/>
+          <a:chExt cx="0" cy="0"/>
+        </a:xfrm>
+      </p:grpSpPr>
+      <p:sp>
+        <p:nvSpPr>
+          <p:cNvPr id="2" name="Titolo 1"/>
+          <p:cNvSpPr>
+            <a:spLocks noGrp="1"/>
+          </p:cNvSpPr>
+          <p:nvPr>
+            <p:ph type="title"/>
+          </p:nvPr>
+        </p:nvSpPr>
+        <p:spPr/>
+        <p:txBody>
+          <a:bodyPr/>
+          <a:lstStyle/>
+          <a:p>
+            <a:r>
+              <a:rPr lang="it-IT" dirty="0" err="1"/>
+              <a:t>Distinct</a:t>
+            </a:r>
+            <a:endParaRPr lang="it-IT" dirty="0"/>
+          </a:p>
+        </p:txBody>
+      </p:sp>
+      <p:sp>
+        <p:nvSpPr>
+          <p:cNvPr id="3" name="Segnaposto contenuto 2"/>
+          <p:cNvSpPr>
+            <a:spLocks noGrp="1"/>
+          </p:cNvSpPr>
+          <p:nvPr>
+            <p:ph idx="1"/>
+          </p:nvPr>
+        </p:nvSpPr>
+        <p:spPr/>
+        <p:txBody>
+          <a:bodyPr/>
+          <a:lstStyle/>
+          <a:p>
+            <a:r>
+              <a:rPr lang="it-IT" dirty="0" err="1"/>
+              <a:t>Distinct</a:t>
+            </a:r>
+            <a:r>
+              <a:rPr lang="it-IT" dirty="0"/>
+              <a:t> è il comando per restituire i valori distinti di un campo a partire dai documenti che corrispondono ai criteri indicati</a:t>
+            </a:r>
+          </a:p>
+          <a:p>
+            <a:pPr lvl="1"/>
+            <a:r>
+              <a:rPr lang="it-IT" dirty="0" err="1">
+                <a:latin typeface="+mj-lt"/>
+                <a:cs typeface="Courier New" panose="02070309020205020404" pitchFamily="49" charset="0"/>
+              </a:rPr>
+              <a:t>db.inventory.distinct</a:t>
+            </a:r>
+            <a:r>
+              <a:rPr lang="it-IT" dirty="0">
+                <a:latin typeface="+mj-lt"/>
+                <a:cs typeface="Courier New" panose="02070309020205020404" pitchFamily="49" charset="0"/>
+              </a:rPr>
+              <a:t>( "</a:t>
+            </a:r>
+            <a:r>
+              <a:rPr lang="it-IT" dirty="0" err="1">
+                <a:latin typeface="+mj-lt"/>
+                <a:cs typeface="Courier New" panose="02070309020205020404" pitchFamily="49" charset="0"/>
+              </a:rPr>
+              <a:t>item.sku</a:t>
+            </a:r>
+            <a:r>
+              <a:rPr lang="it-IT" dirty="0">
+                <a:latin typeface="+mj-lt"/>
+                <a:cs typeface="Courier New" panose="02070309020205020404" pitchFamily="49" charset="0"/>
+              </a:rPr>
+              <a:t>", { </a:t>
+            </a:r>
+            <a:r>
+              <a:rPr lang="it-IT" dirty="0" err="1">
+                <a:latin typeface="+mj-lt"/>
+                <a:cs typeface="Courier New" panose="02070309020205020404" pitchFamily="49" charset="0"/>
+              </a:rPr>
+              <a:t>dept</a:t>
+            </a:r>
+            <a:r>
+              <a:rPr lang="it-IT" dirty="0">
+                <a:latin typeface="+mj-lt"/>
+                <a:cs typeface="Courier New" panose="02070309020205020404" pitchFamily="49" charset="0"/>
+              </a:rPr>
+              <a:t>: "A" } )</a:t>
+            </a:r>
+          </a:p>
+          <a:p>
+            <a:pPr lvl="1"/>
+            <a:r>
+              <a:rPr lang="it-IT" dirty="0" err="1"/>
+              <a:t>Resituisce</a:t>
+            </a:r>
+            <a:r>
+              <a:rPr lang="it-IT" dirty="0"/>
+              <a:t> i valori distinti del campo </a:t>
+            </a:r>
+            <a:r>
+              <a:rPr lang="it-IT" dirty="0" err="1"/>
+              <a:t>item.sku</a:t>
+            </a:r>
+            <a:r>
+              <a:rPr lang="it-IT" dirty="0"/>
+              <a:t> nei documenti in cui il dipartimento è A</a:t>
+            </a:r>
+          </a:p>
+          <a:p>
+            <a:pPr lvl="1"/>
+            <a:r>
+              <a:rPr lang="it-IT" dirty="0"/>
+              <a:t>Se </a:t>
+            </a:r>
+            <a:r>
+              <a:rPr lang="it-IT" dirty="0" err="1"/>
+              <a:t>item.sku</a:t>
+            </a:r>
+            <a:r>
+              <a:rPr lang="it-IT" dirty="0"/>
+              <a:t> è un array, vengono </a:t>
+            </a:r>
+            <a:r>
+              <a:rPr lang="it-IT" dirty="0" err="1"/>
+              <a:t>restiuiti</a:t>
+            </a:r>
+            <a:r>
+              <a:rPr lang="it-IT" dirty="0"/>
+              <a:t> i valori distinti anche rispetto all’array di un singolo documento</a:t>
+            </a:r>
+          </a:p>
+          <a:p>
+            <a:pPr lvl="1"/>
+            <a:endParaRPr lang="it-IT" dirty="0"/>
+          </a:p>
+        </p:txBody>
+      </p:sp>
+      <p:sp>
+        <p:nvSpPr>
+          <p:cNvPr id="4" name="Segnaposto numero diapositiva 3"/>
+          <p:cNvSpPr>
+            <a:spLocks noGrp="1"/>
+          </p:cNvSpPr>
+          <p:nvPr>
+            <p:ph type="sldNum" sz="quarter" idx="12"/>
+          </p:nvPr>
+        </p:nvSpPr>
+        <p:spPr/>
+        <p:txBody>
+          <a:bodyPr/>
+          <a:lstStyle/>
+          <a:p>
+            <a:fld id="{629637A9-119A-49DA-BD12-AAC58B377D80}" type="slidenum">
+              <a:rPr lang="en-US" smtClean="0"/>
+              <a:t>24</a:t>
             </a:fld>
             <a:endParaRPr lang="en-US" dirty="0"/>
           </a:p>
@@ -9859,11 +9702,11 @@
           <a:lstStyle/>
           <a:p>
             <a:r>
-              <a:rPr lang="it-IT" noProof="0" dirty="0" smtClean="0"/>
+              <a:rPr lang="it-IT" noProof="0" dirty="0"/>
               <a:t>Il comando </a:t>
             </a:r>
             <a:r>
-              <a:rPr lang="it-IT" noProof="0" dirty="0" err="1" smtClean="0"/>
+              <a:rPr lang="it-IT" noProof="0" dirty="0" err="1"/>
               <a:t>Find</a:t>
             </a:r>
             <a:endParaRPr lang="it-IT" noProof="0" dirty="0"/>
@@ -9886,21 +9729,21 @@
           <a:lstStyle/>
           <a:p>
             <a:r>
-              <a:rPr lang="it-IT" noProof="0" dirty="0" smtClean="0"/>
+              <a:rPr lang="it-IT" noProof="0" dirty="0"/>
               <a:t>È il comando che permette di eseguire interrogazioni (</a:t>
             </a:r>
             <a:r>
-              <a:rPr lang="it-IT" noProof="0" dirty="0" err="1" smtClean="0"/>
+              <a:rPr lang="it-IT" noProof="0" dirty="0" err="1"/>
               <a:t>query</a:t>
             </a:r>
             <a:r>
-              <a:rPr lang="it-IT" noProof="0" dirty="0" smtClean="0"/>
+              <a:rPr lang="it-IT" noProof="0" dirty="0"/>
               <a:t>) sul DB</a:t>
             </a:r>
           </a:p>
           <a:p>
             <a:r>
-              <a:rPr lang="it-IT" noProof="0" dirty="0" smtClean="0"/>
+              <a:rPr lang="it-IT" noProof="0" dirty="0"/>
               <a:t>La forma di base è:</a:t>
             </a:r>
           </a:p>
@@ -9951,86 +9794,86 @@
           </a:p>
           <a:p>
             <a:r>
-              <a:rPr lang="it-IT" noProof="0" dirty="0" smtClean="0"/>
+              <a:rPr lang="it-IT" noProof="0" dirty="0"/>
               <a:t>Dove</a:t>
             </a:r>
           </a:p>
           <a:p>
             <a:pPr lvl="1"/>
             <a:r>
-              <a:rPr lang="it-IT" noProof="0" dirty="0" err="1" smtClean="0"/>
+              <a:rPr lang="it-IT" noProof="0" dirty="0" err="1"/>
               <a:t>nomeCollezione</a:t>
             </a:r>
             <a:r>
-              <a:rPr lang="it-IT" noProof="0" dirty="0" smtClean="0"/>
+              <a:rPr lang="it-IT" noProof="0" dirty="0"/>
               <a:t> va sostituito col nome della collezione da interrogare;</a:t>
             </a:r>
             <a:br>
-              <a:rPr lang="it-IT" noProof="0" dirty="0" smtClean="0"/>
+              <a:rPr lang="it-IT" noProof="0" dirty="0"/>
             </a:br>
             <a:r>
-              <a:rPr lang="it-IT" noProof="0" dirty="0" smtClean="0"/>
-              <a:t>corrispettivo SQL : FROM (ma limitato ad un’unica collezione)</a:t>
+              <a:rPr lang="it-IT" noProof="0" dirty="0"/>
+              <a:t>corrispettivo SQL: FROM (ma limitato ad un’unica collezione)</a:t>
             </a:r>
           </a:p>
           <a:p>
             <a:pPr lvl="1"/>
             <a:r>
-              <a:rPr lang="it-IT" noProof="0" dirty="0" smtClean="0"/>
+              <a:rPr lang="it-IT" noProof="0" dirty="0"/>
               <a:t>[</a:t>
             </a:r>
             <a:r>
-              <a:rPr lang="it-IT" noProof="0" dirty="0" err="1" smtClean="0"/>
+              <a:rPr lang="it-IT" noProof="0" dirty="0" err="1"/>
               <a:t>oggettoSelezione</a:t>
             </a:r>
             <a:r>
-              <a:rPr lang="it-IT" noProof="0" dirty="0" smtClean="0"/>
+              <a:rPr lang="it-IT" noProof="0" dirty="0"/>
               <a:t>] è un (eventuale) oggetto che contiene i criteri di ricerca; </a:t>
             </a:r>
             <a:br>
-              <a:rPr lang="it-IT" noProof="0" dirty="0" smtClean="0"/>
+              <a:rPr lang="it-IT" noProof="0" dirty="0"/>
             </a:br>
             <a:r>
-              <a:rPr lang="it-IT" noProof="0" dirty="0" smtClean="0"/>
+              <a:rPr lang="it-IT" noProof="0" dirty="0"/>
               <a:t>corrispettivo </a:t>
             </a:r>
             <a:r>
               <a:rPr lang="it-IT" dirty="0"/>
-              <a:t>SQL </a:t>
-            </a:r>
-            <a:r>
-              <a:rPr lang="it-IT" noProof="0" dirty="0" smtClean="0"/>
-              <a:t>: WHERE</a:t>
+              <a:t>SQL:</a:t>
+            </a:r>
+            <a:r>
+              <a:rPr lang="it-IT" noProof="0" dirty="0"/>
+              <a:t> WHERE</a:t>
             </a:r>
           </a:p>
           <a:p>
             <a:pPr lvl="1"/>
             <a:r>
-              <a:rPr lang="it-IT" noProof="0" dirty="0" smtClean="0"/>
+              <a:rPr lang="it-IT" noProof="0" dirty="0"/>
               <a:t>[</a:t>
             </a:r>
             <a:r>
-              <a:rPr lang="it-IT" noProof="0" dirty="0" err="1" smtClean="0"/>
+              <a:rPr lang="it-IT" noProof="0" dirty="0" err="1"/>
               <a:t>oggettoProiezione</a:t>
             </a:r>
             <a:r>
-              <a:rPr lang="it-IT" noProof="0" dirty="0" smtClean="0"/>
+              <a:rPr lang="it-IT" noProof="0" dirty="0"/>
               <a:t>] è un (eventuale) oggetto che contiene i criteri di ricerca;</a:t>
             </a:r>
             <a:br>
-              <a:rPr lang="it-IT" noProof="0" dirty="0" smtClean="0"/>
+              <a:rPr lang="it-IT" noProof="0" dirty="0"/>
             </a:br>
             <a:r>
-              <a:rPr lang="it-IT" noProof="0" dirty="0" smtClean="0"/>
+              <a:rPr lang="it-IT" noProof="0" dirty="0"/>
               <a:t>corrispettivo </a:t>
             </a:r>
             <a:r>
               <a:rPr lang="it-IT" dirty="0"/>
-              <a:t>SQL </a:t>
-            </a:r>
-            <a:r>
-              <a:rPr lang="it-IT" noProof="0" dirty="0" smtClean="0"/>
-              <a:t>: SELECT</a:t>
+              <a:t>SQL:</a:t>
+            </a:r>
+            <a:r>
+              <a:rPr lang="it-IT" noProof="0" dirty="0"/>
+              <a:t> SELECT</a:t>
             </a:r>
           </a:p>
         </p:txBody>
@@ -10068,13 +9911,6 @@
   <p:clrMapOvr>
     <a:masterClrMapping/>
   </p:clrMapOvr>
-  <p:timing>
-    <p:tnLst>
-      <p:par>
-        <p:cTn id="1" dur="indefinite" restart="never" nodeType="tmRoot"/>
-      </p:par>
-    </p:tnLst>
-  </p:timing>
 </p:sld>
 </file>
 
@@ -10111,11 +9947,11 @@
           <a:lstStyle/>
           <a:p>
             <a:r>
-              <a:rPr lang="it-IT" dirty="0" smtClean="0"/>
+              <a:rPr lang="it-IT" dirty="0"/>
               <a:t>Il comando </a:t>
             </a:r>
             <a:r>
-              <a:rPr lang="it-IT" dirty="0" err="1" smtClean="0"/>
+              <a:rPr lang="it-IT" dirty="0" err="1"/>
               <a:t>Find</a:t>
             </a:r>
             <a:endParaRPr lang="it-IT" dirty="0"/>
@@ -10140,10 +9976,9 @@
           <a:lstStyle/>
           <a:p>
             <a:r>
-              <a:rPr lang="it-IT" dirty="0" smtClean="0"/>
+              <a:rPr lang="it-IT" dirty="0"/>
               <a:t>Alcuni esempi</a:t>
             </a:r>
-            <a:endParaRPr lang="it-IT" dirty="0"/>
           </a:p>
           <a:p>
             <a:r>
@@ -10165,11 +10000,7 @@
             <a:pPr lvl="1"/>
             <a:r>
               <a:rPr lang="it-IT" dirty="0"/>
-              <a:t>Restituisce tutti i </a:t>
-            </a:r>
-            <a:r>
-              <a:rPr lang="it-IT" dirty="0" smtClean="0"/>
-              <a:t>documenti</a:t>
+              <a:t>Restituisce tutti i documenti</a:t>
             </a:r>
           </a:p>
           <a:p>
@@ -10192,13 +10023,8 @@
             <a:pPr lvl="1"/>
             <a:r>
               <a:rPr lang="it-IT" dirty="0"/>
-              <a:t>Restituisce solo il primo </a:t>
-            </a:r>
-            <a:r>
-              <a:rPr lang="it-IT" dirty="0" smtClean="0"/>
-              <a:t>documenti</a:t>
-            </a:r>
-            <a:endParaRPr lang="it-IT" dirty="0"/>
+              <a:t>Restituisce solo il primo documento</a:t>
+            </a:r>
           </a:p>
           <a:p>
             <a:r>
@@ -10233,7 +10059,7 @@
           <a:p>
             <a:pPr lvl="1"/>
             <a:r>
-              <a:rPr lang="it-IT" dirty="0" smtClean="0"/>
+              <a:rPr lang="it-IT" dirty="0"/>
               <a:t>Restituisce i documenti in cui l’attributo </a:t>
             </a:r>
             <a:r>
@@ -10244,16 +10070,12 @@
               <a:t>cuisine</a:t>
             </a:r>
             <a:r>
-              <a:rPr lang="it-IT" sz="1400" dirty="0" smtClean="0"/>
+              <a:rPr lang="it-IT" sz="1400" dirty="0"/>
               <a:t> </a:t>
             </a:r>
             <a:r>
-              <a:rPr lang="it-IT" dirty="0" smtClean="0"/>
-              <a:t>(se presente) è valorizzato con la stringa </a:t>
-            </a:r>
-            <a:r>
-              <a:rPr lang="it-IT" dirty="0"/>
-              <a:t>"Hamburgers"</a:t>
+              <a:rPr lang="it-IT" dirty="0"/>
+              <a:t>(se presente) è valorizzato con la stringa "Hamburgers"</a:t>
             </a:r>
           </a:p>
           <a:p>
@@ -10269,7 +10091,14 @@
                 <a:latin typeface="+mj-lt"/>
                 <a:cs typeface="Courier New" panose="02070309020205020404" pitchFamily="49" charset="0"/>
               </a:rPr>
-              <a:t>({},{</a:t>
+              <a:t>({}, {cuisine: 1})</a:t>
+            </a:r>
+          </a:p>
+          <a:p>
+            <a:pPr lvl="1"/>
+            <a:r>
+              <a:rPr lang="it-IT" dirty="0"/>
+              <a:t>Restituisce tutti i documenti, ma proiettando solamente l’attributo </a:t>
             </a:r>
             <a:r>
               <a:rPr lang="it-IT" sz="1900" dirty="0" err="1">
@@ -10279,95 +10108,36 @@
               <a:t>cuisine</a:t>
             </a:r>
             <a:r>
+              <a:rPr lang="it-IT" sz="1400" dirty="0"/>
+              <a:t> </a:t>
+            </a:r>
+            <a:r>
+              <a:rPr lang="it-IT" dirty="0"/>
+              <a:t>(oltre all’_id, che viene restituito di default)</a:t>
+            </a:r>
+          </a:p>
+          <a:p>
+            <a:r>
+              <a:rPr lang="it-IT" sz="1900" dirty="0" err="1">
+                <a:latin typeface="+mj-lt"/>
+                <a:cs typeface="Courier New" panose="02070309020205020404" pitchFamily="49" charset="0"/>
+              </a:rPr>
+              <a:t>db.restaurant.find</a:t>
+            </a:r>
+            <a:r>
               <a:rPr lang="it-IT" sz="1900" dirty="0">
                 <a:latin typeface="+mj-lt"/>
                 <a:cs typeface="Courier New" panose="02070309020205020404" pitchFamily="49" charset="0"/>
               </a:rPr>
-              <a:t>: 1})</a:t>
+              <a:t>({cuisine: "Hamburgers"}, {cuisine: 1})</a:t>
             </a:r>
           </a:p>
           <a:p>
             <a:pPr lvl="1"/>
             <a:r>
-              <a:rPr lang="it-IT" dirty="0" smtClean="0"/>
-              <a:t>Restituisce tutti i documenti, ma proiettando solamente l’attributo </a:t>
-            </a:r>
-            <a:r>
-              <a:rPr lang="it-IT" sz="1900" dirty="0" err="1">
-                <a:latin typeface="+mj-lt"/>
-                <a:cs typeface="Courier New" panose="02070309020205020404" pitchFamily="49" charset="0"/>
-              </a:rPr>
-              <a:t>cuisine</a:t>
-            </a:r>
-            <a:r>
-              <a:rPr lang="it-IT" sz="1400" dirty="0" smtClean="0"/>
-              <a:t> </a:t>
-            </a:r>
-            <a:r>
-              <a:rPr lang="it-IT" dirty="0" smtClean="0"/>
-              <a:t>(oltre all’_id, che viene restituito di default)</a:t>
-            </a:r>
-            <a:endParaRPr lang="it-IT" dirty="0"/>
-          </a:p>
-          <a:p>
-            <a:r>
-              <a:rPr lang="it-IT" sz="1900" dirty="0" err="1">
-                <a:latin typeface="+mj-lt"/>
-                <a:cs typeface="Courier New" panose="02070309020205020404" pitchFamily="49" charset="0"/>
-              </a:rPr>
-              <a:t>db.restaurant.find</a:t>
-            </a:r>
-            <a:r>
-              <a:rPr lang="it-IT" sz="1900" dirty="0">
-                <a:latin typeface="+mj-lt"/>
-                <a:cs typeface="Courier New" panose="02070309020205020404" pitchFamily="49" charset="0"/>
-              </a:rPr>
-              <a:t>({</a:t>
-            </a:r>
-            <a:r>
-              <a:rPr lang="it-IT" sz="1900" dirty="0" err="1">
-                <a:latin typeface="+mj-lt"/>
-                <a:cs typeface="Courier New" panose="02070309020205020404" pitchFamily="49" charset="0"/>
-              </a:rPr>
-              <a:t>cuisine</a:t>
-            </a:r>
-            <a:r>
-              <a:rPr lang="it-IT" sz="1900" dirty="0">
-                <a:latin typeface="+mj-lt"/>
-                <a:cs typeface="Courier New" panose="02070309020205020404" pitchFamily="49" charset="0"/>
-              </a:rPr>
-              <a:t>: "Hamburgers"},{</a:t>
-            </a:r>
-            <a:r>
-              <a:rPr lang="it-IT" sz="1900" dirty="0" err="1">
-                <a:latin typeface="+mj-lt"/>
-                <a:cs typeface="Courier New" panose="02070309020205020404" pitchFamily="49" charset="0"/>
-              </a:rPr>
-              <a:t>cuisine</a:t>
-            </a:r>
-            <a:r>
-              <a:rPr lang="it-IT" sz="1900" dirty="0">
-                <a:latin typeface="+mj-lt"/>
-                <a:cs typeface="Courier New" panose="02070309020205020404" pitchFamily="49" charset="0"/>
-              </a:rPr>
-              <a:t>: 1})</a:t>
-            </a:r>
-          </a:p>
-          <a:p>
-            <a:pPr lvl="1"/>
-            <a:r>
-              <a:rPr lang="it-IT" dirty="0" smtClean="0"/>
-              <a:t>La combinazione di </a:t>
-            </a:r>
-            <a:r>
-              <a:rPr lang="it-IT" dirty="0"/>
-              <a:t>selezione </a:t>
-            </a:r>
-            <a:r>
-              <a:rPr lang="it-IT" dirty="0" smtClean="0"/>
-              <a:t>e proiezione</a:t>
-            </a:r>
-            <a:endParaRPr lang="it-IT" dirty="0"/>
+              <a:rPr lang="it-IT" dirty="0"/>
+              <a:t>La combinazione di selezione e proiezione</a:t>
+            </a:r>
           </a:p>
         </p:txBody>
       </p:sp>
@@ -10404,13 +10174,6 @@
   <p:clrMapOvr>
     <a:masterClrMapping/>
   </p:clrMapOvr>
-  <p:timing>
-    <p:tnLst>
-      <p:par>
-        <p:cTn id="1" dur="indefinite" restart="never" nodeType="tmRoot"/>
-      </p:par>
-    </p:tnLst>
-  </p:timing>
 </p:sld>
 </file>
 
@@ -10447,14 +10210,13 @@
           <a:lstStyle/>
           <a:p>
             <a:r>
-              <a:rPr lang="it-IT" dirty="0" err="1" smtClean="0"/>
+              <a:rPr lang="it-IT" dirty="0" err="1"/>
               <a:t>Find</a:t>
             </a:r>
             <a:r>
-              <a:rPr lang="it-IT" dirty="0" smtClean="0"/>
+              <a:rPr lang="it-IT" dirty="0"/>
               <a:t> - proiezione</a:t>
             </a:r>
-            <a:endParaRPr lang="it-IT" dirty="0"/>
           </a:p>
         </p:txBody>
       </p:sp>
@@ -10476,13 +10238,13 @@
           <a:lstStyle/>
           <a:p>
             <a:r>
-              <a:rPr lang="it-IT" dirty="0" smtClean="0"/>
+              <a:rPr lang="it-IT" dirty="0"/>
               <a:t>In caso di proiezione non specificata, vengono restituiti tutti gli attributi di tutti i documenti</a:t>
             </a:r>
           </a:p>
           <a:p>
             <a:r>
-              <a:rPr lang="it-IT" dirty="0" smtClean="0"/>
+              <a:rPr lang="it-IT" dirty="0"/>
               <a:t>Se si indica una proiezione, vengono mantenuti solo i campi indicati – ad eccezione del campo </a:t>
             </a:r>
             <a:r>
@@ -10493,20 +10255,20 @@
               <a:t>_id</a:t>
             </a:r>
             <a:r>
-              <a:rPr lang="it-IT" dirty="0" smtClean="0"/>
+              <a:rPr lang="it-IT" dirty="0"/>
               <a:t>, che viene mantenuto ugualmente</a:t>
             </a:r>
           </a:p>
           <a:p>
             <a:pPr lvl="1"/>
             <a:r>
-              <a:rPr lang="it-IT" dirty="0" smtClean="0"/>
+              <a:rPr lang="it-IT" dirty="0"/>
               <a:t>E’ comunque possibile escludere il campo</a:t>
             </a:r>
           </a:p>
           <a:p>
             <a:r>
-              <a:rPr lang="it-IT" dirty="0" smtClean="0"/>
+              <a:rPr lang="it-IT" dirty="0"/>
               <a:t>Sintassi</a:t>
             </a:r>
           </a:p>
@@ -10529,7 +10291,7 @@
           </a:p>
           <a:p>
             <a:r>
-              <a:rPr lang="it-IT" dirty="0" smtClean="0"/>
+              <a:rPr lang="it-IT" dirty="0"/>
               <a:t>Dove</a:t>
             </a:r>
           </a:p>
@@ -10550,52 +10312,22 @@
               <a:t> </a:t>
             </a:r>
             <a:r>
-              <a:rPr lang="it-IT" dirty="0" smtClean="0"/>
+              <a:rPr lang="it-IT" dirty="0"/>
               <a:t>è il nome di un attributo</a:t>
             </a:r>
-            <a:endParaRPr lang="it-IT" dirty="0"/>
           </a:p>
           <a:p>
             <a:pPr lvl="1"/>
             <a:r>
               <a:rPr lang="it-IT" dirty="0"/>
-              <a:t>1 va indicato se si vuole mantenere il </a:t>
-            </a:r>
-            <a:r>
-              <a:rPr lang="it-IT" dirty="0" smtClean="0"/>
-              <a:t>campo</a:t>
-            </a:r>
-            <a:endParaRPr lang="it-IT" dirty="0"/>
+              <a:t>1 va indicato se si vuole mantenere il campo</a:t>
+            </a:r>
           </a:p>
           <a:p>
             <a:pPr lvl="1"/>
             <a:r>
-              <a:rPr lang="it-IT" dirty="0" smtClean="0"/>
-              <a:t>0 </a:t>
-            </a:r>
-            <a:r>
-              <a:rPr lang="it-IT" dirty="0"/>
-              <a:t>va indicato </a:t>
-            </a:r>
-            <a:r>
-              <a:rPr lang="it-IT" dirty="0" smtClean="0"/>
-              <a:t>se, invece, </a:t>
-            </a:r>
-            <a:r>
-              <a:rPr lang="it-IT" dirty="0"/>
-              <a:t>si vuole </a:t>
-            </a:r>
-            <a:r>
-              <a:rPr lang="it-IT" dirty="0" smtClean="0"/>
-              <a:t>escludere </a:t>
-            </a:r>
-            <a:r>
-              <a:rPr lang="it-IT" dirty="0"/>
-              <a:t>il </a:t>
-            </a:r>
-            <a:r>
-              <a:rPr lang="it-IT" dirty="0" smtClean="0"/>
-              <a:t>campo (e.g., per l</a:t>
+              <a:rPr lang="it-IT" dirty="0"/>
+              <a:t>0 va indicato se, invece, si vuole escludere il campo (e.g., per l</a:t>
             </a:r>
             <a:r>
               <a:rPr lang="it-IT" dirty="0">
@@ -10605,10 +10337,9 @@
               <a:t>’_id</a:t>
             </a:r>
             <a:r>
-              <a:rPr lang="it-IT" dirty="0" smtClean="0"/>
+              <a:rPr lang="it-IT" dirty="0"/>
               <a:t>)</a:t>
             </a:r>
-            <a:endParaRPr lang="it-IT" dirty="0"/>
           </a:p>
           <a:p>
             <a:pPr lvl="1"/>
@@ -10649,13 +10380,6 @@
   <p:clrMapOvr>
     <a:masterClrMapping/>
   </p:clrMapOvr>
-  <p:timing>
-    <p:tnLst>
-      <p:par>
-        <p:cTn id="1" dur="indefinite" restart="never" nodeType="tmRoot"/>
-      </p:par>
-    </p:tnLst>
-  </p:timing>
 </p:sld>
 </file>
 
@@ -10692,14 +10416,13 @@
           <a:lstStyle/>
           <a:p>
             <a:r>
-              <a:rPr lang="it-IT" dirty="0" err="1" smtClean="0"/>
+              <a:rPr lang="it-IT" dirty="0" err="1"/>
               <a:t>Find</a:t>
             </a:r>
             <a:r>
-              <a:rPr lang="it-IT" dirty="0" smtClean="0"/>
+              <a:rPr lang="it-IT" dirty="0"/>
               <a:t> – selezione semplice</a:t>
             </a:r>
-            <a:endParaRPr lang="it-IT" dirty="0"/>
           </a:p>
         </p:txBody>
       </p:sp>
@@ -10719,13 +10442,13 @@
           <a:lstStyle/>
           <a:p>
             <a:r>
-              <a:rPr lang="it-IT" dirty="0" smtClean="0"/>
+              <a:rPr lang="it-IT" dirty="0"/>
               <a:t>Una prima modalità di selezione avviene attraverso il match esatto del valore dell’attributo con un valore specificato</a:t>
             </a:r>
           </a:p>
           <a:p>
             <a:r>
-              <a:rPr lang="it-IT" dirty="0" smtClean="0"/>
+              <a:rPr lang="it-IT" dirty="0"/>
               <a:t>Esempi: </a:t>
             </a:r>
           </a:p>
@@ -10743,21 +10466,7 @@
                 <a:latin typeface="+mj-lt"/>
                 <a:cs typeface="Courier New" panose="02070309020205020404" pitchFamily="49" charset="0"/>
               </a:rPr>
-              <a:t>({"</a:t>
-            </a:r>
-            <a:r>
-              <a:rPr lang="it-IT" dirty="0" err="1">
-                <a:latin typeface="+mj-lt"/>
-                <a:cs typeface="Courier New" panose="02070309020205020404" pitchFamily="49" charset="0"/>
-              </a:rPr>
-              <a:t>age</a:t>
-            </a:r>
-            <a:r>
-              <a:rPr lang="it-IT" dirty="0">
-                <a:latin typeface="+mj-lt"/>
-                <a:cs typeface="Courier New" panose="02070309020205020404" pitchFamily="49" charset="0"/>
-              </a:rPr>
-              <a:t>" : 27})</a:t>
+              <a:t>({"age": 27})</a:t>
             </a:r>
           </a:p>
           <a:p>
@@ -10774,7 +10483,7 @@
                 <a:latin typeface="+mj-lt"/>
                 <a:cs typeface="Courier New" panose="02070309020205020404" pitchFamily="49" charset="0"/>
               </a:rPr>
-              <a:t>({"username" : "</a:t>
+              <a:t>({"username": "</a:t>
             </a:r>
             <a:r>
               <a:rPr lang="it-IT" dirty="0" err="1">
@@ -10805,7 +10514,7 @@
                 <a:latin typeface="+mj-lt"/>
                 <a:cs typeface="Courier New" panose="02070309020205020404" pitchFamily="49" charset="0"/>
               </a:rPr>
-              <a:t>({"username" : "</a:t>
+              <a:t>({"username": "</a:t>
             </a:r>
             <a:r>
               <a:rPr lang="it-IT" dirty="0" err="1">
@@ -10819,33 +10528,19 @@
                 <a:latin typeface="+mj-lt"/>
                 <a:cs typeface="Courier New" panose="02070309020205020404" pitchFamily="49" charset="0"/>
               </a:rPr>
-              <a:t>", "</a:t>
-            </a:r>
-            <a:r>
-              <a:rPr lang="it-IT" dirty="0" err="1">
-                <a:latin typeface="+mj-lt"/>
-                <a:cs typeface="Courier New" panose="02070309020205020404" pitchFamily="49" charset="0"/>
-              </a:rPr>
-              <a:t>age</a:t>
-            </a:r>
-            <a:r>
-              <a:rPr lang="it-IT" dirty="0">
-                <a:latin typeface="+mj-lt"/>
-                <a:cs typeface="Courier New" panose="02070309020205020404" pitchFamily="49" charset="0"/>
-              </a:rPr>
-              <a:t>" : 27})</a:t>
+              <a:t>", "age": 27})</a:t>
             </a:r>
           </a:p>
           <a:p>
             <a:pPr lvl="1"/>
-            <a:endParaRPr lang="it-IT" sz="1600" dirty="0" smtClean="0">
+            <a:endParaRPr lang="it-IT" sz="1600" dirty="0">
               <a:latin typeface="Courier New" panose="02070309020205020404" pitchFamily="49" charset="0"/>
               <a:cs typeface="Courier New" panose="02070309020205020404" pitchFamily="49" charset="0"/>
             </a:endParaRPr>
           </a:p>
           <a:p>
             <a:r>
-              <a:rPr lang="it-IT" dirty="0" smtClean="0"/>
+              <a:rPr lang="it-IT" dirty="0"/>
               <a:t>Come esprimere condizioni più complesse?</a:t>
             </a:r>
           </a:p>
@@ -10895,11 +10590,11 @@
           <a:p>
             <a:pPr lvl="1"/>
             <a:r>
-              <a:rPr lang="it-IT" dirty="0" smtClean="0"/>
+              <a:rPr lang="it-IT" dirty="0"/>
               <a:t>Non è possibile, perché bisogna rispettare la sintassi degli oggetti </a:t>
             </a:r>
             <a:r>
-              <a:rPr lang="it-IT" dirty="0" err="1" smtClean="0"/>
+              <a:rPr lang="it-IT" dirty="0" err="1"/>
               <a:t>Javascript</a:t>
             </a:r>
             <a:endParaRPr lang="it-IT" dirty="0"/>
@@ -10939,13 +10634,6 @@
   <p:clrMapOvr>
     <a:masterClrMapping/>
   </p:clrMapOvr>
-  <p:timing>
-    <p:tnLst>
-      <p:par>
-        <p:cTn id="1" dur="indefinite" restart="never" nodeType="tmRoot"/>
-      </p:par>
-    </p:tnLst>
-  </p:timing>
 </p:sld>
 </file>
 
@@ -10982,14 +10670,13 @@
           <a:lstStyle/>
           <a:p>
             <a:r>
-              <a:rPr lang="it-IT" dirty="0" err="1" smtClean="0"/>
+              <a:rPr lang="it-IT" dirty="0" err="1"/>
               <a:t>Find</a:t>
             </a:r>
             <a:r>
-              <a:rPr lang="it-IT" dirty="0" smtClean="0"/>
+              <a:rPr lang="it-IT" dirty="0"/>
               <a:t> – selezione complessa</a:t>
             </a:r>
-            <a:endParaRPr lang="it-IT" dirty="0"/>
           </a:p>
         </p:txBody>
       </p:sp>
@@ -11009,13 +10696,13 @@
           <a:lstStyle/>
           <a:p>
             <a:r>
-              <a:rPr lang="it-IT" dirty="0" smtClean="0"/>
+              <a:rPr lang="it-IT" dirty="0"/>
               <a:t>L’espressione di condizioni di selezione complesse avviene attraverso l’incapsulamento di nuovi oggetti</a:t>
             </a:r>
           </a:p>
           <a:p>
             <a:r>
-              <a:rPr lang="it-IT" dirty="0" smtClean="0"/>
+              <a:rPr lang="it-IT" dirty="0"/>
               <a:t>Sintassi</a:t>
             </a:r>
           </a:p>
@@ -11033,12 +10720,12 @@
                 <a:latin typeface="+mj-lt"/>
                 <a:cs typeface="Courier New" panose="02070309020205020404" pitchFamily="49" charset="0"/>
               </a:rPr>
-              <a:t> : { operatore : valore }</a:t>
-            </a:r>
-          </a:p>
-          <a:p>
-            <a:r>
-              <a:rPr lang="it-IT" dirty="0" smtClean="0"/>
+              <a:t>: { operatore: valore }</a:t>
+            </a:r>
+          </a:p>
+          <a:p>
+            <a:r>
+              <a:rPr lang="it-IT" dirty="0"/>
               <a:t>Dove</a:t>
             </a:r>
           </a:p>
@@ -11052,22 +10739,22 @@
               <a:t>operatore</a:t>
             </a:r>
             <a:r>
-              <a:rPr lang="it-IT" sz="1600" dirty="0" smtClean="0">
+              <a:rPr lang="it-IT" sz="1600" dirty="0">
                 <a:latin typeface="Courier New" panose="02070309020205020404" pitchFamily="49" charset="0"/>
                 <a:cs typeface="Courier New" panose="02070309020205020404" pitchFamily="49" charset="0"/>
               </a:rPr>
               <a:t> </a:t>
             </a:r>
             <a:r>
-              <a:rPr lang="it-IT" dirty="0" smtClean="0"/>
+              <a:rPr lang="it-IT" dirty="0"/>
               <a:t>corrisponde ad un operatore di confronto secondo la sintassi di </a:t>
             </a:r>
             <a:r>
-              <a:rPr lang="it-IT" dirty="0" err="1" smtClean="0"/>
+              <a:rPr lang="it-IT" dirty="0" err="1"/>
               <a:t>MongoDB</a:t>
             </a:r>
             <a:r>
-              <a:rPr lang="it-IT" dirty="0" smtClean="0"/>
+              <a:rPr lang="it-IT" dirty="0"/>
               <a:t> (e.g., "</a:t>
             </a:r>
             <a:r>
@@ -11085,31 +10772,31 @@
               <a:t>gte</a:t>
             </a:r>
             <a:r>
-              <a:rPr lang="it-IT" dirty="0" smtClean="0"/>
+              <a:rPr lang="it-IT" dirty="0"/>
               <a:t>", acronimo di "</a:t>
             </a:r>
             <a:r>
-              <a:rPr lang="it-IT" dirty="0" err="1" smtClean="0"/>
+              <a:rPr lang="it-IT" dirty="0" err="1"/>
               <a:t>Greather</a:t>
             </a:r>
             <a:r>
-              <a:rPr lang="it-IT" dirty="0" smtClean="0"/>
+              <a:rPr lang="it-IT" dirty="0"/>
               <a:t> </a:t>
             </a:r>
             <a:r>
-              <a:rPr lang="it-IT" dirty="0" err="1" smtClean="0"/>
+              <a:rPr lang="it-IT" dirty="0" err="1"/>
               <a:t>Than</a:t>
             </a:r>
             <a:r>
-              <a:rPr lang="it-IT" dirty="0" smtClean="0"/>
+              <a:rPr lang="it-IT" dirty="0"/>
               <a:t> or </a:t>
             </a:r>
             <a:r>
-              <a:rPr lang="it-IT" dirty="0" err="1" smtClean="0"/>
+              <a:rPr lang="it-IT" dirty="0" err="1"/>
               <a:t>Equal</a:t>
             </a:r>
             <a:r>
-              <a:rPr lang="it-IT" dirty="0" smtClean="0"/>
+              <a:rPr lang="it-IT" dirty="0"/>
               <a:t> to")</a:t>
             </a:r>
           </a:p>
@@ -11123,39 +10810,32 @@
               <a:t>valore</a:t>
             </a:r>
             <a:r>
-              <a:rPr lang="it-IT" sz="1600" dirty="0" smtClean="0">
+              <a:rPr lang="it-IT" sz="1600" dirty="0">
                 <a:latin typeface="Courier New" panose="02070309020205020404" pitchFamily="49" charset="0"/>
                 <a:cs typeface="Courier New" panose="02070309020205020404" pitchFamily="49" charset="0"/>
               </a:rPr>
               <a:t> </a:t>
             </a:r>
             <a:r>
-              <a:rPr lang="it-IT" dirty="0" smtClean="0"/>
+              <a:rPr lang="it-IT" dirty="0"/>
               <a:t>corrisponde ad un valore semplice (e.g., un numero o una stringa) </a:t>
             </a:r>
           </a:p>
           <a:p>
             <a:pPr lvl="1"/>
             <a:r>
-              <a:rPr lang="it-IT" dirty="0" smtClean="0"/>
+              <a:rPr lang="it-IT" dirty="0"/>
               <a:t>Alcuni operatori richiedono che </a:t>
             </a:r>
             <a:r>
-              <a:rPr lang="it-IT" dirty="0" smtClean="0">
-                <a:latin typeface="+mj-lt"/>
-                <a:cs typeface="Courier New" panose="02070309020205020404" pitchFamily="49" charset="0"/>
-              </a:rPr>
-              <a:t>valore</a:t>
-            </a:r>
-            <a:r>
-              <a:rPr lang="it-IT" dirty="0">
-                <a:latin typeface="+mj-lt"/>
-                <a:cs typeface="Courier New" panose="02070309020205020404" pitchFamily="49" charset="0"/>
-              </a:rPr>
-              <a:t> </a:t>
-            </a:r>
-            <a:r>
-              <a:rPr lang="it-IT" dirty="0" smtClean="0"/>
+              <a:rPr lang="it-IT" dirty="0">
+                <a:latin typeface="+mj-lt"/>
+                <a:cs typeface="Courier New" panose="02070309020205020404" pitchFamily="49" charset="0"/>
+              </a:rPr>
+              <a:t>valore </a:t>
+            </a:r>
+            <a:r>
+              <a:rPr lang="it-IT" dirty="0"/>
               <a:t>sia a sua volta un oggetto, composto da un’altra coppia </a:t>
             </a:r>
             <a:r>
@@ -11163,7 +10843,7 @@
                 <a:latin typeface="+mj-lt"/>
                 <a:cs typeface="Courier New" panose="02070309020205020404" pitchFamily="49" charset="0"/>
               </a:rPr>
-              <a:t>operatore : valore</a:t>
+              <a:t>operatore: valore</a:t>
             </a:r>
           </a:p>
         </p:txBody>
@@ -11201,13 +10881,6 @@
   <p:clrMapOvr>
     <a:masterClrMapping/>
   </p:clrMapOvr>
-  <p:timing>
-    <p:tnLst>
-      <p:par>
-        <p:cTn id="1" dur="indefinite" restart="never" nodeType="tmRoot"/>
-      </p:par>
-    </p:tnLst>
-  </p:timing>
 </p:sld>
 </file>
 
@@ -11244,14 +10917,13 @@
           <a:lstStyle/>
           <a:p>
             <a:r>
-              <a:rPr lang="it-IT" dirty="0" err="1" smtClean="0"/>
+              <a:rPr lang="it-IT" dirty="0" err="1"/>
               <a:t>Find</a:t>
             </a:r>
             <a:r>
-              <a:rPr lang="it-IT" dirty="0" smtClean="0"/>
+              <a:rPr lang="it-IT" dirty="0"/>
               <a:t> – operatori di confronto</a:t>
             </a:r>
-            <a:endParaRPr lang="it-IT" dirty="0"/>
           </a:p>
         </p:txBody>
       </p:sp>
@@ -11271,7 +10943,7 @@
           <a:lstStyle/>
           <a:p>
             <a:r>
-              <a:rPr lang="it-IT" dirty="0" smtClean="0"/>
+              <a:rPr lang="it-IT" dirty="0"/>
               <a:t>Quali sono gli operatori</a:t>
             </a:r>
           </a:p>
@@ -11306,14 +10978,14 @@
               <a:t>gt</a:t>
             </a:r>
             <a:r>
-              <a:rPr lang="it-IT" sz="1600" dirty="0" smtClean="0">
+              <a:rPr lang="it-IT" sz="1600" dirty="0">
                 <a:latin typeface="Courier New" panose="02070309020205020404" pitchFamily="49" charset="0"/>
                 <a:cs typeface="Courier New" panose="02070309020205020404" pitchFamily="49" charset="0"/>
               </a:rPr>
               <a:t> </a:t>
             </a:r>
             <a:r>
-              <a:rPr lang="it-IT" dirty="0" smtClean="0"/>
+              <a:rPr lang="it-IT" dirty="0"/>
               <a:t>– corrispondono a ≥ e &gt;</a:t>
             </a:r>
           </a:p>
@@ -11341,7 +11013,7 @@
               <a:t>, $lt </a:t>
             </a:r>
             <a:r>
-              <a:rPr lang="it-IT" dirty="0" smtClean="0"/>
+              <a:rPr lang="it-IT" dirty="0"/>
               <a:t>– corrispondono a ≤ e &lt;</a:t>
             </a:r>
           </a:p>
@@ -11355,13 +11027,13 @@
               <a:t>$ne </a:t>
             </a:r>
             <a:r>
-              <a:rPr lang="it-IT" dirty="0" smtClean="0"/>
+              <a:rPr lang="it-IT" dirty="0"/>
               <a:t>– corrisponde a ≠</a:t>
             </a:r>
           </a:p>
           <a:p>
             <a:r>
-              <a:rPr lang="it-IT" dirty="0" smtClean="0"/>
+              <a:rPr lang="it-IT" dirty="0"/>
               <a:t>Esempi</a:t>
             </a:r>
           </a:p>
@@ -11379,6 +11051,82 @@
                 <a:latin typeface="+mj-lt"/>
                 <a:cs typeface="Courier New" panose="02070309020205020404" pitchFamily="49" charset="0"/>
               </a:rPr>
+              <a:t>({"age": {"$</a:t>
+            </a:r>
+            <a:r>
+              <a:rPr lang="it-IT" dirty="0" err="1">
+                <a:latin typeface="+mj-lt"/>
+                <a:cs typeface="Courier New" panose="02070309020205020404" pitchFamily="49" charset="0"/>
+              </a:rPr>
+              <a:t>gte</a:t>
+            </a:r>
+            <a:r>
+              <a:rPr lang="it-IT" dirty="0">
+                <a:latin typeface="+mj-lt"/>
+                <a:cs typeface="Courier New" panose="02070309020205020404" pitchFamily="49" charset="0"/>
+              </a:rPr>
+              <a:t>": 18} })</a:t>
+            </a:r>
+          </a:p>
+          <a:p>
+            <a:pPr lvl="1"/>
+            <a:r>
+              <a:rPr lang="it-IT" dirty="0" err="1">
+                <a:latin typeface="+mj-lt"/>
+                <a:cs typeface="Courier New" panose="02070309020205020404" pitchFamily="49" charset="0"/>
+              </a:rPr>
+              <a:t>db.users.find</a:t>
+            </a:r>
+            <a:r>
+              <a:rPr lang="it-IT" dirty="0">
+                <a:latin typeface="+mj-lt"/>
+                <a:cs typeface="Courier New" panose="02070309020205020404" pitchFamily="49" charset="0"/>
+              </a:rPr>
+              <a:t>({"age": {"$</a:t>
+            </a:r>
+            <a:r>
+              <a:rPr lang="it-IT" dirty="0" err="1">
+                <a:latin typeface="+mj-lt"/>
+                <a:cs typeface="Courier New" panose="02070309020205020404" pitchFamily="49" charset="0"/>
+              </a:rPr>
+              <a:t>gte</a:t>
+            </a:r>
+            <a:r>
+              <a:rPr lang="it-IT" dirty="0">
+                <a:latin typeface="+mj-lt"/>
+                <a:cs typeface="Courier New" panose="02070309020205020404" pitchFamily="49" charset="0"/>
+              </a:rPr>
+              <a:t>": 18, "$</a:t>
+            </a:r>
+            <a:r>
+              <a:rPr lang="it-IT" dirty="0" err="1">
+                <a:latin typeface="+mj-lt"/>
+                <a:cs typeface="Courier New" panose="02070309020205020404" pitchFamily="49" charset="0"/>
+              </a:rPr>
+              <a:t>lte</a:t>
+            </a:r>
+            <a:r>
+              <a:rPr lang="it-IT" dirty="0">
+                <a:latin typeface="+mj-lt"/>
+                <a:cs typeface="Courier New" panose="02070309020205020404" pitchFamily="49" charset="0"/>
+              </a:rPr>
+              <a:t>": 30}})</a:t>
+            </a:r>
+          </a:p>
+          <a:p>
+            <a:pPr lvl="1"/>
+            <a:r>
+              <a:rPr lang="it-IT" dirty="0" err="1">
+                <a:latin typeface="+mj-lt"/>
+                <a:cs typeface="Courier New" panose="02070309020205020404" pitchFamily="49" charset="0"/>
+              </a:rPr>
+              <a:t>db.users.find</a:t>
+            </a:r>
+            <a:r>
+              <a:rPr lang="it-IT" dirty="0">
+                <a:latin typeface="+mj-lt"/>
+                <a:cs typeface="Courier New" panose="02070309020205020404" pitchFamily="49" charset="0"/>
+              </a:rPr>
               <a:t>({"</a:t>
             </a:r>
             <a:r>
@@ -11386,28 +11134,24 @@
                 <a:latin typeface="+mj-lt"/>
                 <a:cs typeface="Courier New" panose="02070309020205020404" pitchFamily="49" charset="0"/>
               </a:rPr>
-              <a:t>age</a:t>
-            </a:r>
-            <a:r>
-              <a:rPr lang="it-IT" dirty="0">
-                <a:latin typeface="+mj-lt"/>
-                <a:cs typeface="Courier New" panose="02070309020205020404" pitchFamily="49" charset="0"/>
-              </a:rPr>
-              <a:t>" : {"$</a:t>
-            </a:r>
-            <a:r>
-              <a:rPr lang="it-IT" dirty="0" err="1">
-                <a:latin typeface="+mj-lt"/>
-                <a:cs typeface="Courier New" panose="02070309020205020404" pitchFamily="49" charset="0"/>
-              </a:rPr>
-              <a:t>gte</a:t>
-            </a:r>
-            <a:r>
-              <a:rPr lang="it-IT" dirty="0">
-                <a:latin typeface="+mj-lt"/>
-                <a:cs typeface="Courier New" panose="02070309020205020404" pitchFamily="49" charset="0"/>
-              </a:rPr>
-              <a:t>" : 18} })</a:t>
+              <a:t>registered</a:t>
+            </a:r>
+            <a:r>
+              <a:rPr lang="it-IT" dirty="0">
+                <a:latin typeface="+mj-lt"/>
+                <a:cs typeface="Courier New" panose="02070309020205020404" pitchFamily="49" charset="0"/>
+              </a:rPr>
+              <a:t>": {"$lt": new Date("2007-01-01")} })</a:t>
+            </a:r>
+          </a:p>
+          <a:p>
+            <a:pPr lvl="2"/>
+            <a:r>
+              <a:rPr lang="it-IT" dirty="0">
+                <a:latin typeface="+mj-lt"/>
+                <a:cs typeface="Courier New" panose="02070309020205020404" pitchFamily="49" charset="0"/>
+              </a:rPr>
+              <a:t>Il formato della data dipende dalla localizzazione</a:t>
             </a:r>
           </a:p>
           <a:p>
@@ -11424,125 +11168,7 @@
                 <a:latin typeface="+mj-lt"/>
                 <a:cs typeface="Courier New" panose="02070309020205020404" pitchFamily="49" charset="0"/>
               </a:rPr>
-              <a:t>({"</a:t>
-            </a:r>
-            <a:r>
-              <a:rPr lang="it-IT" dirty="0" err="1">
-                <a:latin typeface="+mj-lt"/>
-                <a:cs typeface="Courier New" panose="02070309020205020404" pitchFamily="49" charset="0"/>
-              </a:rPr>
-              <a:t>age</a:t>
-            </a:r>
-            <a:r>
-              <a:rPr lang="it-IT" dirty="0">
-                <a:latin typeface="+mj-lt"/>
-                <a:cs typeface="Courier New" panose="02070309020205020404" pitchFamily="49" charset="0"/>
-              </a:rPr>
-              <a:t>" : {"$</a:t>
-            </a:r>
-            <a:r>
-              <a:rPr lang="it-IT" dirty="0" err="1">
-                <a:latin typeface="+mj-lt"/>
-                <a:cs typeface="Courier New" panose="02070309020205020404" pitchFamily="49" charset="0"/>
-              </a:rPr>
-              <a:t>gte</a:t>
-            </a:r>
-            <a:r>
-              <a:rPr lang="it-IT" dirty="0">
-                <a:latin typeface="+mj-lt"/>
-                <a:cs typeface="Courier New" panose="02070309020205020404" pitchFamily="49" charset="0"/>
-              </a:rPr>
-              <a:t>" : 18, "$</a:t>
-            </a:r>
-            <a:r>
-              <a:rPr lang="it-IT" dirty="0" err="1">
-                <a:latin typeface="+mj-lt"/>
-                <a:cs typeface="Courier New" panose="02070309020205020404" pitchFamily="49" charset="0"/>
-              </a:rPr>
-              <a:t>lte</a:t>
-            </a:r>
-            <a:r>
-              <a:rPr lang="it-IT" dirty="0">
-                <a:latin typeface="+mj-lt"/>
-                <a:cs typeface="Courier New" panose="02070309020205020404" pitchFamily="49" charset="0"/>
-              </a:rPr>
-              <a:t>" : 30}})</a:t>
-            </a:r>
-          </a:p>
-          <a:p>
-            <a:pPr lvl="1"/>
-            <a:r>
-              <a:rPr lang="it-IT" dirty="0" err="1">
-                <a:latin typeface="+mj-lt"/>
-                <a:cs typeface="Courier New" panose="02070309020205020404" pitchFamily="49" charset="0"/>
-              </a:rPr>
-              <a:t>db.users.find</a:t>
-            </a:r>
-            <a:r>
-              <a:rPr lang="it-IT" dirty="0">
-                <a:latin typeface="+mj-lt"/>
-                <a:cs typeface="Courier New" panose="02070309020205020404" pitchFamily="49" charset="0"/>
-              </a:rPr>
-              <a:t>({"</a:t>
-            </a:r>
-            <a:r>
-              <a:rPr lang="it-IT" dirty="0" err="1">
-                <a:latin typeface="+mj-lt"/>
-                <a:cs typeface="Courier New" panose="02070309020205020404" pitchFamily="49" charset="0"/>
-              </a:rPr>
-              <a:t>registered</a:t>
-            </a:r>
-            <a:r>
-              <a:rPr lang="it-IT" dirty="0">
-                <a:latin typeface="+mj-lt"/>
-                <a:cs typeface="Courier New" panose="02070309020205020404" pitchFamily="49" charset="0"/>
-              </a:rPr>
-              <a:t>" : {"$lt" : new Date</a:t>
-            </a:r>
-            <a:r>
-              <a:rPr lang="it-IT" dirty="0" smtClean="0">
-                <a:latin typeface="+mj-lt"/>
-                <a:cs typeface="Courier New" panose="02070309020205020404" pitchFamily="49" charset="0"/>
-              </a:rPr>
-              <a:t>("2007-01-01")} })</a:t>
-            </a:r>
-          </a:p>
-          <a:p>
-            <a:pPr lvl="2"/>
-            <a:r>
-              <a:rPr lang="it-IT" dirty="0" smtClean="0">
-                <a:latin typeface="+mj-lt"/>
-                <a:cs typeface="Courier New" panose="02070309020205020404" pitchFamily="49" charset="0"/>
-              </a:rPr>
-              <a:t>Il formato della data dipende </a:t>
-            </a:r>
-            <a:r>
-              <a:rPr lang="it-IT" smtClean="0">
-                <a:latin typeface="+mj-lt"/>
-                <a:cs typeface="Courier New" panose="02070309020205020404" pitchFamily="49" charset="0"/>
-              </a:rPr>
-              <a:t>dalla localizzazione</a:t>
-            </a:r>
-            <a:endParaRPr lang="it-IT" dirty="0">
-              <a:latin typeface="+mj-lt"/>
-              <a:cs typeface="Courier New" panose="02070309020205020404" pitchFamily="49" charset="0"/>
-            </a:endParaRPr>
-          </a:p>
-          <a:p>
-            <a:pPr lvl="1"/>
-            <a:r>
-              <a:rPr lang="it-IT" dirty="0" err="1">
-                <a:latin typeface="+mj-lt"/>
-                <a:cs typeface="Courier New" panose="02070309020205020404" pitchFamily="49" charset="0"/>
-              </a:rPr>
-              <a:t>db.users.find</a:t>
-            </a:r>
-            <a:r>
-              <a:rPr lang="it-IT" dirty="0">
-                <a:latin typeface="+mj-lt"/>
-                <a:cs typeface="Courier New" panose="02070309020205020404" pitchFamily="49" charset="0"/>
-              </a:rPr>
-              <a:t>({"username" : {"$ne" : "</a:t>
+              <a:t>({"username": {"$ne": "</a:t>
             </a:r>
             <a:r>
               <a:rPr lang="it-IT" dirty="0" err="1">
@@ -11594,13 +11220,6 @@
   <p:clrMapOvr>
     <a:masterClrMapping/>
   </p:clrMapOvr>
-  <p:timing>
-    <p:tnLst>
-      <p:par>
-        <p:cTn id="1" dur="indefinite" restart="never" nodeType="tmRoot"/>
-      </p:par>
-    </p:tnLst>
-  </p:timing>
 </p:sld>
 </file>
 
@@ -11637,14 +11256,13 @@
           <a:lstStyle/>
           <a:p>
             <a:r>
-              <a:rPr lang="it-IT" dirty="0" err="1" smtClean="0"/>
+              <a:rPr lang="it-IT" dirty="0" err="1"/>
               <a:t>Find</a:t>
             </a:r>
             <a:r>
-              <a:rPr lang="it-IT" dirty="0" smtClean="0"/>
+              <a:rPr lang="it-IT" dirty="0"/>
               <a:t> – condizioni multiple</a:t>
             </a:r>
-            <a:endParaRPr lang="it-IT" dirty="0"/>
           </a:p>
         </p:txBody>
       </p:sp>
@@ -11661,7 +11279,7 @@
         <p:spPr/>
         <p:txBody>
           <a:bodyPr>
-            <a:normAutofit lnSpcReduction="10000"/>
+            <a:normAutofit/>
           </a:bodyPr>
           <a:lstStyle/>
           <a:p>
@@ -11694,7 +11312,7 @@
               <a:t> </a:t>
             </a:r>
             <a:r>
-              <a:rPr lang="it-IT" dirty="0" smtClean="0"/>
+              <a:rPr lang="it-IT" dirty="0"/>
               <a:t>– equivalenti alle clausole IN e NOT IN di SQL</a:t>
             </a:r>
           </a:p>
@@ -11705,7 +11323,7 @@
                 <a:latin typeface="+mj-lt"/>
                 <a:cs typeface="Courier New" panose="02070309020205020404" pitchFamily="49" charset="0"/>
               </a:rPr>
-              <a:t>$or , $</a:t>
+              <a:t>$or, $</a:t>
             </a:r>
             <a:r>
               <a:rPr lang="it-IT" dirty="0" err="1">
@@ -11719,16 +11337,16 @@
                 <a:latin typeface="+mj-lt"/>
                 <a:cs typeface="Courier New" panose="02070309020205020404" pitchFamily="49" charset="0"/>
               </a:rPr>
-              <a:t> , $and </a:t>
-            </a:r>
-            <a:r>
-              <a:rPr lang="it-IT" dirty="0" smtClean="0"/>
+              <a:t>, $and </a:t>
+            </a:r>
+            <a:r>
+              <a:rPr lang="it-IT" dirty="0"/>
               <a:t>– equivalenti ai rispettivi operatori logici</a:t>
             </a:r>
           </a:p>
           <a:p>
             <a:r>
-              <a:rPr lang="it-IT" dirty="0" smtClean="0"/>
+              <a:rPr lang="it-IT" dirty="0"/>
               <a:t>Esempi</a:t>
             </a:r>
           </a:p>
@@ -11746,10 +11364,23 @@
                 <a:latin typeface="+mj-lt"/>
                 <a:cs typeface="Courier New" panose="02070309020205020404" pitchFamily="49" charset="0"/>
               </a:rPr>
-              <a:t>({"</a:t>
-            </a:r>
-            <a:r>
-              <a:rPr lang="it-IT" dirty="0" err="1">
+              <a:t>(</a:t>
+            </a:r>
+            <a:r>
+              <a:rPr lang="it-IT" dirty="0">
+                <a:solidFill>
+                  <a:srgbClr val="0070C0"/>
+                </a:solidFill>
+                <a:latin typeface="+mj-lt"/>
+                <a:cs typeface="Courier New" panose="02070309020205020404" pitchFamily="49" charset="0"/>
+              </a:rPr>
+              <a:t>{"</a:t>
+            </a:r>
+            <a:r>
+              <a:rPr lang="it-IT" dirty="0" err="1">
+                <a:solidFill>
+                  <a:srgbClr val="0070C0"/>
+                </a:solidFill>
                 <a:latin typeface="+mj-lt"/>
                 <a:cs typeface="Courier New" panose="02070309020205020404" pitchFamily="49" charset="0"/>
               </a:rPr>
@@ -11757,13 +11388,29 @@
             </a:r>
             <a:r>
               <a:rPr lang="it-IT" dirty="0">
-                <a:latin typeface="+mj-lt"/>
-                <a:cs typeface="Courier New" panose="02070309020205020404" pitchFamily="49" charset="0"/>
-              </a:rPr>
-              <a:t>" : {"$in" : [12345, "</a:t>
-            </a:r>
-            <a:r>
-              <a:rPr lang="it-IT" dirty="0" err="1">
+                <a:solidFill>
+                  <a:srgbClr val="0070C0"/>
+                </a:solidFill>
+                <a:latin typeface="+mj-lt"/>
+                <a:cs typeface="Courier New" panose="02070309020205020404" pitchFamily="49" charset="0"/>
+              </a:rPr>
+              <a:t>": </a:t>
+            </a:r>
+            <a:r>
+              <a:rPr lang="it-IT" dirty="0">
+                <a:solidFill>
+                  <a:srgbClr val="FF0000"/>
+                </a:solidFill>
+                <a:latin typeface="+mj-lt"/>
+                <a:cs typeface="Courier New" panose="02070309020205020404" pitchFamily="49" charset="0"/>
+              </a:rPr>
+              <a:t>{"$in": [12345, "</a:t>
+            </a:r>
+            <a:r>
+              <a:rPr lang="it-IT" dirty="0" err="1">
+                <a:solidFill>
+                  <a:srgbClr val="FF0000"/>
+                </a:solidFill>
                 <a:latin typeface="+mj-lt"/>
                 <a:cs typeface="Courier New" panose="02070309020205020404" pitchFamily="49" charset="0"/>
               </a:rPr>
@@ -11771,10 +11418,30 @@
             </a:r>
             <a:r>
               <a:rPr lang="it-IT" dirty="0">
-                <a:latin typeface="+mj-lt"/>
-                <a:cs typeface="Courier New" panose="02070309020205020404" pitchFamily="49" charset="0"/>
-              </a:rPr>
-              <a:t>"]})</a:t>
+                <a:solidFill>
+                  <a:srgbClr val="FF0000"/>
+                </a:solidFill>
+                <a:latin typeface="+mj-lt"/>
+                <a:cs typeface="Courier New" panose="02070309020205020404" pitchFamily="49" charset="0"/>
+              </a:rPr>
+              <a:t>"]}</a:t>
+            </a:r>
+            <a:r>
+              <a:rPr lang="it-IT" dirty="0">
+                <a:solidFill>
+                  <a:srgbClr val="0070C0"/>
+                </a:solidFill>
+                <a:latin typeface="+mj-lt"/>
+                <a:cs typeface="Courier New" panose="02070309020205020404" pitchFamily="49" charset="0"/>
+              </a:rPr>
+              <a:t>}</a:t>
+            </a:r>
+            <a:r>
+              <a:rPr lang="it-IT" dirty="0">
+                <a:latin typeface="+mj-lt"/>
+                <a:cs typeface="Courier New" panose="02070309020205020404" pitchFamily="49" charset="0"/>
+              </a:rPr>
+              <a:t>)</a:t>
             </a:r>
           </a:p>
           <a:p>
@@ -11791,10 +11458,23 @@
                 <a:latin typeface="+mj-lt"/>
                 <a:cs typeface="Courier New" panose="02070309020205020404" pitchFamily="49" charset="0"/>
               </a:rPr>
-              <a:t>({"</a:t>
-            </a:r>
-            <a:r>
-              <a:rPr lang="it-IT" dirty="0" err="1">
+              <a:t>(</a:t>
+            </a:r>
+            <a:r>
+              <a:rPr lang="it-IT" dirty="0">
+                <a:solidFill>
+                  <a:srgbClr val="0070C0"/>
+                </a:solidFill>
+                <a:latin typeface="+mj-lt"/>
+                <a:cs typeface="Courier New" panose="02070309020205020404" pitchFamily="49" charset="0"/>
+              </a:rPr>
+              <a:t>{"</a:t>
+            </a:r>
+            <a:r>
+              <a:rPr lang="it-IT" dirty="0" err="1">
+                <a:solidFill>
+                  <a:srgbClr val="0070C0"/>
+                </a:solidFill>
                 <a:latin typeface="+mj-lt"/>
                 <a:cs typeface="Courier New" panose="02070309020205020404" pitchFamily="49" charset="0"/>
               </a:rPr>
@@ -11802,13 +11482,36 @@
             </a:r>
             <a:r>
               <a:rPr lang="it-IT" dirty="0">
-                <a:latin typeface="+mj-lt"/>
-                <a:cs typeface="Courier New" panose="02070309020205020404" pitchFamily="49" charset="0"/>
-              </a:rPr>
-              <a:t>" : {"$</a:t>
-            </a:r>
-            <a:r>
-              <a:rPr lang="it-IT" dirty="0" err="1">
+                <a:solidFill>
+                  <a:srgbClr val="0070C0"/>
+                </a:solidFill>
+                <a:latin typeface="+mj-lt"/>
+                <a:cs typeface="Courier New" panose="02070309020205020404" pitchFamily="49" charset="0"/>
+              </a:rPr>
+              <a:t>":</a:t>
+            </a:r>
+            <a:r>
+              <a:rPr lang="it-IT" dirty="0">
+                <a:latin typeface="+mj-lt"/>
+                <a:cs typeface="Courier New" panose="02070309020205020404" pitchFamily="49" charset="0"/>
+              </a:rPr>
+              <a:t> </a:t>
+            </a:r>
+            <a:r>
+              <a:rPr lang="it-IT" dirty="0">
+                <a:solidFill>
+                  <a:srgbClr val="FF0000"/>
+                </a:solidFill>
+                <a:latin typeface="+mj-lt"/>
+                <a:cs typeface="Courier New" panose="02070309020205020404" pitchFamily="49" charset="0"/>
+              </a:rPr>
+              <a:t>{"$</a:t>
+            </a:r>
+            <a:r>
+              <a:rPr lang="it-IT" dirty="0" err="1">
+                <a:solidFill>
+                  <a:srgbClr val="FF0000"/>
+                </a:solidFill>
                 <a:latin typeface="+mj-lt"/>
                 <a:cs typeface="Courier New" panose="02070309020205020404" pitchFamily="49" charset="0"/>
               </a:rPr>
@@ -11816,10 +11519,30 @@
             </a:r>
             <a:r>
               <a:rPr lang="it-IT" dirty="0">
-                <a:latin typeface="+mj-lt"/>
-                <a:cs typeface="Courier New" panose="02070309020205020404" pitchFamily="49" charset="0"/>
-              </a:rPr>
-              <a:t>" : [725, 542, 390]}})</a:t>
+                <a:solidFill>
+                  <a:srgbClr val="FF0000"/>
+                </a:solidFill>
+                <a:latin typeface="+mj-lt"/>
+                <a:cs typeface="Courier New" panose="02070309020205020404" pitchFamily="49" charset="0"/>
+              </a:rPr>
+              <a:t>": [725, 542, 390]}</a:t>
+            </a:r>
+            <a:r>
+              <a:rPr lang="it-IT" dirty="0">
+                <a:solidFill>
+                  <a:srgbClr val="0070C0"/>
+                </a:solidFill>
+                <a:latin typeface="+mj-lt"/>
+                <a:cs typeface="Courier New" panose="02070309020205020404" pitchFamily="49" charset="0"/>
+              </a:rPr>
+              <a:t>}</a:t>
+            </a:r>
+            <a:r>
+              <a:rPr lang="it-IT" dirty="0">
+                <a:latin typeface="+mj-lt"/>
+                <a:cs typeface="Courier New" panose="02070309020205020404" pitchFamily="49" charset="0"/>
+              </a:rPr>
+              <a:t>)</a:t>
             </a:r>
           </a:p>
           <a:p>
@@ -11843,10 +11566,33 @@
                 <a:latin typeface="+mj-lt"/>
                 <a:cs typeface="Courier New" panose="02070309020205020404" pitchFamily="49" charset="0"/>
               </a:rPr>
-              <a:t>({"$or" : [{"</a:t>
-            </a:r>
-            <a:r>
-              <a:rPr lang="it-IT" dirty="0" err="1">
+              <a:t>(</a:t>
+            </a:r>
+            <a:r>
+              <a:rPr lang="it-IT" dirty="0">
+                <a:solidFill>
+                  <a:srgbClr val="00B050"/>
+                </a:solidFill>
+                <a:latin typeface="+mj-lt"/>
+                <a:cs typeface="Courier New" panose="02070309020205020404" pitchFamily="49" charset="0"/>
+              </a:rPr>
+              <a:t>{"$or": [</a:t>
+            </a:r>
+            <a:r>
+              <a:rPr lang="it-IT" dirty="0">
+                <a:solidFill>
+                  <a:srgbClr val="FF0000"/>
+                </a:solidFill>
+                <a:latin typeface="+mj-lt"/>
+                <a:cs typeface="Courier New" panose="02070309020205020404" pitchFamily="49" charset="0"/>
+              </a:rPr>
+              <a:t>{"</a:t>
+            </a:r>
+            <a:r>
+              <a:rPr lang="it-IT" dirty="0" err="1">
+                <a:solidFill>
+                  <a:srgbClr val="FF0000"/>
+                </a:solidFill>
                 <a:latin typeface="+mj-lt"/>
                 <a:cs typeface="Courier New" panose="02070309020205020404" pitchFamily="49" charset="0"/>
               </a:rPr>
@@ -11854,27 +11600,174 @@
             </a:r>
             <a:r>
               <a:rPr lang="it-IT" dirty="0">
-                <a:latin typeface="+mj-lt"/>
-                <a:cs typeface="Courier New" panose="02070309020205020404" pitchFamily="49" charset="0"/>
-              </a:rPr>
-              <a:t>" : 725}, {"</a:t>
-            </a:r>
-            <a:r>
-              <a:rPr lang="it-IT" dirty="0" err="1">
-                <a:latin typeface="+mj-lt"/>
-                <a:cs typeface="Courier New" panose="02070309020205020404" pitchFamily="49" charset="0"/>
-              </a:rPr>
-              <a:t>winner</a:t>
-            </a:r>
-            <a:r>
-              <a:rPr lang="it-IT" dirty="0">
+                <a:solidFill>
+                  <a:srgbClr val="FF0000"/>
+                </a:solidFill>
+                <a:latin typeface="+mj-lt"/>
+                <a:cs typeface="Courier New" panose="02070309020205020404" pitchFamily="49" charset="0"/>
+              </a:rPr>
+              <a:t>": 725}</a:t>
+            </a:r>
+            <a:r>
+              <a:rPr lang="it-IT" dirty="0">
+                <a:latin typeface="+mj-lt"/>
+                <a:cs typeface="Courier New" panose="02070309020205020404" pitchFamily="49" charset="0"/>
+              </a:rPr>
+              <a:t>, </a:t>
+            </a:r>
+            <a:r>
+              <a:rPr lang="it-IT" dirty="0">
+                <a:solidFill>
+                  <a:srgbClr val="0070C0"/>
+                </a:solidFill>
+                <a:latin typeface="+mj-lt"/>
+                <a:cs typeface="Courier New" panose="02070309020205020404" pitchFamily="49" charset="0"/>
+              </a:rPr>
+              <a:t>{"winner": </a:t>
+            </a:r>
+            <a:r>
+              <a:rPr lang="it-IT" dirty="0" err="1">
+                <a:solidFill>
+                  <a:srgbClr val="0070C0"/>
+                </a:solidFill>
+                <a:latin typeface="+mj-lt"/>
+                <a:cs typeface="Courier New" panose="02070309020205020404" pitchFamily="49" charset="0"/>
+              </a:rPr>
+              <a:t>true</a:t>
+            </a:r>
+            <a:r>
+              <a:rPr lang="it-IT" dirty="0">
+                <a:solidFill>
+                  <a:srgbClr val="0070C0"/>
+                </a:solidFill>
+                <a:latin typeface="+mj-lt"/>
+                <a:cs typeface="Courier New" panose="02070309020205020404" pitchFamily="49" charset="0"/>
+              </a:rPr>
+              <a:t>}</a:t>
+            </a:r>
+            <a:r>
+              <a:rPr lang="it-IT" dirty="0">
+                <a:solidFill>
+                  <a:srgbClr val="00B050"/>
+                </a:solidFill>
+                <a:latin typeface="+mj-lt"/>
+                <a:cs typeface="Courier New" panose="02070309020205020404" pitchFamily="49" charset="0"/>
+              </a:rPr>
+              <a:t>]}</a:t>
+            </a:r>
+            <a:r>
+              <a:rPr lang="it-IT" dirty="0">
+                <a:latin typeface="+mj-lt"/>
+                <a:cs typeface="Courier New" panose="02070309020205020404" pitchFamily="49" charset="0"/>
+              </a:rPr>
+              <a:t>)</a:t>
+            </a:r>
+          </a:p>
+          <a:p>
+            <a:pPr lvl="1"/>
+            <a:r>
+              <a:rPr lang="en-US" dirty="0" err="1">
+                <a:latin typeface="+mj-lt"/>
+                <a:cs typeface="Courier New" panose="02070309020205020404" pitchFamily="49" charset="0"/>
+              </a:rPr>
+              <a:t>db.raffle.find</a:t>
+            </a:r>
+            <a:r>
+              <a:rPr lang="en-US" dirty="0">
+                <a:latin typeface="+mj-lt"/>
+                <a:cs typeface="Courier New" panose="02070309020205020404" pitchFamily="49" charset="0"/>
+              </a:rPr>
+              <a:t>(</a:t>
+            </a:r>
+            <a:r>
+              <a:rPr lang="en-US" dirty="0">
+                <a:solidFill>
+                  <a:srgbClr val="FF9230"/>
+                </a:solidFill>
+                <a:latin typeface="+mj-lt"/>
+                <a:cs typeface="Courier New" panose="02070309020205020404" pitchFamily="49" charset="0"/>
+              </a:rPr>
+              <a:t>{"$or": [</a:t>
+            </a:r>
+            <a:r>
+              <a:rPr lang="en-US" dirty="0">
+                <a:solidFill>
+                  <a:srgbClr val="00B050"/>
+                </a:solidFill>
+                <a:latin typeface="+mj-lt"/>
+                <a:cs typeface="Courier New" panose="02070309020205020404" pitchFamily="49" charset="0"/>
+              </a:rPr>
+              <a:t>{"</a:t>
+            </a:r>
+            <a:r>
+              <a:rPr lang="en-US" dirty="0" err="1">
+                <a:solidFill>
+                  <a:srgbClr val="00B050"/>
+                </a:solidFill>
+                <a:latin typeface="+mj-lt"/>
+                <a:cs typeface="Courier New" panose="02070309020205020404" pitchFamily="49" charset="0"/>
+              </a:rPr>
+              <a:t>ticket_no</a:t>
+            </a:r>
+            <a:r>
+              <a:rPr lang="en-US" dirty="0">
+                <a:solidFill>
+                  <a:srgbClr val="00B050"/>
+                </a:solidFill>
                 <a:latin typeface="+mj-lt"/>
                 <a:cs typeface="Courier New" panose="02070309020205020404" pitchFamily="49" charset="0"/>
               </a:rPr>
               <a:t>":</a:t>
             </a:r>
             <a:r>
-              <a:rPr lang="it-IT" dirty="0" err="1">
+              <a:rPr lang="en-US" dirty="0">
+                <a:latin typeface="+mj-lt"/>
+                <a:cs typeface="Courier New" panose="02070309020205020404" pitchFamily="49" charset="0"/>
+              </a:rPr>
+              <a:t> </a:t>
+            </a:r>
+            <a:r>
+              <a:rPr lang="en-US" dirty="0">
+                <a:solidFill>
+                  <a:srgbClr val="FF0000"/>
+                </a:solidFill>
+                <a:latin typeface="+mj-lt"/>
+                <a:cs typeface="Courier New" panose="02070309020205020404" pitchFamily="49" charset="0"/>
+              </a:rPr>
+              <a:t>{"$in": [725, 542, 390]}</a:t>
+            </a:r>
+            <a:r>
+              <a:rPr lang="en-US" dirty="0">
+                <a:solidFill>
+                  <a:srgbClr val="00B050"/>
+                </a:solidFill>
+                <a:latin typeface="+mj-lt"/>
+                <a:cs typeface="Courier New" panose="02070309020205020404" pitchFamily="49" charset="0"/>
+              </a:rPr>
+              <a:t>}</a:t>
+            </a:r>
+            <a:r>
+              <a:rPr lang="en-US" dirty="0">
+                <a:latin typeface="+mj-lt"/>
+                <a:cs typeface="Courier New" panose="02070309020205020404" pitchFamily="49" charset="0"/>
+              </a:rPr>
+              <a:t>, </a:t>
+            </a:r>
+            <a:r>
+              <a:rPr lang="it-IT" dirty="0">
+                <a:solidFill>
+                  <a:srgbClr val="0070C0"/>
+                </a:solidFill>
+                <a:latin typeface="+mj-lt"/>
+                <a:cs typeface="Courier New" panose="02070309020205020404" pitchFamily="49" charset="0"/>
+              </a:rPr>
+              <a:t>{"winner": </a:t>
+            </a:r>
+            <a:r>
+              <a:rPr lang="it-IT" dirty="0" err="1">
+                <a:solidFill>
+                  <a:srgbClr val="0070C0"/>
+                </a:solidFill>
                 <a:latin typeface="+mj-lt"/>
                 <a:cs typeface="Courier New" panose="02070309020205020404" pitchFamily="49" charset="0"/>
               </a:rPr>
@@ -11882,89 +11775,30 @@
             </a:r>
             <a:r>
               <a:rPr lang="it-IT" dirty="0">
-                <a:latin typeface="+mj-lt"/>
-                <a:cs typeface="Courier New" panose="02070309020205020404" pitchFamily="49" charset="0"/>
-              </a:rPr>
-              <a:t>}]})</a:t>
-            </a:r>
-          </a:p>
-          <a:p>
-            <a:pPr lvl="1"/>
-            <a:r>
-              <a:rPr lang="en-US" dirty="0" err="1">
-                <a:latin typeface="+mj-lt"/>
-                <a:cs typeface="Courier New" panose="02070309020205020404" pitchFamily="49" charset="0"/>
-              </a:rPr>
-              <a:t>db.raffle.find</a:t>
-            </a:r>
-            <a:r>
-              <a:rPr lang="en-US" dirty="0">
-                <a:latin typeface="+mj-lt"/>
-                <a:cs typeface="Courier New" panose="02070309020205020404" pitchFamily="49" charset="0"/>
-              </a:rPr>
-              <a:t>({"$or" : </a:t>
-            </a:r>
-            <a:br>
-              <a:rPr lang="en-US" dirty="0">
-                <a:latin typeface="+mj-lt"/>
-                <a:cs typeface="Courier New" panose="02070309020205020404" pitchFamily="49" charset="0"/>
-              </a:rPr>
-            </a:br>
-            <a:r>
-              <a:rPr lang="en-US" dirty="0">
-                <a:latin typeface="+mj-lt"/>
-                <a:cs typeface="Courier New" panose="02070309020205020404" pitchFamily="49" charset="0"/>
-              </a:rPr>
-              <a:t>	[{"</a:t>
-            </a:r>
-            <a:r>
-              <a:rPr lang="en-US" dirty="0" err="1">
-                <a:latin typeface="+mj-lt"/>
-                <a:cs typeface="Courier New" panose="02070309020205020404" pitchFamily="49" charset="0"/>
-              </a:rPr>
-              <a:t>ticket_no</a:t>
-            </a:r>
-            <a:r>
-              <a:rPr lang="en-US" dirty="0">
-                <a:latin typeface="+mj-lt"/>
-                <a:cs typeface="Courier New" panose="02070309020205020404" pitchFamily="49" charset="0"/>
-              </a:rPr>
-              <a:t>" : {"$in" : [725, 542, 390]}}, </a:t>
-            </a:r>
-            <a:r>
-              <a:rPr lang="it-IT" dirty="0">
-                <a:latin typeface="+mj-lt"/>
-                <a:cs typeface="Courier New" panose="02070309020205020404" pitchFamily="49" charset="0"/>
-              </a:rPr>
-              <a:t>{"</a:t>
-            </a:r>
-            <a:r>
-              <a:rPr lang="it-IT" dirty="0" err="1">
-                <a:latin typeface="+mj-lt"/>
-                <a:cs typeface="Courier New" panose="02070309020205020404" pitchFamily="49" charset="0"/>
-              </a:rPr>
-              <a:t>winner</a:t>
-            </a:r>
-            <a:r>
-              <a:rPr lang="it-IT" dirty="0">
-                <a:latin typeface="+mj-lt"/>
-                <a:cs typeface="Courier New" panose="02070309020205020404" pitchFamily="49" charset="0"/>
-              </a:rPr>
-              <a:t>":</a:t>
-            </a:r>
-            <a:r>
-              <a:rPr lang="it-IT" dirty="0" err="1">
-                <a:latin typeface="+mj-lt"/>
-                <a:cs typeface="Courier New" panose="02070309020205020404" pitchFamily="49" charset="0"/>
-              </a:rPr>
-              <a:t>true</a:t>
-            </a:r>
-            <a:r>
-              <a:rPr lang="it-IT" dirty="0">
-                <a:latin typeface="+mj-lt"/>
-                <a:cs typeface="Courier New" panose="02070309020205020404" pitchFamily="49" charset="0"/>
-              </a:rPr>
-              <a:t>}]})</a:t>
+                <a:solidFill>
+                  <a:srgbClr val="0070C0"/>
+                </a:solidFill>
+                <a:latin typeface="+mj-lt"/>
+                <a:cs typeface="Courier New" panose="02070309020205020404" pitchFamily="49" charset="0"/>
+              </a:rPr>
+              <a:t>}</a:t>
+            </a:r>
+            <a:r>
+              <a:rPr lang="it-IT" dirty="0">
+                <a:solidFill>
+                  <a:srgbClr val="FF9230"/>
+                </a:solidFill>
+                <a:latin typeface="+mj-lt"/>
+                <a:cs typeface="Courier New" panose="02070309020205020404" pitchFamily="49" charset="0"/>
+              </a:rPr>
+              <a:t>]}</a:t>
+            </a:r>
+            <a:r>
+              <a:rPr lang="it-IT" dirty="0">
+                <a:latin typeface="+mj-lt"/>
+                <a:cs typeface="Courier New" panose="02070309020205020404" pitchFamily="49" charset="0"/>
+              </a:rPr>
+              <a:t>)</a:t>
             </a:r>
           </a:p>
           <a:p>
@@ -11988,10 +11822,23 @@
                 <a:latin typeface="+mj-lt"/>
                 <a:cs typeface="Courier New" panose="02070309020205020404" pitchFamily="49" charset="0"/>
               </a:rPr>
-              <a:t>({"$</a:t>
-            </a:r>
-            <a:r>
-              <a:rPr lang="it-IT" dirty="0" err="1">
+              <a:t>(</a:t>
+            </a:r>
+            <a:r>
+              <a:rPr lang="it-IT" dirty="0">
+                <a:solidFill>
+                  <a:srgbClr val="00B050"/>
+                </a:solidFill>
+                <a:latin typeface="+mj-lt"/>
+                <a:cs typeface="Courier New" panose="02070309020205020404" pitchFamily="49" charset="0"/>
+              </a:rPr>
+              <a:t>{"$</a:t>
+            </a:r>
+            <a:r>
+              <a:rPr lang="it-IT" dirty="0" err="1">
+                <a:solidFill>
+                  <a:srgbClr val="00B050"/>
+                </a:solidFill>
                 <a:latin typeface="+mj-lt"/>
                 <a:cs typeface="Courier New" panose="02070309020205020404" pitchFamily="49" charset="0"/>
               </a:rPr>
@@ -11999,13 +11846,29 @@
             </a:r>
             <a:r>
               <a:rPr lang="it-IT" dirty="0">
-                <a:latin typeface="+mj-lt"/>
-                <a:cs typeface="Courier New" panose="02070309020205020404" pitchFamily="49" charset="0"/>
-              </a:rPr>
-              <a:t>" : [{"</a:t>
-            </a:r>
-            <a:r>
-              <a:rPr lang="it-IT" dirty="0" err="1">
+                <a:solidFill>
+                  <a:srgbClr val="00B050"/>
+                </a:solidFill>
+                <a:latin typeface="+mj-lt"/>
+                <a:cs typeface="Courier New" panose="02070309020205020404" pitchFamily="49" charset="0"/>
+              </a:rPr>
+              <a:t>": [</a:t>
+            </a:r>
+            <a:r>
+              <a:rPr lang="it-IT" dirty="0">
+                <a:solidFill>
+                  <a:srgbClr val="FF0000"/>
+                </a:solidFill>
+                <a:latin typeface="+mj-lt"/>
+                <a:cs typeface="Courier New" panose="02070309020205020404" pitchFamily="49" charset="0"/>
+              </a:rPr>
+              <a:t>{"</a:t>
+            </a:r>
+            <a:r>
+              <a:rPr lang="it-IT" dirty="0" err="1">
+                <a:solidFill>
+                  <a:srgbClr val="FF0000"/>
+                </a:solidFill>
                 <a:latin typeface="+mj-lt"/>
                 <a:cs typeface="Courier New" panose="02070309020205020404" pitchFamily="49" charset="0"/>
               </a:rPr>
@@ -12013,27 +11876,36 @@
             </a:r>
             <a:r>
               <a:rPr lang="it-IT" dirty="0">
-                <a:latin typeface="+mj-lt"/>
-                <a:cs typeface="Courier New" panose="02070309020205020404" pitchFamily="49" charset="0"/>
-              </a:rPr>
-              <a:t>" : 725}, {"</a:t>
-            </a:r>
-            <a:r>
-              <a:rPr lang="it-IT" dirty="0" err="1">
-                <a:latin typeface="+mj-lt"/>
-                <a:cs typeface="Courier New" panose="02070309020205020404" pitchFamily="49" charset="0"/>
-              </a:rPr>
-              <a:t>winner</a:t>
-            </a:r>
-            <a:r>
-              <a:rPr lang="it-IT" dirty="0">
-                <a:latin typeface="+mj-lt"/>
-                <a:cs typeface="Courier New" panose="02070309020205020404" pitchFamily="49" charset="0"/>
-              </a:rPr>
-              <a:t>":</a:t>
-            </a:r>
-            <a:r>
-              <a:rPr lang="it-IT" dirty="0" err="1">
+                <a:solidFill>
+                  <a:srgbClr val="FF0000"/>
+                </a:solidFill>
+                <a:latin typeface="+mj-lt"/>
+                <a:cs typeface="Courier New" panose="02070309020205020404" pitchFamily="49" charset="0"/>
+              </a:rPr>
+              <a:t>": 725}</a:t>
+            </a:r>
+            <a:r>
+              <a:rPr lang="it-IT" dirty="0">
+                <a:latin typeface="+mj-lt"/>
+                <a:cs typeface="Courier New" panose="02070309020205020404" pitchFamily="49" charset="0"/>
+              </a:rPr>
+              <a:t>, </a:t>
+            </a:r>
+            <a:r>
+              <a:rPr lang="it-IT" dirty="0">
+                <a:solidFill>
+                  <a:srgbClr val="0070C0"/>
+                </a:solidFill>
+                <a:latin typeface="+mj-lt"/>
+                <a:cs typeface="Courier New" panose="02070309020205020404" pitchFamily="49" charset="0"/>
+              </a:rPr>
+              <a:t>{"winner": </a:t>
+            </a:r>
+            <a:r>
+              <a:rPr lang="it-IT" dirty="0" err="1">
+                <a:solidFill>
+                  <a:srgbClr val="0070C0"/>
+                </a:solidFill>
                 <a:latin typeface="+mj-lt"/>
                 <a:cs typeface="Courier New" panose="02070309020205020404" pitchFamily="49" charset="0"/>
               </a:rPr>
@@ -12041,10 +11913,30 @@
             </a:r>
             <a:r>
               <a:rPr lang="it-IT" dirty="0">
-                <a:latin typeface="+mj-lt"/>
-                <a:cs typeface="Courier New" panose="02070309020205020404" pitchFamily="49" charset="0"/>
-              </a:rPr>
-              <a:t>}]})</a:t>
+                <a:solidFill>
+                  <a:srgbClr val="0070C0"/>
+                </a:solidFill>
+                <a:latin typeface="+mj-lt"/>
+                <a:cs typeface="Courier New" panose="02070309020205020404" pitchFamily="49" charset="0"/>
+              </a:rPr>
+              <a:t>}</a:t>
+            </a:r>
+            <a:r>
+              <a:rPr lang="it-IT" dirty="0">
+                <a:solidFill>
+                  <a:srgbClr val="00B050"/>
+                </a:solidFill>
+                <a:latin typeface="+mj-lt"/>
+                <a:cs typeface="Courier New" panose="02070309020205020404" pitchFamily="49" charset="0"/>
+              </a:rPr>
+              <a:t>]}</a:t>
+            </a:r>
+            <a:r>
+              <a:rPr lang="it-IT" dirty="0">
+                <a:latin typeface="+mj-lt"/>
+                <a:cs typeface="Courier New" panose="02070309020205020404" pitchFamily="49" charset="0"/>
+              </a:rPr>
+              <a:t>)</a:t>
             </a:r>
           </a:p>
           <a:p>
@@ -12061,10 +11953,33 @@
                 <a:latin typeface="+mj-lt"/>
                 <a:cs typeface="Courier New" panose="02070309020205020404" pitchFamily="49" charset="0"/>
               </a:rPr>
-              <a:t>({"$and" : [{"</a:t>
-            </a:r>
-            <a:r>
-              <a:rPr lang="it-IT" dirty="0" err="1">
+              <a:t>(</a:t>
+            </a:r>
+            <a:r>
+              <a:rPr lang="it-IT" dirty="0">
+                <a:solidFill>
+                  <a:srgbClr val="00B050"/>
+                </a:solidFill>
+                <a:latin typeface="+mj-lt"/>
+                <a:cs typeface="Courier New" panose="02070309020205020404" pitchFamily="49" charset="0"/>
+              </a:rPr>
+              <a:t>{"$and": [</a:t>
+            </a:r>
+            <a:r>
+              <a:rPr lang="it-IT" dirty="0">
+                <a:solidFill>
+                  <a:srgbClr val="FF0000"/>
+                </a:solidFill>
+                <a:latin typeface="+mj-lt"/>
+                <a:cs typeface="Courier New" panose="02070309020205020404" pitchFamily="49" charset="0"/>
+              </a:rPr>
+              <a:t>{"</a:t>
+            </a:r>
+            <a:r>
+              <a:rPr lang="it-IT" dirty="0" err="1">
+                <a:solidFill>
+                  <a:srgbClr val="FF0000"/>
+                </a:solidFill>
                 <a:latin typeface="+mj-lt"/>
                 <a:cs typeface="Courier New" panose="02070309020205020404" pitchFamily="49" charset="0"/>
               </a:rPr>
@@ -12072,27 +11987,36 @@
             </a:r>
             <a:r>
               <a:rPr lang="it-IT" dirty="0">
-                <a:latin typeface="+mj-lt"/>
-                <a:cs typeface="Courier New" panose="02070309020205020404" pitchFamily="49" charset="0"/>
-              </a:rPr>
-              <a:t>" : 725}, {"</a:t>
-            </a:r>
-            <a:r>
-              <a:rPr lang="it-IT" dirty="0" err="1">
-                <a:latin typeface="+mj-lt"/>
-                <a:cs typeface="Courier New" panose="02070309020205020404" pitchFamily="49" charset="0"/>
-              </a:rPr>
-              <a:t>winner</a:t>
-            </a:r>
-            <a:r>
-              <a:rPr lang="it-IT" dirty="0">
-                <a:latin typeface="+mj-lt"/>
-                <a:cs typeface="Courier New" panose="02070309020205020404" pitchFamily="49" charset="0"/>
-              </a:rPr>
-              <a:t>":</a:t>
-            </a:r>
-            <a:r>
-              <a:rPr lang="it-IT" dirty="0" err="1">
+                <a:solidFill>
+                  <a:srgbClr val="FF0000"/>
+                </a:solidFill>
+                <a:latin typeface="+mj-lt"/>
+                <a:cs typeface="Courier New" panose="02070309020205020404" pitchFamily="49" charset="0"/>
+              </a:rPr>
+              <a:t>": 725}</a:t>
+            </a:r>
+            <a:r>
+              <a:rPr lang="it-IT" dirty="0">
+                <a:latin typeface="+mj-lt"/>
+                <a:cs typeface="Courier New" panose="02070309020205020404" pitchFamily="49" charset="0"/>
+              </a:rPr>
+              <a:t>, </a:t>
+            </a:r>
+            <a:r>
+              <a:rPr lang="it-IT" dirty="0">
+                <a:solidFill>
+                  <a:srgbClr val="0070C0"/>
+                </a:solidFill>
+                <a:latin typeface="+mj-lt"/>
+                <a:cs typeface="Courier New" panose="02070309020205020404" pitchFamily="49" charset="0"/>
+              </a:rPr>
+              <a:t>{"winner": </a:t>
+            </a:r>
+            <a:r>
+              <a:rPr lang="it-IT" dirty="0" err="1">
+                <a:solidFill>
+                  <a:srgbClr val="0070C0"/>
+                </a:solidFill>
                 <a:latin typeface="+mj-lt"/>
                 <a:cs typeface="Courier New" panose="02070309020205020404" pitchFamily="49" charset="0"/>
               </a:rPr>
@@ -12100,10 +12024,30 @@
             </a:r>
             <a:r>
               <a:rPr lang="it-IT" dirty="0">
-                <a:latin typeface="+mj-lt"/>
-                <a:cs typeface="Courier New" panose="02070309020205020404" pitchFamily="49" charset="0"/>
-              </a:rPr>
-              <a:t>}]})</a:t>
+                <a:solidFill>
+                  <a:srgbClr val="0070C0"/>
+                </a:solidFill>
+                <a:latin typeface="+mj-lt"/>
+                <a:cs typeface="Courier New" panose="02070309020205020404" pitchFamily="49" charset="0"/>
+              </a:rPr>
+              <a:t>}</a:t>
+            </a:r>
+            <a:r>
+              <a:rPr lang="it-IT" dirty="0">
+                <a:solidFill>
+                  <a:srgbClr val="00B050"/>
+                </a:solidFill>
+                <a:latin typeface="+mj-lt"/>
+                <a:cs typeface="Courier New" panose="02070309020205020404" pitchFamily="49" charset="0"/>
+              </a:rPr>
+              <a:t>]}</a:t>
+            </a:r>
+            <a:r>
+              <a:rPr lang="it-IT" dirty="0">
+                <a:latin typeface="+mj-lt"/>
+                <a:cs typeface="Courier New" panose="02070309020205020404" pitchFamily="49" charset="0"/>
+              </a:rPr>
+              <a:t>)</a:t>
             </a:r>
           </a:p>
         </p:txBody>
@@ -12141,13 +12085,6 @@
   <p:clrMapOvr>
     <a:masterClrMapping/>
   </p:clrMapOvr>
-  <p:timing>
-    <p:tnLst>
-      <p:par>
-        <p:cTn id="1" dur="indefinite" restart="never" nodeType="tmRoot"/>
-      </p:par>
-    </p:tnLst>
-  </p:timing>
 </p:sld>
 </file>
 

--- a/slides/06 - E6 - MongoDB Find.pptx
+++ b/slides/06 - E6 - MongoDB Find.pptx
@@ -235,7 +235,7 @@
           <a:p>
             <a:fld id="{8C81D565-392B-4AB9-9647-420EF17AA3FC}" type="datetimeFigureOut">
               <a:rPr lang="it-IT" smtClean="0"/>
-              <a:t>22/12/2021</a:t>
+              <a:t>27/12/2021</a:t>
             </a:fld>
             <a:endParaRPr lang="it-IT" dirty="0"/>
           </a:p>
@@ -995,7 +995,7 @@
           <a:p>
             <a:fld id="{65061730-2F0F-4B55-83F4-33856D80FFD7}" type="datetime1">
               <a:rPr lang="en-US" smtClean="0"/>
-              <a:t>12/22/2021</a:t>
+              <a:t>12/27/2021</a:t>
             </a:fld>
             <a:endParaRPr lang="en-US" dirty="0"/>
           </a:p>
@@ -1203,7 +1203,7 @@
           <a:p>
             <a:fld id="{BE1035D6-F845-4530-B289-DD4EC9CAE501}" type="datetime1">
               <a:rPr lang="en-US" smtClean="0"/>
-              <a:t>12/22/2021</a:t>
+              <a:t>12/27/2021</a:t>
             </a:fld>
             <a:endParaRPr lang="en-US" dirty="0"/>
           </a:p>
@@ -1459,7 +1459,7 @@
           <a:p>
             <a:fld id="{EDD3DE46-844C-40F1-AAA7-78AD6518D44C}" type="datetime1">
               <a:rPr lang="en-US" smtClean="0"/>
-              <a:t>12/22/2021</a:t>
+              <a:t>12/27/2021</a:t>
             </a:fld>
             <a:endParaRPr lang="en-US" dirty="0"/>
           </a:p>
@@ -1631,7 +1631,7 @@
           <a:p>
             <a:fld id="{1FCF7768-7A83-43C9-9C3D-95CD5F68D7E2}" type="datetime1">
               <a:rPr lang="en-US" smtClean="0"/>
-              <a:t>12/22/2021</a:t>
+              <a:t>12/27/2021</a:t>
             </a:fld>
             <a:endParaRPr lang="en-US" dirty="0"/>
           </a:p>
@@ -1974,7 +1974,7 @@
           <a:p>
             <a:fld id="{58DD30C4-1715-4BC2-976F-EF7BA4DC70B4}" type="datetime1">
               <a:rPr lang="en-US" smtClean="0"/>
-              <a:t>12/22/2021</a:t>
+              <a:t>12/27/2021</a:t>
             </a:fld>
             <a:endParaRPr lang="en-US" dirty="0"/>
           </a:p>
@@ -2249,7 +2249,7 @@
           <a:p>
             <a:fld id="{E92CF10C-564E-48D4-BE3A-05BB93A7F107}" type="datetime1">
               <a:rPr lang="en-US" smtClean="0"/>
-              <a:t>12/22/2021</a:t>
+              <a:t>12/27/2021</a:t>
             </a:fld>
             <a:endParaRPr lang="en-US" dirty="0"/>
           </a:p>
@@ -2628,7 +2628,7 @@
           <a:p>
             <a:fld id="{CEF5B9DB-33AD-46E7-ADFD-C52815BFEA09}" type="datetime1">
               <a:rPr lang="en-US" smtClean="0"/>
-              <a:t>12/22/2021</a:t>
+              <a:t>12/27/2021</a:t>
             </a:fld>
             <a:endParaRPr lang="en-US" dirty="0"/>
           </a:p>
@@ -2746,7 +2746,7 @@
           <a:p>
             <a:fld id="{EFC02824-932F-46A1-8D0D-D52979BEE663}" type="datetime1">
               <a:rPr lang="en-US" smtClean="0"/>
-              <a:t>12/22/2021</a:t>
+              <a:t>12/27/2021</a:t>
             </a:fld>
             <a:endParaRPr lang="en-US" dirty="0"/>
           </a:p>
@@ -2917,7 +2917,7 @@
           <a:p>
             <a:fld id="{36233CB2-1968-4F08-9AB4-83693145DE18}" type="datetime1">
               <a:rPr lang="en-US" smtClean="0"/>
-              <a:t>12/22/2021</a:t>
+              <a:t>12/27/2021</a:t>
             </a:fld>
             <a:endParaRPr lang="en-US" dirty="0"/>
           </a:p>
@@ -3272,7 +3272,7 @@
           <a:p>
             <a:fld id="{F8F6D7E5-1322-4764-A2E4-7B71FFFDE726}" type="datetime1">
               <a:rPr lang="en-US" smtClean="0"/>
-              <a:t>12/22/2021</a:t>
+              <a:t>12/27/2021</a:t>
             </a:fld>
             <a:endParaRPr lang="en-US" dirty="0"/>
           </a:p>
@@ -3650,7 +3650,7 @@
           <a:p>
             <a:fld id="{E26D0A1A-929F-4DC6-9A8A-74A15252C912}" type="datetime1">
               <a:rPr lang="en-US" smtClean="0"/>
-              <a:t>12/22/2021</a:t>
+              <a:t>12/27/2021</a:t>
             </a:fld>
             <a:endParaRPr lang="en-US" dirty="0"/>
           </a:p>
@@ -3937,7 +3937,7 @@
           <a:p>
             <a:fld id="{EDD3DE46-844C-40F1-AAA7-78AD6518D44C}" type="datetime1">
               <a:rPr lang="en-US" smtClean="0"/>
-              <a:t>12/22/2021</a:t>
+              <a:t>12/27/2021</a:t>
             </a:fld>
             <a:endParaRPr lang="en-US" dirty="0"/>
           </a:p>
@@ -9775,7 +9775,7 @@
                 <a:latin typeface="+mj-lt"/>
                 <a:cs typeface="Courier New" panose="02070309020205020404" pitchFamily="49" charset="0"/>
               </a:rPr>
-              <a:t>],[</a:t>
+              <a:t>], [</a:t>
             </a:r>
             <a:r>
               <a:rPr lang="it-IT" dirty="0" err="1">
@@ -9801,7 +9801,10 @@
           <a:p>
             <a:pPr lvl="1"/>
             <a:r>
-              <a:rPr lang="it-IT" noProof="0" dirty="0" err="1"/>
+              <a:rPr lang="it-IT" sz="2000" dirty="0" err="1">
+                <a:latin typeface="+mj-lt"/>
+                <a:cs typeface="Courier New" panose="02070309020205020404" pitchFamily="49" charset="0"/>
+              </a:rPr>
               <a:t>nomeCollezione</a:t>
             </a:r>
             <a:r>
@@ -9819,16 +9822,27 @@
           <a:p>
             <a:pPr lvl="1"/>
             <a:r>
+              <a:rPr lang="it-IT" noProof="0" dirty="0">
+                <a:latin typeface="+mj-lt"/>
+              </a:rPr>
+              <a:t>[</a:t>
+            </a:r>
+            <a:r>
+              <a:rPr lang="it-IT" sz="2000" dirty="0" err="1">
+                <a:latin typeface="+mj-lt"/>
+                <a:cs typeface="Courier New" panose="02070309020205020404" pitchFamily="49" charset="0"/>
+              </a:rPr>
+              <a:t>objSel</a:t>
+            </a:r>
+            <a:r>
+              <a:rPr lang="it-IT" noProof="0" dirty="0">
+                <a:latin typeface="+mj-lt"/>
+              </a:rPr>
+              <a:t>]</a:t>
+            </a:r>
+            <a:r>
               <a:rPr lang="it-IT" noProof="0" dirty="0"/>
-              <a:t>[</a:t>
-            </a:r>
-            <a:r>
-              <a:rPr lang="it-IT" noProof="0" dirty="0" err="1"/>
-              <a:t>oggettoSelezione</a:t>
-            </a:r>
-            <a:r>
-              <a:rPr lang="it-IT" noProof="0" dirty="0"/>
-              <a:t>] è un (eventuale) oggetto che contiene i criteri di ricerca; </a:t>
+              <a:t> è un (eventuale) oggetto che contiene i criteri di ricerca; </a:t>
             </a:r>
             <a:br>
               <a:rPr lang="it-IT" noProof="0" dirty="0"/>
@@ -9849,16 +9863,26 @@
           <a:p>
             <a:pPr lvl="1"/>
             <a:r>
+              <a:rPr lang="it-IT" noProof="0" dirty="0">
+                <a:latin typeface="+mj-lt"/>
+              </a:rPr>
+              <a:t>[</a:t>
+            </a:r>
+            <a:r>
+              <a:rPr lang="it-IT" noProof="0" dirty="0" err="1">
+                <a:latin typeface="+mj-lt"/>
+              </a:rPr>
+              <a:t>objProj</a:t>
+            </a:r>
+            <a:r>
+              <a:rPr lang="it-IT" noProof="0" dirty="0">
+                <a:latin typeface="+mj-lt"/>
+              </a:rPr>
+              <a:t>]</a:t>
+            </a:r>
+            <a:r>
               <a:rPr lang="it-IT" noProof="0" dirty="0"/>
-              <a:t>[</a:t>
-            </a:r>
-            <a:r>
-              <a:rPr lang="it-IT" noProof="0" dirty="0" err="1"/>
-              <a:t>oggettoProiezione</a:t>
-            </a:r>
-            <a:r>
-              <a:rPr lang="it-IT" noProof="0" dirty="0"/>
-              <a:t>] è un (eventuale) oggetto che contiene i criteri di ricerca;</a:t>
+              <a:t> è un (eventuale) oggetto che contiene i criteri di ricerca;</a:t>
             </a:r>
             <a:br>
               <a:rPr lang="it-IT" noProof="0" dirty="0"/>
@@ -11065,7 +11089,7 @@
                 <a:latin typeface="+mj-lt"/>
                 <a:cs typeface="Courier New" panose="02070309020205020404" pitchFamily="49" charset="0"/>
               </a:rPr>
-              <a:t>": 18} })</a:t>
+              <a:t>": 18}})</a:t>
             </a:r>
           </a:p>
           <a:p>
@@ -11141,7 +11165,7 @@
                 <a:latin typeface="+mj-lt"/>
                 <a:cs typeface="Courier New" panose="02070309020205020404" pitchFamily="49" charset="0"/>
               </a:rPr>
-              <a:t>": {"$lt": new Date("2007-01-01")} })</a:t>
+              <a:t>": {"$lt": new Date("2007-01-01")}})</a:t>
             </a:r>
           </a:p>
           <a:p>

--- a/slides/06 - E6 - MongoDB Find.pptx
+++ b/slides/06 - E6 - MongoDB Find.pptx
@@ -235,7 +235,7 @@
           <a:p>
             <a:fld id="{8C81D565-392B-4AB9-9647-420EF17AA3FC}" type="datetimeFigureOut">
               <a:rPr lang="it-IT" smtClean="0"/>
-              <a:t>27/12/2021</a:t>
+              <a:t>23/02/2022</a:t>
             </a:fld>
             <a:endParaRPr lang="it-IT" dirty="0"/>
           </a:p>
@@ -995,7 +995,7 @@
           <a:p>
             <a:fld id="{65061730-2F0F-4B55-83F4-33856D80FFD7}" type="datetime1">
               <a:rPr lang="en-US" smtClean="0"/>
-              <a:t>12/27/2021</a:t>
+              <a:t>2/23/2022</a:t>
             </a:fld>
             <a:endParaRPr lang="en-US" dirty="0"/>
           </a:p>
@@ -1203,7 +1203,7 @@
           <a:p>
             <a:fld id="{BE1035D6-F845-4530-B289-DD4EC9CAE501}" type="datetime1">
               <a:rPr lang="en-US" smtClean="0"/>
-              <a:t>12/27/2021</a:t>
+              <a:t>2/23/2022</a:t>
             </a:fld>
             <a:endParaRPr lang="en-US" dirty="0"/>
           </a:p>
@@ -1459,7 +1459,7 @@
           <a:p>
             <a:fld id="{EDD3DE46-844C-40F1-AAA7-78AD6518D44C}" type="datetime1">
               <a:rPr lang="en-US" smtClean="0"/>
-              <a:t>12/27/2021</a:t>
+              <a:t>2/23/2022</a:t>
             </a:fld>
             <a:endParaRPr lang="en-US" dirty="0"/>
           </a:p>
@@ -1631,7 +1631,7 @@
           <a:p>
             <a:fld id="{1FCF7768-7A83-43C9-9C3D-95CD5F68D7E2}" type="datetime1">
               <a:rPr lang="en-US" smtClean="0"/>
-              <a:t>12/27/2021</a:t>
+              <a:t>2/23/2022</a:t>
             </a:fld>
             <a:endParaRPr lang="en-US" dirty="0"/>
           </a:p>
@@ -1974,7 +1974,7 @@
           <a:p>
             <a:fld id="{58DD30C4-1715-4BC2-976F-EF7BA4DC70B4}" type="datetime1">
               <a:rPr lang="en-US" smtClean="0"/>
-              <a:t>12/27/2021</a:t>
+              <a:t>2/23/2022</a:t>
             </a:fld>
             <a:endParaRPr lang="en-US" dirty="0"/>
           </a:p>
@@ -2249,7 +2249,7 @@
           <a:p>
             <a:fld id="{E92CF10C-564E-48D4-BE3A-05BB93A7F107}" type="datetime1">
               <a:rPr lang="en-US" smtClean="0"/>
-              <a:t>12/27/2021</a:t>
+              <a:t>2/23/2022</a:t>
             </a:fld>
             <a:endParaRPr lang="en-US" dirty="0"/>
           </a:p>
@@ -2628,7 +2628,7 @@
           <a:p>
             <a:fld id="{CEF5B9DB-33AD-46E7-ADFD-C52815BFEA09}" type="datetime1">
               <a:rPr lang="en-US" smtClean="0"/>
-              <a:t>12/27/2021</a:t>
+              <a:t>2/23/2022</a:t>
             </a:fld>
             <a:endParaRPr lang="en-US" dirty="0"/>
           </a:p>
@@ -2746,7 +2746,7 @@
           <a:p>
             <a:fld id="{EFC02824-932F-46A1-8D0D-D52979BEE663}" type="datetime1">
               <a:rPr lang="en-US" smtClean="0"/>
-              <a:t>12/27/2021</a:t>
+              <a:t>2/23/2022</a:t>
             </a:fld>
             <a:endParaRPr lang="en-US" dirty="0"/>
           </a:p>
@@ -2917,7 +2917,7 @@
           <a:p>
             <a:fld id="{36233CB2-1968-4F08-9AB4-83693145DE18}" type="datetime1">
               <a:rPr lang="en-US" smtClean="0"/>
-              <a:t>12/27/2021</a:t>
+              <a:t>2/23/2022</a:t>
             </a:fld>
             <a:endParaRPr lang="en-US" dirty="0"/>
           </a:p>
@@ -3272,7 +3272,7 @@
           <a:p>
             <a:fld id="{F8F6D7E5-1322-4764-A2E4-7B71FFFDE726}" type="datetime1">
               <a:rPr lang="en-US" smtClean="0"/>
-              <a:t>12/27/2021</a:t>
+              <a:t>2/23/2022</a:t>
             </a:fld>
             <a:endParaRPr lang="en-US" dirty="0"/>
           </a:p>
@@ -3650,7 +3650,7 @@
           <a:p>
             <a:fld id="{E26D0A1A-929F-4DC6-9A8A-74A15252C912}" type="datetime1">
               <a:rPr lang="en-US" smtClean="0"/>
-              <a:t>12/27/2021</a:t>
+              <a:t>2/23/2022</a:t>
             </a:fld>
             <a:endParaRPr lang="en-US" dirty="0"/>
           </a:p>
@@ -3937,7 +3937,7 @@
           <a:p>
             <a:fld id="{EDD3DE46-844C-40F1-AAA7-78AD6518D44C}" type="datetime1">
               <a:rPr lang="en-US" smtClean="0"/>
-              <a:t>12/27/2021</a:t>
+              <a:t>2/23/2022</a:t>
             </a:fld>
             <a:endParaRPr lang="en-US" dirty="0"/>
           </a:p>
@@ -9754,7 +9754,24 @@
                 <a:latin typeface="+mj-lt"/>
                 <a:cs typeface="Courier New" panose="02070309020205020404" pitchFamily="49" charset="0"/>
               </a:rPr>
-              <a:t>db.nomeCollezione.find</a:t>
+              <a:t>db.</a:t>
+            </a:r>
+            <a:r>
+              <a:rPr lang="it-IT" dirty="0" err="1">
+                <a:solidFill>
+                  <a:srgbClr val="FF0000"/>
+                </a:solidFill>
+                <a:latin typeface="+mj-lt"/>
+                <a:cs typeface="Courier New" panose="02070309020205020404" pitchFamily="49" charset="0"/>
+              </a:rPr>
+              <a:t>nomeCollezione</a:t>
+            </a:r>
+            <a:r>
+              <a:rPr lang="it-IT" dirty="0" err="1">
+                <a:latin typeface="+mj-lt"/>
+                <a:cs typeface="Courier New" panose="02070309020205020404" pitchFamily="49" charset="0"/>
+              </a:rPr>
+              <a:t>.find</a:t>
             </a:r>
             <a:r>
               <a:rPr lang="it-IT" dirty="0">
@@ -9765,6 +9782,9 @@
             </a:r>
             <a:r>
               <a:rPr lang="it-IT" dirty="0" err="1">
+                <a:solidFill>
+                  <a:srgbClr val="0070C0"/>
+                </a:solidFill>
                 <a:latin typeface="+mj-lt"/>
                 <a:cs typeface="Courier New" panose="02070309020205020404" pitchFamily="49" charset="0"/>
               </a:rPr>
@@ -9779,6 +9799,9 @@
             </a:r>
             <a:r>
               <a:rPr lang="it-IT" dirty="0" err="1">
+                <a:solidFill>
+                  <a:srgbClr val="00B050"/>
+                </a:solidFill>
                 <a:latin typeface="+mj-lt"/>
                 <a:cs typeface="Courier New" panose="02070309020205020404" pitchFamily="49" charset="0"/>
               </a:rPr>
@@ -9802,6 +9825,9 @@
             <a:pPr lvl="1"/>
             <a:r>
               <a:rPr lang="it-IT" sz="2000" dirty="0" err="1">
+                <a:solidFill>
+                  <a:srgbClr val="FF0000"/>
+                </a:solidFill>
                 <a:latin typeface="+mj-lt"/>
                 <a:cs typeface="Courier New" panose="02070309020205020404" pitchFamily="49" charset="0"/>
               </a:rPr>
@@ -9829,6 +9855,9 @@
             </a:r>
             <a:r>
               <a:rPr lang="it-IT" sz="2000" dirty="0" err="1">
+                <a:solidFill>
+                  <a:srgbClr val="0070C0"/>
+                </a:solidFill>
                 <a:latin typeface="+mj-lt"/>
                 <a:cs typeface="Courier New" panose="02070309020205020404" pitchFamily="49" charset="0"/>
               </a:rPr>
@@ -9870,6 +9899,9 @@
             </a:r>
             <a:r>
               <a:rPr lang="it-IT" noProof="0" dirty="0" err="1">
+                <a:solidFill>
+                  <a:srgbClr val="00B050"/>
+                </a:solidFill>
                 <a:latin typeface="+mj-lt"/>
               </a:rPr>
               <a:t>objProj</a:t>
